--- a/Urban Food Deserts.pptx
+++ b/Urban Food Deserts.pptx
@@ -8,8 +8,9 @@
     <p:sldId id="257" r:id="rId5"/>
     <p:sldId id="262" r:id="rId6"/>
     <p:sldId id="263" r:id="rId7"/>
-    <p:sldId id="264" r:id="rId8"/>
-    <p:sldId id="265" r:id="rId9"/>
+    <p:sldId id="265" r:id="rId8"/>
+    <p:sldId id="266" r:id="rId9"/>
+    <p:sldId id="267" r:id="rId10"/>
   </p:sldIdLst>
   <p:sldSz cx="12192000" cy="6858000"/>
   <p:notesSz cx="6858000" cy="9144000"/>
@@ -114,6 +115,197 @@
     </p:ext>
   </p:extLst>
 </p:presentation>
+</file>
+
+<file path=ppt/revisionInfo.xml><?xml version="1.0" encoding="utf-8"?>
+<p1510:revInfo xmlns:a="http://schemas.openxmlformats.org/drawingml/2006/main" xmlns:r="http://schemas.openxmlformats.org/officeDocument/2006/relationships" xmlns:p1510="http://schemas.microsoft.com/office/powerpoint/2015/10/main">
+  <p1510:revLst>
+    <p1510:client id="{CC50BFA6-0DAD-49D0-9DD9-067F7EEBE095}" v="2" dt="2020-12-19T19:04:51.323"/>
+  </p1510:revLst>
+</p1510:revInfo>
+</file>
+
+<file path=ppt/changesInfos/changesInfo1.xml><?xml version="1.0" encoding="utf-8"?>
+<pc:chgInfo xmlns:a="http://schemas.openxmlformats.org/drawingml/2006/main" xmlns:r="http://schemas.openxmlformats.org/officeDocument/2006/relationships" xmlns:ac="http://schemas.microsoft.com/office/drawing/2013/main/command" xmlns:pc="http://schemas.microsoft.com/office/powerpoint/2013/main/command">
+  <pc:docChgLst>
+    <pc:chgData name="Eric Evans" userId="1a46d0bfc27536c1" providerId="LiveId" clId="{CC50BFA6-0DAD-49D0-9DD9-067F7EEBE095}"/>
+    <pc:docChg chg="custSel addSld modSld">
+      <pc:chgData name="Eric Evans" userId="1a46d0bfc27536c1" providerId="LiveId" clId="{CC50BFA6-0DAD-49D0-9DD9-067F7EEBE095}" dt="2020-12-19T19:47:19.234" v="131" actId="20577"/>
+      <pc:docMkLst>
+        <pc:docMk/>
+      </pc:docMkLst>
+      <pc:sldChg chg="modSp mod">
+        <pc:chgData name="Eric Evans" userId="1a46d0bfc27536c1" providerId="LiveId" clId="{CC50BFA6-0DAD-49D0-9DD9-067F7EEBE095}" dt="2020-12-19T18:59:47.008" v="27" actId="20577"/>
+        <pc:sldMkLst>
+          <pc:docMk/>
+          <pc:sldMk cId="2282530619" sldId="263"/>
+        </pc:sldMkLst>
+        <pc:spChg chg="mod">
+          <ac:chgData name="Eric Evans" userId="1a46d0bfc27536c1" providerId="LiveId" clId="{CC50BFA6-0DAD-49D0-9DD9-067F7EEBE095}" dt="2020-12-19T18:59:47.008" v="27" actId="20577"/>
+          <ac:spMkLst>
+            <pc:docMk/>
+            <pc:sldMk cId="2282530619" sldId="263"/>
+            <ac:spMk id="3" creationId="{C9252740-9341-487F-8D94-71BE70BA0FE1}"/>
+          </ac:spMkLst>
+        </pc:spChg>
+      </pc:sldChg>
+      <pc:sldChg chg="modSp mod">
+        <pc:chgData name="Eric Evans" userId="1a46d0bfc27536c1" providerId="LiveId" clId="{CC50BFA6-0DAD-49D0-9DD9-067F7EEBE095}" dt="2020-12-19T19:47:19.234" v="131" actId="20577"/>
+        <pc:sldMkLst>
+          <pc:docMk/>
+          <pc:sldMk cId="184522517" sldId="265"/>
+        </pc:sldMkLst>
+        <pc:spChg chg="mod">
+          <ac:chgData name="Eric Evans" userId="1a46d0bfc27536c1" providerId="LiveId" clId="{CC50BFA6-0DAD-49D0-9DD9-067F7EEBE095}" dt="2020-12-19T19:47:19.234" v="131" actId="20577"/>
+          <ac:spMkLst>
+            <pc:docMk/>
+            <pc:sldMk cId="184522517" sldId="265"/>
+            <ac:spMk id="3" creationId="{A11A077A-8E0D-4263-B193-FA3FC6F813C9}"/>
+          </ac:spMkLst>
+        </pc:spChg>
+      </pc:sldChg>
+      <pc:sldChg chg="modSp mod">
+        <pc:chgData name="Eric Evans" userId="1a46d0bfc27536c1" providerId="LiveId" clId="{CC50BFA6-0DAD-49D0-9DD9-067F7EEBE095}" dt="2020-12-19T18:01:15.371" v="23" actId="20577"/>
+        <pc:sldMkLst>
+          <pc:docMk/>
+          <pc:sldMk cId="3640181798" sldId="266"/>
+        </pc:sldMkLst>
+        <pc:spChg chg="mod">
+          <ac:chgData name="Eric Evans" userId="1a46d0bfc27536c1" providerId="LiveId" clId="{CC50BFA6-0DAD-49D0-9DD9-067F7EEBE095}" dt="2020-12-19T18:01:15.371" v="23" actId="20577"/>
+          <ac:spMkLst>
+            <pc:docMk/>
+            <pc:sldMk cId="3640181798" sldId="266"/>
+            <ac:spMk id="3" creationId="{1B902856-EB7D-4D26-A1A0-CF4441EED9F2}"/>
+          </ac:spMkLst>
+        </pc:spChg>
+      </pc:sldChg>
+      <pc:sldChg chg="addSp delSp modSp new">
+        <pc:chgData name="Eric Evans" userId="1a46d0bfc27536c1" providerId="LiveId" clId="{CC50BFA6-0DAD-49D0-9DD9-067F7EEBE095}" dt="2020-12-19T19:04:51.323" v="30" actId="478"/>
+        <pc:sldMkLst>
+          <pc:docMk/>
+          <pc:sldMk cId="3123883752" sldId="267"/>
+        </pc:sldMkLst>
+        <pc:spChg chg="del">
+          <ac:chgData name="Eric Evans" userId="1a46d0bfc27536c1" providerId="LiveId" clId="{CC50BFA6-0DAD-49D0-9DD9-067F7EEBE095}" dt="2020-12-19T19:04:45.477" v="29"/>
+          <ac:spMkLst>
+            <pc:docMk/>
+            <pc:sldMk cId="3123883752" sldId="267"/>
+            <ac:spMk id="3" creationId="{E362597D-2F68-40DE-BFDC-16E1EC9ACC54}"/>
+          </ac:spMkLst>
+        </pc:spChg>
+        <pc:spChg chg="add mod">
+          <ac:chgData name="Eric Evans" userId="1a46d0bfc27536c1" providerId="LiveId" clId="{CC50BFA6-0DAD-49D0-9DD9-067F7EEBE095}" dt="2020-12-19T19:04:51.323" v="30" actId="478"/>
+          <ac:spMkLst>
+            <pc:docMk/>
+            <pc:sldMk cId="3123883752" sldId="267"/>
+            <ac:spMk id="4" creationId="{3B59F99C-8A35-4E3B-BECC-3CF472B263B4}"/>
+          </ac:spMkLst>
+        </pc:spChg>
+        <pc:picChg chg="add del mod">
+          <ac:chgData name="Eric Evans" userId="1a46d0bfc27536c1" providerId="LiveId" clId="{CC50BFA6-0DAD-49D0-9DD9-067F7EEBE095}" dt="2020-12-19T19:04:51.323" v="30" actId="478"/>
+          <ac:picMkLst>
+            <pc:docMk/>
+            <pc:sldMk cId="3123883752" sldId="267"/>
+            <ac:picMk id="1026" creationId="{4332F1CC-D588-4CA6-8C6A-DF37FF864A94}"/>
+          </ac:picMkLst>
+        </pc:picChg>
+      </pc:sldChg>
+    </pc:docChg>
+  </pc:docChgLst>
+  <pc:docChgLst>
+    <pc:chgData name="Eric Evans" userId="1a46d0bfc27536c1" providerId="LiveId" clId="{5BE1F578-2943-4177-ADF4-8544A868CFC0}"/>
+    <pc:docChg chg="custSel addSld delSld modSld">
+      <pc:chgData name="Eric Evans" userId="1a46d0bfc27536c1" providerId="LiveId" clId="{5BE1F578-2943-4177-ADF4-8544A868CFC0}" dt="2020-12-18T16:18:14.733" v="617" actId="255"/>
+      <pc:docMkLst>
+        <pc:docMk/>
+      </pc:docMkLst>
+      <pc:sldChg chg="modSp mod">
+        <pc:chgData name="Eric Evans" userId="1a46d0bfc27536c1" providerId="LiveId" clId="{5BE1F578-2943-4177-ADF4-8544A868CFC0}" dt="2020-12-17T03:30:30.515" v="274" actId="20577"/>
+        <pc:sldMkLst>
+          <pc:docMk/>
+          <pc:sldMk cId="3446602603" sldId="262"/>
+        </pc:sldMkLst>
+        <pc:spChg chg="mod">
+          <ac:chgData name="Eric Evans" userId="1a46d0bfc27536c1" providerId="LiveId" clId="{5BE1F578-2943-4177-ADF4-8544A868CFC0}" dt="2020-12-17T03:30:30.515" v="274" actId="20577"/>
+          <ac:spMkLst>
+            <pc:docMk/>
+            <pc:sldMk cId="3446602603" sldId="262"/>
+            <ac:spMk id="9" creationId="{AA6FC2CE-FCC8-424D-A725-B6A29E90152E}"/>
+          </ac:spMkLst>
+        </pc:spChg>
+      </pc:sldChg>
+      <pc:sldChg chg="modSp del mod modShow">
+        <pc:chgData name="Eric Evans" userId="1a46d0bfc27536c1" providerId="LiveId" clId="{5BE1F578-2943-4177-ADF4-8544A868CFC0}" dt="2020-12-17T03:30:55.278" v="276" actId="2696"/>
+        <pc:sldMkLst>
+          <pc:docMk/>
+          <pc:sldMk cId="1137092847" sldId="264"/>
+        </pc:sldMkLst>
+        <pc:spChg chg="mod">
+          <ac:chgData name="Eric Evans" userId="1a46d0bfc27536c1" providerId="LiveId" clId="{5BE1F578-2943-4177-ADF4-8544A868CFC0}" dt="2020-12-17T03:15:25.841" v="61" actId="20577"/>
+          <ac:spMkLst>
+            <pc:docMk/>
+            <pc:sldMk cId="1137092847" sldId="264"/>
+            <ac:spMk id="2" creationId="{C8349995-0279-4189-8112-F6AFC34A810A}"/>
+          </ac:spMkLst>
+        </pc:spChg>
+        <pc:spChg chg="mod">
+          <ac:chgData name="Eric Evans" userId="1a46d0bfc27536c1" providerId="LiveId" clId="{5BE1F578-2943-4177-ADF4-8544A868CFC0}" dt="2020-12-17T03:17:10.393" v="243" actId="255"/>
+          <ac:spMkLst>
+            <pc:docMk/>
+            <pc:sldMk cId="1137092847" sldId="264"/>
+            <ac:spMk id="3" creationId="{47BC903A-77B2-4F76-A489-BAD11879266F}"/>
+          </ac:spMkLst>
+        </pc:spChg>
+      </pc:sldChg>
+      <pc:sldChg chg="modSp mod">
+        <pc:chgData name="Eric Evans" userId="1a46d0bfc27536c1" providerId="LiveId" clId="{5BE1F578-2943-4177-ADF4-8544A868CFC0}" dt="2020-12-18T16:15:29.506" v="401" actId="255"/>
+        <pc:sldMkLst>
+          <pc:docMk/>
+          <pc:sldMk cId="184522517" sldId="265"/>
+        </pc:sldMkLst>
+        <pc:spChg chg="mod">
+          <ac:chgData name="Eric Evans" userId="1a46d0bfc27536c1" providerId="LiveId" clId="{5BE1F578-2943-4177-ADF4-8544A868CFC0}" dt="2020-12-18T16:14:38.944" v="326" actId="20577"/>
+          <ac:spMkLst>
+            <pc:docMk/>
+            <pc:sldMk cId="184522517" sldId="265"/>
+            <ac:spMk id="2" creationId="{DB5D3A70-481D-4D4D-98A0-A14F944B68A0}"/>
+          </ac:spMkLst>
+        </pc:spChg>
+        <pc:spChg chg="mod">
+          <ac:chgData name="Eric Evans" userId="1a46d0bfc27536c1" providerId="LiveId" clId="{5BE1F578-2943-4177-ADF4-8544A868CFC0}" dt="2020-12-18T16:15:29.506" v="401" actId="255"/>
+          <ac:spMkLst>
+            <pc:docMk/>
+            <pc:sldMk cId="184522517" sldId="265"/>
+            <ac:spMk id="3" creationId="{A11A077A-8E0D-4263-B193-FA3FC6F813C9}"/>
+          </ac:spMkLst>
+        </pc:spChg>
+      </pc:sldChg>
+      <pc:sldChg chg="modSp new mod">
+        <pc:chgData name="Eric Evans" userId="1a46d0bfc27536c1" providerId="LiveId" clId="{5BE1F578-2943-4177-ADF4-8544A868CFC0}" dt="2020-12-18T16:18:14.733" v="617" actId="255"/>
+        <pc:sldMkLst>
+          <pc:docMk/>
+          <pc:sldMk cId="3640181798" sldId="266"/>
+        </pc:sldMkLst>
+        <pc:spChg chg="mod">
+          <ac:chgData name="Eric Evans" userId="1a46d0bfc27536c1" providerId="LiveId" clId="{5BE1F578-2943-4177-ADF4-8544A868CFC0}" dt="2020-12-18T16:16:05.231" v="420" actId="20577"/>
+          <ac:spMkLst>
+            <pc:docMk/>
+            <pc:sldMk cId="3640181798" sldId="266"/>
+            <ac:spMk id="2" creationId="{AD829477-273F-4EDE-8168-9A7DFE003787}"/>
+          </ac:spMkLst>
+        </pc:spChg>
+        <pc:spChg chg="mod">
+          <ac:chgData name="Eric Evans" userId="1a46d0bfc27536c1" providerId="LiveId" clId="{5BE1F578-2943-4177-ADF4-8544A868CFC0}" dt="2020-12-18T16:18:14.733" v="617" actId="255"/>
+          <ac:spMkLst>
+            <pc:docMk/>
+            <pc:sldMk cId="3640181798" sldId="266"/>
+            <ac:spMk id="3" creationId="{1B902856-EB7D-4D26-A1A0-CF4441EED9F2}"/>
+          </ac:spMkLst>
+        </pc:spChg>
+      </pc:sldChg>
+    </pc:docChg>
+  </pc:docChgLst>
+</pc:chgInfo>
 </file>
 
 <file path=ppt/slideLayouts/slideLayout1.xml><?xml version="1.0" encoding="utf-8"?>
@@ -585,7 +777,7 @@
           <a:p>
             <a:fld id="{EA0C0817-A112-4847-8014-A94B7D2A4EA3}" type="datetime1">
               <a:rPr lang="en-US" smtClean="0"/>
-              <a:t>12/15/2020</a:t>
+              <a:t>12/19/2020</a:t>
             </a:fld>
             <a:endParaRPr lang="en-US" dirty="0"/>
           </a:p>
@@ -787,7 +979,7 @@
           <a:p>
             <a:fld id="{7332B432-ACDA-4023-A761-2BAB76577B62}" type="datetime1">
               <a:rPr lang="en-US" smtClean="0"/>
-              <a:t>12/15/2020</a:t>
+              <a:t>12/19/2020</a:t>
             </a:fld>
             <a:endParaRPr lang="en-US" dirty="0"/>
           </a:p>
@@ -1386,7 +1578,7 @@
           <a:p>
             <a:fld id="{D9C646AA-F36E-4540-911D-FFFC0A0EF24A}" type="datetime1">
               <a:rPr lang="en-US" smtClean="0"/>
-              <a:t>12/15/2020</a:t>
+              <a:t>12/19/2020</a:t>
             </a:fld>
             <a:endParaRPr lang="en-US" dirty="0"/>
           </a:p>
@@ -1706,7 +1898,7 @@
           <a:p>
             <a:fld id="{69186D26-FA5F-4637-B602-B7C2DC34CFD4}" type="datetime1">
               <a:rPr lang="en-US" smtClean="0"/>
-              <a:t>12/15/2020</a:t>
+              <a:t>12/19/2020</a:t>
             </a:fld>
             <a:endParaRPr lang="en-US" dirty="0"/>
           </a:p>
@@ -2143,7 +2335,7 @@
           <a:p>
             <a:fld id="{8A7F15D8-96D1-4781-BC50-CA8A088B2FE4}" type="datetime1">
               <a:rPr lang="en-US" smtClean="0"/>
-              <a:t>12/15/2020</a:t>
+              <a:t>12/19/2020</a:t>
             </a:fld>
             <a:endParaRPr lang="en-US" dirty="0"/>
           </a:p>
@@ -2261,7 +2453,7 @@
           <a:p>
             <a:fld id="{F9A96C99-B8F8-4528-BD05-0E16E943DC09}" type="datetime1">
               <a:rPr lang="en-US" smtClean="0"/>
-              <a:t>12/15/2020</a:t>
+              <a:t>12/19/2020</a:t>
             </a:fld>
             <a:endParaRPr lang="en-US" dirty="0"/>
           </a:p>
@@ -2356,7 +2548,7 @@
           <a:p>
             <a:fld id="{03636942-C211-4B28-8DBD-C953E00AF71B}" type="datetime1">
               <a:rPr lang="en-US" smtClean="0"/>
-              <a:t>12/15/2020</a:t>
+              <a:t>12/19/2020</a:t>
             </a:fld>
             <a:endParaRPr lang="en-US" dirty="0"/>
           </a:p>
@@ -2773,7 +2965,7 @@
           <a:p>
             <a:fld id="{7E8D12A6-918A-48BD-8CB9-CA713993B0EA}" type="datetime1">
               <a:rPr lang="en-US" smtClean="0"/>
-              <a:t>12/15/2020</a:t>
+              <a:t>12/19/2020</a:t>
             </a:fld>
             <a:endParaRPr lang="en-US" dirty="0"/>
           </a:p>
@@ -3035,7 +3227,7 @@
             <a:fld id="{E778CE86-875F-4587-BCF6-FA054AFC0D53}" type="datetime1">
               <a:rPr lang="en-US" smtClean="0"/>
               <a:pPr/>
-              <a:t>12/15/2020</a:t>
+              <a:t>12/19/2020</a:t>
             </a:fld>
             <a:endParaRPr lang="en-US" dirty="0"/>
           </a:p>
@@ -3551,7 +3743,7 @@
           <a:p>
             <a:fld id="{F6FA2B21-3FCD-4721-B95C-427943F61125}" type="datetime1">
               <a:rPr lang="en-US" smtClean="0"/>
-              <a:t>12/15/2020</a:t>
+              <a:t>12/19/2020</a:t>
             </a:fld>
             <a:endParaRPr lang="en-US" dirty="0"/>
           </a:p>
@@ -4354,22 +4546,62 @@
         </p:spPr>
         <p:txBody>
           <a:bodyPr>
-            <a:normAutofit/>
+            <a:normAutofit fontScale="77500" lnSpcReduction="20000"/>
           </a:bodyPr>
           <a:lstStyle/>
           <a:p>
             <a:r>
-              <a:rPr lang="en-US" sz="2800" b="0" i="0" dirty="0">
+              <a:rPr lang="en-US" sz="3200" b="0" i="0" dirty="0">
                 <a:solidFill>
                   <a:srgbClr val="000000"/>
                 </a:solidFill>
                 <a:effectLst/>
                 <a:latin typeface="Open Sans"/>
               </a:rPr>
-              <a:t>According to a </a:t>
-            </a:r>
-            <a:r>
-              <a:rPr lang="en-US" sz="2800" b="1" i="0" u="sng" dirty="0">
+              <a:t>The definition of food deserts differs, though, based upon whether one lives in an </a:t>
+            </a:r>
+            <a:r>
+              <a:rPr lang="en-US" sz="3200" b="1" i="0" dirty="0">
+                <a:solidFill>
+                  <a:srgbClr val="000000"/>
+                </a:solidFill>
+                <a:effectLst/>
+                <a:latin typeface="Open Sans"/>
+              </a:rPr>
+              <a:t>urban</a:t>
+            </a:r>
+            <a:r>
+              <a:rPr lang="en-US" sz="3200" b="0" i="0" dirty="0">
+                <a:solidFill>
+                  <a:srgbClr val="000000"/>
+                </a:solidFill>
+                <a:effectLst/>
+                <a:latin typeface="Open Sans"/>
+              </a:rPr>
+              <a:t> or a </a:t>
+            </a:r>
+            <a:r>
+              <a:rPr lang="en-US" sz="3200" b="1" i="0" dirty="0">
+                <a:solidFill>
+                  <a:srgbClr val="000000"/>
+                </a:solidFill>
+                <a:effectLst/>
+                <a:latin typeface="Open Sans"/>
+              </a:rPr>
+              <a:t>rural</a:t>
+            </a:r>
+            <a:r>
+              <a:rPr lang="en-US" sz="3200" b="0" i="0" dirty="0">
+                <a:solidFill>
+                  <a:srgbClr val="000000"/>
+                </a:solidFill>
+                <a:effectLst/>
+                <a:latin typeface="Open Sans"/>
+              </a:rPr>
+              <a:t> setting. In fact, according to a </a:t>
+            </a:r>
+            <a:r>
+              <a:rPr lang="en-US" sz="3200" b="1" i="0" u="sng" dirty="0">
                 <a:solidFill>
                   <a:srgbClr val="27BCB8"/>
                 </a:solidFill>
@@ -4380,36 +4612,56 @@
               <a:t>Newsweek article</a:t>
             </a:r>
             <a:r>
-              <a:rPr lang="en-US" sz="2800" b="0" i="0" dirty="0">
+              <a:rPr lang="en-US" sz="3200" b="0" i="0" dirty="0">
                 <a:solidFill>
                   <a:srgbClr val="000000"/>
                 </a:solidFill>
                 <a:effectLst/>
                 <a:latin typeface="Open Sans"/>
               </a:rPr>
-              <a:t> published in 2014, “[I]n urban areas, the U.S Department of Agriculture considers a food desert an area with no ready access to a store with fresh and nutritious food options within one mile. </a:t>
-            </a:r>
-          </a:p>
-          <a:p>
-            <a:r>
-              <a:rPr lang="en-US" sz="2800" dirty="0">
+              <a:t> published in 2014, “[I]n urban areas, the U.S Department of Agriculture considers a food desert an area with no ready access to a store with fresh and nutritious food options within one mile. In rural America, a food desert is defined as 10 miles or more from the nearest market.</a:t>
+            </a:r>
+          </a:p>
+          <a:p>
+            <a:r>
+              <a:rPr lang="en-US" sz="3200" b="0" i="0" dirty="0">
+                <a:solidFill>
+                  <a:srgbClr val="000000"/>
+                </a:solidFill>
+                <a:effectLst/>
+                <a:latin typeface="Open Sans"/>
+              </a:rPr>
+              <a:t>We focused on Urban areas</a:t>
+            </a:r>
+          </a:p>
+          <a:p>
+            <a:r>
+              <a:rPr lang="en-US" sz="3200" dirty="0">
                 <a:solidFill>
                   <a:srgbClr val="000000"/>
                 </a:solidFill>
                 <a:latin typeface="Open Sans"/>
               </a:rPr>
-              <a:t>In poorer areas, people may not have their own transportation and rely on public transportation </a:t>
-            </a:r>
-            <a:r>
-              <a:rPr lang="en-US" sz="2800">
-                <a:solidFill>
-                  <a:srgbClr val="000000"/>
-                </a:solidFill>
-                <a:latin typeface="Open Sans"/>
-              </a:rPr>
-              <a:t>or walking.</a:t>
-            </a:r>
-            <a:endParaRPr lang="en-US" sz="2800" dirty="0"/>
+              <a:t>In poorer areas, people may not have their own transportation and rely on public transportation or walking.</a:t>
+            </a:r>
+            <a:endParaRPr lang="en-US" sz="3200" dirty="0"/>
+          </a:p>
+          <a:p>
+            <a:endParaRPr lang="en-US" sz="3200" b="0" i="0" dirty="0">
+              <a:solidFill>
+                <a:srgbClr val="000000"/>
+              </a:solidFill>
+              <a:effectLst/>
+              <a:latin typeface="Open Sans"/>
+            </a:endParaRPr>
+          </a:p>
+          <a:p>
+            <a:endParaRPr lang="en-US" sz="2800" dirty="0">
+              <a:solidFill>
+                <a:srgbClr val="000000"/>
+              </a:solidFill>
+              <a:latin typeface="Open Sans"/>
+            </a:endParaRPr>
           </a:p>
         </p:txBody>
       </p:sp>
@@ -4472,12 +4724,12 @@
           <a:lstStyle/>
           <a:p>
             <a:r>
-              <a:rPr lang="en-US" sz="3200" b="0" i="0">
+              <a:rPr lang="en-US" sz="3200" b="0" i="0" dirty="0">
                 <a:effectLst/>
               </a:rPr>
-              <a:t>.” Unfortunately, food deserts are not few and far between, “it’s estimated there are more than 23 million people, more than half of them low-income, living in food deserts.”</a:t>
-            </a:r>
-            <a:endParaRPr lang="en-US" sz="3200"/>
+              <a:t> Unfortunately, food deserts are not few and far between, it’s estimated there are more than 23 million people, more than half of them low-income, living in food deserts.</a:t>
+            </a:r>
+            <a:endParaRPr lang="en-US" sz="3200" dirty="0"/>
           </a:p>
         </p:txBody>
       </p:sp>
@@ -4549,7 +4801,7 @@
           <p:cNvPr id="2" name="Title 1">
             <a:extLst>
               <a:ext uri="{FF2B5EF4-FFF2-40B4-BE49-F238E27FC236}">
-                <a16:creationId xmlns:a16="http://schemas.microsoft.com/office/drawing/2014/main" id="{C8349995-0279-4189-8112-F6AFC34A810A}"/>
+                <a16:creationId xmlns:a16="http://schemas.microsoft.com/office/drawing/2014/main" id="{DB5D3A70-481D-4D4D-98A0-A14F944B68A0}"/>
               </a:ext>
             </a:extLst>
           </p:cNvPr>
@@ -4567,7 +4819,7 @@
           <a:p>
             <a:r>
               <a:rPr lang="en-US" dirty="0"/>
-              <a:t>Cities that we looked at</a:t>
+              <a:t>We looked at….	</a:t>
             </a:r>
           </a:p>
         </p:txBody>
@@ -4577,7 +4829,7 @@
           <p:cNvPr id="3" name="Content Placeholder 2">
             <a:extLst>
               <a:ext uri="{FF2B5EF4-FFF2-40B4-BE49-F238E27FC236}">
-                <a16:creationId xmlns:a16="http://schemas.microsoft.com/office/drawing/2014/main" id="{47BC903A-77B2-4F76-A489-BAD11879266F}"/>
+                <a16:creationId xmlns:a16="http://schemas.microsoft.com/office/drawing/2014/main" id="{A11A077A-8E0D-4263-B193-FA3FC6F813C9}"/>
               </a:ext>
             </a:extLst>
           </p:cNvPr>
@@ -4590,17 +4842,30 @@
         </p:nvSpPr>
         <p:spPr/>
         <p:txBody>
-          <a:bodyPr/>
+          <a:bodyPr>
+            <a:normAutofit/>
+          </a:bodyPr>
           <a:lstStyle/>
           <a:p>
-            <a:endParaRPr lang="en-US"/>
+            <a:pPr marL="0" indent="0">
+              <a:buNone/>
+            </a:pPr>
+            <a:r>
+              <a:rPr lang="en-US" sz="4400" dirty="0"/>
+              <a:t>All the counties </a:t>
+            </a:r>
+            <a:r>
+              <a:rPr lang="en-US" sz="4400"/>
+              <a:t>in Missouri</a:t>
+            </a:r>
+            <a:endParaRPr lang="en-US" sz="4400" dirty="0"/>
           </a:p>
         </p:txBody>
       </p:sp>
     </p:spTree>
     <p:extLst>
       <p:ext uri="{BB962C8B-B14F-4D97-AF65-F5344CB8AC3E}">
-        <p14:creationId xmlns:p14="http://schemas.microsoft.com/office/powerpoint/2010/main" val="1137092847"/>
+        <p14:creationId xmlns:p14="http://schemas.microsoft.com/office/powerpoint/2010/main" val="184522517"/>
       </p:ext>
     </p:extLst>
   </p:cSld>
@@ -4632,7 +4897,7 @@
           <p:cNvPr id="2" name="Title 1">
             <a:extLst>
               <a:ext uri="{FF2B5EF4-FFF2-40B4-BE49-F238E27FC236}">
-                <a16:creationId xmlns:a16="http://schemas.microsoft.com/office/drawing/2014/main" id="{DB5D3A70-481D-4D4D-98A0-A14F944B68A0}"/>
+                <a16:creationId xmlns:a16="http://schemas.microsoft.com/office/drawing/2014/main" id="{AD829477-273F-4EDE-8168-9A7DFE003787}"/>
               </a:ext>
             </a:extLst>
           </p:cNvPr>
@@ -4648,7 +4913,10 @@
           <a:bodyPr/>
           <a:lstStyle/>
           <a:p>
-            <a:endParaRPr lang="en-US"/>
+            <a:r>
+              <a:rPr lang="en-US" dirty="0"/>
+              <a:t>We considered….</a:t>
+            </a:r>
           </a:p>
         </p:txBody>
       </p:sp>
@@ -4657,7 +4925,7 @@
           <p:cNvPr id="3" name="Content Placeholder 2">
             <a:extLst>
               <a:ext uri="{FF2B5EF4-FFF2-40B4-BE49-F238E27FC236}">
-                <a16:creationId xmlns:a16="http://schemas.microsoft.com/office/drawing/2014/main" id="{A11A077A-8E0D-4263-B193-FA3FC6F813C9}"/>
+                <a16:creationId xmlns:a16="http://schemas.microsoft.com/office/drawing/2014/main" id="{1B902856-EB7D-4D26-A1A0-CF4441EED9F2}"/>
               </a:ext>
             </a:extLst>
           </p:cNvPr>
@@ -4670,17 +4938,122 @@
         </p:nvSpPr>
         <p:spPr/>
         <p:txBody>
-          <a:bodyPr/>
+          <a:bodyPr>
+            <a:normAutofit/>
+          </a:bodyPr>
           <a:lstStyle/>
           <a:p>
-            <a:endParaRPr lang="en-US"/>
+            <a:r>
+              <a:rPr lang="en-US" sz="3600" dirty="0"/>
+              <a:t>Population as of 2010</a:t>
+            </a:r>
+          </a:p>
+          <a:p>
+            <a:r>
+              <a:rPr lang="en-US" sz="3600" dirty="0"/>
+              <a:t>Poverty rate</a:t>
+            </a:r>
+          </a:p>
+          <a:p>
+            <a:r>
+              <a:rPr lang="en-US" sz="3600" dirty="0"/>
+              <a:t>Different races (White, </a:t>
+            </a:r>
+            <a:r>
+              <a:rPr lang="en-US" sz="3600"/>
+              <a:t>African American, </a:t>
+            </a:r>
+            <a:r>
+              <a:rPr lang="en-US" sz="3600" dirty="0"/>
+              <a:t>Asian, Hispanic) living ½ mile to 1 mile from a grocery store</a:t>
+            </a:r>
           </a:p>
         </p:txBody>
       </p:sp>
     </p:spTree>
     <p:extLst>
       <p:ext uri="{BB962C8B-B14F-4D97-AF65-F5344CB8AC3E}">
-        <p14:creationId xmlns:p14="http://schemas.microsoft.com/office/powerpoint/2010/main" val="184522517"/>
+        <p14:creationId xmlns:p14="http://schemas.microsoft.com/office/powerpoint/2010/main" val="3640181798"/>
+      </p:ext>
+    </p:extLst>
+  </p:cSld>
+  <p:clrMapOvr>
+    <a:masterClrMapping/>
+  </p:clrMapOvr>
+</p:sld>
+</file>
+
+<file path=ppt/slides/slide6.xml><?xml version="1.0" encoding="utf-8"?>
+<p:sld xmlns:a="http://schemas.openxmlformats.org/drawingml/2006/main" xmlns:r="http://schemas.openxmlformats.org/officeDocument/2006/relationships" xmlns:p="http://schemas.openxmlformats.org/presentationml/2006/main">
+  <p:cSld>
+    <p:spTree>
+      <p:nvGrpSpPr>
+        <p:cNvPr id="1" name=""/>
+        <p:cNvGrpSpPr/>
+        <p:nvPr/>
+      </p:nvGrpSpPr>
+      <p:grpSpPr>
+        <a:xfrm>
+          <a:off x="0" y="0"/>
+          <a:ext cx="0" cy="0"/>
+          <a:chOff x="0" y="0"/>
+          <a:chExt cx="0" cy="0"/>
+        </a:xfrm>
+      </p:grpSpPr>
+      <p:sp>
+        <p:nvSpPr>
+          <p:cNvPr id="2" name="Title 1">
+            <a:extLst>
+              <a:ext uri="{FF2B5EF4-FFF2-40B4-BE49-F238E27FC236}">
+                <a16:creationId xmlns:a16="http://schemas.microsoft.com/office/drawing/2014/main" id="{49CE4325-EEAD-43E7-846B-4834984D9A5D}"/>
+              </a:ext>
+            </a:extLst>
+          </p:cNvPr>
+          <p:cNvSpPr>
+            <a:spLocks noGrp="1"/>
+          </p:cNvSpPr>
+          <p:nvPr>
+            <p:ph type="title"/>
+          </p:nvPr>
+        </p:nvSpPr>
+        <p:spPr/>
+        <p:txBody>
+          <a:bodyPr/>
+          <a:lstStyle/>
+          <a:p>
+            <a:endParaRPr lang="en-US"/>
+          </a:p>
+        </p:txBody>
+      </p:sp>
+      <p:sp>
+        <p:nvSpPr>
+          <p:cNvPr id="4" name="Content Placeholder 3">
+            <a:extLst>
+              <a:ext uri="{FF2B5EF4-FFF2-40B4-BE49-F238E27FC236}">
+                <a16:creationId xmlns:a16="http://schemas.microsoft.com/office/drawing/2014/main" id="{3B59F99C-8A35-4E3B-BECC-3CF472B263B4}"/>
+              </a:ext>
+            </a:extLst>
+          </p:cNvPr>
+          <p:cNvSpPr>
+            <a:spLocks noGrp="1"/>
+          </p:cNvSpPr>
+          <p:nvPr>
+            <p:ph idx="1"/>
+          </p:nvPr>
+        </p:nvSpPr>
+        <p:spPr/>
+        <p:txBody>
+          <a:bodyPr/>
+          <a:lstStyle/>
+          <a:p>
+            <a:endParaRPr lang="en-US"/>
+          </a:p>
+        </p:txBody>
+      </p:sp>
+    </p:spTree>
+    <p:extLst>
+      <p:ext uri="{BB962C8B-B14F-4D97-AF65-F5344CB8AC3E}">
+        <p14:creationId xmlns:p14="http://schemas.microsoft.com/office/powerpoint/2010/main" val="3123883752"/>
       </p:ext>
     </p:extLst>
   </p:cSld>
@@ -4967,21 +5340,21 @@
 </file>
 
 <file path=customXml/item1.xml><?xml version="1.0" encoding="utf-8"?>
+<?mso-contentType ?>
+<FormTemplates xmlns="http://schemas.microsoft.com/sharepoint/v3/contenttype/forms">
+  <Display>DocumentLibraryForm</Display>
+  <Edit>DocumentLibraryForm</Edit>
+  <New>DocumentLibraryForm</New>
+</FormTemplates>
+</file>
+
+<file path=customXml/item2.xml><?xml version="1.0" encoding="utf-8"?>
 <p:properties xmlns:p="http://schemas.microsoft.com/office/2006/metadata/properties" xmlns:xsi="http://www.w3.org/2001/XMLSchema-instance" xmlns:pc="http://schemas.microsoft.com/office/infopath/2007/PartnerControls">
   <documentManagement>
     <Status xmlns="71af3243-3dd4-4a8d-8c0d-dd76da1f02a5">Not started</Status>
     <MediaServiceKeyPoints xmlns="71af3243-3dd4-4a8d-8c0d-dd76da1f02a5" xsi:nil="true"/>
   </documentManagement>
 </p:properties>
-</file>
-
-<file path=customXml/item2.xml><?xml version="1.0" encoding="utf-8"?>
-<?mso-contentType ?>
-<FormTemplates xmlns="http://schemas.microsoft.com/sharepoint/v3/contenttype/forms">
-  <Display>DocumentLibraryForm</Display>
-  <Edit>DocumentLibraryForm</Edit>
-  <New>DocumentLibraryForm</New>
-</FormTemplates>
 </file>
 
 <file path=customXml/item3.xml><?xml version="1.0" encoding="utf-8"?>
@@ -5206,19 +5579,19 @@
 </file>
 
 <file path=customXml/itemProps1.xml><?xml version="1.0" encoding="utf-8"?>
+<ds:datastoreItem xmlns:ds="http://schemas.openxmlformats.org/officeDocument/2006/customXml" ds:itemID="{CDB58277-F8DF-46FF-84EC-EF41B835E69F}">
+  <ds:schemaRefs>
+    <ds:schemaRef ds:uri="http://schemas.microsoft.com/sharepoint/v3/contenttype/forms"/>
+  </ds:schemaRefs>
+</ds:datastoreItem>
+</file>
+
+<file path=customXml/itemProps2.xml><?xml version="1.0" encoding="utf-8"?>
 <ds:datastoreItem xmlns:ds="http://schemas.openxmlformats.org/officeDocument/2006/customXml" ds:itemID="{137651BA-F45C-4845-9AB3-E0A65B39F5E1}">
   <ds:schemaRefs>
     <ds:schemaRef ds:uri="http://schemas.microsoft.com/office/2006/metadata/properties"/>
     <ds:schemaRef ds:uri="http://schemas.microsoft.com/office/infopath/2007/PartnerControls"/>
     <ds:schemaRef ds:uri="71af3243-3dd4-4a8d-8c0d-dd76da1f02a5"/>
-  </ds:schemaRefs>
-</ds:datastoreItem>
-</file>
-
-<file path=customXml/itemProps2.xml><?xml version="1.0" encoding="utf-8"?>
-<ds:datastoreItem xmlns:ds="http://schemas.openxmlformats.org/officeDocument/2006/customXml" ds:itemID="{CDB58277-F8DF-46FF-84EC-EF41B835E69F}">
-  <ds:schemaRefs>
-    <ds:schemaRef ds:uri="http://schemas.microsoft.com/sharepoint/v3/contenttype/forms"/>
   </ds:schemaRefs>
 </ds:datastoreItem>
 </file>

--- a/Urban Food Deserts.pptx
+++ b/Urban Food Deserts.pptx
@@ -8,9 +8,20 @@
     <p:sldId id="257" r:id="rId5"/>
     <p:sldId id="262" r:id="rId6"/>
     <p:sldId id="263" r:id="rId7"/>
-    <p:sldId id="265" r:id="rId8"/>
-    <p:sldId id="266" r:id="rId9"/>
-    <p:sldId id="267" r:id="rId10"/>
+    <p:sldId id="266" r:id="rId8"/>
+    <p:sldId id="267" r:id="rId9"/>
+    <p:sldId id="274" r:id="rId10"/>
+    <p:sldId id="268" r:id="rId11"/>
+    <p:sldId id="269" r:id="rId12"/>
+    <p:sldId id="270" r:id="rId13"/>
+    <p:sldId id="271" r:id="rId14"/>
+    <p:sldId id="272" r:id="rId15"/>
+    <p:sldId id="273" r:id="rId16"/>
+    <p:sldId id="275" r:id="rId17"/>
+    <p:sldId id="277" r:id="rId18"/>
+    <p:sldId id="276" r:id="rId19"/>
+    <p:sldId id="278" r:id="rId20"/>
+    <p:sldId id="279" r:id="rId21"/>
   </p:sldIdLst>
   <p:sldSz cx="12192000" cy="6858000"/>
   <p:notesSz cx="6858000" cy="9144000"/>
@@ -120,7 +131,7 @@
 <file path=ppt/revisionInfo.xml><?xml version="1.0" encoding="utf-8"?>
 <p1510:revInfo xmlns:a="http://schemas.openxmlformats.org/drawingml/2006/main" xmlns:r="http://schemas.openxmlformats.org/officeDocument/2006/relationships" xmlns:p1510="http://schemas.microsoft.com/office/powerpoint/2015/10/main">
   <p1510:revLst>
-    <p1510:client id="{CC50BFA6-0DAD-49D0-9DD9-067F7EEBE095}" v="2" dt="2020-12-19T19:04:51.323"/>
+    <p1510:client id="{CC50BFA6-0DAD-49D0-9DD9-067F7EEBE095}" v="47" dt="2020-12-21T16:48:14.332"/>
   </p1510:revLst>
 </p1510:revInfo>
 </file>
@@ -129,8 +140,8 @@
 <pc:chgInfo xmlns:a="http://schemas.openxmlformats.org/drawingml/2006/main" xmlns:r="http://schemas.openxmlformats.org/officeDocument/2006/relationships" xmlns:ac="http://schemas.microsoft.com/office/drawing/2013/main/command" xmlns:pc="http://schemas.microsoft.com/office/powerpoint/2013/main/command">
   <pc:docChgLst>
     <pc:chgData name="Eric Evans" userId="1a46d0bfc27536c1" providerId="LiveId" clId="{CC50BFA6-0DAD-49D0-9DD9-067F7EEBE095}"/>
-    <pc:docChg chg="custSel addSld modSld">
-      <pc:chgData name="Eric Evans" userId="1a46d0bfc27536c1" providerId="LiveId" clId="{CC50BFA6-0DAD-49D0-9DD9-067F7EEBE095}" dt="2020-12-19T19:47:19.234" v="131" actId="20577"/>
+    <pc:docChg chg="undo custSel addSld delSld modSld">
+      <pc:chgData name="Eric Evans" userId="1a46d0bfc27536c1" providerId="LiveId" clId="{CC50BFA6-0DAD-49D0-9DD9-067F7EEBE095}" dt="2020-12-21T16:48:14.332" v="752" actId="1076"/>
       <pc:docMkLst>
         <pc:docMk/>
       </pc:docMkLst>
@@ -149,8 +160,8 @@
           </ac:spMkLst>
         </pc:spChg>
       </pc:sldChg>
-      <pc:sldChg chg="modSp mod">
-        <pc:chgData name="Eric Evans" userId="1a46d0bfc27536c1" providerId="LiveId" clId="{CC50BFA6-0DAD-49D0-9DD9-067F7EEBE095}" dt="2020-12-19T19:47:19.234" v="131" actId="20577"/>
+      <pc:sldChg chg="modSp del mod">
+        <pc:chgData name="Eric Evans" userId="1a46d0bfc27536c1" providerId="LiveId" clId="{CC50BFA6-0DAD-49D0-9DD9-067F7EEBE095}" dt="2020-12-20T19:03:57.632" v="178" actId="2696"/>
         <pc:sldMkLst>
           <pc:docMk/>
           <pc:sldMk cId="184522517" sldId="265"/>
@@ -165,13 +176,13 @@
         </pc:spChg>
       </pc:sldChg>
       <pc:sldChg chg="modSp mod">
-        <pc:chgData name="Eric Evans" userId="1a46d0bfc27536c1" providerId="LiveId" clId="{CC50BFA6-0DAD-49D0-9DD9-067F7EEBE095}" dt="2020-12-19T18:01:15.371" v="23" actId="20577"/>
+        <pc:chgData name="Eric Evans" userId="1a46d0bfc27536c1" providerId="LiveId" clId="{CC50BFA6-0DAD-49D0-9DD9-067F7EEBE095}" dt="2020-12-20T21:41:30.900" v="255" actId="20577"/>
         <pc:sldMkLst>
           <pc:docMk/>
           <pc:sldMk cId="3640181798" sldId="266"/>
         </pc:sldMkLst>
         <pc:spChg chg="mod">
-          <ac:chgData name="Eric Evans" userId="1a46d0bfc27536c1" providerId="LiveId" clId="{CC50BFA6-0DAD-49D0-9DD9-067F7EEBE095}" dt="2020-12-19T18:01:15.371" v="23" actId="20577"/>
+          <ac:chgData name="Eric Evans" userId="1a46d0bfc27536c1" providerId="LiveId" clId="{CC50BFA6-0DAD-49D0-9DD9-067F7EEBE095}" dt="2020-12-20T21:41:30.900" v="255" actId="20577"/>
           <ac:spMkLst>
             <pc:docMk/>
             <pc:sldMk cId="3640181798" sldId="266"/>
@@ -179,12 +190,20 @@
           </ac:spMkLst>
         </pc:spChg>
       </pc:sldChg>
-      <pc:sldChg chg="addSp delSp modSp new">
-        <pc:chgData name="Eric Evans" userId="1a46d0bfc27536c1" providerId="LiveId" clId="{CC50BFA6-0DAD-49D0-9DD9-067F7EEBE095}" dt="2020-12-19T19:04:51.323" v="30" actId="478"/>
+      <pc:sldChg chg="addSp delSp modSp new mod">
+        <pc:chgData name="Eric Evans" userId="1a46d0bfc27536c1" providerId="LiveId" clId="{CC50BFA6-0DAD-49D0-9DD9-067F7EEBE095}" dt="2020-12-20T19:05:39.937" v="243" actId="20577"/>
         <pc:sldMkLst>
           <pc:docMk/>
           <pc:sldMk cId="3123883752" sldId="267"/>
         </pc:sldMkLst>
+        <pc:spChg chg="mod">
+          <ac:chgData name="Eric Evans" userId="1a46d0bfc27536c1" providerId="LiveId" clId="{CC50BFA6-0DAD-49D0-9DD9-067F7EEBE095}" dt="2020-12-20T19:05:39.937" v="243" actId="20577"/>
+          <ac:spMkLst>
+            <pc:docMk/>
+            <pc:sldMk cId="3123883752" sldId="267"/>
+            <ac:spMk id="2" creationId="{49CE4325-EEAD-43E7-846B-4834984D9A5D}"/>
+          </ac:spMkLst>
+        </pc:spChg>
         <pc:spChg chg="del">
           <ac:chgData name="Eric Evans" userId="1a46d0bfc27536c1" providerId="LiveId" clId="{CC50BFA6-0DAD-49D0-9DD9-067F7EEBE095}" dt="2020-12-19T19:04:45.477" v="29"/>
           <ac:spMkLst>
@@ -209,6 +228,433 @@
             <ac:picMk id="1026" creationId="{4332F1CC-D588-4CA6-8C6A-DF37FF864A94}"/>
           </ac:picMkLst>
         </pc:picChg>
+      </pc:sldChg>
+      <pc:sldChg chg="addSp delSp modSp new mod modClrScheme chgLayout">
+        <pc:chgData name="Eric Evans" userId="1a46d0bfc27536c1" providerId="LiveId" clId="{CC50BFA6-0DAD-49D0-9DD9-067F7EEBE095}" dt="2020-12-21T16:45:26.548" v="697" actId="1076"/>
+        <pc:sldMkLst>
+          <pc:docMk/>
+          <pc:sldMk cId="520551577" sldId="268"/>
+        </pc:sldMkLst>
+        <pc:spChg chg="del">
+          <ac:chgData name="Eric Evans" userId="1a46d0bfc27536c1" providerId="LiveId" clId="{CC50BFA6-0DAD-49D0-9DD9-067F7EEBE095}" dt="2020-12-21T16:27:43.933" v="258" actId="26606"/>
+          <ac:spMkLst>
+            <pc:docMk/>
+            <pc:sldMk cId="520551577" sldId="268"/>
+            <ac:spMk id="2" creationId="{8479BB83-4568-4602-A2A1-457D54FA212B}"/>
+          </ac:spMkLst>
+        </pc:spChg>
+        <pc:spChg chg="del">
+          <ac:chgData name="Eric Evans" userId="1a46d0bfc27536c1" providerId="LiveId" clId="{CC50BFA6-0DAD-49D0-9DD9-067F7EEBE095}" dt="2020-12-21T16:27:37.602" v="257"/>
+          <ac:spMkLst>
+            <pc:docMk/>
+            <pc:sldMk cId="520551577" sldId="268"/>
+            <ac:spMk id="3" creationId="{DB767E79-0AFB-4DE0-8A43-3B5E254BCB3E}"/>
+          </ac:spMkLst>
+        </pc:spChg>
+        <pc:spChg chg="add del mod">
+          <ac:chgData name="Eric Evans" userId="1a46d0bfc27536c1" providerId="LiveId" clId="{CC50BFA6-0DAD-49D0-9DD9-067F7EEBE095}" dt="2020-12-21T16:36:55.267" v="534" actId="700"/>
+          <ac:spMkLst>
+            <pc:docMk/>
+            <pc:sldMk cId="520551577" sldId="268"/>
+            <ac:spMk id="71" creationId="{C92D735E-B6C1-42A5-B0A1-906E9D948AAB}"/>
+          </ac:spMkLst>
+        </pc:spChg>
+        <pc:spChg chg="add del mod">
+          <ac:chgData name="Eric Evans" userId="1a46d0bfc27536c1" providerId="LiveId" clId="{CC50BFA6-0DAD-49D0-9DD9-067F7EEBE095}" dt="2020-12-21T16:36:55.267" v="534" actId="700"/>
+          <ac:spMkLst>
+            <pc:docMk/>
+            <pc:sldMk cId="520551577" sldId="268"/>
+            <ac:spMk id="73" creationId="{C24F14EB-711B-4C4E-BEF7-1EBCD312E38C}"/>
+          </ac:spMkLst>
+        </pc:spChg>
+        <pc:picChg chg="add mod ord">
+          <ac:chgData name="Eric Evans" userId="1a46d0bfc27536c1" providerId="LiveId" clId="{CC50BFA6-0DAD-49D0-9DD9-067F7EEBE095}" dt="2020-12-21T16:45:26.548" v="697" actId="1076"/>
+          <ac:picMkLst>
+            <pc:docMk/>
+            <pc:sldMk cId="520551577" sldId="268"/>
+            <ac:picMk id="1026" creationId="{3718A521-448F-4A6A-BE0B-0D330AA017AF}"/>
+          </ac:picMkLst>
+        </pc:picChg>
+      </pc:sldChg>
+      <pc:sldChg chg="addSp delSp modSp new mod modClrScheme chgLayout">
+        <pc:chgData name="Eric Evans" userId="1a46d0bfc27536c1" providerId="LiveId" clId="{CC50BFA6-0DAD-49D0-9DD9-067F7EEBE095}" dt="2020-12-21T16:46:54.221" v="746" actId="14100"/>
+        <pc:sldMkLst>
+          <pc:docMk/>
+          <pc:sldMk cId="2288334773" sldId="269"/>
+        </pc:sldMkLst>
+        <pc:spChg chg="del">
+          <ac:chgData name="Eric Evans" userId="1a46d0bfc27536c1" providerId="LiveId" clId="{CC50BFA6-0DAD-49D0-9DD9-067F7EEBE095}" dt="2020-12-21T16:28:35.995" v="261"/>
+          <ac:spMkLst>
+            <pc:docMk/>
+            <pc:sldMk cId="2288334773" sldId="269"/>
+            <ac:spMk id="2" creationId="{F2748B3E-C50C-42AA-B98D-535A9CDDBC0B}"/>
+          </ac:spMkLst>
+        </pc:spChg>
+        <pc:spChg chg="del mod">
+          <ac:chgData name="Eric Evans" userId="1a46d0bfc27536c1" providerId="LiveId" clId="{CC50BFA6-0DAD-49D0-9DD9-067F7EEBE095}" dt="2020-12-21T16:30:50.537" v="353" actId="26606"/>
+          <ac:spMkLst>
+            <pc:docMk/>
+            <pc:sldMk cId="2288334773" sldId="269"/>
+            <ac:spMk id="3" creationId="{0D2167CC-C540-47A1-A59C-E1B1A9CB6CDE}"/>
+          </ac:spMkLst>
+        </pc:spChg>
+        <pc:spChg chg="del">
+          <ac:chgData name="Eric Evans" userId="1a46d0bfc27536c1" providerId="LiveId" clId="{CC50BFA6-0DAD-49D0-9DD9-067F7EEBE095}" dt="2020-12-21T16:29:51.034" v="310" actId="26606"/>
+          <ac:spMkLst>
+            <pc:docMk/>
+            <pc:sldMk cId="2288334773" sldId="269"/>
+            <ac:spMk id="4" creationId="{4E3CBEC6-650E-48DE-ACBF-764D26EC45EB}"/>
+          </ac:spMkLst>
+        </pc:spChg>
+        <pc:spChg chg="add del mod">
+          <ac:chgData name="Eric Evans" userId="1a46d0bfc27536c1" providerId="LiveId" clId="{CC50BFA6-0DAD-49D0-9DD9-067F7EEBE095}" dt="2020-12-21T16:29:12.047" v="265"/>
+          <ac:spMkLst>
+            <pc:docMk/>
+            <pc:sldMk cId="2288334773" sldId="269"/>
+            <ac:spMk id="5" creationId="{C2E2D534-B7B2-499B-B8F4-B3FEA9ABDF4D}"/>
+          </ac:spMkLst>
+        </pc:spChg>
+        <pc:spChg chg="add del mod ord">
+          <ac:chgData name="Eric Evans" userId="1a46d0bfc27536c1" providerId="LiveId" clId="{CC50BFA6-0DAD-49D0-9DD9-067F7EEBE095}" dt="2020-12-21T16:46:25.454" v="742" actId="700"/>
+          <ac:spMkLst>
+            <pc:docMk/>
+            <pc:sldMk cId="2288334773" sldId="269"/>
+            <ac:spMk id="6" creationId="{3168AB96-34A6-4747-81DA-BBA74C91C5EB}"/>
+          </ac:spMkLst>
+        </pc:spChg>
+        <pc:spChg chg="add del mod ord">
+          <ac:chgData name="Eric Evans" userId="1a46d0bfc27536c1" providerId="LiveId" clId="{CC50BFA6-0DAD-49D0-9DD9-067F7EEBE095}" dt="2020-12-21T16:46:25.454" v="742" actId="700"/>
+          <ac:spMkLst>
+            <pc:docMk/>
+            <pc:sldMk cId="2288334773" sldId="269"/>
+            <ac:spMk id="7" creationId="{F4DCB2B3-0954-43D1-8733-2544874BB5D9}"/>
+          </ac:spMkLst>
+        </pc:spChg>
+        <pc:spChg chg="add del mod">
+          <ac:chgData name="Eric Evans" userId="1a46d0bfc27536c1" providerId="LiveId" clId="{CC50BFA6-0DAD-49D0-9DD9-067F7EEBE095}" dt="2020-12-21T16:31:21.822" v="356" actId="26606"/>
+          <ac:spMkLst>
+            <pc:docMk/>
+            <pc:sldMk cId="2288334773" sldId="269"/>
+            <ac:spMk id="73" creationId="{4C48AA34-CC4C-4B86-AA08-33CDBF6033ED}"/>
+          </ac:spMkLst>
+        </pc:spChg>
+        <pc:spChg chg="add del mod">
+          <ac:chgData name="Eric Evans" userId="1a46d0bfc27536c1" providerId="LiveId" clId="{CC50BFA6-0DAD-49D0-9DD9-067F7EEBE095}" dt="2020-12-21T16:31:21.822" v="356" actId="26606"/>
+          <ac:spMkLst>
+            <pc:docMk/>
+            <pc:sldMk cId="2288334773" sldId="269"/>
+            <ac:spMk id="75" creationId="{B5B831AF-6F60-4D47-B4DA-8DD5CB481F47}"/>
+          </ac:spMkLst>
+        </pc:spChg>
+        <pc:spChg chg="add del mod ord">
+          <ac:chgData name="Eric Evans" userId="1a46d0bfc27536c1" providerId="LiveId" clId="{CC50BFA6-0DAD-49D0-9DD9-067F7EEBE095}" dt="2020-12-21T16:45:55.577" v="739" actId="700"/>
+          <ac:spMkLst>
+            <pc:docMk/>
+            <pc:sldMk cId="2288334773" sldId="269"/>
+            <ac:spMk id="137" creationId="{F84FDC67-B425-47C8-9830-A97AE6F6559A}"/>
+          </ac:spMkLst>
+        </pc:spChg>
+        <pc:spChg chg="add del mod">
+          <ac:chgData name="Eric Evans" userId="1a46d0bfc27536c1" providerId="LiveId" clId="{CC50BFA6-0DAD-49D0-9DD9-067F7EEBE095}" dt="2020-12-21T16:45:39.195" v="698" actId="700"/>
+          <ac:spMkLst>
+            <pc:docMk/>
+            <pc:sldMk cId="2288334773" sldId="269"/>
+            <ac:spMk id="192" creationId="{9A98A0E6-8937-4B74-9D5A-4A4F0942A8DA}"/>
+          </ac:spMkLst>
+        </pc:spChg>
+        <pc:picChg chg="add del mod">
+          <ac:chgData name="Eric Evans" userId="1a46d0bfc27536c1" providerId="LiveId" clId="{CC50BFA6-0DAD-49D0-9DD9-067F7EEBE095}" dt="2020-12-21T16:28:58.641" v="264" actId="478"/>
+          <ac:picMkLst>
+            <pc:docMk/>
+            <pc:sldMk cId="2288334773" sldId="269"/>
+            <ac:picMk id="2050" creationId="{DE390071-549E-454F-9897-2F4399AA680A}"/>
+          </ac:picMkLst>
+        </pc:picChg>
+        <pc:picChg chg="add mod ord">
+          <ac:chgData name="Eric Evans" userId="1a46d0bfc27536c1" providerId="LiveId" clId="{CC50BFA6-0DAD-49D0-9DD9-067F7EEBE095}" dt="2020-12-21T16:46:54.221" v="746" actId="14100"/>
+          <ac:picMkLst>
+            <pc:docMk/>
+            <pc:sldMk cId="2288334773" sldId="269"/>
+            <ac:picMk id="2052" creationId="{7AD43978-1CCE-42C4-A309-DAC6CB0E9A84}"/>
+          </ac:picMkLst>
+        </pc:picChg>
+      </pc:sldChg>
+      <pc:sldChg chg="addSp delSp modSp new mod modClrScheme chgLayout">
+        <pc:chgData name="Eric Evans" userId="1a46d0bfc27536c1" providerId="LiveId" clId="{CC50BFA6-0DAD-49D0-9DD9-067F7EEBE095}" dt="2020-12-21T16:47:09.181" v="747" actId="1076"/>
+        <pc:sldMkLst>
+          <pc:docMk/>
+          <pc:sldMk cId="548437515" sldId="270"/>
+        </pc:sldMkLst>
+        <pc:spChg chg="del">
+          <ac:chgData name="Eric Evans" userId="1a46d0bfc27536c1" providerId="LiveId" clId="{CC50BFA6-0DAD-49D0-9DD9-067F7EEBE095}" dt="2020-12-21T16:32:54.196" v="409"/>
+          <ac:spMkLst>
+            <pc:docMk/>
+            <pc:sldMk cId="548437515" sldId="270"/>
+            <ac:spMk id="2" creationId="{2285F749-B2B6-4183-955D-F4846253D217}"/>
+          </ac:spMkLst>
+        </pc:spChg>
+        <pc:spChg chg="add del">
+          <ac:chgData name="Eric Evans" userId="1a46d0bfc27536c1" providerId="LiveId" clId="{CC50BFA6-0DAD-49D0-9DD9-067F7EEBE095}" dt="2020-12-21T16:32:59.808" v="412" actId="26606"/>
+          <ac:spMkLst>
+            <pc:docMk/>
+            <pc:sldMk cId="548437515" sldId="270"/>
+            <ac:spMk id="3" creationId="{9FFE6611-6741-43F7-AB4F-0FE52D0ED8AB}"/>
+          </ac:spMkLst>
+        </pc:spChg>
+        <pc:spChg chg="add del">
+          <ac:chgData name="Eric Evans" userId="1a46d0bfc27536c1" providerId="LiveId" clId="{CC50BFA6-0DAD-49D0-9DD9-067F7EEBE095}" dt="2020-12-21T16:32:59.808" v="412" actId="26606"/>
+          <ac:spMkLst>
+            <pc:docMk/>
+            <pc:sldMk cId="548437515" sldId="270"/>
+            <ac:spMk id="4" creationId="{6D72366E-F9EA-4579-8EA8-4E2D9A1A09A6}"/>
+          </ac:spMkLst>
+        </pc:spChg>
+        <pc:spChg chg="add del mod">
+          <ac:chgData name="Eric Evans" userId="1a46d0bfc27536c1" providerId="LiveId" clId="{CC50BFA6-0DAD-49D0-9DD9-067F7EEBE095}" dt="2020-12-21T16:32:59.808" v="411" actId="26606"/>
+          <ac:spMkLst>
+            <pc:docMk/>
+            <pc:sldMk cId="548437515" sldId="270"/>
+            <ac:spMk id="71" creationId="{3BD16AAF-B0E8-4707-98D0-E1E64C289DA4}"/>
+          </ac:spMkLst>
+        </pc:spChg>
+        <pc:spChg chg="add del mod">
+          <ac:chgData name="Eric Evans" userId="1a46d0bfc27536c1" providerId="LiveId" clId="{CC50BFA6-0DAD-49D0-9DD9-067F7EEBE095}" dt="2020-12-21T16:35:28.953" v="485" actId="700"/>
+          <ac:spMkLst>
+            <pc:docMk/>
+            <pc:sldMk cId="548437515" sldId="270"/>
+            <ac:spMk id="73" creationId="{8460F009-BCAB-481D-A4A3-F40CD9B2AF82}"/>
+          </ac:spMkLst>
+        </pc:spChg>
+        <pc:spChg chg="add del mod ord">
+          <ac:chgData name="Eric Evans" userId="1a46d0bfc27536c1" providerId="LiveId" clId="{CC50BFA6-0DAD-49D0-9DD9-067F7EEBE095}" dt="2020-12-21T16:36:07.676" v="530" actId="700"/>
+          <ac:spMkLst>
+            <pc:docMk/>
+            <pc:sldMk cId="548437515" sldId="270"/>
+            <ac:spMk id="3076" creationId="{E5F08321-99A9-4A7C-9625-8CBA76167012}"/>
+          </ac:spMkLst>
+        </pc:spChg>
+        <pc:spChg chg="add del mod">
+          <ac:chgData name="Eric Evans" userId="1a46d0bfc27536c1" providerId="LiveId" clId="{CC50BFA6-0DAD-49D0-9DD9-067F7EEBE095}" dt="2020-12-21T16:36:07.676" v="530" actId="700"/>
+          <ac:spMkLst>
+            <pc:docMk/>
+            <pc:sldMk cId="548437515" sldId="270"/>
+            <ac:spMk id="3078" creationId="{5B577E29-B70D-41A3-94F5-A27B7996724A}"/>
+          </ac:spMkLst>
+        </pc:spChg>
+        <pc:picChg chg="add mod ord">
+          <ac:chgData name="Eric Evans" userId="1a46d0bfc27536c1" providerId="LiveId" clId="{CC50BFA6-0DAD-49D0-9DD9-067F7EEBE095}" dt="2020-12-21T16:47:09.181" v="747" actId="1076"/>
+          <ac:picMkLst>
+            <pc:docMk/>
+            <pc:sldMk cId="548437515" sldId="270"/>
+            <ac:picMk id="3074" creationId="{3562743C-79BD-4DDC-8517-D1981722AB6C}"/>
+          </ac:picMkLst>
+        </pc:picChg>
+      </pc:sldChg>
+      <pc:sldChg chg="addSp delSp modSp new mod modClrScheme chgLayout">
+        <pc:chgData name="Eric Evans" userId="1a46d0bfc27536c1" providerId="LiveId" clId="{CC50BFA6-0DAD-49D0-9DD9-067F7EEBE095}" dt="2020-12-21T16:47:21.551" v="748" actId="1076"/>
+        <pc:sldMkLst>
+          <pc:docMk/>
+          <pc:sldMk cId="3045019239" sldId="271"/>
+        </pc:sldMkLst>
+        <pc:spChg chg="del">
+          <ac:chgData name="Eric Evans" userId="1a46d0bfc27536c1" providerId="LiveId" clId="{CC50BFA6-0DAD-49D0-9DD9-067F7EEBE095}" dt="2020-12-21T16:35:04.186" v="483" actId="700"/>
+          <ac:spMkLst>
+            <pc:docMk/>
+            <pc:sldMk cId="3045019239" sldId="271"/>
+            <ac:spMk id="2" creationId="{68DEB69D-2A94-4458-B92B-363CC142B17F}"/>
+          </ac:spMkLst>
+        </pc:spChg>
+        <pc:spChg chg="del">
+          <ac:chgData name="Eric Evans" userId="1a46d0bfc27536c1" providerId="LiveId" clId="{CC50BFA6-0DAD-49D0-9DD9-067F7EEBE095}" dt="2020-12-21T16:34:36.925" v="480"/>
+          <ac:spMkLst>
+            <pc:docMk/>
+            <pc:sldMk cId="3045019239" sldId="271"/>
+            <ac:spMk id="3" creationId="{B94BB468-1C7F-479F-82E9-966542D88217}"/>
+          </ac:spMkLst>
+        </pc:spChg>
+        <pc:spChg chg="del">
+          <ac:chgData name="Eric Evans" userId="1a46d0bfc27536c1" providerId="LiveId" clId="{CC50BFA6-0DAD-49D0-9DD9-067F7EEBE095}" dt="2020-12-21T16:35:04.186" v="483" actId="700"/>
+          <ac:spMkLst>
+            <pc:docMk/>
+            <pc:sldMk cId="3045019239" sldId="271"/>
+            <ac:spMk id="4" creationId="{17E44BA6-4E98-4BC3-8F1A-011FCD7C58A8}"/>
+          </ac:spMkLst>
+        </pc:spChg>
+        <pc:picChg chg="add mod ord">
+          <ac:chgData name="Eric Evans" userId="1a46d0bfc27536c1" providerId="LiveId" clId="{CC50BFA6-0DAD-49D0-9DD9-067F7EEBE095}" dt="2020-12-21T16:47:21.551" v="748" actId="1076"/>
+          <ac:picMkLst>
+            <pc:docMk/>
+            <pc:sldMk cId="3045019239" sldId="271"/>
+            <ac:picMk id="4098" creationId="{883FE812-99B6-4DDA-96C4-44E8DDD305D1}"/>
+          </ac:picMkLst>
+        </pc:picChg>
+      </pc:sldChg>
+      <pc:sldChg chg="addSp modSp new mod modClrScheme chgLayout">
+        <pc:chgData name="Eric Evans" userId="1a46d0bfc27536c1" providerId="LiveId" clId="{CC50BFA6-0DAD-49D0-9DD9-067F7EEBE095}" dt="2020-12-21T16:39:24.175" v="601" actId="20577"/>
+        <pc:sldMkLst>
+          <pc:docMk/>
+          <pc:sldMk cId="2120359329" sldId="272"/>
+        </pc:sldMkLst>
+        <pc:spChg chg="add mod">
+          <ac:chgData name="Eric Evans" userId="1a46d0bfc27536c1" providerId="LiveId" clId="{CC50BFA6-0DAD-49D0-9DD9-067F7EEBE095}" dt="2020-12-21T16:39:24.175" v="601" actId="20577"/>
+          <ac:spMkLst>
+            <pc:docMk/>
+            <pc:sldMk cId="2120359329" sldId="272"/>
+            <ac:spMk id="6" creationId="{6DD69FB8-4570-456C-9832-56F52B58196D}"/>
+          </ac:spMkLst>
+        </pc:spChg>
+        <pc:spChg chg="add mod">
+          <ac:chgData name="Eric Evans" userId="1a46d0bfc27536c1" providerId="LiveId" clId="{CC50BFA6-0DAD-49D0-9DD9-067F7EEBE095}" dt="2020-12-21T16:39:15.333" v="582" actId="26606"/>
+          <ac:spMkLst>
+            <pc:docMk/>
+            <pc:sldMk cId="2120359329" sldId="272"/>
+            <ac:spMk id="8" creationId="{9E950D11-7E00-4288-8EED-579E6A8638F4}"/>
+          </ac:spMkLst>
+        </pc:spChg>
+      </pc:sldChg>
+      <pc:sldChg chg="addSp modSp new">
+        <pc:chgData name="Eric Evans" userId="1a46d0bfc27536c1" providerId="LiveId" clId="{CC50BFA6-0DAD-49D0-9DD9-067F7EEBE095}" dt="2020-12-21T16:47:47.085" v="751" actId="14100"/>
+        <pc:sldMkLst>
+          <pc:docMk/>
+          <pc:sldMk cId="2178518540" sldId="273"/>
+        </pc:sldMkLst>
+        <pc:picChg chg="add mod">
+          <ac:chgData name="Eric Evans" userId="1a46d0bfc27536c1" providerId="LiveId" clId="{CC50BFA6-0DAD-49D0-9DD9-067F7EEBE095}" dt="2020-12-21T16:47:47.085" v="751" actId="14100"/>
+          <ac:picMkLst>
+            <pc:docMk/>
+            <pc:sldMk cId="2178518540" sldId="273"/>
+            <ac:picMk id="5122" creationId="{D745DAFE-04D0-40F5-80E9-3A58580D2319}"/>
+          </ac:picMkLst>
+        </pc:picChg>
+      </pc:sldChg>
+      <pc:sldChg chg="addSp delSp modSp new mod modClrScheme chgLayout">
+        <pc:chgData name="Eric Evans" userId="1a46d0bfc27536c1" providerId="LiveId" clId="{CC50BFA6-0DAD-49D0-9DD9-067F7EEBE095}" dt="2020-12-21T16:39:04.949" v="581" actId="20577"/>
+        <pc:sldMkLst>
+          <pc:docMk/>
+          <pc:sldMk cId="3676757797" sldId="274"/>
+        </pc:sldMkLst>
+        <pc:spChg chg="del">
+          <ac:chgData name="Eric Evans" userId="1a46d0bfc27536c1" providerId="LiveId" clId="{CC50BFA6-0DAD-49D0-9DD9-067F7EEBE095}" dt="2020-12-21T16:38:42.548" v="562" actId="700"/>
+          <ac:spMkLst>
+            <pc:docMk/>
+            <pc:sldMk cId="3676757797" sldId="274"/>
+            <ac:spMk id="2" creationId="{A43A7851-ADDC-4430-9CF6-33F350A2E905}"/>
+          </ac:spMkLst>
+        </pc:spChg>
+        <pc:spChg chg="del mod">
+          <ac:chgData name="Eric Evans" userId="1a46d0bfc27536c1" providerId="LiveId" clId="{CC50BFA6-0DAD-49D0-9DD9-067F7EEBE095}" dt="2020-12-21T16:38:42.548" v="562" actId="700"/>
+          <ac:spMkLst>
+            <pc:docMk/>
+            <pc:sldMk cId="3676757797" sldId="274"/>
+            <ac:spMk id="3" creationId="{86C07C35-B236-4C4D-833F-EA25034FF130}"/>
+          </ac:spMkLst>
+        </pc:spChg>
+        <pc:spChg chg="add mod">
+          <ac:chgData name="Eric Evans" userId="1a46d0bfc27536c1" providerId="LiveId" clId="{CC50BFA6-0DAD-49D0-9DD9-067F7EEBE095}" dt="2020-12-21T16:39:04.949" v="581" actId="20577"/>
+          <ac:spMkLst>
+            <pc:docMk/>
+            <pc:sldMk cId="3676757797" sldId="274"/>
+            <ac:spMk id="6" creationId="{A83C103C-702A-4F9C-9C17-F86165C5441C}"/>
+          </ac:spMkLst>
+        </pc:spChg>
+        <pc:spChg chg="add mod">
+          <ac:chgData name="Eric Evans" userId="1a46d0bfc27536c1" providerId="LiveId" clId="{CC50BFA6-0DAD-49D0-9DD9-067F7EEBE095}" dt="2020-12-21T16:38:49.499" v="563" actId="26606"/>
+          <ac:spMkLst>
+            <pc:docMk/>
+            <pc:sldMk cId="3676757797" sldId="274"/>
+            <ac:spMk id="8" creationId="{3E268483-82E4-4676-93D6-846FCC0EC089}"/>
+          </ac:spMkLst>
+        </pc:spChg>
+      </pc:sldChg>
+      <pc:sldChg chg="addSp modSp new">
+        <pc:chgData name="Eric Evans" userId="1a46d0bfc27536c1" providerId="LiveId" clId="{CC50BFA6-0DAD-49D0-9DD9-067F7EEBE095}" dt="2020-12-21T16:48:14.332" v="752" actId="1076"/>
+        <pc:sldMkLst>
+          <pc:docMk/>
+          <pc:sldMk cId="2518944210" sldId="275"/>
+        </pc:sldMkLst>
+        <pc:picChg chg="add mod">
+          <ac:chgData name="Eric Evans" userId="1a46d0bfc27536c1" providerId="LiveId" clId="{CC50BFA6-0DAD-49D0-9DD9-067F7EEBE095}" dt="2020-12-21T16:48:14.332" v="752" actId="1076"/>
+          <ac:picMkLst>
+            <pc:docMk/>
+            <pc:sldMk cId="2518944210" sldId="275"/>
+            <ac:picMk id="6146" creationId="{957498AD-C73C-4E0C-BBFF-B57475FCCB57}"/>
+          </ac:picMkLst>
+        </pc:picChg>
+      </pc:sldChg>
+      <pc:sldChg chg="addSp modSp new">
+        <pc:chgData name="Eric Evans" userId="1a46d0bfc27536c1" providerId="LiveId" clId="{CC50BFA6-0DAD-49D0-9DD9-067F7EEBE095}" dt="2020-12-21T16:43:52.222" v="689" actId="1076"/>
+        <pc:sldMkLst>
+          <pc:docMk/>
+          <pc:sldMk cId="3701731735" sldId="276"/>
+        </pc:sldMkLst>
+        <pc:picChg chg="add mod">
+          <ac:chgData name="Eric Evans" userId="1a46d0bfc27536c1" providerId="LiveId" clId="{CC50BFA6-0DAD-49D0-9DD9-067F7EEBE095}" dt="2020-12-21T16:43:52.222" v="689" actId="1076"/>
+          <ac:picMkLst>
+            <pc:docMk/>
+            <pc:sldMk cId="3701731735" sldId="276"/>
+            <ac:picMk id="7170" creationId="{C072E069-876F-44AA-82CA-EEBBD6690F18}"/>
+          </ac:picMkLst>
+        </pc:picChg>
+      </pc:sldChg>
+      <pc:sldChg chg="addSp modSp new mod modClrScheme chgLayout">
+        <pc:chgData name="Eric Evans" userId="1a46d0bfc27536c1" providerId="LiveId" clId="{CC50BFA6-0DAD-49D0-9DD9-067F7EEBE095}" dt="2020-12-21T16:43:05.749" v="682" actId="20577"/>
+        <pc:sldMkLst>
+          <pc:docMk/>
+          <pc:sldMk cId="2436786362" sldId="277"/>
+        </pc:sldMkLst>
+        <pc:spChg chg="add mod">
+          <ac:chgData name="Eric Evans" userId="1a46d0bfc27536c1" providerId="LiveId" clId="{CC50BFA6-0DAD-49D0-9DD9-067F7EEBE095}" dt="2020-12-21T16:43:05.749" v="682" actId="20577"/>
+          <ac:spMkLst>
+            <pc:docMk/>
+            <pc:sldMk cId="2436786362" sldId="277"/>
+            <ac:spMk id="2" creationId="{A20667F8-8560-4322-97FE-6A0EA498084D}"/>
+          </ac:spMkLst>
+        </pc:spChg>
+        <pc:spChg chg="add mod">
+          <ac:chgData name="Eric Evans" userId="1a46d0bfc27536c1" providerId="LiveId" clId="{CC50BFA6-0DAD-49D0-9DD9-067F7EEBE095}" dt="2020-12-21T16:41:39.410" v="612" actId="700"/>
+          <ac:spMkLst>
+            <pc:docMk/>
+            <pc:sldMk cId="2436786362" sldId="277"/>
+            <ac:spMk id="3" creationId="{A6AC92BF-90FC-40C7-8854-66492AA5CC78}"/>
+          </ac:spMkLst>
+        </pc:spChg>
+      </pc:sldChg>
+      <pc:sldChg chg="addSp modSp new">
+        <pc:chgData name="Eric Evans" userId="1a46d0bfc27536c1" providerId="LiveId" clId="{CC50BFA6-0DAD-49D0-9DD9-067F7EEBE095}" dt="2020-12-21T16:44:19.465" v="694" actId="1076"/>
+        <pc:sldMkLst>
+          <pc:docMk/>
+          <pc:sldMk cId="2911834827" sldId="278"/>
+        </pc:sldMkLst>
+        <pc:picChg chg="add mod">
+          <ac:chgData name="Eric Evans" userId="1a46d0bfc27536c1" providerId="LiveId" clId="{CC50BFA6-0DAD-49D0-9DD9-067F7EEBE095}" dt="2020-12-21T16:44:19.465" v="694" actId="1076"/>
+          <ac:picMkLst>
+            <pc:docMk/>
+            <pc:sldMk cId="2911834827" sldId="278"/>
+            <ac:picMk id="8194" creationId="{0BC418AB-FABD-44E6-BE70-DC6115942086}"/>
+          </ac:picMkLst>
+        </pc:picChg>
+      </pc:sldChg>
+      <pc:sldChg chg="addSp new">
+        <pc:chgData name="Eric Evans" userId="1a46d0bfc27536c1" providerId="LiveId" clId="{CC50BFA6-0DAD-49D0-9DD9-067F7EEBE095}" dt="2020-12-21T16:44:40.497" v="696"/>
+        <pc:sldMkLst>
+          <pc:docMk/>
+          <pc:sldMk cId="627493520" sldId="279"/>
+        </pc:sldMkLst>
+        <pc:picChg chg="add">
+          <ac:chgData name="Eric Evans" userId="1a46d0bfc27536c1" providerId="LiveId" clId="{CC50BFA6-0DAD-49D0-9DD9-067F7EEBE095}" dt="2020-12-21T16:44:40.497" v="696"/>
+          <ac:picMkLst>
+            <pc:docMk/>
+            <pc:sldMk cId="627493520" sldId="279"/>
+            <ac:picMk id="9218" creationId="{1B61CDE8-8DE6-48A2-A2BD-57ED226558D4}"/>
+          </ac:picMkLst>
+        </pc:picChg>
+      </pc:sldChg>
+      <pc:sldChg chg="new del">
+        <pc:chgData name="Eric Evans" userId="1a46d0bfc27536c1" providerId="LiveId" clId="{CC50BFA6-0DAD-49D0-9DD9-067F7EEBE095}" dt="2020-12-21T16:46:15.485" v="741" actId="2696"/>
+        <pc:sldMkLst>
+          <pc:docMk/>
+          <pc:sldMk cId="1887816376" sldId="280"/>
+        </pc:sldMkLst>
       </pc:sldChg>
     </pc:docChg>
   </pc:docChgLst>
@@ -777,7 +1223,7 @@
           <a:p>
             <a:fld id="{EA0C0817-A112-4847-8014-A94B7D2A4EA3}" type="datetime1">
               <a:rPr lang="en-US" smtClean="0"/>
-              <a:t>12/19/2020</a:t>
+              <a:t>12/21/2020</a:t>
             </a:fld>
             <a:endParaRPr lang="en-US" dirty="0"/>
           </a:p>
@@ -979,7 +1425,7 @@
           <a:p>
             <a:fld id="{7332B432-ACDA-4023-A761-2BAB76577B62}" type="datetime1">
               <a:rPr lang="en-US" smtClean="0"/>
-              <a:t>12/19/2020</a:t>
+              <a:t>12/21/2020</a:t>
             </a:fld>
             <a:endParaRPr lang="en-US" dirty="0"/>
           </a:p>
@@ -1578,7 +2024,7 @@
           <a:p>
             <a:fld id="{D9C646AA-F36E-4540-911D-FFFC0A0EF24A}" type="datetime1">
               <a:rPr lang="en-US" smtClean="0"/>
-              <a:t>12/19/2020</a:t>
+              <a:t>12/21/2020</a:t>
             </a:fld>
             <a:endParaRPr lang="en-US" dirty="0"/>
           </a:p>
@@ -1898,7 +2344,7 @@
           <a:p>
             <a:fld id="{69186D26-FA5F-4637-B602-B7C2DC34CFD4}" type="datetime1">
               <a:rPr lang="en-US" smtClean="0"/>
-              <a:t>12/19/2020</a:t>
+              <a:t>12/21/2020</a:t>
             </a:fld>
             <a:endParaRPr lang="en-US" dirty="0"/>
           </a:p>
@@ -2335,7 +2781,7 @@
           <a:p>
             <a:fld id="{8A7F15D8-96D1-4781-BC50-CA8A088B2FE4}" type="datetime1">
               <a:rPr lang="en-US" smtClean="0"/>
-              <a:t>12/19/2020</a:t>
+              <a:t>12/21/2020</a:t>
             </a:fld>
             <a:endParaRPr lang="en-US" dirty="0"/>
           </a:p>
@@ -2453,7 +2899,7 @@
           <a:p>
             <a:fld id="{F9A96C99-B8F8-4528-BD05-0E16E943DC09}" type="datetime1">
               <a:rPr lang="en-US" smtClean="0"/>
-              <a:t>12/19/2020</a:t>
+              <a:t>12/21/2020</a:t>
             </a:fld>
             <a:endParaRPr lang="en-US" dirty="0"/>
           </a:p>
@@ -2548,7 +2994,7 @@
           <a:p>
             <a:fld id="{03636942-C211-4B28-8DBD-C953E00AF71B}" type="datetime1">
               <a:rPr lang="en-US" smtClean="0"/>
-              <a:t>12/19/2020</a:t>
+              <a:t>12/21/2020</a:t>
             </a:fld>
             <a:endParaRPr lang="en-US" dirty="0"/>
           </a:p>
@@ -2965,7 +3411,7 @@
           <a:p>
             <a:fld id="{7E8D12A6-918A-48BD-8CB9-CA713993B0EA}" type="datetime1">
               <a:rPr lang="en-US" smtClean="0"/>
-              <a:t>12/19/2020</a:t>
+              <a:t>12/21/2020</a:t>
             </a:fld>
             <a:endParaRPr lang="en-US" dirty="0"/>
           </a:p>
@@ -3227,7 +3673,7 @@
             <a:fld id="{E778CE86-875F-4587-BCF6-FA054AFC0D53}" type="datetime1">
               <a:rPr lang="en-US" smtClean="0"/>
               <a:pPr/>
-              <a:t>12/19/2020</a:t>
+              <a:t>12/21/2020</a:t>
             </a:fld>
             <a:endParaRPr lang="en-US" dirty="0"/>
           </a:p>
@@ -3743,7 +4189,7 @@
           <a:p>
             <a:fld id="{F6FA2B21-3FCD-4721-B95C-427943F61125}" type="datetime1">
               <a:rPr lang="en-US" smtClean="0"/>
-              <a:t>12/19/2020</a:t>
+              <a:t>12/21/2020</a:t>
             </a:fld>
             <a:endParaRPr lang="en-US" dirty="0"/>
           </a:p>
@@ -4470,6 +4916,651 @@
 </p:sld>
 </file>
 
+<file path=ppt/slides/slide10.xml><?xml version="1.0" encoding="utf-8"?>
+<p:sld xmlns:a="http://schemas.openxmlformats.org/drawingml/2006/main" xmlns:r="http://schemas.openxmlformats.org/officeDocument/2006/relationships" xmlns:p="http://schemas.openxmlformats.org/presentationml/2006/main">
+  <p:cSld>
+    <p:spTree>
+      <p:nvGrpSpPr>
+        <p:cNvPr id="1" name=""/>
+        <p:cNvGrpSpPr/>
+        <p:nvPr/>
+      </p:nvGrpSpPr>
+      <p:grpSpPr>
+        <a:xfrm>
+          <a:off x="0" y="0"/>
+          <a:ext cx="0" cy="0"/>
+          <a:chOff x="0" y="0"/>
+          <a:chExt cx="0" cy="0"/>
+        </a:xfrm>
+      </p:grpSpPr>
+      <p:pic>
+        <p:nvPicPr>
+          <p:cNvPr id="4098" name="Picture 2">
+            <a:extLst>
+              <a:ext uri="{FF2B5EF4-FFF2-40B4-BE49-F238E27FC236}">
+                <a16:creationId xmlns:a16="http://schemas.microsoft.com/office/drawing/2014/main" id="{883FE812-99B6-4DDA-96C4-44E8DDD305D1}"/>
+              </a:ext>
+            </a:extLst>
+          </p:cNvPr>
+          <p:cNvPicPr>
+            <a:picLocks noGrp="1" noChangeAspect="1" noChangeArrowheads="1"/>
+          </p:cNvPicPr>
+          <p:nvPr>
+            <p:ph idx="4294967295"/>
+          </p:nvPr>
+        </p:nvPicPr>
+        <p:blipFill>
+          <a:blip r:embed="rId2">
+            <a:extLst>
+              <a:ext uri="{28A0092B-C50C-407E-A947-70E740481C1C}">
+                <a14:useLocalDpi xmlns:a14="http://schemas.microsoft.com/office/drawing/2010/main" val="0"/>
+              </a:ext>
+            </a:extLst>
+          </a:blip>
+          <a:srcRect/>
+          <a:stretch>
+            <a:fillRect/>
+          </a:stretch>
+        </p:blipFill>
+        <p:spPr bwMode="auto">
+          <a:xfrm>
+            <a:off x="2932906" y="398462"/>
+            <a:ext cx="6326188" cy="6061075"/>
+          </a:xfrm>
+          <a:prstGeom prst="rect">
+            <a:avLst/>
+          </a:prstGeom>
+          <a:noFill/>
+          <a:extLst>
+            <a:ext uri="{909E8E84-426E-40DD-AFC4-6F175D3DCCD1}">
+              <a14:hiddenFill xmlns:a14="http://schemas.microsoft.com/office/drawing/2010/main">
+                <a:solidFill>
+                  <a:srgbClr val="FFFFFF"/>
+                </a:solidFill>
+              </a14:hiddenFill>
+            </a:ext>
+          </a:extLst>
+        </p:spPr>
+      </p:pic>
+    </p:spTree>
+    <p:extLst>
+      <p:ext uri="{BB962C8B-B14F-4D97-AF65-F5344CB8AC3E}">
+        <p14:creationId xmlns:p14="http://schemas.microsoft.com/office/powerpoint/2010/main" val="3045019239"/>
+      </p:ext>
+    </p:extLst>
+  </p:cSld>
+  <p:clrMapOvr>
+    <a:masterClrMapping/>
+  </p:clrMapOvr>
+</p:sld>
+</file>
+
+<file path=ppt/slides/slide11.xml><?xml version="1.0" encoding="utf-8"?>
+<p:sld xmlns:a="http://schemas.openxmlformats.org/drawingml/2006/main" xmlns:r="http://schemas.openxmlformats.org/officeDocument/2006/relationships" xmlns:p="http://schemas.openxmlformats.org/presentationml/2006/main">
+  <p:cSld>
+    <p:spTree>
+      <p:nvGrpSpPr>
+        <p:cNvPr id="1" name=""/>
+        <p:cNvGrpSpPr/>
+        <p:nvPr/>
+      </p:nvGrpSpPr>
+      <p:grpSpPr>
+        <a:xfrm>
+          <a:off x="0" y="0"/>
+          <a:ext cx="0" cy="0"/>
+          <a:chOff x="0" y="0"/>
+          <a:chExt cx="0" cy="0"/>
+        </a:xfrm>
+      </p:grpSpPr>
+      <p:sp>
+        <p:nvSpPr>
+          <p:cNvPr id="6" name="Title 1">
+            <a:extLst>
+              <a:ext uri="{FF2B5EF4-FFF2-40B4-BE49-F238E27FC236}">
+                <a16:creationId xmlns:a16="http://schemas.microsoft.com/office/drawing/2014/main" id="{6DD69FB8-4570-456C-9832-56F52B58196D}"/>
+              </a:ext>
+            </a:extLst>
+          </p:cNvPr>
+          <p:cNvSpPr>
+            <a:spLocks noGrp="1"/>
+          </p:cNvSpPr>
+          <p:nvPr>
+            <p:ph type="title"/>
+          </p:nvPr>
+        </p:nvSpPr>
+        <p:spPr>
+          <a:xfrm>
+            <a:off x="1629156" y="2275165"/>
+            <a:ext cx="8933688" cy="2406895"/>
+          </a:xfrm>
+        </p:spPr>
+        <p:txBody>
+          <a:bodyPr/>
+          <a:lstStyle/>
+          <a:p>
+            <a:r>
+              <a:rPr lang="en-US" dirty="0"/>
+              <a:t>Food </a:t>
+            </a:r>
+            <a:r>
+              <a:rPr lang="en-US" dirty="0" err="1"/>
+              <a:t>enviroments</a:t>
+            </a:r>
+            <a:endParaRPr lang="en-US" dirty="0"/>
+          </a:p>
+        </p:txBody>
+      </p:sp>
+      <p:sp>
+        <p:nvSpPr>
+          <p:cNvPr id="8" name="Text Placeholder 2">
+            <a:extLst>
+              <a:ext uri="{FF2B5EF4-FFF2-40B4-BE49-F238E27FC236}">
+                <a16:creationId xmlns:a16="http://schemas.microsoft.com/office/drawing/2014/main" id="{9E950D11-7E00-4288-8EED-579E6A8638F4}"/>
+              </a:ext>
+            </a:extLst>
+          </p:cNvPr>
+          <p:cNvSpPr>
+            <a:spLocks noGrp="1"/>
+          </p:cNvSpPr>
+          <p:nvPr>
+            <p:ph type="body" idx="1"/>
+          </p:nvPr>
+        </p:nvSpPr>
+        <p:spPr>
+          <a:xfrm>
+            <a:off x="1629156" y="4682062"/>
+            <a:ext cx="8939784" cy="457200"/>
+          </a:xfrm>
+        </p:spPr>
+        <p:txBody>
+          <a:bodyPr/>
+          <a:lstStyle/>
+          <a:p>
+            <a:endParaRPr lang="en-US"/>
+          </a:p>
+        </p:txBody>
+      </p:sp>
+    </p:spTree>
+    <p:extLst>
+      <p:ext uri="{BB962C8B-B14F-4D97-AF65-F5344CB8AC3E}">
+        <p14:creationId xmlns:p14="http://schemas.microsoft.com/office/powerpoint/2010/main" val="2120359329"/>
+      </p:ext>
+    </p:extLst>
+  </p:cSld>
+  <p:clrMapOvr>
+    <a:masterClrMapping/>
+  </p:clrMapOvr>
+</p:sld>
+</file>
+
+<file path=ppt/slides/slide12.xml><?xml version="1.0" encoding="utf-8"?>
+<p:sld xmlns:a="http://schemas.openxmlformats.org/drawingml/2006/main" xmlns:r="http://schemas.openxmlformats.org/officeDocument/2006/relationships" xmlns:p="http://schemas.openxmlformats.org/presentationml/2006/main">
+  <p:cSld>
+    <p:spTree>
+      <p:nvGrpSpPr>
+        <p:cNvPr id="1" name=""/>
+        <p:cNvGrpSpPr/>
+        <p:nvPr/>
+      </p:nvGrpSpPr>
+      <p:grpSpPr>
+        <a:xfrm>
+          <a:off x="0" y="0"/>
+          <a:ext cx="0" cy="0"/>
+          <a:chOff x="0" y="0"/>
+          <a:chExt cx="0" cy="0"/>
+        </a:xfrm>
+      </p:grpSpPr>
+      <p:pic>
+        <p:nvPicPr>
+          <p:cNvPr id="5122" name="Picture 2">
+            <a:extLst>
+              <a:ext uri="{FF2B5EF4-FFF2-40B4-BE49-F238E27FC236}">
+                <a16:creationId xmlns:a16="http://schemas.microsoft.com/office/drawing/2014/main" id="{D745DAFE-04D0-40F5-80E9-3A58580D2319}"/>
+              </a:ext>
+            </a:extLst>
+          </p:cNvPr>
+          <p:cNvPicPr>
+            <a:picLocks noChangeAspect="1" noChangeArrowheads="1"/>
+          </p:cNvPicPr>
+          <p:nvPr/>
+        </p:nvPicPr>
+        <p:blipFill>
+          <a:blip r:embed="rId2">
+            <a:extLst>
+              <a:ext uri="{28A0092B-C50C-407E-A947-70E740481C1C}">
+                <a14:useLocalDpi xmlns:a14="http://schemas.microsoft.com/office/drawing/2010/main" val="0"/>
+              </a:ext>
+            </a:extLst>
+          </a:blip>
+          <a:srcRect/>
+          <a:stretch>
+            <a:fillRect/>
+          </a:stretch>
+        </p:blipFill>
+        <p:spPr bwMode="auto">
+          <a:xfrm>
+            <a:off x="3343275" y="476251"/>
+            <a:ext cx="5695950" cy="6038850"/>
+          </a:xfrm>
+          <a:prstGeom prst="rect">
+            <a:avLst/>
+          </a:prstGeom>
+          <a:noFill/>
+          <a:extLst>
+            <a:ext uri="{909E8E84-426E-40DD-AFC4-6F175D3DCCD1}">
+              <a14:hiddenFill xmlns:a14="http://schemas.microsoft.com/office/drawing/2010/main">
+                <a:solidFill>
+                  <a:srgbClr val="FFFFFF"/>
+                </a:solidFill>
+              </a14:hiddenFill>
+            </a:ext>
+          </a:extLst>
+        </p:spPr>
+      </p:pic>
+    </p:spTree>
+    <p:extLst>
+      <p:ext uri="{BB962C8B-B14F-4D97-AF65-F5344CB8AC3E}">
+        <p14:creationId xmlns:p14="http://schemas.microsoft.com/office/powerpoint/2010/main" val="2178518540"/>
+      </p:ext>
+    </p:extLst>
+  </p:cSld>
+  <p:clrMapOvr>
+    <a:masterClrMapping/>
+  </p:clrMapOvr>
+</p:sld>
+</file>
+
+<file path=ppt/slides/slide13.xml><?xml version="1.0" encoding="utf-8"?>
+<p:sld xmlns:a="http://schemas.openxmlformats.org/drawingml/2006/main" xmlns:r="http://schemas.openxmlformats.org/officeDocument/2006/relationships" xmlns:p="http://schemas.openxmlformats.org/presentationml/2006/main">
+  <p:cSld>
+    <p:spTree>
+      <p:nvGrpSpPr>
+        <p:cNvPr id="1" name=""/>
+        <p:cNvGrpSpPr/>
+        <p:nvPr/>
+      </p:nvGrpSpPr>
+      <p:grpSpPr>
+        <a:xfrm>
+          <a:off x="0" y="0"/>
+          <a:ext cx="0" cy="0"/>
+          <a:chOff x="0" y="0"/>
+          <a:chExt cx="0" cy="0"/>
+        </a:xfrm>
+      </p:grpSpPr>
+      <p:pic>
+        <p:nvPicPr>
+          <p:cNvPr id="6146" name="Picture 2">
+            <a:extLst>
+              <a:ext uri="{FF2B5EF4-FFF2-40B4-BE49-F238E27FC236}">
+                <a16:creationId xmlns:a16="http://schemas.microsoft.com/office/drawing/2014/main" id="{957498AD-C73C-4E0C-BBFF-B57475FCCB57}"/>
+              </a:ext>
+            </a:extLst>
+          </p:cNvPr>
+          <p:cNvPicPr>
+            <a:picLocks noChangeAspect="1" noChangeArrowheads="1"/>
+          </p:cNvPicPr>
+          <p:nvPr/>
+        </p:nvPicPr>
+        <p:blipFill>
+          <a:blip r:embed="rId2">
+            <a:extLst>
+              <a:ext uri="{28A0092B-C50C-407E-A947-70E740481C1C}">
+                <a14:useLocalDpi xmlns:a14="http://schemas.microsoft.com/office/drawing/2010/main" val="0"/>
+              </a:ext>
+            </a:extLst>
+          </a:blip>
+          <a:srcRect/>
+          <a:stretch>
+            <a:fillRect/>
+          </a:stretch>
+        </p:blipFill>
+        <p:spPr bwMode="auto">
+          <a:xfrm>
+            <a:off x="2270918" y="371475"/>
+            <a:ext cx="7650163" cy="6115050"/>
+          </a:xfrm>
+          <a:prstGeom prst="rect">
+            <a:avLst/>
+          </a:prstGeom>
+          <a:noFill/>
+          <a:extLst>
+            <a:ext uri="{909E8E84-426E-40DD-AFC4-6F175D3DCCD1}">
+              <a14:hiddenFill xmlns:a14="http://schemas.microsoft.com/office/drawing/2010/main">
+                <a:solidFill>
+                  <a:srgbClr val="FFFFFF"/>
+                </a:solidFill>
+              </a14:hiddenFill>
+            </a:ext>
+          </a:extLst>
+        </p:spPr>
+      </p:pic>
+    </p:spTree>
+    <p:extLst>
+      <p:ext uri="{BB962C8B-B14F-4D97-AF65-F5344CB8AC3E}">
+        <p14:creationId xmlns:p14="http://schemas.microsoft.com/office/powerpoint/2010/main" val="2518944210"/>
+      </p:ext>
+    </p:extLst>
+  </p:cSld>
+  <p:clrMapOvr>
+    <a:masterClrMapping/>
+  </p:clrMapOvr>
+</p:sld>
+</file>
+
+<file path=ppt/slides/slide14.xml><?xml version="1.0" encoding="utf-8"?>
+<p:sld xmlns:a="http://schemas.openxmlformats.org/drawingml/2006/main" xmlns:r="http://schemas.openxmlformats.org/officeDocument/2006/relationships" xmlns:p="http://schemas.openxmlformats.org/presentationml/2006/main">
+  <p:cSld>
+    <p:spTree>
+      <p:nvGrpSpPr>
+        <p:cNvPr id="1" name=""/>
+        <p:cNvGrpSpPr/>
+        <p:nvPr/>
+      </p:nvGrpSpPr>
+      <p:grpSpPr>
+        <a:xfrm>
+          <a:off x="0" y="0"/>
+          <a:ext cx="0" cy="0"/>
+          <a:chOff x="0" y="0"/>
+          <a:chExt cx="0" cy="0"/>
+        </a:xfrm>
+      </p:grpSpPr>
+      <p:sp>
+        <p:nvSpPr>
+          <p:cNvPr id="2" name="Title 1">
+            <a:extLst>
+              <a:ext uri="{FF2B5EF4-FFF2-40B4-BE49-F238E27FC236}">
+                <a16:creationId xmlns:a16="http://schemas.microsoft.com/office/drawing/2014/main" id="{A20667F8-8560-4322-97FE-6A0EA498084D}"/>
+              </a:ext>
+            </a:extLst>
+          </p:cNvPr>
+          <p:cNvSpPr>
+            <a:spLocks noGrp="1"/>
+          </p:cNvSpPr>
+          <p:nvPr>
+            <p:ph type="title"/>
+          </p:nvPr>
+        </p:nvSpPr>
+        <p:spPr/>
+        <p:txBody>
+          <a:bodyPr/>
+          <a:lstStyle/>
+          <a:p>
+            <a:r>
+              <a:rPr lang="en-US" dirty="0"/>
+              <a:t>Poverty Rates Low Access analysis</a:t>
+            </a:r>
+          </a:p>
+        </p:txBody>
+      </p:sp>
+      <p:sp>
+        <p:nvSpPr>
+          <p:cNvPr id="3" name="Text Placeholder 2">
+            <a:extLst>
+              <a:ext uri="{FF2B5EF4-FFF2-40B4-BE49-F238E27FC236}">
+                <a16:creationId xmlns:a16="http://schemas.microsoft.com/office/drawing/2014/main" id="{A6AC92BF-90FC-40C7-8854-66492AA5CC78}"/>
+              </a:ext>
+            </a:extLst>
+          </p:cNvPr>
+          <p:cNvSpPr>
+            <a:spLocks noGrp="1"/>
+          </p:cNvSpPr>
+          <p:nvPr>
+            <p:ph type="body" idx="1"/>
+          </p:nvPr>
+        </p:nvSpPr>
+        <p:spPr/>
+        <p:txBody>
+          <a:bodyPr/>
+          <a:lstStyle/>
+          <a:p>
+            <a:endParaRPr lang="en-US"/>
+          </a:p>
+        </p:txBody>
+      </p:sp>
+    </p:spTree>
+    <p:extLst>
+      <p:ext uri="{BB962C8B-B14F-4D97-AF65-F5344CB8AC3E}">
+        <p14:creationId xmlns:p14="http://schemas.microsoft.com/office/powerpoint/2010/main" val="2436786362"/>
+      </p:ext>
+    </p:extLst>
+  </p:cSld>
+  <p:clrMapOvr>
+    <a:masterClrMapping/>
+  </p:clrMapOvr>
+</p:sld>
+</file>
+
+<file path=ppt/slides/slide15.xml><?xml version="1.0" encoding="utf-8"?>
+<p:sld xmlns:a="http://schemas.openxmlformats.org/drawingml/2006/main" xmlns:r="http://schemas.openxmlformats.org/officeDocument/2006/relationships" xmlns:p="http://schemas.openxmlformats.org/presentationml/2006/main">
+  <p:cSld>
+    <p:spTree>
+      <p:nvGrpSpPr>
+        <p:cNvPr id="1" name=""/>
+        <p:cNvGrpSpPr/>
+        <p:nvPr/>
+      </p:nvGrpSpPr>
+      <p:grpSpPr>
+        <a:xfrm>
+          <a:off x="0" y="0"/>
+          <a:ext cx="0" cy="0"/>
+          <a:chOff x="0" y="0"/>
+          <a:chExt cx="0" cy="0"/>
+        </a:xfrm>
+      </p:grpSpPr>
+      <p:pic>
+        <p:nvPicPr>
+          <p:cNvPr id="7170" name="Picture 2">
+            <a:extLst>
+              <a:ext uri="{FF2B5EF4-FFF2-40B4-BE49-F238E27FC236}">
+                <a16:creationId xmlns:a16="http://schemas.microsoft.com/office/drawing/2014/main" id="{C072E069-876F-44AA-82CA-EEBBD6690F18}"/>
+              </a:ext>
+            </a:extLst>
+          </p:cNvPr>
+          <p:cNvPicPr>
+            <a:picLocks noChangeAspect="1" noChangeArrowheads="1"/>
+          </p:cNvPicPr>
+          <p:nvPr/>
+        </p:nvPicPr>
+        <p:blipFill>
+          <a:blip r:embed="rId2">
+            <a:extLst>
+              <a:ext uri="{28A0092B-C50C-407E-A947-70E740481C1C}">
+                <a14:useLocalDpi xmlns:a14="http://schemas.microsoft.com/office/drawing/2010/main" val="0"/>
+              </a:ext>
+            </a:extLst>
+          </a:blip>
+          <a:srcRect/>
+          <a:stretch>
+            <a:fillRect/>
+          </a:stretch>
+        </p:blipFill>
+        <p:spPr bwMode="auto">
+          <a:xfrm>
+            <a:off x="2267669" y="642937"/>
+            <a:ext cx="7656662" cy="5572125"/>
+          </a:xfrm>
+          <a:prstGeom prst="rect">
+            <a:avLst/>
+          </a:prstGeom>
+          <a:noFill/>
+          <a:extLst>
+            <a:ext uri="{909E8E84-426E-40DD-AFC4-6F175D3DCCD1}">
+              <a14:hiddenFill xmlns:a14="http://schemas.microsoft.com/office/drawing/2010/main">
+                <a:solidFill>
+                  <a:srgbClr val="FFFFFF"/>
+                </a:solidFill>
+              </a14:hiddenFill>
+            </a:ext>
+          </a:extLst>
+        </p:spPr>
+      </p:pic>
+    </p:spTree>
+    <p:extLst>
+      <p:ext uri="{BB962C8B-B14F-4D97-AF65-F5344CB8AC3E}">
+        <p14:creationId xmlns:p14="http://schemas.microsoft.com/office/powerpoint/2010/main" val="3701731735"/>
+      </p:ext>
+    </p:extLst>
+  </p:cSld>
+  <p:clrMapOvr>
+    <a:masterClrMapping/>
+  </p:clrMapOvr>
+</p:sld>
+</file>
+
+<file path=ppt/slides/slide16.xml><?xml version="1.0" encoding="utf-8"?>
+<p:sld xmlns:a="http://schemas.openxmlformats.org/drawingml/2006/main" xmlns:r="http://schemas.openxmlformats.org/officeDocument/2006/relationships" xmlns:p="http://schemas.openxmlformats.org/presentationml/2006/main">
+  <p:cSld>
+    <p:spTree>
+      <p:nvGrpSpPr>
+        <p:cNvPr id="1" name=""/>
+        <p:cNvGrpSpPr/>
+        <p:nvPr/>
+      </p:nvGrpSpPr>
+      <p:grpSpPr>
+        <a:xfrm>
+          <a:off x="0" y="0"/>
+          <a:ext cx="0" cy="0"/>
+          <a:chOff x="0" y="0"/>
+          <a:chExt cx="0" cy="0"/>
+        </a:xfrm>
+      </p:grpSpPr>
+      <p:pic>
+        <p:nvPicPr>
+          <p:cNvPr id="8194" name="Picture 2">
+            <a:extLst>
+              <a:ext uri="{FF2B5EF4-FFF2-40B4-BE49-F238E27FC236}">
+                <a16:creationId xmlns:a16="http://schemas.microsoft.com/office/drawing/2014/main" id="{0BC418AB-FABD-44E6-BE70-DC6115942086}"/>
+              </a:ext>
+            </a:extLst>
+          </p:cNvPr>
+          <p:cNvPicPr>
+            <a:picLocks noChangeAspect="1" noChangeArrowheads="1"/>
+          </p:cNvPicPr>
+          <p:nvPr/>
+        </p:nvPicPr>
+        <p:blipFill>
+          <a:blip r:embed="rId2">
+            <a:extLst>
+              <a:ext uri="{28A0092B-C50C-407E-A947-70E740481C1C}">
+                <a14:useLocalDpi xmlns:a14="http://schemas.microsoft.com/office/drawing/2010/main" val="0"/>
+              </a:ext>
+            </a:extLst>
+          </a:blip>
+          <a:srcRect/>
+          <a:stretch>
+            <a:fillRect/>
+          </a:stretch>
+        </p:blipFill>
+        <p:spPr bwMode="auto">
+          <a:xfrm>
+            <a:off x="1998776" y="485775"/>
+            <a:ext cx="8194447" cy="5886450"/>
+          </a:xfrm>
+          <a:prstGeom prst="rect">
+            <a:avLst/>
+          </a:prstGeom>
+          <a:noFill/>
+          <a:extLst>
+            <a:ext uri="{909E8E84-426E-40DD-AFC4-6F175D3DCCD1}">
+              <a14:hiddenFill xmlns:a14="http://schemas.microsoft.com/office/drawing/2010/main">
+                <a:solidFill>
+                  <a:srgbClr val="FFFFFF"/>
+                </a:solidFill>
+              </a14:hiddenFill>
+            </a:ext>
+          </a:extLst>
+        </p:spPr>
+      </p:pic>
+    </p:spTree>
+    <p:extLst>
+      <p:ext uri="{BB962C8B-B14F-4D97-AF65-F5344CB8AC3E}">
+        <p14:creationId xmlns:p14="http://schemas.microsoft.com/office/powerpoint/2010/main" val="2911834827"/>
+      </p:ext>
+    </p:extLst>
+  </p:cSld>
+  <p:clrMapOvr>
+    <a:masterClrMapping/>
+  </p:clrMapOvr>
+</p:sld>
+</file>
+
+<file path=ppt/slides/slide17.xml><?xml version="1.0" encoding="utf-8"?>
+<p:sld xmlns:a="http://schemas.openxmlformats.org/drawingml/2006/main" xmlns:r="http://schemas.openxmlformats.org/officeDocument/2006/relationships" xmlns:p="http://schemas.openxmlformats.org/presentationml/2006/main">
+  <p:cSld>
+    <p:spTree>
+      <p:nvGrpSpPr>
+        <p:cNvPr id="1" name=""/>
+        <p:cNvGrpSpPr/>
+        <p:nvPr/>
+      </p:nvGrpSpPr>
+      <p:grpSpPr>
+        <a:xfrm>
+          <a:off x="0" y="0"/>
+          <a:ext cx="0" cy="0"/>
+          <a:chOff x="0" y="0"/>
+          <a:chExt cx="0" cy="0"/>
+        </a:xfrm>
+      </p:grpSpPr>
+      <p:pic>
+        <p:nvPicPr>
+          <p:cNvPr id="9218" name="Picture 2">
+            <a:extLst>
+              <a:ext uri="{FF2B5EF4-FFF2-40B4-BE49-F238E27FC236}">
+                <a16:creationId xmlns:a16="http://schemas.microsoft.com/office/drawing/2014/main" id="{1B61CDE8-8DE6-48A2-A2BD-57ED226558D4}"/>
+              </a:ext>
+            </a:extLst>
+          </p:cNvPr>
+          <p:cNvPicPr>
+            <a:picLocks noChangeAspect="1" noChangeArrowheads="1"/>
+          </p:cNvPicPr>
+          <p:nvPr/>
+        </p:nvPicPr>
+        <p:blipFill>
+          <a:blip r:embed="rId2">
+            <a:extLst>
+              <a:ext uri="{28A0092B-C50C-407E-A947-70E740481C1C}">
+                <a14:useLocalDpi xmlns:a14="http://schemas.microsoft.com/office/drawing/2010/main" val="0"/>
+              </a:ext>
+            </a:extLst>
+          </a:blip>
+          <a:srcRect/>
+          <a:stretch>
+            <a:fillRect/>
+          </a:stretch>
+        </p:blipFill>
+        <p:spPr bwMode="auto">
+          <a:xfrm>
+            <a:off x="552450" y="619125"/>
+            <a:ext cx="11087100" cy="5619750"/>
+          </a:xfrm>
+          <a:prstGeom prst="rect">
+            <a:avLst/>
+          </a:prstGeom>
+          <a:noFill/>
+          <a:extLst>
+            <a:ext uri="{909E8E84-426E-40DD-AFC4-6F175D3DCCD1}">
+              <a14:hiddenFill xmlns:a14="http://schemas.microsoft.com/office/drawing/2010/main">
+                <a:solidFill>
+                  <a:srgbClr val="FFFFFF"/>
+                </a:solidFill>
+              </a14:hiddenFill>
+            </a:ext>
+          </a:extLst>
+        </p:spPr>
+      </p:pic>
+    </p:spTree>
+    <p:extLst>
+      <p:ext uri="{BB962C8B-B14F-4D97-AF65-F5344CB8AC3E}">
+        <p14:creationId xmlns:p14="http://schemas.microsoft.com/office/powerpoint/2010/main" val="627493520"/>
+      </p:ext>
+    </p:extLst>
+  </p:cSld>
+  <p:clrMapOvr>
+    <a:masterClrMapping/>
+  </p:clrMapOvr>
+</p:sld>
+</file>
+
 <file path=ppt/slides/slide2.xml><?xml version="1.0" encoding="utf-8"?>
 <p:sld xmlns:a="http://schemas.openxmlformats.org/drawingml/2006/main" xmlns:r="http://schemas.openxmlformats.org/officeDocument/2006/relationships" xmlns:p="http://schemas.openxmlformats.org/presentationml/2006/main">
   <p:cSld>
@@ -4801,7 +5892,7 @@
           <p:cNvPr id="2" name="Title 1">
             <a:extLst>
               <a:ext uri="{FF2B5EF4-FFF2-40B4-BE49-F238E27FC236}">
-                <a16:creationId xmlns:a16="http://schemas.microsoft.com/office/drawing/2014/main" id="{DB5D3A70-481D-4D4D-98A0-A14F944B68A0}"/>
+                <a16:creationId xmlns:a16="http://schemas.microsoft.com/office/drawing/2014/main" id="{AD829477-273F-4EDE-8168-9A7DFE003787}"/>
               </a:ext>
             </a:extLst>
           </p:cNvPr>
@@ -4819,7 +5910,7 @@
           <a:p>
             <a:r>
               <a:rPr lang="en-US" dirty="0"/>
-              <a:t>We looked at….	</a:t>
+              <a:t>We considered….</a:t>
             </a:r>
           </a:p>
         </p:txBody>
@@ -4829,7 +5920,7 @@
           <p:cNvPr id="3" name="Content Placeholder 2">
             <a:extLst>
               <a:ext uri="{FF2B5EF4-FFF2-40B4-BE49-F238E27FC236}">
-                <a16:creationId xmlns:a16="http://schemas.microsoft.com/office/drawing/2014/main" id="{A11A077A-8E0D-4263-B193-FA3FC6F813C9}"/>
+                <a16:creationId xmlns:a16="http://schemas.microsoft.com/office/drawing/2014/main" id="{1B902856-EB7D-4D26-A1A0-CF4441EED9F2}"/>
               </a:ext>
             </a:extLst>
           </p:cNvPr>
@@ -4843,29 +5934,46 @@
         <p:spPr/>
         <p:txBody>
           <a:bodyPr>
-            <a:normAutofit/>
+            <a:normAutofit lnSpcReduction="10000"/>
           </a:bodyPr>
           <a:lstStyle/>
           <a:p>
-            <a:pPr marL="0" indent="0">
-              <a:buNone/>
-            </a:pPr>
-            <a:r>
-              <a:rPr lang="en-US" sz="4400" dirty="0"/>
-              <a:t>All the counties </a:t>
-            </a:r>
-            <a:r>
-              <a:rPr lang="en-US" sz="4400"/>
-              <a:t>in Missouri</a:t>
-            </a:r>
-            <a:endParaRPr lang="en-US" sz="4400" dirty="0"/>
+            <a:r>
+              <a:rPr lang="en-US" sz="3600"/>
+              <a:t>The </a:t>
+            </a:r>
+            <a:r>
+              <a:rPr lang="en-US" sz="3600" dirty="0"/>
+              <a:t>counties in Missouri</a:t>
+            </a:r>
+          </a:p>
+          <a:p>
+            <a:r>
+              <a:rPr lang="en-US" sz="3600" dirty="0"/>
+              <a:t>Population as of 2010</a:t>
+            </a:r>
+          </a:p>
+          <a:p>
+            <a:r>
+              <a:rPr lang="en-US" sz="3600" dirty="0"/>
+              <a:t>Poverty rate</a:t>
+            </a:r>
+          </a:p>
+          <a:p>
+            <a:r>
+              <a:rPr lang="en-US" sz="3600" dirty="0"/>
+              <a:t>Various races (White, African American, Asian, Hispanic) living ½ mile to 1 mile from a grocery store</a:t>
+            </a:r>
+          </a:p>
+          <a:p>
+            <a:endParaRPr lang="en-US" sz="3600" dirty="0"/>
           </a:p>
         </p:txBody>
       </p:sp>
     </p:spTree>
     <p:extLst>
       <p:ext uri="{BB962C8B-B14F-4D97-AF65-F5344CB8AC3E}">
-        <p14:creationId xmlns:p14="http://schemas.microsoft.com/office/powerpoint/2010/main" val="184522517"/>
+        <p14:creationId xmlns:p14="http://schemas.microsoft.com/office/powerpoint/2010/main" val="3640181798"/>
       </p:ext>
     </p:extLst>
   </p:cSld>
@@ -4897,7 +6005,7 @@
           <p:cNvPr id="2" name="Title 1">
             <a:extLst>
               <a:ext uri="{FF2B5EF4-FFF2-40B4-BE49-F238E27FC236}">
-                <a16:creationId xmlns:a16="http://schemas.microsoft.com/office/drawing/2014/main" id="{AD829477-273F-4EDE-8168-9A7DFE003787}"/>
+                <a16:creationId xmlns:a16="http://schemas.microsoft.com/office/drawing/2014/main" id="{49CE4325-EEAD-43E7-846B-4834984D9A5D}"/>
               </a:ext>
             </a:extLst>
           </p:cNvPr>
@@ -4915,17 +6023,17 @@
           <a:p>
             <a:r>
               <a:rPr lang="en-US" dirty="0"/>
-              <a:t>We considered….</a:t>
-            </a:r>
-          </a:p>
-        </p:txBody>
-      </p:sp>
-      <p:sp>
-        <p:nvSpPr>
-          <p:cNvPr id="3" name="Content Placeholder 2">
+              <a:t>Questions that we asked…..</a:t>
+            </a:r>
+          </a:p>
+        </p:txBody>
+      </p:sp>
+      <p:sp>
+        <p:nvSpPr>
+          <p:cNvPr id="4" name="Content Placeholder 3">
             <a:extLst>
               <a:ext uri="{FF2B5EF4-FFF2-40B4-BE49-F238E27FC236}">
-                <a16:creationId xmlns:a16="http://schemas.microsoft.com/office/drawing/2014/main" id="{1B902856-EB7D-4D26-A1A0-CF4441EED9F2}"/>
+                <a16:creationId xmlns:a16="http://schemas.microsoft.com/office/drawing/2014/main" id="{3B59F99C-8A35-4E3B-BECC-3CF472B263B4}"/>
               </a:ext>
             </a:extLst>
           </p:cNvPr>
@@ -4938,42 +6046,17 @@
         </p:nvSpPr>
         <p:spPr/>
         <p:txBody>
-          <a:bodyPr>
-            <a:normAutofit/>
-          </a:bodyPr>
+          <a:bodyPr/>
           <a:lstStyle/>
           <a:p>
-            <a:r>
-              <a:rPr lang="en-US" sz="3600" dirty="0"/>
-              <a:t>Population as of 2010</a:t>
-            </a:r>
-          </a:p>
-          <a:p>
-            <a:r>
-              <a:rPr lang="en-US" sz="3600" dirty="0"/>
-              <a:t>Poverty rate</a:t>
-            </a:r>
-          </a:p>
-          <a:p>
-            <a:r>
-              <a:rPr lang="en-US" sz="3600" dirty="0"/>
-              <a:t>Different races (White, </a:t>
-            </a:r>
-            <a:r>
-              <a:rPr lang="en-US" sz="3600"/>
-              <a:t>African American, </a:t>
-            </a:r>
-            <a:r>
-              <a:rPr lang="en-US" sz="3600" dirty="0"/>
-              <a:t>Asian, Hispanic) living ½ mile to 1 mile from a grocery store</a:t>
-            </a:r>
+            <a:endParaRPr lang="en-US"/>
           </a:p>
         </p:txBody>
       </p:sp>
     </p:spTree>
     <p:extLst>
       <p:ext uri="{BB962C8B-B14F-4D97-AF65-F5344CB8AC3E}">
-        <p14:creationId xmlns:p14="http://schemas.microsoft.com/office/powerpoint/2010/main" val="3640181798"/>
+        <p14:creationId xmlns:p14="http://schemas.microsoft.com/office/powerpoint/2010/main" val="3123883752"/>
       </p:ext>
     </p:extLst>
   </p:cSld>
@@ -5002,10 +6085,10 @@
       </p:grpSpPr>
       <p:sp>
         <p:nvSpPr>
-          <p:cNvPr id="2" name="Title 1">
+          <p:cNvPr id="6" name="Title 1">
             <a:extLst>
               <a:ext uri="{FF2B5EF4-FFF2-40B4-BE49-F238E27FC236}">
-                <a16:creationId xmlns:a16="http://schemas.microsoft.com/office/drawing/2014/main" id="{49CE4325-EEAD-43E7-846B-4834984D9A5D}"/>
+                <a16:creationId xmlns:a16="http://schemas.microsoft.com/office/drawing/2014/main" id="{A83C103C-702A-4F9C-9C17-F86165C5441C}"/>
               </a:ext>
             </a:extLst>
           </p:cNvPr>
@@ -5016,21 +6099,29 @@
             <p:ph type="title"/>
           </p:nvPr>
         </p:nvSpPr>
-        <p:spPr/>
+        <p:spPr>
+          <a:xfrm>
+            <a:off x="1629156" y="2275165"/>
+            <a:ext cx="8933688" cy="2406895"/>
+          </a:xfrm>
+        </p:spPr>
         <p:txBody>
           <a:bodyPr/>
           <a:lstStyle/>
           <a:p>
-            <a:endParaRPr lang="en-US"/>
-          </a:p>
-        </p:txBody>
-      </p:sp>
-      <p:sp>
-        <p:nvSpPr>
-          <p:cNvPr id="4" name="Content Placeholder 3">
+            <a:r>
+              <a:rPr lang="en-US" dirty="0"/>
+              <a:t>Demographics</a:t>
+            </a:r>
+          </a:p>
+        </p:txBody>
+      </p:sp>
+      <p:sp>
+        <p:nvSpPr>
+          <p:cNvPr id="8" name="Text Placeholder 2">
             <a:extLst>
               <a:ext uri="{FF2B5EF4-FFF2-40B4-BE49-F238E27FC236}">
-                <a16:creationId xmlns:a16="http://schemas.microsoft.com/office/drawing/2014/main" id="{3B59F99C-8A35-4E3B-BECC-3CF472B263B4}"/>
+                <a16:creationId xmlns:a16="http://schemas.microsoft.com/office/drawing/2014/main" id="{3E268483-82E4-4676-93D6-846FCC0EC089}"/>
               </a:ext>
             </a:extLst>
           </p:cNvPr>
@@ -5038,10 +6129,15 @@
             <a:spLocks noGrp="1"/>
           </p:cNvSpPr>
           <p:nvPr>
-            <p:ph idx="1"/>
-          </p:nvPr>
-        </p:nvSpPr>
-        <p:spPr/>
+            <p:ph type="body" idx="1"/>
+          </p:nvPr>
+        </p:nvSpPr>
+        <p:spPr>
+          <a:xfrm>
+            <a:off x="1629156" y="4682062"/>
+            <a:ext cx="8939784" cy="457200"/>
+          </a:xfrm>
+        </p:spPr>
         <p:txBody>
           <a:bodyPr/>
           <a:lstStyle/>
@@ -5053,7 +6149,237 @@
     </p:spTree>
     <p:extLst>
       <p:ext uri="{BB962C8B-B14F-4D97-AF65-F5344CB8AC3E}">
-        <p14:creationId xmlns:p14="http://schemas.microsoft.com/office/powerpoint/2010/main" val="3123883752"/>
+        <p14:creationId xmlns:p14="http://schemas.microsoft.com/office/powerpoint/2010/main" val="3676757797"/>
+      </p:ext>
+    </p:extLst>
+  </p:cSld>
+  <p:clrMapOvr>
+    <a:masterClrMapping/>
+  </p:clrMapOvr>
+</p:sld>
+</file>
+
+<file path=ppt/slides/slide7.xml><?xml version="1.0" encoding="utf-8"?>
+<p:sld xmlns:a="http://schemas.openxmlformats.org/drawingml/2006/main" xmlns:r="http://schemas.openxmlformats.org/officeDocument/2006/relationships" xmlns:p="http://schemas.openxmlformats.org/presentationml/2006/main">
+  <p:cSld>
+    <p:spTree>
+      <p:nvGrpSpPr>
+        <p:cNvPr id="1" name=""/>
+        <p:cNvGrpSpPr/>
+        <p:nvPr/>
+      </p:nvGrpSpPr>
+      <p:grpSpPr>
+        <a:xfrm>
+          <a:off x="0" y="0"/>
+          <a:ext cx="0" cy="0"/>
+          <a:chOff x="0" y="0"/>
+          <a:chExt cx="0" cy="0"/>
+        </a:xfrm>
+      </p:grpSpPr>
+      <p:pic>
+        <p:nvPicPr>
+          <p:cNvPr id="1026" name="Picture 2" descr="Chart, histogram&#10;&#10;Description automatically generated">
+            <a:extLst>
+              <a:ext uri="{FF2B5EF4-FFF2-40B4-BE49-F238E27FC236}">
+                <a16:creationId xmlns:a16="http://schemas.microsoft.com/office/drawing/2014/main" id="{3718A521-448F-4A6A-BE0B-0D330AA017AF}"/>
+              </a:ext>
+            </a:extLst>
+          </p:cNvPr>
+          <p:cNvPicPr>
+            <a:picLocks noGrp="1" noChangeAspect="1" noChangeArrowheads="1"/>
+          </p:cNvPicPr>
+          <p:nvPr>
+            <p:ph type="pic" idx="4294967295"/>
+          </p:nvPr>
+        </p:nvPicPr>
+        <p:blipFill rotWithShape="1">
+          <a:blip r:embed="rId2">
+            <a:extLst>
+              <a:ext uri="{28A0092B-C50C-407E-A947-70E740481C1C}">
+                <a14:useLocalDpi xmlns:a14="http://schemas.microsoft.com/office/drawing/2010/main" val="0"/>
+              </a:ext>
+            </a:extLst>
+          </a:blip>
+          <a:stretch/>
+        </p:blipFill>
+        <p:spPr bwMode="auto">
+          <a:xfrm>
+            <a:off x="2752725" y="303427"/>
+            <a:ext cx="6686549" cy="6251146"/>
+          </a:xfrm>
+          <a:prstGeom prst="rect">
+            <a:avLst/>
+          </a:prstGeom>
+          <a:solidFill>
+            <a:srgbClr val="FFFFFF"/>
+          </a:solidFill>
+          <a:extLst>
+            <a:ext uri="{909E8E84-426E-40DD-AFC4-6F175D3DCCD1}">
+              <a14:hiddenFill xmlns:a14="http://schemas.microsoft.com/office/drawing/2010/main">
+                <a:solidFill>
+                  <a:srgbClr val="FFFFFF"/>
+                </a:solidFill>
+              </a14:hiddenFill>
+            </a:ext>
+          </a:extLst>
+        </p:spPr>
+      </p:pic>
+    </p:spTree>
+    <p:extLst>
+      <p:ext uri="{BB962C8B-B14F-4D97-AF65-F5344CB8AC3E}">
+        <p14:creationId xmlns:p14="http://schemas.microsoft.com/office/powerpoint/2010/main" val="520551577"/>
+      </p:ext>
+    </p:extLst>
+  </p:cSld>
+  <p:clrMapOvr>
+    <a:masterClrMapping/>
+  </p:clrMapOvr>
+</p:sld>
+</file>
+
+<file path=ppt/slides/slide8.xml><?xml version="1.0" encoding="utf-8"?>
+<p:sld xmlns:a="http://schemas.openxmlformats.org/drawingml/2006/main" xmlns:r="http://schemas.openxmlformats.org/officeDocument/2006/relationships" xmlns:p="http://schemas.openxmlformats.org/presentationml/2006/main">
+  <p:cSld>
+    <p:spTree>
+      <p:nvGrpSpPr>
+        <p:cNvPr id="1" name=""/>
+        <p:cNvGrpSpPr/>
+        <p:nvPr/>
+      </p:nvGrpSpPr>
+      <p:grpSpPr>
+        <a:xfrm>
+          <a:off x="0" y="0"/>
+          <a:ext cx="0" cy="0"/>
+          <a:chOff x="0" y="0"/>
+          <a:chExt cx="0" cy="0"/>
+        </a:xfrm>
+      </p:grpSpPr>
+      <p:pic>
+        <p:nvPicPr>
+          <p:cNvPr id="2052" name="Picture 4" descr="Chart, pie chart&#10;&#10;Description automatically generated">
+            <a:extLst>
+              <a:ext uri="{FF2B5EF4-FFF2-40B4-BE49-F238E27FC236}">
+                <a16:creationId xmlns:a16="http://schemas.microsoft.com/office/drawing/2014/main" id="{7AD43978-1CCE-42C4-A309-DAC6CB0E9A84}"/>
+              </a:ext>
+            </a:extLst>
+          </p:cNvPr>
+          <p:cNvPicPr>
+            <a:picLocks noGrp="1" noChangeAspect="1" noChangeArrowheads="1"/>
+          </p:cNvPicPr>
+          <p:nvPr>
+            <p:ph idx="4294967295"/>
+          </p:nvPr>
+        </p:nvPicPr>
+        <p:blipFill rotWithShape="1">
+          <a:blip r:embed="rId2">
+            <a:extLst>
+              <a:ext uri="{28A0092B-C50C-407E-A947-70E740481C1C}">
+                <a14:useLocalDpi xmlns:a14="http://schemas.microsoft.com/office/drawing/2010/main" val="0"/>
+              </a:ext>
+            </a:extLst>
+          </a:blip>
+          <a:stretch/>
+        </p:blipFill>
+        <p:spPr bwMode="auto">
+          <a:xfrm>
+            <a:off x="2743200" y="402292"/>
+            <a:ext cx="6803044" cy="6141382"/>
+          </a:xfrm>
+          <a:prstGeom prst="rect">
+            <a:avLst/>
+          </a:prstGeom>
+          <a:noFill/>
+          <a:extLst>
+            <a:ext uri="{909E8E84-426E-40DD-AFC4-6F175D3DCCD1}">
+              <a14:hiddenFill xmlns:a14="http://schemas.microsoft.com/office/drawing/2010/main">
+                <a:solidFill>
+                  <a:srgbClr val="FFFFFF"/>
+                </a:solidFill>
+              </a14:hiddenFill>
+            </a:ext>
+          </a:extLst>
+        </p:spPr>
+      </p:pic>
+    </p:spTree>
+    <p:extLst>
+      <p:ext uri="{BB962C8B-B14F-4D97-AF65-F5344CB8AC3E}">
+        <p14:creationId xmlns:p14="http://schemas.microsoft.com/office/powerpoint/2010/main" val="2288334773"/>
+      </p:ext>
+    </p:extLst>
+  </p:cSld>
+  <p:clrMapOvr>
+    <a:masterClrMapping/>
+  </p:clrMapOvr>
+</p:sld>
+</file>
+
+<file path=ppt/slides/slide9.xml><?xml version="1.0" encoding="utf-8"?>
+<p:sld xmlns:a="http://schemas.openxmlformats.org/drawingml/2006/main" xmlns:r="http://schemas.openxmlformats.org/officeDocument/2006/relationships" xmlns:p="http://schemas.openxmlformats.org/presentationml/2006/main">
+  <p:cSld>
+    <p:spTree>
+      <p:nvGrpSpPr>
+        <p:cNvPr id="1" name=""/>
+        <p:cNvGrpSpPr/>
+        <p:nvPr/>
+      </p:nvGrpSpPr>
+      <p:grpSpPr>
+        <a:xfrm>
+          <a:off x="0" y="0"/>
+          <a:ext cx="0" cy="0"/>
+          <a:chOff x="0" y="0"/>
+          <a:chExt cx="0" cy="0"/>
+        </a:xfrm>
+      </p:grpSpPr>
+      <p:pic>
+        <p:nvPicPr>
+          <p:cNvPr id="3074" name="Picture 2">
+            <a:extLst>
+              <a:ext uri="{FF2B5EF4-FFF2-40B4-BE49-F238E27FC236}">
+                <a16:creationId xmlns:a16="http://schemas.microsoft.com/office/drawing/2014/main" id="{3562743C-79BD-4DDC-8517-D1981722AB6C}"/>
+              </a:ext>
+            </a:extLst>
+          </p:cNvPr>
+          <p:cNvPicPr>
+            <a:picLocks noGrp="1" noChangeAspect="1" noChangeArrowheads="1"/>
+          </p:cNvPicPr>
+          <p:nvPr>
+            <p:ph type="pic" idx="4294967295"/>
+          </p:nvPr>
+        </p:nvPicPr>
+        <p:blipFill rotWithShape="1">
+          <a:blip r:embed="rId2">
+            <a:extLst>
+              <a:ext uri="{28A0092B-C50C-407E-A947-70E740481C1C}">
+                <a14:useLocalDpi xmlns:a14="http://schemas.microsoft.com/office/drawing/2010/main" val="0"/>
+              </a:ext>
+            </a:extLst>
+          </a:blip>
+          <a:stretch/>
+        </p:blipFill>
+        <p:spPr bwMode="auto">
+          <a:xfrm>
+            <a:off x="2867025" y="329554"/>
+            <a:ext cx="6457950" cy="6198892"/>
+          </a:xfrm>
+          <a:prstGeom prst="rect">
+            <a:avLst/>
+          </a:prstGeom>
+          <a:noFill/>
+          <a:extLst>
+            <a:ext uri="{909E8E84-426E-40DD-AFC4-6F175D3DCCD1}">
+              <a14:hiddenFill xmlns:a14="http://schemas.microsoft.com/office/drawing/2010/main">
+                <a:solidFill>
+                  <a:srgbClr val="FFFFFF"/>
+                </a:solidFill>
+              </a14:hiddenFill>
+            </a:ext>
+          </a:extLst>
+        </p:spPr>
+      </p:pic>
+    </p:spTree>
+    <p:extLst>
+      <p:ext uri="{BB962C8B-B14F-4D97-AF65-F5344CB8AC3E}">
+        <p14:creationId xmlns:p14="http://schemas.microsoft.com/office/powerpoint/2010/main" val="548437515"/>
       </p:ext>
     </p:extLst>
   </p:cSld>

--- a/Urban Food Deserts.pptx
+++ b/Urban Food Deserts.pptx
@@ -22,6 +22,7 @@
     <p:sldId id="276" r:id="rId19"/>
     <p:sldId id="278" r:id="rId20"/>
     <p:sldId id="279" r:id="rId21"/>
+    <p:sldId id="280" r:id="rId22"/>
   </p:sldIdLst>
   <p:sldSz cx="12192000" cy="6858000"/>
   <p:notesSz cx="6858000" cy="9144000"/>
@@ -141,10 +142,25 @@
   <pc:docChgLst>
     <pc:chgData name="Eric Evans" userId="1a46d0bfc27536c1" providerId="LiveId" clId="{CC50BFA6-0DAD-49D0-9DD9-067F7EEBE095}"/>
     <pc:docChg chg="undo custSel addSld delSld modSld">
-      <pc:chgData name="Eric Evans" userId="1a46d0bfc27536c1" providerId="LiveId" clId="{CC50BFA6-0DAD-49D0-9DD9-067F7EEBE095}" dt="2020-12-21T16:48:14.332" v="752" actId="1076"/>
+      <pc:chgData name="Eric Evans" userId="1a46d0bfc27536c1" providerId="LiveId" clId="{CC50BFA6-0DAD-49D0-9DD9-067F7EEBE095}" dt="2020-12-21T19:14:26.535" v="791" actId="27636"/>
       <pc:docMkLst>
         <pc:docMk/>
       </pc:docMkLst>
+      <pc:sldChg chg="modSp mod">
+        <pc:chgData name="Eric Evans" userId="1a46d0bfc27536c1" providerId="LiveId" clId="{CC50BFA6-0DAD-49D0-9DD9-067F7EEBE095}" dt="2020-12-21T19:14:26.535" v="791" actId="27636"/>
+        <pc:sldMkLst>
+          <pc:docMk/>
+          <pc:sldMk cId="3446602603" sldId="262"/>
+        </pc:sldMkLst>
+        <pc:spChg chg="mod">
+          <ac:chgData name="Eric Evans" userId="1a46d0bfc27536c1" providerId="LiveId" clId="{CC50BFA6-0DAD-49D0-9DD9-067F7EEBE095}" dt="2020-12-21T19:14:26.535" v="791" actId="27636"/>
+          <ac:spMkLst>
+            <pc:docMk/>
+            <pc:sldMk cId="3446602603" sldId="262"/>
+            <ac:spMk id="9" creationId="{AA6FC2CE-FCC8-424D-A725-B6A29E90152E}"/>
+          </ac:spMkLst>
+        </pc:spChg>
+      </pc:sldChg>
       <pc:sldChg chg="modSp mod">
         <pc:chgData name="Eric Evans" userId="1a46d0bfc27536c1" providerId="LiveId" clId="{CC50BFA6-0DAD-49D0-9DD9-067F7EEBE095}" dt="2020-12-19T18:59:47.008" v="27" actId="20577"/>
         <pc:sldMkLst>
@@ -656,6 +672,29 @@
           <pc:sldMk cId="1887816376" sldId="280"/>
         </pc:sldMkLst>
       </pc:sldChg>
+      <pc:sldChg chg="addSp modSp new mod modClrScheme chgLayout">
+        <pc:chgData name="Eric Evans" userId="1a46d0bfc27536c1" providerId="LiveId" clId="{CC50BFA6-0DAD-49D0-9DD9-067F7EEBE095}" dt="2020-12-21T19:12:26.152" v="768" actId="20577"/>
+        <pc:sldMkLst>
+          <pc:docMk/>
+          <pc:sldMk cId="2786978342" sldId="280"/>
+        </pc:sldMkLst>
+        <pc:spChg chg="add mod">
+          <ac:chgData name="Eric Evans" userId="1a46d0bfc27536c1" providerId="LiveId" clId="{CC50BFA6-0DAD-49D0-9DD9-067F7EEBE095}" dt="2020-12-21T19:12:26.152" v="768" actId="20577"/>
+          <ac:spMkLst>
+            <pc:docMk/>
+            <pc:sldMk cId="2786978342" sldId="280"/>
+            <ac:spMk id="2" creationId="{26D5A6A7-CD28-4C4C-B40E-EA360102ABE4}"/>
+          </ac:spMkLst>
+        </pc:spChg>
+        <pc:spChg chg="add mod">
+          <ac:chgData name="Eric Evans" userId="1a46d0bfc27536c1" providerId="LiveId" clId="{CC50BFA6-0DAD-49D0-9DD9-067F7EEBE095}" dt="2020-12-21T19:12:16.950" v="754" actId="700"/>
+          <ac:spMkLst>
+            <pc:docMk/>
+            <pc:sldMk cId="2786978342" sldId="280"/>
+            <ac:spMk id="3" creationId="{366C9581-156B-4ACD-AA94-4F9B415D0C80}"/>
+          </ac:spMkLst>
+        </pc:spChg>
+      </pc:sldChg>
     </pc:docChg>
   </pc:docChgLst>
   <pc:docChgLst>
@@ -5561,6 +5600,89 @@
 </p:sld>
 </file>
 
+<file path=ppt/slides/slide18.xml><?xml version="1.0" encoding="utf-8"?>
+<p:sld xmlns:a="http://schemas.openxmlformats.org/drawingml/2006/main" xmlns:r="http://schemas.openxmlformats.org/officeDocument/2006/relationships" xmlns:p="http://schemas.openxmlformats.org/presentationml/2006/main">
+  <p:cSld>
+    <p:spTree>
+      <p:nvGrpSpPr>
+        <p:cNvPr id="1" name=""/>
+        <p:cNvGrpSpPr/>
+        <p:nvPr/>
+      </p:nvGrpSpPr>
+      <p:grpSpPr>
+        <a:xfrm>
+          <a:off x="0" y="0"/>
+          <a:ext cx="0" cy="0"/>
+          <a:chOff x="0" y="0"/>
+          <a:chExt cx="0" cy="0"/>
+        </a:xfrm>
+      </p:grpSpPr>
+      <p:sp>
+        <p:nvSpPr>
+          <p:cNvPr id="2" name="Title 1">
+            <a:extLst>
+              <a:ext uri="{FF2B5EF4-FFF2-40B4-BE49-F238E27FC236}">
+                <a16:creationId xmlns:a16="http://schemas.microsoft.com/office/drawing/2014/main" id="{26D5A6A7-CD28-4C4C-B40E-EA360102ABE4}"/>
+              </a:ext>
+            </a:extLst>
+          </p:cNvPr>
+          <p:cNvSpPr>
+            <a:spLocks noGrp="1"/>
+          </p:cNvSpPr>
+          <p:nvPr>
+            <p:ph type="ctrTitle"/>
+          </p:nvPr>
+        </p:nvSpPr>
+        <p:spPr/>
+        <p:txBody>
+          <a:bodyPr/>
+          <a:lstStyle/>
+          <a:p>
+            <a:r>
+              <a:rPr lang="en-US" dirty="0"/>
+              <a:t>Questions?</a:t>
+            </a:r>
+          </a:p>
+        </p:txBody>
+      </p:sp>
+      <p:sp>
+        <p:nvSpPr>
+          <p:cNvPr id="3" name="Subtitle 2">
+            <a:extLst>
+              <a:ext uri="{FF2B5EF4-FFF2-40B4-BE49-F238E27FC236}">
+                <a16:creationId xmlns:a16="http://schemas.microsoft.com/office/drawing/2014/main" id="{366C9581-156B-4ACD-AA94-4F9B415D0C80}"/>
+              </a:ext>
+            </a:extLst>
+          </p:cNvPr>
+          <p:cNvSpPr>
+            <a:spLocks noGrp="1"/>
+          </p:cNvSpPr>
+          <p:nvPr>
+            <p:ph type="subTitle" idx="1"/>
+          </p:nvPr>
+        </p:nvSpPr>
+        <p:spPr/>
+        <p:txBody>
+          <a:bodyPr/>
+          <a:lstStyle/>
+          <a:p>
+            <a:endParaRPr lang="en-US"/>
+          </a:p>
+        </p:txBody>
+      </p:sp>
+    </p:spTree>
+    <p:extLst>
+      <p:ext uri="{BB962C8B-B14F-4D97-AF65-F5344CB8AC3E}">
+        <p14:creationId xmlns:p14="http://schemas.microsoft.com/office/powerpoint/2010/main" val="2786978342"/>
+      </p:ext>
+    </p:extLst>
+  </p:cSld>
+  <p:clrMapOvr>
+    <a:masterClrMapping/>
+  </p:clrMapOvr>
+</p:sld>
+</file>
+
 <file path=ppt/slides/slide2.xml><?xml version="1.0" encoding="utf-8"?>
 <p:sld xmlns:a="http://schemas.openxmlformats.org/drawingml/2006/main" xmlns:r="http://schemas.openxmlformats.org/officeDocument/2006/relationships" xmlns:p="http://schemas.openxmlformats.org/presentationml/2006/main">
   <p:cSld>
@@ -5631,18 +5753,18 @@
         </p:nvSpPr>
         <p:spPr>
           <a:xfrm>
-            <a:off x="1066800" y="2103120"/>
-            <a:ext cx="10058400" cy="3849624"/>
+            <a:off x="1066800" y="2111997"/>
+            <a:ext cx="10234474" cy="4359823"/>
           </a:xfrm>
         </p:spPr>
         <p:txBody>
           <a:bodyPr>
-            <a:normAutofit fontScale="77500" lnSpcReduction="20000"/>
+            <a:normAutofit fontScale="47500" lnSpcReduction="20000"/>
           </a:bodyPr>
           <a:lstStyle/>
           <a:p>
             <a:r>
-              <a:rPr lang="en-US" sz="3200" b="0" i="0" dirty="0">
+              <a:rPr lang="en-US" sz="5100" b="0" i="0" dirty="0">
                 <a:solidFill>
                   <a:srgbClr val="000000"/>
                 </a:solidFill>
@@ -5652,7 +5774,7 @@
               <a:t>The definition of food deserts differs, though, based upon whether one lives in an </a:t>
             </a:r>
             <a:r>
-              <a:rPr lang="en-US" sz="3200" b="1" i="0" dirty="0">
+              <a:rPr lang="en-US" sz="5100" b="1" i="0" dirty="0">
                 <a:solidFill>
                   <a:srgbClr val="000000"/>
                 </a:solidFill>
@@ -5662,7 +5784,7 @@
               <a:t>urban</a:t>
             </a:r>
             <a:r>
-              <a:rPr lang="en-US" sz="3200" b="0" i="0" dirty="0">
+              <a:rPr lang="en-US" sz="5100" b="0" i="0" dirty="0">
                 <a:solidFill>
                   <a:srgbClr val="000000"/>
                 </a:solidFill>
@@ -5672,7 +5794,7 @@
               <a:t> or a </a:t>
             </a:r>
             <a:r>
-              <a:rPr lang="en-US" sz="3200" b="1" i="0" dirty="0">
+              <a:rPr lang="en-US" sz="5100" b="1" i="0" dirty="0">
                 <a:solidFill>
                   <a:srgbClr val="000000"/>
                 </a:solidFill>
@@ -5682,7 +5804,7 @@
               <a:t>rural</a:t>
             </a:r>
             <a:r>
-              <a:rPr lang="en-US" sz="3200" b="0" i="0" dirty="0">
+              <a:rPr lang="en-US" sz="5100" b="0" i="0" dirty="0">
                 <a:solidFill>
                   <a:srgbClr val="000000"/>
                 </a:solidFill>
@@ -5692,7 +5814,7 @@
               <a:t> setting. In fact, according to a </a:t>
             </a:r>
             <a:r>
-              <a:rPr lang="en-US" sz="3200" b="1" i="0" u="sng" dirty="0">
+              <a:rPr lang="en-US" sz="5100" b="1" i="0" u="sng" dirty="0">
                 <a:solidFill>
                   <a:srgbClr val="27BCB8"/>
                 </a:solidFill>
@@ -5703,7 +5825,7 @@
               <a:t>Newsweek article</a:t>
             </a:r>
             <a:r>
-              <a:rPr lang="en-US" sz="3200" b="0" i="0" dirty="0">
+              <a:rPr lang="en-US" sz="5100" b="0" i="0" dirty="0">
                 <a:solidFill>
                   <a:srgbClr val="000000"/>
                 </a:solidFill>
@@ -5715,7 +5837,7 @@
           </a:p>
           <a:p>
             <a:r>
-              <a:rPr lang="en-US" sz="3200" b="0" i="0" dirty="0">
+              <a:rPr lang="en-US" sz="5100" b="0" i="0" dirty="0">
                 <a:solidFill>
                   <a:srgbClr val="000000"/>
                 </a:solidFill>
@@ -5727,7 +5849,7 @@
           </a:p>
           <a:p>
             <a:r>
-              <a:rPr lang="en-US" sz="3200" dirty="0">
+              <a:rPr lang="en-US" sz="5100" dirty="0">
                 <a:solidFill>
                   <a:srgbClr val="000000"/>
                 </a:solidFill>
@@ -5735,7 +5857,13 @@
               </a:rPr>
               <a:t>In poorer areas, people may not have their own transportation and rely on public transportation or walking.</a:t>
             </a:r>
-            <a:endParaRPr lang="en-US" sz="3200" dirty="0"/>
+          </a:p>
+          <a:p>
+            <a:r>
+              <a:rPr lang="en-US" sz="2000" dirty="0"/>
+              <a:t>Moveforhunger.org</a:t>
+            </a:r>
+            <a:endParaRPr lang="en-US" sz="1700" dirty="0"/>
           </a:p>
           <a:p>
             <a:endParaRPr lang="en-US" sz="3200" b="0" i="0" dirty="0">
@@ -6213,15 +6341,6 @@
           <a:solidFill>
             <a:srgbClr val="FFFFFF"/>
           </a:solidFill>
-          <a:extLst>
-            <a:ext uri="{909E8E84-426E-40DD-AFC4-6F175D3DCCD1}">
-              <a14:hiddenFill xmlns:a14="http://schemas.microsoft.com/office/drawing/2010/main">
-                <a:solidFill>
-                  <a:srgbClr val="FFFFFF"/>
-                </a:solidFill>
-              </a14:hiddenFill>
-            </a:ext>
-          </a:extLst>
         </p:spPr>
       </p:pic>
     </p:spTree>
@@ -6666,21 +6785,21 @@
 </file>
 
 <file path=customXml/item1.xml><?xml version="1.0" encoding="utf-8"?>
+<p:properties xmlns:p="http://schemas.microsoft.com/office/2006/metadata/properties" xmlns:xsi="http://www.w3.org/2001/XMLSchema-instance" xmlns:pc="http://schemas.microsoft.com/office/infopath/2007/PartnerControls">
+  <documentManagement>
+    <Status xmlns="71af3243-3dd4-4a8d-8c0d-dd76da1f02a5">Not started</Status>
+    <MediaServiceKeyPoints xmlns="71af3243-3dd4-4a8d-8c0d-dd76da1f02a5" xsi:nil="true"/>
+  </documentManagement>
+</p:properties>
+</file>
+
+<file path=customXml/item2.xml><?xml version="1.0" encoding="utf-8"?>
 <?mso-contentType ?>
 <FormTemplates xmlns="http://schemas.microsoft.com/sharepoint/v3/contenttype/forms">
   <Display>DocumentLibraryForm</Display>
   <Edit>DocumentLibraryForm</Edit>
   <New>DocumentLibraryForm</New>
 </FormTemplates>
-</file>
-
-<file path=customXml/item2.xml><?xml version="1.0" encoding="utf-8"?>
-<p:properties xmlns:p="http://schemas.microsoft.com/office/2006/metadata/properties" xmlns:xsi="http://www.w3.org/2001/XMLSchema-instance" xmlns:pc="http://schemas.microsoft.com/office/infopath/2007/PartnerControls">
-  <documentManagement>
-    <Status xmlns="71af3243-3dd4-4a8d-8c0d-dd76da1f02a5">Not started</Status>
-    <MediaServiceKeyPoints xmlns="71af3243-3dd4-4a8d-8c0d-dd76da1f02a5" xsi:nil="true"/>
-  </documentManagement>
-</p:properties>
 </file>
 
 <file path=customXml/item3.xml><?xml version="1.0" encoding="utf-8"?>
@@ -6905,19 +7024,19 @@
 </file>
 
 <file path=customXml/itemProps1.xml><?xml version="1.0" encoding="utf-8"?>
-<ds:datastoreItem xmlns:ds="http://schemas.openxmlformats.org/officeDocument/2006/customXml" ds:itemID="{CDB58277-F8DF-46FF-84EC-EF41B835E69F}">
+<ds:datastoreItem xmlns:ds="http://schemas.openxmlformats.org/officeDocument/2006/customXml" ds:itemID="{137651BA-F45C-4845-9AB3-E0A65B39F5E1}">
   <ds:schemaRefs>
-    <ds:schemaRef ds:uri="http://schemas.microsoft.com/sharepoint/v3/contenttype/forms"/>
+    <ds:schemaRef ds:uri="http://schemas.microsoft.com/office/2006/metadata/properties"/>
+    <ds:schemaRef ds:uri="http://schemas.microsoft.com/office/infopath/2007/PartnerControls"/>
+    <ds:schemaRef ds:uri="71af3243-3dd4-4a8d-8c0d-dd76da1f02a5"/>
   </ds:schemaRefs>
 </ds:datastoreItem>
 </file>
 
 <file path=customXml/itemProps2.xml><?xml version="1.0" encoding="utf-8"?>
-<ds:datastoreItem xmlns:ds="http://schemas.openxmlformats.org/officeDocument/2006/customXml" ds:itemID="{137651BA-F45C-4845-9AB3-E0A65B39F5E1}">
+<ds:datastoreItem xmlns:ds="http://schemas.openxmlformats.org/officeDocument/2006/customXml" ds:itemID="{CDB58277-F8DF-46FF-84EC-EF41B835E69F}">
   <ds:schemaRefs>
-    <ds:schemaRef ds:uri="http://schemas.microsoft.com/office/2006/metadata/properties"/>
-    <ds:schemaRef ds:uri="http://schemas.microsoft.com/office/infopath/2007/PartnerControls"/>
-    <ds:schemaRef ds:uri="71af3243-3dd4-4a8d-8c0d-dd76da1f02a5"/>
+    <ds:schemaRef ds:uri="http://schemas.microsoft.com/sharepoint/v3/contenttype/forms"/>
   </ds:schemaRefs>
 </ds:datastoreItem>
 </file>

--- a/Urban Food Deserts.pptx
+++ b/Urban Food Deserts.pptx
@@ -4,25 +4,26 @@
   <p:sldMasterIdLst>
     <p:sldMasterId id="2147483673" r:id="rId4"/>
   </p:sldMasterIdLst>
+  <p:notesMasterIdLst>
+    <p:notesMasterId r:id="rId21"/>
+  </p:notesMasterIdLst>
   <p:sldIdLst>
     <p:sldId id="257" r:id="rId5"/>
-    <p:sldId id="262" r:id="rId6"/>
-    <p:sldId id="263" r:id="rId7"/>
-    <p:sldId id="266" r:id="rId8"/>
-    <p:sldId id="267" r:id="rId9"/>
-    <p:sldId id="274" r:id="rId10"/>
-    <p:sldId id="268" r:id="rId11"/>
-    <p:sldId id="269" r:id="rId12"/>
-    <p:sldId id="270" r:id="rId13"/>
-    <p:sldId id="271" r:id="rId14"/>
-    <p:sldId id="272" r:id="rId15"/>
-    <p:sldId id="273" r:id="rId16"/>
-    <p:sldId id="275" r:id="rId17"/>
-    <p:sldId id="277" r:id="rId18"/>
-    <p:sldId id="276" r:id="rId19"/>
-    <p:sldId id="278" r:id="rId20"/>
-    <p:sldId id="279" r:id="rId21"/>
-    <p:sldId id="280" r:id="rId22"/>
+    <p:sldId id="263" r:id="rId6"/>
+    <p:sldId id="281" r:id="rId7"/>
+    <p:sldId id="282" r:id="rId8"/>
+    <p:sldId id="274" r:id="rId9"/>
+    <p:sldId id="268" r:id="rId10"/>
+    <p:sldId id="284" r:id="rId11"/>
+    <p:sldId id="277" r:id="rId12"/>
+    <p:sldId id="285" r:id="rId13"/>
+    <p:sldId id="286" r:id="rId14"/>
+    <p:sldId id="287" r:id="rId15"/>
+    <p:sldId id="272" r:id="rId16"/>
+    <p:sldId id="288" r:id="rId17"/>
+    <p:sldId id="289" r:id="rId18"/>
+    <p:sldId id="280" r:id="rId19"/>
+    <p:sldId id="283" r:id="rId20"/>
   </p:sldIdLst>
   <p:sldSz cx="12192000" cy="6858000"/>
   <p:notesSz cx="6858000" cy="9144000"/>
@@ -139,6 +140,99 @@
 
 <file path=ppt/changesInfos/changesInfo1.xml><?xml version="1.0" encoding="utf-8"?>
 <pc:chgInfo xmlns:a="http://schemas.openxmlformats.org/drawingml/2006/main" xmlns:r="http://schemas.openxmlformats.org/officeDocument/2006/relationships" xmlns:ac="http://schemas.microsoft.com/office/drawing/2013/main/command" xmlns:pc="http://schemas.microsoft.com/office/powerpoint/2013/main/command">
+  <pc:docChgLst>
+    <pc:chgData name="Eric Evans" userId="1a46d0bfc27536c1" providerId="LiveId" clId="{5BE1F578-2943-4177-ADF4-8544A868CFC0}"/>
+    <pc:docChg chg="custSel addSld delSld modSld">
+      <pc:chgData name="Eric Evans" userId="1a46d0bfc27536c1" providerId="LiveId" clId="{5BE1F578-2943-4177-ADF4-8544A868CFC0}" dt="2020-12-18T16:18:14.733" v="617" actId="255"/>
+      <pc:docMkLst>
+        <pc:docMk/>
+      </pc:docMkLst>
+      <pc:sldChg chg="modSp mod">
+        <pc:chgData name="Eric Evans" userId="1a46d0bfc27536c1" providerId="LiveId" clId="{5BE1F578-2943-4177-ADF4-8544A868CFC0}" dt="2020-12-17T03:30:30.515" v="274" actId="20577"/>
+        <pc:sldMkLst>
+          <pc:docMk/>
+          <pc:sldMk cId="3446602603" sldId="262"/>
+        </pc:sldMkLst>
+        <pc:spChg chg="mod">
+          <ac:chgData name="Eric Evans" userId="1a46d0bfc27536c1" providerId="LiveId" clId="{5BE1F578-2943-4177-ADF4-8544A868CFC0}" dt="2020-12-17T03:30:30.515" v="274" actId="20577"/>
+          <ac:spMkLst>
+            <pc:docMk/>
+            <pc:sldMk cId="3446602603" sldId="262"/>
+            <ac:spMk id="9" creationId="{AA6FC2CE-FCC8-424D-A725-B6A29E90152E}"/>
+          </ac:spMkLst>
+        </pc:spChg>
+      </pc:sldChg>
+      <pc:sldChg chg="modSp del mod modShow">
+        <pc:chgData name="Eric Evans" userId="1a46d0bfc27536c1" providerId="LiveId" clId="{5BE1F578-2943-4177-ADF4-8544A868CFC0}" dt="2020-12-17T03:30:55.278" v="276" actId="2696"/>
+        <pc:sldMkLst>
+          <pc:docMk/>
+          <pc:sldMk cId="1137092847" sldId="264"/>
+        </pc:sldMkLst>
+        <pc:spChg chg="mod">
+          <ac:chgData name="Eric Evans" userId="1a46d0bfc27536c1" providerId="LiveId" clId="{5BE1F578-2943-4177-ADF4-8544A868CFC0}" dt="2020-12-17T03:15:25.841" v="61" actId="20577"/>
+          <ac:spMkLst>
+            <pc:docMk/>
+            <pc:sldMk cId="1137092847" sldId="264"/>
+            <ac:spMk id="2" creationId="{C8349995-0279-4189-8112-F6AFC34A810A}"/>
+          </ac:spMkLst>
+        </pc:spChg>
+        <pc:spChg chg="mod">
+          <ac:chgData name="Eric Evans" userId="1a46d0bfc27536c1" providerId="LiveId" clId="{5BE1F578-2943-4177-ADF4-8544A868CFC0}" dt="2020-12-17T03:17:10.393" v="243" actId="255"/>
+          <ac:spMkLst>
+            <pc:docMk/>
+            <pc:sldMk cId="1137092847" sldId="264"/>
+            <ac:spMk id="3" creationId="{47BC903A-77B2-4F76-A489-BAD11879266F}"/>
+          </ac:spMkLst>
+        </pc:spChg>
+      </pc:sldChg>
+      <pc:sldChg chg="modSp mod">
+        <pc:chgData name="Eric Evans" userId="1a46d0bfc27536c1" providerId="LiveId" clId="{5BE1F578-2943-4177-ADF4-8544A868CFC0}" dt="2020-12-18T16:15:29.506" v="401" actId="255"/>
+        <pc:sldMkLst>
+          <pc:docMk/>
+          <pc:sldMk cId="184522517" sldId="265"/>
+        </pc:sldMkLst>
+        <pc:spChg chg="mod">
+          <ac:chgData name="Eric Evans" userId="1a46d0bfc27536c1" providerId="LiveId" clId="{5BE1F578-2943-4177-ADF4-8544A868CFC0}" dt="2020-12-18T16:14:38.944" v="326" actId="20577"/>
+          <ac:spMkLst>
+            <pc:docMk/>
+            <pc:sldMk cId="184522517" sldId="265"/>
+            <ac:spMk id="2" creationId="{DB5D3A70-481D-4D4D-98A0-A14F944B68A0}"/>
+          </ac:spMkLst>
+        </pc:spChg>
+        <pc:spChg chg="mod">
+          <ac:chgData name="Eric Evans" userId="1a46d0bfc27536c1" providerId="LiveId" clId="{5BE1F578-2943-4177-ADF4-8544A868CFC0}" dt="2020-12-18T16:15:29.506" v="401" actId="255"/>
+          <ac:spMkLst>
+            <pc:docMk/>
+            <pc:sldMk cId="184522517" sldId="265"/>
+            <ac:spMk id="3" creationId="{A11A077A-8E0D-4263-B193-FA3FC6F813C9}"/>
+          </ac:spMkLst>
+        </pc:spChg>
+      </pc:sldChg>
+      <pc:sldChg chg="modSp new mod">
+        <pc:chgData name="Eric Evans" userId="1a46d0bfc27536c1" providerId="LiveId" clId="{5BE1F578-2943-4177-ADF4-8544A868CFC0}" dt="2020-12-18T16:18:14.733" v="617" actId="255"/>
+        <pc:sldMkLst>
+          <pc:docMk/>
+          <pc:sldMk cId="3640181798" sldId="266"/>
+        </pc:sldMkLst>
+        <pc:spChg chg="mod">
+          <ac:chgData name="Eric Evans" userId="1a46d0bfc27536c1" providerId="LiveId" clId="{5BE1F578-2943-4177-ADF4-8544A868CFC0}" dt="2020-12-18T16:16:05.231" v="420" actId="20577"/>
+          <ac:spMkLst>
+            <pc:docMk/>
+            <pc:sldMk cId="3640181798" sldId="266"/>
+            <ac:spMk id="2" creationId="{AD829477-273F-4EDE-8168-9A7DFE003787}"/>
+          </ac:spMkLst>
+        </pc:spChg>
+        <pc:spChg chg="mod">
+          <ac:chgData name="Eric Evans" userId="1a46d0bfc27536c1" providerId="LiveId" clId="{5BE1F578-2943-4177-ADF4-8544A868CFC0}" dt="2020-12-18T16:18:14.733" v="617" actId="255"/>
+          <ac:spMkLst>
+            <pc:docMk/>
+            <pc:sldMk cId="3640181798" sldId="266"/>
+            <ac:spMk id="3" creationId="{1B902856-EB7D-4D26-A1A0-CF4441EED9F2}"/>
+          </ac:spMkLst>
+        </pc:spChg>
+      </pc:sldChg>
+    </pc:docChg>
+  </pc:docChgLst>
   <pc:docChgLst>
     <pc:chgData name="Eric Evans" userId="1a46d0bfc27536c1" providerId="LiveId" clId="{CC50BFA6-0DAD-49D0-9DD9-067F7EEBE095}"/>
     <pc:docChg chg="undo custSel addSld delSld modSld">
@@ -697,100 +791,1400 @@
       </pc:sldChg>
     </pc:docChg>
   </pc:docChgLst>
-  <pc:docChgLst>
-    <pc:chgData name="Eric Evans" userId="1a46d0bfc27536c1" providerId="LiveId" clId="{5BE1F578-2943-4177-ADF4-8544A868CFC0}"/>
-    <pc:docChg chg="custSel addSld delSld modSld">
-      <pc:chgData name="Eric Evans" userId="1a46d0bfc27536c1" providerId="LiveId" clId="{5BE1F578-2943-4177-ADF4-8544A868CFC0}" dt="2020-12-18T16:18:14.733" v="617" actId="255"/>
-      <pc:docMkLst>
-        <pc:docMk/>
-      </pc:docMkLst>
-      <pc:sldChg chg="modSp mod">
-        <pc:chgData name="Eric Evans" userId="1a46d0bfc27536c1" providerId="LiveId" clId="{5BE1F578-2943-4177-ADF4-8544A868CFC0}" dt="2020-12-17T03:30:30.515" v="274" actId="20577"/>
-        <pc:sldMkLst>
-          <pc:docMk/>
-          <pc:sldMk cId="3446602603" sldId="262"/>
-        </pc:sldMkLst>
-        <pc:spChg chg="mod">
-          <ac:chgData name="Eric Evans" userId="1a46d0bfc27536c1" providerId="LiveId" clId="{5BE1F578-2943-4177-ADF4-8544A868CFC0}" dt="2020-12-17T03:30:30.515" v="274" actId="20577"/>
-          <ac:spMkLst>
-            <pc:docMk/>
-            <pc:sldMk cId="3446602603" sldId="262"/>
-            <ac:spMk id="9" creationId="{AA6FC2CE-FCC8-424D-A725-B6A29E90152E}"/>
-          </ac:spMkLst>
-        </pc:spChg>
-      </pc:sldChg>
-      <pc:sldChg chg="modSp del mod modShow">
-        <pc:chgData name="Eric Evans" userId="1a46d0bfc27536c1" providerId="LiveId" clId="{5BE1F578-2943-4177-ADF4-8544A868CFC0}" dt="2020-12-17T03:30:55.278" v="276" actId="2696"/>
-        <pc:sldMkLst>
-          <pc:docMk/>
-          <pc:sldMk cId="1137092847" sldId="264"/>
-        </pc:sldMkLst>
-        <pc:spChg chg="mod">
-          <ac:chgData name="Eric Evans" userId="1a46d0bfc27536c1" providerId="LiveId" clId="{5BE1F578-2943-4177-ADF4-8544A868CFC0}" dt="2020-12-17T03:15:25.841" v="61" actId="20577"/>
-          <ac:spMkLst>
-            <pc:docMk/>
-            <pc:sldMk cId="1137092847" sldId="264"/>
-            <ac:spMk id="2" creationId="{C8349995-0279-4189-8112-F6AFC34A810A}"/>
-          </ac:spMkLst>
-        </pc:spChg>
-        <pc:spChg chg="mod">
-          <ac:chgData name="Eric Evans" userId="1a46d0bfc27536c1" providerId="LiveId" clId="{5BE1F578-2943-4177-ADF4-8544A868CFC0}" dt="2020-12-17T03:17:10.393" v="243" actId="255"/>
-          <ac:spMkLst>
-            <pc:docMk/>
-            <pc:sldMk cId="1137092847" sldId="264"/>
-            <ac:spMk id="3" creationId="{47BC903A-77B2-4F76-A489-BAD11879266F}"/>
-          </ac:spMkLst>
-        </pc:spChg>
-      </pc:sldChg>
-      <pc:sldChg chg="modSp mod">
-        <pc:chgData name="Eric Evans" userId="1a46d0bfc27536c1" providerId="LiveId" clId="{5BE1F578-2943-4177-ADF4-8544A868CFC0}" dt="2020-12-18T16:15:29.506" v="401" actId="255"/>
-        <pc:sldMkLst>
-          <pc:docMk/>
-          <pc:sldMk cId="184522517" sldId="265"/>
-        </pc:sldMkLst>
-        <pc:spChg chg="mod">
-          <ac:chgData name="Eric Evans" userId="1a46d0bfc27536c1" providerId="LiveId" clId="{5BE1F578-2943-4177-ADF4-8544A868CFC0}" dt="2020-12-18T16:14:38.944" v="326" actId="20577"/>
-          <ac:spMkLst>
-            <pc:docMk/>
-            <pc:sldMk cId="184522517" sldId="265"/>
-            <ac:spMk id="2" creationId="{DB5D3A70-481D-4D4D-98A0-A14F944B68A0}"/>
-          </ac:spMkLst>
-        </pc:spChg>
-        <pc:spChg chg="mod">
-          <ac:chgData name="Eric Evans" userId="1a46d0bfc27536c1" providerId="LiveId" clId="{5BE1F578-2943-4177-ADF4-8544A868CFC0}" dt="2020-12-18T16:15:29.506" v="401" actId="255"/>
-          <ac:spMkLst>
-            <pc:docMk/>
-            <pc:sldMk cId="184522517" sldId="265"/>
-            <ac:spMk id="3" creationId="{A11A077A-8E0D-4263-B193-FA3FC6F813C9}"/>
-          </ac:spMkLst>
-        </pc:spChg>
-      </pc:sldChg>
-      <pc:sldChg chg="modSp new mod">
-        <pc:chgData name="Eric Evans" userId="1a46d0bfc27536c1" providerId="LiveId" clId="{5BE1F578-2943-4177-ADF4-8544A868CFC0}" dt="2020-12-18T16:18:14.733" v="617" actId="255"/>
-        <pc:sldMkLst>
-          <pc:docMk/>
-          <pc:sldMk cId="3640181798" sldId="266"/>
-        </pc:sldMkLst>
-        <pc:spChg chg="mod">
-          <ac:chgData name="Eric Evans" userId="1a46d0bfc27536c1" providerId="LiveId" clId="{5BE1F578-2943-4177-ADF4-8544A868CFC0}" dt="2020-12-18T16:16:05.231" v="420" actId="20577"/>
-          <ac:spMkLst>
-            <pc:docMk/>
-            <pc:sldMk cId="3640181798" sldId="266"/>
-            <ac:spMk id="2" creationId="{AD829477-273F-4EDE-8168-9A7DFE003787}"/>
-          </ac:spMkLst>
-        </pc:spChg>
-        <pc:spChg chg="mod">
-          <ac:chgData name="Eric Evans" userId="1a46d0bfc27536c1" providerId="LiveId" clId="{5BE1F578-2943-4177-ADF4-8544A868CFC0}" dt="2020-12-18T16:18:14.733" v="617" actId="255"/>
-          <ac:spMkLst>
-            <pc:docMk/>
-            <pc:sldMk cId="3640181798" sldId="266"/>
-            <ac:spMk id="3" creationId="{1B902856-EB7D-4D26-A1A0-CF4441EED9F2}"/>
-          </ac:spMkLst>
-        </pc:spChg>
-      </pc:sldChg>
-    </pc:docChg>
-  </pc:docChgLst>
 </pc:chgInfo>
+</file>
+
+<file path=ppt/notesMasters/notesMaster1.xml><?xml version="1.0" encoding="utf-8"?>
+<p:notesMaster xmlns:a="http://schemas.openxmlformats.org/drawingml/2006/main" xmlns:r="http://schemas.openxmlformats.org/officeDocument/2006/relationships" xmlns:p="http://schemas.openxmlformats.org/presentationml/2006/main">
+  <p:cSld>
+    <p:bg>
+      <p:bgRef idx="1001">
+        <a:schemeClr val="bg1"/>
+      </p:bgRef>
+    </p:bg>
+    <p:spTree>
+      <p:nvGrpSpPr>
+        <p:cNvPr id="1" name=""/>
+        <p:cNvGrpSpPr/>
+        <p:nvPr/>
+      </p:nvGrpSpPr>
+      <p:grpSpPr>
+        <a:xfrm>
+          <a:off x="0" y="0"/>
+          <a:ext cx="0" cy="0"/>
+          <a:chOff x="0" y="0"/>
+          <a:chExt cx="0" cy="0"/>
+        </a:xfrm>
+      </p:grpSpPr>
+      <p:sp>
+        <p:nvSpPr>
+          <p:cNvPr id="2" name="Header Placeholder 1"/>
+          <p:cNvSpPr>
+            <a:spLocks noGrp="1"/>
+          </p:cNvSpPr>
+          <p:nvPr>
+            <p:ph type="hdr" sz="quarter"/>
+          </p:nvPr>
+        </p:nvSpPr>
+        <p:spPr>
+          <a:xfrm>
+            <a:off x="0" y="0"/>
+            <a:ext cx="2971800" cy="458788"/>
+          </a:xfrm>
+          <a:prstGeom prst="rect">
+            <a:avLst/>
+          </a:prstGeom>
+        </p:spPr>
+        <p:txBody>
+          <a:bodyPr vert="horz" lIns="91440" tIns="45720" rIns="91440" bIns="45720" rtlCol="0"/>
+          <a:lstStyle>
+            <a:lvl1pPr algn="l">
+              <a:defRPr sz="1200"/>
+            </a:lvl1pPr>
+          </a:lstStyle>
+          <a:p>
+            <a:endParaRPr lang="en-US"/>
+          </a:p>
+        </p:txBody>
+      </p:sp>
+      <p:sp>
+        <p:nvSpPr>
+          <p:cNvPr id="3" name="Date Placeholder 2"/>
+          <p:cNvSpPr>
+            <a:spLocks noGrp="1"/>
+          </p:cNvSpPr>
+          <p:nvPr>
+            <p:ph type="dt" idx="1"/>
+          </p:nvPr>
+        </p:nvSpPr>
+        <p:spPr>
+          <a:xfrm>
+            <a:off x="3884613" y="0"/>
+            <a:ext cx="2971800" cy="458788"/>
+          </a:xfrm>
+          <a:prstGeom prst="rect">
+            <a:avLst/>
+          </a:prstGeom>
+        </p:spPr>
+        <p:txBody>
+          <a:bodyPr vert="horz" lIns="91440" tIns="45720" rIns="91440" bIns="45720" rtlCol="0"/>
+          <a:lstStyle>
+            <a:lvl1pPr algn="r">
+              <a:defRPr sz="1200"/>
+            </a:lvl1pPr>
+          </a:lstStyle>
+          <a:p>
+            <a:fld id="{7E7D09AF-9381-4F31-9AD6-012D0467FC50}" type="datetimeFigureOut">
+              <a:rPr lang="en-US" smtClean="0"/>
+              <a:t>12/21/2020</a:t>
+            </a:fld>
+            <a:endParaRPr lang="en-US"/>
+          </a:p>
+        </p:txBody>
+      </p:sp>
+      <p:sp>
+        <p:nvSpPr>
+          <p:cNvPr id="4" name="Slide Image Placeholder 3"/>
+          <p:cNvSpPr>
+            <a:spLocks noGrp="1" noRot="1" noChangeAspect="1"/>
+          </p:cNvSpPr>
+          <p:nvPr>
+            <p:ph type="sldImg" idx="2"/>
+          </p:nvPr>
+        </p:nvSpPr>
+        <p:spPr>
+          <a:xfrm>
+            <a:off x="685800" y="1143000"/>
+            <a:ext cx="5486400" cy="3086100"/>
+          </a:xfrm>
+          <a:prstGeom prst="rect">
+            <a:avLst/>
+          </a:prstGeom>
+          <a:noFill/>
+          <a:ln w="12700">
+            <a:solidFill>
+              <a:prstClr val="black"/>
+            </a:solidFill>
+          </a:ln>
+        </p:spPr>
+        <p:txBody>
+          <a:bodyPr vert="horz" lIns="91440" tIns="45720" rIns="91440" bIns="45720" rtlCol="0" anchor="ctr"/>
+          <a:lstStyle/>
+          <a:p>
+            <a:endParaRPr lang="en-US"/>
+          </a:p>
+        </p:txBody>
+      </p:sp>
+      <p:sp>
+        <p:nvSpPr>
+          <p:cNvPr id="5" name="Notes Placeholder 4"/>
+          <p:cNvSpPr>
+            <a:spLocks noGrp="1"/>
+          </p:cNvSpPr>
+          <p:nvPr>
+            <p:ph type="body" sz="quarter" idx="3"/>
+          </p:nvPr>
+        </p:nvSpPr>
+        <p:spPr>
+          <a:xfrm>
+            <a:off x="685800" y="4400550"/>
+            <a:ext cx="5486400" cy="3600450"/>
+          </a:xfrm>
+          <a:prstGeom prst="rect">
+            <a:avLst/>
+          </a:prstGeom>
+        </p:spPr>
+        <p:txBody>
+          <a:bodyPr vert="horz" lIns="91440" tIns="45720" rIns="91440" bIns="45720" rtlCol="0"/>
+          <a:lstStyle/>
+          <a:p>
+            <a:pPr lvl="0"/>
+            <a:r>
+              <a:rPr lang="en-US"/>
+              <a:t>Click to edit Master text styles</a:t>
+            </a:r>
+          </a:p>
+          <a:p>
+            <a:pPr lvl="1"/>
+            <a:r>
+              <a:rPr lang="en-US"/>
+              <a:t>Second level</a:t>
+            </a:r>
+          </a:p>
+          <a:p>
+            <a:pPr lvl="2"/>
+            <a:r>
+              <a:rPr lang="en-US"/>
+              <a:t>Third level</a:t>
+            </a:r>
+          </a:p>
+          <a:p>
+            <a:pPr lvl="3"/>
+            <a:r>
+              <a:rPr lang="en-US"/>
+              <a:t>Fourth level</a:t>
+            </a:r>
+          </a:p>
+          <a:p>
+            <a:pPr lvl="4"/>
+            <a:r>
+              <a:rPr lang="en-US"/>
+              <a:t>Fifth level</a:t>
+            </a:r>
+          </a:p>
+        </p:txBody>
+      </p:sp>
+      <p:sp>
+        <p:nvSpPr>
+          <p:cNvPr id="6" name="Footer Placeholder 5"/>
+          <p:cNvSpPr>
+            <a:spLocks noGrp="1"/>
+          </p:cNvSpPr>
+          <p:nvPr>
+            <p:ph type="ftr" sz="quarter" idx="4"/>
+          </p:nvPr>
+        </p:nvSpPr>
+        <p:spPr>
+          <a:xfrm>
+            <a:off x="0" y="8685213"/>
+            <a:ext cx="2971800" cy="458787"/>
+          </a:xfrm>
+          <a:prstGeom prst="rect">
+            <a:avLst/>
+          </a:prstGeom>
+        </p:spPr>
+        <p:txBody>
+          <a:bodyPr vert="horz" lIns="91440" tIns="45720" rIns="91440" bIns="45720" rtlCol="0" anchor="b"/>
+          <a:lstStyle>
+            <a:lvl1pPr algn="l">
+              <a:defRPr sz="1200"/>
+            </a:lvl1pPr>
+          </a:lstStyle>
+          <a:p>
+            <a:endParaRPr lang="en-US"/>
+          </a:p>
+        </p:txBody>
+      </p:sp>
+      <p:sp>
+        <p:nvSpPr>
+          <p:cNvPr id="7" name="Slide Number Placeholder 6"/>
+          <p:cNvSpPr>
+            <a:spLocks noGrp="1"/>
+          </p:cNvSpPr>
+          <p:nvPr>
+            <p:ph type="sldNum" sz="quarter" idx="5"/>
+          </p:nvPr>
+        </p:nvSpPr>
+        <p:spPr>
+          <a:xfrm>
+            <a:off x="3884613" y="8685213"/>
+            <a:ext cx="2971800" cy="458787"/>
+          </a:xfrm>
+          <a:prstGeom prst="rect">
+            <a:avLst/>
+          </a:prstGeom>
+        </p:spPr>
+        <p:txBody>
+          <a:bodyPr vert="horz" lIns="91440" tIns="45720" rIns="91440" bIns="45720" rtlCol="0" anchor="b"/>
+          <a:lstStyle>
+            <a:lvl1pPr algn="r">
+              <a:defRPr sz="1200"/>
+            </a:lvl1pPr>
+          </a:lstStyle>
+          <a:p>
+            <a:fld id="{47D4B89A-F9F5-4E1F-AE74-ACEA9FD985E7}" type="slidenum">
+              <a:rPr lang="en-US" smtClean="0"/>
+              <a:t>‹#›</a:t>
+            </a:fld>
+            <a:endParaRPr lang="en-US"/>
+          </a:p>
+        </p:txBody>
+      </p:sp>
+    </p:spTree>
+    <p:extLst>
+      <p:ext uri="{BB962C8B-B14F-4D97-AF65-F5344CB8AC3E}">
+        <p14:creationId xmlns:p14="http://schemas.microsoft.com/office/powerpoint/2010/main" val="3491217721"/>
+      </p:ext>
+    </p:extLst>
+  </p:cSld>
+  <p:clrMap bg1="lt1" tx1="dk1" bg2="lt2" tx2="dk2" accent1="accent1" accent2="accent2" accent3="accent3" accent4="accent4" accent5="accent5" accent6="accent6" hlink="hlink" folHlink="folHlink"/>
+  <p:notesStyle>
+    <a:lvl1pPr marL="0" algn="l" defTabSz="914400" rtl="0" eaLnBrk="1" latinLnBrk="0" hangingPunct="1">
+      <a:defRPr sz="1200" kern="1200">
+        <a:solidFill>
+          <a:schemeClr val="tx1"/>
+        </a:solidFill>
+        <a:latin typeface="+mn-lt"/>
+        <a:ea typeface="+mn-ea"/>
+        <a:cs typeface="+mn-cs"/>
+      </a:defRPr>
+    </a:lvl1pPr>
+    <a:lvl2pPr marL="457200" algn="l" defTabSz="914400" rtl="0" eaLnBrk="1" latinLnBrk="0" hangingPunct="1">
+      <a:defRPr sz="1200" kern="1200">
+        <a:solidFill>
+          <a:schemeClr val="tx1"/>
+        </a:solidFill>
+        <a:latin typeface="+mn-lt"/>
+        <a:ea typeface="+mn-ea"/>
+        <a:cs typeface="+mn-cs"/>
+      </a:defRPr>
+    </a:lvl2pPr>
+    <a:lvl3pPr marL="914400" algn="l" defTabSz="914400" rtl="0" eaLnBrk="1" latinLnBrk="0" hangingPunct="1">
+      <a:defRPr sz="1200" kern="1200">
+        <a:solidFill>
+          <a:schemeClr val="tx1"/>
+        </a:solidFill>
+        <a:latin typeface="+mn-lt"/>
+        <a:ea typeface="+mn-ea"/>
+        <a:cs typeface="+mn-cs"/>
+      </a:defRPr>
+    </a:lvl3pPr>
+    <a:lvl4pPr marL="1371600" algn="l" defTabSz="914400" rtl="0" eaLnBrk="1" latinLnBrk="0" hangingPunct="1">
+      <a:defRPr sz="1200" kern="1200">
+        <a:solidFill>
+          <a:schemeClr val="tx1"/>
+        </a:solidFill>
+        <a:latin typeface="+mn-lt"/>
+        <a:ea typeface="+mn-ea"/>
+        <a:cs typeface="+mn-cs"/>
+      </a:defRPr>
+    </a:lvl4pPr>
+    <a:lvl5pPr marL="1828800" algn="l" defTabSz="914400" rtl="0" eaLnBrk="1" latinLnBrk="0" hangingPunct="1">
+      <a:defRPr sz="1200" kern="1200">
+        <a:solidFill>
+          <a:schemeClr val="tx1"/>
+        </a:solidFill>
+        <a:latin typeface="+mn-lt"/>
+        <a:ea typeface="+mn-ea"/>
+        <a:cs typeface="+mn-cs"/>
+      </a:defRPr>
+    </a:lvl5pPr>
+    <a:lvl6pPr marL="2286000" algn="l" defTabSz="914400" rtl="0" eaLnBrk="1" latinLnBrk="0" hangingPunct="1">
+      <a:defRPr sz="1200" kern="1200">
+        <a:solidFill>
+          <a:schemeClr val="tx1"/>
+        </a:solidFill>
+        <a:latin typeface="+mn-lt"/>
+        <a:ea typeface="+mn-ea"/>
+        <a:cs typeface="+mn-cs"/>
+      </a:defRPr>
+    </a:lvl6pPr>
+    <a:lvl7pPr marL="2743200" algn="l" defTabSz="914400" rtl="0" eaLnBrk="1" latinLnBrk="0" hangingPunct="1">
+      <a:defRPr sz="1200" kern="1200">
+        <a:solidFill>
+          <a:schemeClr val="tx1"/>
+        </a:solidFill>
+        <a:latin typeface="+mn-lt"/>
+        <a:ea typeface="+mn-ea"/>
+        <a:cs typeface="+mn-cs"/>
+      </a:defRPr>
+    </a:lvl7pPr>
+    <a:lvl8pPr marL="3200400" algn="l" defTabSz="914400" rtl="0" eaLnBrk="1" latinLnBrk="0" hangingPunct="1">
+      <a:defRPr sz="1200" kern="1200">
+        <a:solidFill>
+          <a:schemeClr val="tx1"/>
+        </a:solidFill>
+        <a:latin typeface="+mn-lt"/>
+        <a:ea typeface="+mn-ea"/>
+        <a:cs typeface="+mn-cs"/>
+      </a:defRPr>
+    </a:lvl8pPr>
+    <a:lvl9pPr marL="3657600" algn="l" defTabSz="914400" rtl="0" eaLnBrk="1" latinLnBrk="0" hangingPunct="1">
+      <a:defRPr sz="1200" kern="1200">
+        <a:solidFill>
+          <a:schemeClr val="tx1"/>
+        </a:solidFill>
+        <a:latin typeface="+mn-lt"/>
+        <a:ea typeface="+mn-ea"/>
+        <a:cs typeface="+mn-cs"/>
+      </a:defRPr>
+    </a:lvl9pPr>
+  </p:notesStyle>
+</p:notesMaster>
+</file>
+
+<file path=ppt/notesSlides/notesSlide1.xml><?xml version="1.0" encoding="utf-8"?>
+<p:notes xmlns:a="http://schemas.openxmlformats.org/drawingml/2006/main" xmlns:r="http://schemas.openxmlformats.org/officeDocument/2006/relationships" xmlns:p="http://schemas.openxmlformats.org/presentationml/2006/main">
+  <p:cSld>
+    <p:spTree>
+      <p:nvGrpSpPr>
+        <p:cNvPr id="1" name=""/>
+        <p:cNvGrpSpPr/>
+        <p:nvPr/>
+      </p:nvGrpSpPr>
+      <p:grpSpPr>
+        <a:xfrm>
+          <a:off x="0" y="0"/>
+          <a:ext cx="0" cy="0"/>
+          <a:chOff x="0" y="0"/>
+          <a:chExt cx="0" cy="0"/>
+        </a:xfrm>
+      </p:grpSpPr>
+      <p:sp>
+        <p:nvSpPr>
+          <p:cNvPr id="2" name="Slide Image Placeholder 1"/>
+          <p:cNvSpPr>
+            <a:spLocks noGrp="1" noRot="1" noChangeAspect="1"/>
+          </p:cNvSpPr>
+          <p:nvPr>
+            <p:ph type="sldImg"/>
+          </p:nvPr>
+        </p:nvSpPr>
+        <p:spPr/>
+      </p:sp>
+      <p:sp>
+        <p:nvSpPr>
+          <p:cNvPr id="3" name="Notes Placeholder 2"/>
+          <p:cNvSpPr>
+            <a:spLocks noGrp="1"/>
+          </p:cNvSpPr>
+          <p:nvPr>
+            <p:ph type="body" idx="1"/>
+          </p:nvPr>
+        </p:nvSpPr>
+        <p:spPr/>
+        <p:txBody>
+          <a:bodyPr/>
+          <a:lstStyle/>
+          <a:p>
+            <a:r>
+              <a:rPr lang="en-US" dirty="0"/>
+              <a:t>ERIC</a:t>
+            </a:r>
+          </a:p>
+        </p:txBody>
+      </p:sp>
+      <p:sp>
+        <p:nvSpPr>
+          <p:cNvPr id="4" name="Slide Number Placeholder 3"/>
+          <p:cNvSpPr>
+            <a:spLocks noGrp="1"/>
+          </p:cNvSpPr>
+          <p:nvPr>
+            <p:ph type="sldNum" sz="quarter" idx="5"/>
+          </p:nvPr>
+        </p:nvSpPr>
+        <p:spPr/>
+        <p:txBody>
+          <a:bodyPr/>
+          <a:lstStyle/>
+          <a:p>
+            <a:fld id="{47D4B89A-F9F5-4E1F-AE74-ACEA9FD985E7}" type="slidenum">
+              <a:rPr lang="en-US" smtClean="0"/>
+              <a:t>1</a:t>
+            </a:fld>
+            <a:endParaRPr lang="en-US"/>
+          </a:p>
+        </p:txBody>
+      </p:sp>
+    </p:spTree>
+    <p:extLst>
+      <p:ext uri="{BB962C8B-B14F-4D97-AF65-F5344CB8AC3E}">
+        <p14:creationId xmlns:p14="http://schemas.microsoft.com/office/powerpoint/2010/main" val="2934029604"/>
+      </p:ext>
+    </p:extLst>
+  </p:cSld>
+  <p:clrMapOvr>
+    <a:masterClrMapping/>
+  </p:clrMapOvr>
+</p:notes>
+</file>
+
+<file path=ppt/notesSlides/notesSlide10.xml><?xml version="1.0" encoding="utf-8"?>
+<p:notes xmlns:a="http://schemas.openxmlformats.org/drawingml/2006/main" xmlns:r="http://schemas.openxmlformats.org/officeDocument/2006/relationships" xmlns:p="http://schemas.openxmlformats.org/presentationml/2006/main">
+  <p:cSld>
+    <p:spTree>
+      <p:nvGrpSpPr>
+        <p:cNvPr id="1" name=""/>
+        <p:cNvGrpSpPr/>
+        <p:nvPr/>
+      </p:nvGrpSpPr>
+      <p:grpSpPr>
+        <a:xfrm>
+          <a:off x="0" y="0"/>
+          <a:ext cx="0" cy="0"/>
+          <a:chOff x="0" y="0"/>
+          <a:chExt cx="0" cy="0"/>
+        </a:xfrm>
+      </p:grpSpPr>
+      <p:sp>
+        <p:nvSpPr>
+          <p:cNvPr id="2" name="Slide Image Placeholder 1"/>
+          <p:cNvSpPr>
+            <a:spLocks noGrp="1" noRot="1" noChangeAspect="1"/>
+          </p:cNvSpPr>
+          <p:nvPr>
+            <p:ph type="sldImg"/>
+          </p:nvPr>
+        </p:nvSpPr>
+        <p:spPr/>
+      </p:sp>
+      <p:sp>
+        <p:nvSpPr>
+          <p:cNvPr id="3" name="Notes Placeholder 2"/>
+          <p:cNvSpPr>
+            <a:spLocks noGrp="1"/>
+          </p:cNvSpPr>
+          <p:nvPr>
+            <p:ph type="body" idx="1"/>
+          </p:nvPr>
+        </p:nvSpPr>
+        <p:spPr/>
+        <p:txBody>
+          <a:bodyPr/>
+          <a:lstStyle/>
+          <a:p>
+            <a:r>
+              <a:rPr lang="en-US" dirty="0"/>
+              <a:t>JANELLE</a:t>
+            </a:r>
+          </a:p>
+        </p:txBody>
+      </p:sp>
+      <p:sp>
+        <p:nvSpPr>
+          <p:cNvPr id="4" name="Slide Number Placeholder 3"/>
+          <p:cNvSpPr>
+            <a:spLocks noGrp="1"/>
+          </p:cNvSpPr>
+          <p:nvPr>
+            <p:ph type="sldNum" sz="quarter" idx="5"/>
+          </p:nvPr>
+        </p:nvSpPr>
+        <p:spPr/>
+        <p:txBody>
+          <a:bodyPr/>
+          <a:lstStyle/>
+          <a:p>
+            <a:fld id="{47D4B89A-F9F5-4E1F-AE74-ACEA9FD985E7}" type="slidenum">
+              <a:rPr lang="en-US" smtClean="0"/>
+              <a:t>13</a:t>
+            </a:fld>
+            <a:endParaRPr lang="en-US"/>
+          </a:p>
+        </p:txBody>
+      </p:sp>
+    </p:spTree>
+    <p:extLst>
+      <p:ext uri="{BB962C8B-B14F-4D97-AF65-F5344CB8AC3E}">
+        <p14:creationId xmlns:p14="http://schemas.microsoft.com/office/powerpoint/2010/main" val="4147316292"/>
+      </p:ext>
+    </p:extLst>
+  </p:cSld>
+  <p:clrMapOvr>
+    <a:masterClrMapping/>
+  </p:clrMapOvr>
+</p:notes>
+</file>
+
+<file path=ppt/notesSlides/notesSlide11.xml><?xml version="1.0" encoding="utf-8"?>
+<p:notes xmlns:a="http://schemas.openxmlformats.org/drawingml/2006/main" xmlns:r="http://schemas.openxmlformats.org/officeDocument/2006/relationships" xmlns:p="http://schemas.openxmlformats.org/presentationml/2006/main">
+  <p:cSld>
+    <p:spTree>
+      <p:nvGrpSpPr>
+        <p:cNvPr id="1" name=""/>
+        <p:cNvGrpSpPr/>
+        <p:nvPr/>
+      </p:nvGrpSpPr>
+      <p:grpSpPr>
+        <a:xfrm>
+          <a:off x="0" y="0"/>
+          <a:ext cx="0" cy="0"/>
+          <a:chOff x="0" y="0"/>
+          <a:chExt cx="0" cy="0"/>
+        </a:xfrm>
+      </p:grpSpPr>
+      <p:sp>
+        <p:nvSpPr>
+          <p:cNvPr id="2" name="Slide Image Placeholder 1"/>
+          <p:cNvSpPr>
+            <a:spLocks noGrp="1" noRot="1" noChangeAspect="1"/>
+          </p:cNvSpPr>
+          <p:nvPr>
+            <p:ph type="sldImg"/>
+          </p:nvPr>
+        </p:nvSpPr>
+        <p:spPr/>
+      </p:sp>
+      <p:sp>
+        <p:nvSpPr>
+          <p:cNvPr id="3" name="Notes Placeholder 2"/>
+          <p:cNvSpPr>
+            <a:spLocks noGrp="1"/>
+          </p:cNvSpPr>
+          <p:nvPr>
+            <p:ph type="body" idx="1"/>
+          </p:nvPr>
+        </p:nvSpPr>
+        <p:spPr/>
+        <p:txBody>
+          <a:bodyPr/>
+          <a:lstStyle/>
+          <a:p>
+            <a:r>
+              <a:rPr lang="en-US" dirty="0"/>
+              <a:t>JANELLE</a:t>
+            </a:r>
+          </a:p>
+        </p:txBody>
+      </p:sp>
+      <p:sp>
+        <p:nvSpPr>
+          <p:cNvPr id="4" name="Slide Number Placeholder 3"/>
+          <p:cNvSpPr>
+            <a:spLocks noGrp="1"/>
+          </p:cNvSpPr>
+          <p:nvPr>
+            <p:ph type="sldNum" sz="quarter" idx="5"/>
+          </p:nvPr>
+        </p:nvSpPr>
+        <p:spPr/>
+        <p:txBody>
+          <a:bodyPr/>
+          <a:lstStyle/>
+          <a:p>
+            <a:fld id="{47D4B89A-F9F5-4E1F-AE74-ACEA9FD985E7}" type="slidenum">
+              <a:rPr lang="en-US" smtClean="0"/>
+              <a:t>14</a:t>
+            </a:fld>
+            <a:endParaRPr lang="en-US"/>
+          </a:p>
+        </p:txBody>
+      </p:sp>
+    </p:spTree>
+    <p:extLst>
+      <p:ext uri="{BB962C8B-B14F-4D97-AF65-F5344CB8AC3E}">
+        <p14:creationId xmlns:p14="http://schemas.microsoft.com/office/powerpoint/2010/main" val="756941920"/>
+      </p:ext>
+    </p:extLst>
+  </p:cSld>
+  <p:clrMapOvr>
+    <a:masterClrMapping/>
+  </p:clrMapOvr>
+</p:notes>
+</file>
+
+<file path=ppt/notesSlides/notesSlide12.xml><?xml version="1.0" encoding="utf-8"?>
+<p:notes xmlns:a="http://schemas.openxmlformats.org/drawingml/2006/main" xmlns:r="http://schemas.openxmlformats.org/officeDocument/2006/relationships" xmlns:p="http://schemas.openxmlformats.org/presentationml/2006/main">
+  <p:cSld>
+    <p:spTree>
+      <p:nvGrpSpPr>
+        <p:cNvPr id="1" name=""/>
+        <p:cNvGrpSpPr/>
+        <p:nvPr/>
+      </p:nvGrpSpPr>
+      <p:grpSpPr>
+        <a:xfrm>
+          <a:off x="0" y="0"/>
+          <a:ext cx="0" cy="0"/>
+          <a:chOff x="0" y="0"/>
+          <a:chExt cx="0" cy="0"/>
+        </a:xfrm>
+      </p:grpSpPr>
+      <p:sp>
+        <p:nvSpPr>
+          <p:cNvPr id="2" name="Slide Image Placeholder 1"/>
+          <p:cNvSpPr>
+            <a:spLocks noGrp="1" noRot="1" noChangeAspect="1"/>
+          </p:cNvSpPr>
+          <p:nvPr>
+            <p:ph type="sldImg"/>
+          </p:nvPr>
+        </p:nvSpPr>
+        <p:spPr/>
+      </p:sp>
+      <p:sp>
+        <p:nvSpPr>
+          <p:cNvPr id="3" name="Notes Placeholder 2"/>
+          <p:cNvSpPr>
+            <a:spLocks noGrp="1"/>
+          </p:cNvSpPr>
+          <p:nvPr>
+            <p:ph type="body" idx="1"/>
+          </p:nvPr>
+        </p:nvSpPr>
+        <p:spPr/>
+        <p:txBody>
+          <a:bodyPr/>
+          <a:lstStyle/>
+          <a:p>
+            <a:r>
+              <a:rPr lang="en-US" dirty="0"/>
+              <a:t>JANELLE</a:t>
+            </a:r>
+          </a:p>
+        </p:txBody>
+      </p:sp>
+      <p:sp>
+        <p:nvSpPr>
+          <p:cNvPr id="4" name="Slide Number Placeholder 3"/>
+          <p:cNvSpPr>
+            <a:spLocks noGrp="1"/>
+          </p:cNvSpPr>
+          <p:nvPr>
+            <p:ph type="sldNum" sz="quarter" idx="5"/>
+          </p:nvPr>
+        </p:nvSpPr>
+        <p:spPr/>
+        <p:txBody>
+          <a:bodyPr/>
+          <a:lstStyle/>
+          <a:p>
+            <a:fld id="{47D4B89A-F9F5-4E1F-AE74-ACEA9FD985E7}" type="slidenum">
+              <a:rPr lang="en-US" smtClean="0"/>
+              <a:t>15</a:t>
+            </a:fld>
+            <a:endParaRPr lang="en-US"/>
+          </a:p>
+        </p:txBody>
+      </p:sp>
+    </p:spTree>
+    <p:extLst>
+      <p:ext uri="{BB962C8B-B14F-4D97-AF65-F5344CB8AC3E}">
+        <p14:creationId xmlns:p14="http://schemas.microsoft.com/office/powerpoint/2010/main" val="311710913"/>
+      </p:ext>
+    </p:extLst>
+  </p:cSld>
+  <p:clrMapOvr>
+    <a:masterClrMapping/>
+  </p:clrMapOvr>
+</p:notes>
+</file>
+
+<file path=ppt/notesSlides/notesSlide2.xml><?xml version="1.0" encoding="utf-8"?>
+<p:notes xmlns:a="http://schemas.openxmlformats.org/drawingml/2006/main" xmlns:r="http://schemas.openxmlformats.org/officeDocument/2006/relationships" xmlns:p="http://schemas.openxmlformats.org/presentationml/2006/main">
+  <p:cSld>
+    <p:spTree>
+      <p:nvGrpSpPr>
+        <p:cNvPr id="1" name=""/>
+        <p:cNvGrpSpPr/>
+        <p:nvPr/>
+      </p:nvGrpSpPr>
+      <p:grpSpPr>
+        <a:xfrm>
+          <a:off x="0" y="0"/>
+          <a:ext cx="0" cy="0"/>
+          <a:chOff x="0" y="0"/>
+          <a:chExt cx="0" cy="0"/>
+        </a:xfrm>
+      </p:grpSpPr>
+      <p:sp>
+        <p:nvSpPr>
+          <p:cNvPr id="2" name="Slide Image Placeholder 1"/>
+          <p:cNvSpPr>
+            <a:spLocks noGrp="1" noRot="1" noChangeAspect="1"/>
+          </p:cNvSpPr>
+          <p:nvPr>
+            <p:ph type="sldImg"/>
+          </p:nvPr>
+        </p:nvSpPr>
+        <p:spPr/>
+      </p:sp>
+      <p:sp>
+        <p:nvSpPr>
+          <p:cNvPr id="3" name="Notes Placeholder 2"/>
+          <p:cNvSpPr>
+            <a:spLocks noGrp="1"/>
+          </p:cNvSpPr>
+          <p:nvPr>
+            <p:ph type="body" idx="1"/>
+          </p:nvPr>
+        </p:nvSpPr>
+        <p:spPr/>
+        <p:txBody>
+          <a:bodyPr/>
+          <a:lstStyle/>
+          <a:p>
+            <a:r>
+              <a:rPr lang="en-US" dirty="0"/>
+              <a:t>ERIC</a:t>
+            </a:r>
+          </a:p>
+        </p:txBody>
+      </p:sp>
+      <p:sp>
+        <p:nvSpPr>
+          <p:cNvPr id="4" name="Slide Number Placeholder 3"/>
+          <p:cNvSpPr>
+            <a:spLocks noGrp="1"/>
+          </p:cNvSpPr>
+          <p:nvPr>
+            <p:ph type="sldNum" sz="quarter" idx="5"/>
+          </p:nvPr>
+        </p:nvSpPr>
+        <p:spPr/>
+        <p:txBody>
+          <a:bodyPr/>
+          <a:lstStyle/>
+          <a:p>
+            <a:fld id="{47D4B89A-F9F5-4E1F-AE74-ACEA9FD985E7}" type="slidenum">
+              <a:rPr lang="en-US" smtClean="0"/>
+              <a:t>2</a:t>
+            </a:fld>
+            <a:endParaRPr lang="en-US"/>
+          </a:p>
+        </p:txBody>
+      </p:sp>
+    </p:spTree>
+    <p:extLst>
+      <p:ext uri="{BB962C8B-B14F-4D97-AF65-F5344CB8AC3E}">
+        <p14:creationId xmlns:p14="http://schemas.microsoft.com/office/powerpoint/2010/main" val="537111040"/>
+      </p:ext>
+    </p:extLst>
+  </p:cSld>
+  <p:clrMapOvr>
+    <a:masterClrMapping/>
+  </p:clrMapOvr>
+</p:notes>
+</file>
+
+<file path=ppt/notesSlides/notesSlide3.xml><?xml version="1.0" encoding="utf-8"?>
+<p:notes xmlns:a="http://schemas.openxmlformats.org/drawingml/2006/main" xmlns:r="http://schemas.openxmlformats.org/officeDocument/2006/relationships" xmlns:p="http://schemas.openxmlformats.org/presentationml/2006/main">
+  <p:cSld>
+    <p:spTree>
+      <p:nvGrpSpPr>
+        <p:cNvPr id="1" name=""/>
+        <p:cNvGrpSpPr/>
+        <p:nvPr/>
+      </p:nvGrpSpPr>
+      <p:grpSpPr>
+        <a:xfrm>
+          <a:off x="0" y="0"/>
+          <a:ext cx="0" cy="0"/>
+          <a:chOff x="0" y="0"/>
+          <a:chExt cx="0" cy="0"/>
+        </a:xfrm>
+      </p:grpSpPr>
+      <p:sp>
+        <p:nvSpPr>
+          <p:cNvPr id="2" name="Slide Image Placeholder 1"/>
+          <p:cNvSpPr>
+            <a:spLocks noGrp="1" noRot="1" noChangeAspect="1"/>
+          </p:cNvSpPr>
+          <p:nvPr>
+            <p:ph type="sldImg"/>
+          </p:nvPr>
+        </p:nvSpPr>
+        <p:spPr/>
+      </p:sp>
+      <p:sp>
+        <p:nvSpPr>
+          <p:cNvPr id="3" name="Notes Placeholder 2"/>
+          <p:cNvSpPr>
+            <a:spLocks noGrp="1"/>
+          </p:cNvSpPr>
+          <p:nvPr>
+            <p:ph type="body" idx="1"/>
+          </p:nvPr>
+        </p:nvSpPr>
+        <p:spPr/>
+        <p:txBody>
+          <a:bodyPr/>
+          <a:lstStyle/>
+          <a:p>
+            <a:r>
+              <a:rPr lang="en-US" dirty="0"/>
+              <a:t>ERIC</a:t>
+            </a:r>
+          </a:p>
+        </p:txBody>
+      </p:sp>
+      <p:sp>
+        <p:nvSpPr>
+          <p:cNvPr id="4" name="Slide Number Placeholder 3"/>
+          <p:cNvSpPr>
+            <a:spLocks noGrp="1"/>
+          </p:cNvSpPr>
+          <p:nvPr>
+            <p:ph type="sldNum" sz="quarter" idx="5"/>
+          </p:nvPr>
+        </p:nvSpPr>
+        <p:spPr/>
+        <p:txBody>
+          <a:bodyPr/>
+          <a:lstStyle/>
+          <a:p>
+            <a:fld id="{47D4B89A-F9F5-4E1F-AE74-ACEA9FD985E7}" type="slidenum">
+              <a:rPr lang="en-US" smtClean="0"/>
+              <a:t>3</a:t>
+            </a:fld>
+            <a:endParaRPr lang="en-US"/>
+          </a:p>
+        </p:txBody>
+      </p:sp>
+    </p:spTree>
+    <p:extLst>
+      <p:ext uri="{BB962C8B-B14F-4D97-AF65-F5344CB8AC3E}">
+        <p14:creationId xmlns:p14="http://schemas.microsoft.com/office/powerpoint/2010/main" val="3094704878"/>
+      </p:ext>
+    </p:extLst>
+  </p:cSld>
+  <p:clrMapOvr>
+    <a:masterClrMapping/>
+  </p:clrMapOvr>
+</p:notes>
+</file>
+
+<file path=ppt/notesSlides/notesSlide4.xml><?xml version="1.0" encoding="utf-8"?>
+<p:notes xmlns:a="http://schemas.openxmlformats.org/drawingml/2006/main" xmlns:r="http://schemas.openxmlformats.org/officeDocument/2006/relationships" xmlns:p="http://schemas.openxmlformats.org/presentationml/2006/main">
+  <p:cSld>
+    <p:spTree>
+      <p:nvGrpSpPr>
+        <p:cNvPr id="1" name=""/>
+        <p:cNvGrpSpPr/>
+        <p:nvPr/>
+      </p:nvGrpSpPr>
+      <p:grpSpPr>
+        <a:xfrm>
+          <a:off x="0" y="0"/>
+          <a:ext cx="0" cy="0"/>
+          <a:chOff x="0" y="0"/>
+          <a:chExt cx="0" cy="0"/>
+        </a:xfrm>
+      </p:grpSpPr>
+      <p:sp>
+        <p:nvSpPr>
+          <p:cNvPr id="2" name="Slide Image Placeholder 1"/>
+          <p:cNvSpPr>
+            <a:spLocks noGrp="1" noRot="1" noChangeAspect="1"/>
+          </p:cNvSpPr>
+          <p:nvPr>
+            <p:ph type="sldImg"/>
+          </p:nvPr>
+        </p:nvSpPr>
+        <p:spPr/>
+      </p:sp>
+      <p:sp>
+        <p:nvSpPr>
+          <p:cNvPr id="3" name="Notes Placeholder 2"/>
+          <p:cNvSpPr>
+            <a:spLocks noGrp="1"/>
+          </p:cNvSpPr>
+          <p:nvPr>
+            <p:ph type="body" idx="1"/>
+          </p:nvPr>
+        </p:nvSpPr>
+        <p:spPr/>
+        <p:txBody>
+          <a:bodyPr/>
+          <a:lstStyle/>
+          <a:p>
+            <a:r>
+              <a:rPr lang="en-US" dirty="0"/>
+              <a:t>ERIC</a:t>
+            </a:r>
+          </a:p>
+        </p:txBody>
+      </p:sp>
+      <p:sp>
+        <p:nvSpPr>
+          <p:cNvPr id="4" name="Slide Number Placeholder 3"/>
+          <p:cNvSpPr>
+            <a:spLocks noGrp="1"/>
+          </p:cNvSpPr>
+          <p:nvPr>
+            <p:ph type="sldNum" sz="quarter" idx="5"/>
+          </p:nvPr>
+        </p:nvSpPr>
+        <p:spPr/>
+        <p:txBody>
+          <a:bodyPr/>
+          <a:lstStyle/>
+          <a:p>
+            <a:fld id="{47D4B89A-F9F5-4E1F-AE74-ACEA9FD985E7}" type="slidenum">
+              <a:rPr lang="en-US" smtClean="0"/>
+              <a:t>4</a:t>
+            </a:fld>
+            <a:endParaRPr lang="en-US"/>
+          </a:p>
+        </p:txBody>
+      </p:sp>
+    </p:spTree>
+    <p:extLst>
+      <p:ext uri="{BB962C8B-B14F-4D97-AF65-F5344CB8AC3E}">
+        <p14:creationId xmlns:p14="http://schemas.microsoft.com/office/powerpoint/2010/main" val="3364445830"/>
+      </p:ext>
+    </p:extLst>
+  </p:cSld>
+  <p:clrMapOvr>
+    <a:masterClrMapping/>
+  </p:clrMapOvr>
+</p:notes>
+</file>
+
+<file path=ppt/notesSlides/notesSlide5.xml><?xml version="1.0" encoding="utf-8"?>
+<p:notes xmlns:a="http://schemas.openxmlformats.org/drawingml/2006/main" xmlns:r="http://schemas.openxmlformats.org/officeDocument/2006/relationships" xmlns:p="http://schemas.openxmlformats.org/presentationml/2006/main">
+  <p:cSld>
+    <p:spTree>
+      <p:nvGrpSpPr>
+        <p:cNvPr id="1" name=""/>
+        <p:cNvGrpSpPr/>
+        <p:nvPr/>
+      </p:nvGrpSpPr>
+      <p:grpSpPr>
+        <a:xfrm>
+          <a:off x="0" y="0"/>
+          <a:ext cx="0" cy="0"/>
+          <a:chOff x="0" y="0"/>
+          <a:chExt cx="0" cy="0"/>
+        </a:xfrm>
+      </p:grpSpPr>
+      <p:sp>
+        <p:nvSpPr>
+          <p:cNvPr id="2" name="Slide Image Placeholder 1"/>
+          <p:cNvSpPr>
+            <a:spLocks noGrp="1" noRot="1" noChangeAspect="1"/>
+          </p:cNvSpPr>
+          <p:nvPr>
+            <p:ph type="sldImg"/>
+          </p:nvPr>
+        </p:nvSpPr>
+        <p:spPr/>
+      </p:sp>
+      <p:sp>
+        <p:nvSpPr>
+          <p:cNvPr id="3" name="Notes Placeholder 2"/>
+          <p:cNvSpPr>
+            <a:spLocks noGrp="1"/>
+          </p:cNvSpPr>
+          <p:nvPr>
+            <p:ph type="body" idx="1"/>
+          </p:nvPr>
+        </p:nvSpPr>
+        <p:spPr/>
+        <p:txBody>
+          <a:bodyPr/>
+          <a:lstStyle/>
+          <a:p>
+            <a:r>
+              <a:rPr lang="en-US" dirty="0"/>
+              <a:t>MARY</a:t>
+            </a:r>
+          </a:p>
+        </p:txBody>
+      </p:sp>
+      <p:sp>
+        <p:nvSpPr>
+          <p:cNvPr id="4" name="Slide Number Placeholder 3"/>
+          <p:cNvSpPr>
+            <a:spLocks noGrp="1"/>
+          </p:cNvSpPr>
+          <p:nvPr>
+            <p:ph type="sldNum" sz="quarter" idx="5"/>
+          </p:nvPr>
+        </p:nvSpPr>
+        <p:spPr/>
+        <p:txBody>
+          <a:bodyPr/>
+          <a:lstStyle/>
+          <a:p>
+            <a:fld id="{47D4B89A-F9F5-4E1F-AE74-ACEA9FD985E7}" type="slidenum">
+              <a:rPr lang="en-US" smtClean="0"/>
+              <a:t>5</a:t>
+            </a:fld>
+            <a:endParaRPr lang="en-US"/>
+          </a:p>
+        </p:txBody>
+      </p:sp>
+    </p:spTree>
+    <p:extLst>
+      <p:ext uri="{BB962C8B-B14F-4D97-AF65-F5344CB8AC3E}">
+        <p14:creationId xmlns:p14="http://schemas.microsoft.com/office/powerpoint/2010/main" val="3162989201"/>
+      </p:ext>
+    </p:extLst>
+  </p:cSld>
+  <p:clrMapOvr>
+    <a:masterClrMapping/>
+  </p:clrMapOvr>
+</p:notes>
+</file>
+
+<file path=ppt/notesSlides/notesSlide6.xml><?xml version="1.0" encoding="utf-8"?>
+<p:notes xmlns:a="http://schemas.openxmlformats.org/drawingml/2006/main" xmlns:r="http://schemas.openxmlformats.org/officeDocument/2006/relationships" xmlns:p="http://schemas.openxmlformats.org/presentationml/2006/main">
+  <p:cSld>
+    <p:spTree>
+      <p:nvGrpSpPr>
+        <p:cNvPr id="1" name=""/>
+        <p:cNvGrpSpPr/>
+        <p:nvPr/>
+      </p:nvGrpSpPr>
+      <p:grpSpPr>
+        <a:xfrm>
+          <a:off x="0" y="0"/>
+          <a:ext cx="0" cy="0"/>
+          <a:chOff x="0" y="0"/>
+          <a:chExt cx="0" cy="0"/>
+        </a:xfrm>
+      </p:grpSpPr>
+      <p:sp>
+        <p:nvSpPr>
+          <p:cNvPr id="2" name="Slide Image Placeholder 1"/>
+          <p:cNvSpPr>
+            <a:spLocks noGrp="1" noRot="1" noChangeAspect="1"/>
+          </p:cNvSpPr>
+          <p:nvPr>
+            <p:ph type="sldImg"/>
+          </p:nvPr>
+        </p:nvSpPr>
+        <p:spPr/>
+      </p:sp>
+      <p:sp>
+        <p:nvSpPr>
+          <p:cNvPr id="3" name="Notes Placeholder 2"/>
+          <p:cNvSpPr>
+            <a:spLocks noGrp="1"/>
+          </p:cNvSpPr>
+          <p:nvPr>
+            <p:ph type="body" idx="1"/>
+          </p:nvPr>
+        </p:nvSpPr>
+        <p:spPr/>
+        <p:txBody>
+          <a:bodyPr/>
+          <a:lstStyle/>
+          <a:p>
+            <a:r>
+              <a:rPr lang="en-US" dirty="0"/>
+              <a:t>MARY</a:t>
+            </a:r>
+          </a:p>
+        </p:txBody>
+      </p:sp>
+      <p:sp>
+        <p:nvSpPr>
+          <p:cNvPr id="4" name="Slide Number Placeholder 3"/>
+          <p:cNvSpPr>
+            <a:spLocks noGrp="1"/>
+          </p:cNvSpPr>
+          <p:nvPr>
+            <p:ph type="sldNum" sz="quarter" idx="5"/>
+          </p:nvPr>
+        </p:nvSpPr>
+        <p:spPr/>
+        <p:txBody>
+          <a:bodyPr/>
+          <a:lstStyle/>
+          <a:p>
+            <a:fld id="{47D4B89A-F9F5-4E1F-AE74-ACEA9FD985E7}" type="slidenum">
+              <a:rPr lang="en-US" smtClean="0"/>
+              <a:t>6</a:t>
+            </a:fld>
+            <a:endParaRPr lang="en-US"/>
+          </a:p>
+        </p:txBody>
+      </p:sp>
+    </p:spTree>
+    <p:extLst>
+      <p:ext uri="{BB962C8B-B14F-4D97-AF65-F5344CB8AC3E}">
+        <p14:creationId xmlns:p14="http://schemas.microsoft.com/office/powerpoint/2010/main" val="3441088803"/>
+      </p:ext>
+    </p:extLst>
+  </p:cSld>
+  <p:clrMapOvr>
+    <a:masterClrMapping/>
+  </p:clrMapOvr>
+</p:notes>
+</file>
+
+<file path=ppt/notesSlides/notesSlide7.xml><?xml version="1.0" encoding="utf-8"?>
+<p:notes xmlns:a="http://schemas.openxmlformats.org/drawingml/2006/main" xmlns:r="http://schemas.openxmlformats.org/officeDocument/2006/relationships" xmlns:p="http://schemas.openxmlformats.org/presentationml/2006/main">
+  <p:cSld>
+    <p:spTree>
+      <p:nvGrpSpPr>
+        <p:cNvPr id="1" name=""/>
+        <p:cNvGrpSpPr/>
+        <p:nvPr/>
+      </p:nvGrpSpPr>
+      <p:grpSpPr>
+        <a:xfrm>
+          <a:off x="0" y="0"/>
+          <a:ext cx="0" cy="0"/>
+          <a:chOff x="0" y="0"/>
+          <a:chExt cx="0" cy="0"/>
+        </a:xfrm>
+      </p:grpSpPr>
+      <p:sp>
+        <p:nvSpPr>
+          <p:cNvPr id="2" name="Slide Image Placeholder 1"/>
+          <p:cNvSpPr>
+            <a:spLocks noGrp="1" noRot="1" noChangeAspect="1"/>
+          </p:cNvSpPr>
+          <p:nvPr>
+            <p:ph type="sldImg"/>
+          </p:nvPr>
+        </p:nvSpPr>
+        <p:spPr/>
+      </p:sp>
+      <p:sp>
+        <p:nvSpPr>
+          <p:cNvPr id="3" name="Notes Placeholder 2"/>
+          <p:cNvSpPr>
+            <a:spLocks noGrp="1"/>
+          </p:cNvSpPr>
+          <p:nvPr>
+            <p:ph type="body" idx="1"/>
+          </p:nvPr>
+        </p:nvSpPr>
+        <p:spPr/>
+        <p:txBody>
+          <a:bodyPr/>
+          <a:lstStyle/>
+          <a:p>
+            <a:r>
+              <a:rPr lang="en-US" dirty="0"/>
+              <a:t>MARY</a:t>
+            </a:r>
+          </a:p>
+        </p:txBody>
+      </p:sp>
+      <p:sp>
+        <p:nvSpPr>
+          <p:cNvPr id="4" name="Slide Number Placeholder 3"/>
+          <p:cNvSpPr>
+            <a:spLocks noGrp="1"/>
+          </p:cNvSpPr>
+          <p:nvPr>
+            <p:ph type="sldNum" sz="quarter" idx="5"/>
+          </p:nvPr>
+        </p:nvSpPr>
+        <p:spPr/>
+        <p:txBody>
+          <a:bodyPr/>
+          <a:lstStyle/>
+          <a:p>
+            <a:fld id="{47D4B89A-F9F5-4E1F-AE74-ACEA9FD985E7}" type="slidenum">
+              <a:rPr lang="en-US" smtClean="0"/>
+              <a:t>7</a:t>
+            </a:fld>
+            <a:endParaRPr lang="en-US"/>
+          </a:p>
+        </p:txBody>
+      </p:sp>
+    </p:spTree>
+    <p:extLst>
+      <p:ext uri="{BB962C8B-B14F-4D97-AF65-F5344CB8AC3E}">
+        <p14:creationId xmlns:p14="http://schemas.microsoft.com/office/powerpoint/2010/main" val="2510465503"/>
+      </p:ext>
+    </p:extLst>
+  </p:cSld>
+  <p:clrMapOvr>
+    <a:masterClrMapping/>
+  </p:clrMapOvr>
+</p:notes>
+</file>
+
+<file path=ppt/notesSlides/notesSlide8.xml><?xml version="1.0" encoding="utf-8"?>
+<p:notes xmlns:a="http://schemas.openxmlformats.org/drawingml/2006/main" xmlns:r="http://schemas.openxmlformats.org/officeDocument/2006/relationships" xmlns:p="http://schemas.openxmlformats.org/presentationml/2006/main">
+  <p:cSld>
+    <p:spTree>
+      <p:nvGrpSpPr>
+        <p:cNvPr id="1" name=""/>
+        <p:cNvGrpSpPr/>
+        <p:nvPr/>
+      </p:nvGrpSpPr>
+      <p:grpSpPr>
+        <a:xfrm>
+          <a:off x="0" y="0"/>
+          <a:ext cx="0" cy="0"/>
+          <a:chOff x="0" y="0"/>
+          <a:chExt cx="0" cy="0"/>
+        </a:xfrm>
+      </p:grpSpPr>
+      <p:sp>
+        <p:nvSpPr>
+          <p:cNvPr id="2" name="Slide Image Placeholder 1"/>
+          <p:cNvSpPr>
+            <a:spLocks noGrp="1" noRot="1" noChangeAspect="1"/>
+          </p:cNvSpPr>
+          <p:nvPr>
+            <p:ph type="sldImg"/>
+          </p:nvPr>
+        </p:nvSpPr>
+        <p:spPr/>
+      </p:sp>
+      <p:sp>
+        <p:nvSpPr>
+          <p:cNvPr id="3" name="Notes Placeholder 2"/>
+          <p:cNvSpPr>
+            <a:spLocks noGrp="1"/>
+          </p:cNvSpPr>
+          <p:nvPr>
+            <p:ph type="body" idx="1"/>
+          </p:nvPr>
+        </p:nvSpPr>
+        <p:spPr/>
+        <p:txBody>
+          <a:bodyPr/>
+          <a:lstStyle/>
+          <a:p>
+            <a:r>
+              <a:rPr lang="en-US" dirty="0"/>
+              <a:t>DAVID</a:t>
+            </a:r>
+          </a:p>
+        </p:txBody>
+      </p:sp>
+      <p:sp>
+        <p:nvSpPr>
+          <p:cNvPr id="4" name="Slide Number Placeholder 3"/>
+          <p:cNvSpPr>
+            <a:spLocks noGrp="1"/>
+          </p:cNvSpPr>
+          <p:nvPr>
+            <p:ph type="sldNum" sz="quarter" idx="5"/>
+          </p:nvPr>
+        </p:nvSpPr>
+        <p:spPr/>
+        <p:txBody>
+          <a:bodyPr/>
+          <a:lstStyle/>
+          <a:p>
+            <a:fld id="{47D4B89A-F9F5-4E1F-AE74-ACEA9FD985E7}" type="slidenum">
+              <a:rPr lang="en-US" smtClean="0"/>
+              <a:t>8</a:t>
+            </a:fld>
+            <a:endParaRPr lang="en-US"/>
+          </a:p>
+        </p:txBody>
+      </p:sp>
+    </p:spTree>
+    <p:extLst>
+      <p:ext uri="{BB962C8B-B14F-4D97-AF65-F5344CB8AC3E}">
+        <p14:creationId xmlns:p14="http://schemas.microsoft.com/office/powerpoint/2010/main" val="1403253951"/>
+      </p:ext>
+    </p:extLst>
+  </p:cSld>
+  <p:clrMapOvr>
+    <a:masterClrMapping/>
+  </p:clrMapOvr>
+</p:notes>
+</file>
+
+<file path=ppt/notesSlides/notesSlide9.xml><?xml version="1.0" encoding="utf-8"?>
+<p:notes xmlns:a="http://schemas.openxmlformats.org/drawingml/2006/main" xmlns:r="http://schemas.openxmlformats.org/officeDocument/2006/relationships" xmlns:p="http://schemas.openxmlformats.org/presentationml/2006/main">
+  <p:cSld>
+    <p:spTree>
+      <p:nvGrpSpPr>
+        <p:cNvPr id="1" name=""/>
+        <p:cNvGrpSpPr/>
+        <p:nvPr/>
+      </p:nvGrpSpPr>
+      <p:grpSpPr>
+        <a:xfrm>
+          <a:off x="0" y="0"/>
+          <a:ext cx="0" cy="0"/>
+          <a:chOff x="0" y="0"/>
+          <a:chExt cx="0" cy="0"/>
+        </a:xfrm>
+      </p:grpSpPr>
+      <p:sp>
+        <p:nvSpPr>
+          <p:cNvPr id="2" name="Slide Image Placeholder 1"/>
+          <p:cNvSpPr>
+            <a:spLocks noGrp="1" noRot="1" noChangeAspect="1"/>
+          </p:cNvSpPr>
+          <p:nvPr>
+            <p:ph type="sldImg"/>
+          </p:nvPr>
+        </p:nvSpPr>
+        <p:spPr/>
+      </p:sp>
+      <p:sp>
+        <p:nvSpPr>
+          <p:cNvPr id="3" name="Notes Placeholder 2"/>
+          <p:cNvSpPr>
+            <a:spLocks noGrp="1"/>
+          </p:cNvSpPr>
+          <p:nvPr>
+            <p:ph type="body" idx="1"/>
+          </p:nvPr>
+        </p:nvSpPr>
+        <p:spPr/>
+        <p:txBody>
+          <a:bodyPr/>
+          <a:lstStyle/>
+          <a:p>
+            <a:r>
+              <a:rPr lang="en-US" dirty="0"/>
+              <a:t>JANELLE</a:t>
+            </a:r>
+          </a:p>
+        </p:txBody>
+      </p:sp>
+      <p:sp>
+        <p:nvSpPr>
+          <p:cNvPr id="4" name="Slide Number Placeholder 3"/>
+          <p:cNvSpPr>
+            <a:spLocks noGrp="1"/>
+          </p:cNvSpPr>
+          <p:nvPr>
+            <p:ph type="sldNum" sz="quarter" idx="5"/>
+          </p:nvPr>
+        </p:nvSpPr>
+        <p:spPr/>
+        <p:txBody>
+          <a:bodyPr/>
+          <a:lstStyle/>
+          <a:p>
+            <a:fld id="{47D4B89A-F9F5-4E1F-AE74-ACEA9FD985E7}" type="slidenum">
+              <a:rPr lang="en-US" smtClean="0"/>
+              <a:t>12</a:t>
+            </a:fld>
+            <a:endParaRPr lang="en-US"/>
+          </a:p>
+        </p:txBody>
+      </p:sp>
+    </p:spTree>
+    <p:extLst>
+      <p:ext uri="{BB962C8B-B14F-4D97-AF65-F5344CB8AC3E}">
+        <p14:creationId xmlns:p14="http://schemas.microsoft.com/office/powerpoint/2010/main" val="4174498850"/>
+      </p:ext>
+    </p:extLst>
+  </p:cSld>
+  <p:clrMapOvr>
+    <a:masterClrMapping/>
+  </p:clrMapOvr>
+</p:notes>
 </file>
 
 <file path=ppt/slideLayouts/slideLayout1.xml><?xml version="1.0" encoding="utf-8"?>
@@ -4718,7 +6112,7 @@
           <p:nvPr/>
         </p:nvPicPr>
         <p:blipFill rotWithShape="1">
-          <a:blip r:embed="rId2">
+          <a:blip r:embed="rId3">
             <a:extLst>
               <a:ext uri="{28A0092B-C50C-407E-A947-70E740481C1C}">
                 <a14:useLocalDpi xmlns:a14="http://schemas.microsoft.com/office/drawing/2010/main" val="0"/>
@@ -4845,8 +6239,8 @@
         </p:nvSpPr>
         <p:spPr>
           <a:xfrm>
-            <a:off x="6033793" y="2355458"/>
-            <a:ext cx="4775075" cy="1630907"/>
+            <a:off x="5861010" y="1975104"/>
+            <a:ext cx="5120639" cy="2020884"/>
           </a:xfrm>
         </p:spPr>
         <p:txBody>
@@ -4856,12 +6250,27 @@
           <a:lstStyle/>
           <a:p>
             <a:r>
-              <a:rPr lang="en-US" sz="4400" dirty="0">
+              <a:rPr lang="en-US" sz="3600" dirty="0">
                 <a:solidFill>
                   <a:schemeClr val="tx1"/>
                 </a:solidFill>
               </a:rPr>
-              <a:t>Urban Food Deserts</a:t>
+              <a:t>Food Deserts &amp;</a:t>
+            </a:r>
+            <a:br>
+              <a:rPr lang="en-US" sz="3600" dirty="0">
+                <a:solidFill>
+                  <a:schemeClr val="tx1"/>
+                </a:solidFill>
+              </a:rPr>
+            </a:br>
+            <a:r>
+              <a:rPr lang="en-US" sz="3600" dirty="0">
+                <a:solidFill>
+                  <a:schemeClr val="tx1"/>
+                </a:solidFill>
+              </a:rPr>
+              <a:t>Food environments</a:t>
             </a:r>
           </a:p>
         </p:txBody>
@@ -4890,7 +6299,7 @@
         </p:spPr>
         <p:txBody>
           <a:bodyPr>
-            <a:normAutofit fontScale="92500" lnSpcReduction="20000"/>
+            <a:normAutofit fontScale="77500" lnSpcReduction="20000"/>
           </a:bodyPr>
           <a:lstStyle/>
           <a:p>
@@ -4937,7 +6346,22 @@
                   <a:schemeClr val="tx1"/>
                 </a:solidFill>
               </a:rPr>
-              <a:t>, Janelle Goddard, and Eric Evans</a:t>
+              <a:t>, </a:t>
+            </a:r>
+          </a:p>
+          <a:p>
+            <a:pPr>
+              <a:spcAft>
+                <a:spcPts val="600"/>
+              </a:spcAft>
+            </a:pPr>
+            <a:r>
+              <a:rPr lang="en-US" dirty="0">
+                <a:solidFill>
+                  <a:schemeClr val="tx1"/>
+                </a:solidFill>
+              </a:rPr>
+              <a:t>Janelle Goddard, and Eric Evans</a:t>
             </a:r>
           </a:p>
         </p:txBody>
@@ -4972,21 +6396,73 @@
           <a:chExt cx="0" cy="0"/>
         </a:xfrm>
       </p:grpSpPr>
+      <p:sp>
+        <p:nvSpPr>
+          <p:cNvPr id="2" name="Rectangle 1">
+            <a:extLst>
+              <a:ext uri="{FF2B5EF4-FFF2-40B4-BE49-F238E27FC236}">
+                <a16:creationId xmlns:a16="http://schemas.microsoft.com/office/drawing/2014/main" id="{4B7E5B53-8AED-4138-B0ED-DDC034426CCA}"/>
+              </a:ext>
+            </a:extLst>
+          </p:cNvPr>
+          <p:cNvSpPr/>
+          <p:nvPr/>
+        </p:nvSpPr>
+        <p:spPr>
+          <a:xfrm>
+            <a:off x="118753" y="83127"/>
+            <a:ext cx="11946577" cy="6662057"/>
+          </a:xfrm>
+          <a:prstGeom prst="rect">
+            <a:avLst/>
+          </a:prstGeom>
+          <a:solidFill>
+            <a:schemeClr val="bg1"/>
+          </a:solidFill>
+          <a:ln>
+            <a:solidFill>
+              <a:schemeClr val="bg1"/>
+            </a:solidFill>
+          </a:ln>
+        </p:spPr>
+        <p:style>
+          <a:lnRef idx="2">
+            <a:schemeClr val="accent1">
+              <a:shade val="50000"/>
+            </a:schemeClr>
+          </a:lnRef>
+          <a:fillRef idx="1">
+            <a:schemeClr val="accent1"/>
+          </a:fillRef>
+          <a:effectRef idx="0">
+            <a:schemeClr val="accent1"/>
+          </a:effectRef>
+          <a:fontRef idx="minor">
+            <a:schemeClr val="lt1"/>
+          </a:fontRef>
+        </p:style>
+        <p:txBody>
+          <a:bodyPr rtlCol="0" anchor="ctr"/>
+          <a:lstStyle/>
+          <a:p>
+            <a:pPr algn="ctr"/>
+            <a:endParaRPr lang="en-US"/>
+          </a:p>
+        </p:txBody>
+      </p:sp>
       <p:pic>
         <p:nvPicPr>
-          <p:cNvPr id="4098" name="Picture 2">
+          <p:cNvPr id="4" name="Picture 2">
             <a:extLst>
               <a:ext uri="{FF2B5EF4-FFF2-40B4-BE49-F238E27FC236}">
-                <a16:creationId xmlns:a16="http://schemas.microsoft.com/office/drawing/2014/main" id="{883FE812-99B6-4DDA-96C4-44E8DDD305D1}"/>
+                <a16:creationId xmlns:a16="http://schemas.microsoft.com/office/drawing/2014/main" id="{DC5FF97B-B7E8-4C0E-BA8C-B9149CAEACB8}"/>
               </a:ext>
             </a:extLst>
           </p:cNvPr>
           <p:cNvPicPr>
-            <a:picLocks noGrp="1" noChangeAspect="1" noChangeArrowheads="1"/>
+            <a:picLocks noChangeAspect="1" noChangeArrowheads="1"/>
           </p:cNvPicPr>
-          <p:nvPr>
-            <p:ph idx="4294967295"/>
-          </p:nvPr>
+          <p:nvPr/>
         </p:nvPicPr>
         <p:blipFill>
           <a:blip r:embed="rId2">
@@ -5003,8 +6479,8 @@
         </p:blipFill>
         <p:spPr bwMode="auto">
           <a:xfrm>
-            <a:off x="2932906" y="398462"/>
-            <a:ext cx="6326188" cy="6061075"/>
+            <a:off x="1998776" y="485775"/>
+            <a:ext cx="8194447" cy="5886450"/>
           </a:xfrm>
           <a:prstGeom prst="rect">
             <a:avLst/>
@@ -5024,7 +6500,7 @@
     </p:spTree>
     <p:extLst>
       <p:ext uri="{BB962C8B-B14F-4D97-AF65-F5344CB8AC3E}">
-        <p14:creationId xmlns:p14="http://schemas.microsoft.com/office/powerpoint/2010/main" val="3045019239"/>
+        <p14:creationId xmlns:p14="http://schemas.microsoft.com/office/powerpoint/2010/main" val="2348416452"/>
       </p:ext>
     </p:extLst>
   </p:cSld>
@@ -5053,76 +6529,109 @@
       </p:grpSpPr>
       <p:sp>
         <p:nvSpPr>
-          <p:cNvPr id="6" name="Title 1">
+          <p:cNvPr id="2" name="Rectangle 1">
             <a:extLst>
               <a:ext uri="{FF2B5EF4-FFF2-40B4-BE49-F238E27FC236}">
-                <a16:creationId xmlns:a16="http://schemas.microsoft.com/office/drawing/2014/main" id="{6DD69FB8-4570-456C-9832-56F52B58196D}"/>
+                <a16:creationId xmlns:a16="http://schemas.microsoft.com/office/drawing/2014/main" id="{4B7E5B53-8AED-4138-B0ED-DDC034426CCA}"/>
               </a:ext>
             </a:extLst>
           </p:cNvPr>
-          <p:cNvSpPr>
-            <a:spLocks noGrp="1"/>
-          </p:cNvSpPr>
-          <p:nvPr>
-            <p:ph type="title"/>
-          </p:nvPr>
+          <p:cNvSpPr/>
+          <p:nvPr/>
         </p:nvSpPr>
         <p:spPr>
           <a:xfrm>
-            <a:off x="1629156" y="2275165"/>
-            <a:ext cx="8933688" cy="2406895"/>
+            <a:off x="118753" y="83127"/>
+            <a:ext cx="11946577" cy="6662057"/>
           </a:xfrm>
+          <a:prstGeom prst="rect">
+            <a:avLst/>
+          </a:prstGeom>
+          <a:solidFill>
+            <a:schemeClr val="bg1"/>
+          </a:solidFill>
+          <a:ln>
+            <a:solidFill>
+              <a:schemeClr val="bg1"/>
+            </a:solidFill>
+          </a:ln>
         </p:spPr>
-        <p:txBody>
-          <a:bodyPr/>
+        <p:style>
+          <a:lnRef idx="2">
+            <a:schemeClr val="accent1">
+              <a:shade val="50000"/>
+            </a:schemeClr>
+          </a:lnRef>
+          <a:fillRef idx="1">
+            <a:schemeClr val="accent1"/>
+          </a:fillRef>
+          <a:effectRef idx="0">
+            <a:schemeClr val="accent1"/>
+          </a:effectRef>
+          <a:fontRef idx="minor">
+            <a:schemeClr val="lt1"/>
+          </a:fontRef>
+        </p:style>
+        <p:txBody>
+          <a:bodyPr rtlCol="0" anchor="ctr"/>
           <a:lstStyle/>
           <a:p>
-            <a:r>
-              <a:rPr lang="en-US" dirty="0"/>
-              <a:t>Food </a:t>
-            </a:r>
-            <a:r>
-              <a:rPr lang="en-US" dirty="0" err="1"/>
-              <a:t>enviroments</a:t>
-            </a:r>
-            <a:endParaRPr lang="en-US" dirty="0"/>
-          </a:p>
-        </p:txBody>
-      </p:sp>
-      <p:sp>
-        <p:nvSpPr>
-          <p:cNvPr id="8" name="Text Placeholder 2">
+            <a:pPr algn="ctr"/>
+            <a:endParaRPr lang="en-US"/>
+          </a:p>
+        </p:txBody>
+      </p:sp>
+      <p:pic>
+        <p:nvPicPr>
+          <p:cNvPr id="4" name="Picture 2">
             <a:extLst>
               <a:ext uri="{FF2B5EF4-FFF2-40B4-BE49-F238E27FC236}">
-                <a16:creationId xmlns:a16="http://schemas.microsoft.com/office/drawing/2014/main" id="{9E950D11-7E00-4288-8EED-579E6A8638F4}"/>
+                <a16:creationId xmlns:a16="http://schemas.microsoft.com/office/drawing/2014/main" id="{DEF080E7-DB7B-48DF-AA6B-A8D8DEAD91DC}"/>
               </a:ext>
             </a:extLst>
           </p:cNvPr>
-          <p:cNvSpPr>
-            <a:spLocks noGrp="1"/>
-          </p:cNvSpPr>
-          <p:nvPr>
-            <p:ph type="body" idx="1"/>
-          </p:nvPr>
-        </p:nvSpPr>
-        <p:spPr>
+          <p:cNvPicPr>
+            <a:picLocks noChangeAspect="1" noChangeArrowheads="1"/>
+          </p:cNvPicPr>
+          <p:nvPr/>
+        </p:nvPicPr>
+        <p:blipFill>
+          <a:blip r:embed="rId2">
+            <a:extLst>
+              <a:ext uri="{28A0092B-C50C-407E-A947-70E740481C1C}">
+                <a14:useLocalDpi xmlns:a14="http://schemas.microsoft.com/office/drawing/2010/main" val="0"/>
+              </a:ext>
+            </a:extLst>
+          </a:blip>
+          <a:srcRect/>
+          <a:stretch>
+            <a:fillRect/>
+          </a:stretch>
+        </p:blipFill>
+        <p:spPr bwMode="auto">
           <a:xfrm>
-            <a:off x="1629156" y="4682062"/>
-            <a:ext cx="8939784" cy="457200"/>
+            <a:off x="552450" y="619125"/>
+            <a:ext cx="11087100" cy="5619750"/>
           </a:xfrm>
+          <a:prstGeom prst="rect">
+            <a:avLst/>
+          </a:prstGeom>
+          <a:noFill/>
+          <a:extLst>
+            <a:ext uri="{909E8E84-426E-40DD-AFC4-6F175D3DCCD1}">
+              <a14:hiddenFill xmlns:a14="http://schemas.microsoft.com/office/drawing/2010/main">
+                <a:solidFill>
+                  <a:srgbClr val="FFFFFF"/>
+                </a:solidFill>
+              </a14:hiddenFill>
+            </a:ext>
+          </a:extLst>
         </p:spPr>
-        <p:txBody>
-          <a:bodyPr/>
-          <a:lstStyle/>
-          <a:p>
-            <a:endParaRPr lang="en-US"/>
-          </a:p>
-        </p:txBody>
-      </p:sp>
+      </p:pic>
     </p:spTree>
     <p:extLst>
       <p:ext uri="{BB962C8B-B14F-4D97-AF65-F5344CB8AC3E}">
-        <p14:creationId xmlns:p14="http://schemas.microsoft.com/office/powerpoint/2010/main" val="2120359329"/>
+        <p14:creationId xmlns:p14="http://schemas.microsoft.com/office/powerpoint/2010/main" val="1867440876"/>
       </p:ext>
     </p:extLst>
   </p:cSld>
@@ -5149,12 +6658,168 @@
           <a:chExt cx="0" cy="0"/>
         </a:xfrm>
       </p:grpSpPr>
+      <p:sp>
+        <p:nvSpPr>
+          <p:cNvPr id="6" name="Title 1">
+            <a:extLst>
+              <a:ext uri="{FF2B5EF4-FFF2-40B4-BE49-F238E27FC236}">
+                <a16:creationId xmlns:a16="http://schemas.microsoft.com/office/drawing/2014/main" id="{6DD69FB8-4570-456C-9832-56F52B58196D}"/>
+              </a:ext>
+            </a:extLst>
+          </p:cNvPr>
+          <p:cNvSpPr>
+            <a:spLocks noGrp="1"/>
+          </p:cNvSpPr>
+          <p:nvPr>
+            <p:ph type="title"/>
+          </p:nvPr>
+        </p:nvSpPr>
+        <p:spPr>
+          <a:xfrm>
+            <a:off x="1629156" y="2275165"/>
+            <a:ext cx="8933688" cy="2406895"/>
+          </a:xfrm>
+        </p:spPr>
+        <p:txBody>
+          <a:bodyPr>
+            <a:normAutofit fontScale="90000"/>
+          </a:bodyPr>
+          <a:lstStyle/>
+          <a:p>
+            <a:r>
+              <a:rPr lang="en-US" dirty="0"/>
+              <a:t>Food environments</a:t>
+            </a:r>
+            <a:br>
+              <a:rPr lang="en-US" dirty="0"/>
+            </a:br>
+            <a:r>
+              <a:rPr lang="en-US" dirty="0"/>
+              <a:t>ANALYSIS</a:t>
+            </a:r>
+          </a:p>
+        </p:txBody>
+      </p:sp>
+      <p:sp>
+        <p:nvSpPr>
+          <p:cNvPr id="8" name="Text Placeholder 2">
+            <a:extLst>
+              <a:ext uri="{FF2B5EF4-FFF2-40B4-BE49-F238E27FC236}">
+                <a16:creationId xmlns:a16="http://schemas.microsoft.com/office/drawing/2014/main" id="{9E950D11-7E00-4288-8EED-579E6A8638F4}"/>
+              </a:ext>
+            </a:extLst>
+          </p:cNvPr>
+          <p:cNvSpPr>
+            <a:spLocks noGrp="1"/>
+          </p:cNvSpPr>
+          <p:nvPr>
+            <p:ph type="body" idx="1"/>
+          </p:nvPr>
+        </p:nvSpPr>
+        <p:spPr>
+          <a:xfrm>
+            <a:off x="1629156" y="4682062"/>
+            <a:ext cx="8939784" cy="457200"/>
+          </a:xfrm>
+        </p:spPr>
+        <p:txBody>
+          <a:bodyPr/>
+          <a:lstStyle/>
+          <a:p>
+            <a:endParaRPr lang="en-US"/>
+          </a:p>
+        </p:txBody>
+      </p:sp>
+    </p:spTree>
+    <p:extLst>
+      <p:ext uri="{BB962C8B-B14F-4D97-AF65-F5344CB8AC3E}">
+        <p14:creationId xmlns:p14="http://schemas.microsoft.com/office/powerpoint/2010/main" val="2120359329"/>
+      </p:ext>
+    </p:extLst>
+  </p:cSld>
+  <p:clrMapOvr>
+    <a:masterClrMapping/>
+  </p:clrMapOvr>
+</p:sld>
+</file>
+
+<file path=ppt/slides/slide13.xml><?xml version="1.0" encoding="utf-8"?>
+<p:sld xmlns:a="http://schemas.openxmlformats.org/drawingml/2006/main" xmlns:r="http://schemas.openxmlformats.org/officeDocument/2006/relationships" xmlns:p="http://schemas.openxmlformats.org/presentationml/2006/main">
+  <p:cSld>
+    <p:spTree>
+      <p:nvGrpSpPr>
+        <p:cNvPr id="1" name=""/>
+        <p:cNvGrpSpPr/>
+        <p:nvPr/>
+      </p:nvGrpSpPr>
+      <p:grpSpPr>
+        <a:xfrm>
+          <a:off x="0" y="0"/>
+          <a:ext cx="0" cy="0"/>
+          <a:chOff x="0" y="0"/>
+          <a:chExt cx="0" cy="0"/>
+        </a:xfrm>
+      </p:grpSpPr>
+      <p:sp>
+        <p:nvSpPr>
+          <p:cNvPr id="2" name="Rectangle 1">
+            <a:extLst>
+              <a:ext uri="{FF2B5EF4-FFF2-40B4-BE49-F238E27FC236}">
+                <a16:creationId xmlns:a16="http://schemas.microsoft.com/office/drawing/2014/main" id="{4B7E5B53-8AED-4138-B0ED-DDC034426CCA}"/>
+              </a:ext>
+            </a:extLst>
+          </p:cNvPr>
+          <p:cNvSpPr/>
+          <p:nvPr/>
+        </p:nvSpPr>
+        <p:spPr>
+          <a:xfrm>
+            <a:off x="118753" y="83127"/>
+            <a:ext cx="11946577" cy="6662057"/>
+          </a:xfrm>
+          <a:prstGeom prst="rect">
+            <a:avLst/>
+          </a:prstGeom>
+          <a:solidFill>
+            <a:schemeClr val="bg1"/>
+          </a:solidFill>
+          <a:ln>
+            <a:solidFill>
+              <a:schemeClr val="bg1"/>
+            </a:solidFill>
+          </a:ln>
+        </p:spPr>
+        <p:style>
+          <a:lnRef idx="2">
+            <a:schemeClr val="accent1">
+              <a:shade val="50000"/>
+            </a:schemeClr>
+          </a:lnRef>
+          <a:fillRef idx="1">
+            <a:schemeClr val="accent1"/>
+          </a:fillRef>
+          <a:effectRef idx="0">
+            <a:schemeClr val="accent1"/>
+          </a:effectRef>
+          <a:fontRef idx="minor">
+            <a:schemeClr val="lt1"/>
+          </a:fontRef>
+        </p:style>
+        <p:txBody>
+          <a:bodyPr rtlCol="0" anchor="ctr"/>
+          <a:lstStyle/>
+          <a:p>
+            <a:pPr algn="ctr"/>
+            <a:endParaRPr lang="en-US"/>
+          </a:p>
+        </p:txBody>
+      </p:sp>
       <p:pic>
         <p:nvPicPr>
-          <p:cNvPr id="5122" name="Picture 2">
+          <p:cNvPr id="5" name="Picture 2">
             <a:extLst>
               <a:ext uri="{FF2B5EF4-FFF2-40B4-BE49-F238E27FC236}">
-                <a16:creationId xmlns:a16="http://schemas.microsoft.com/office/drawing/2014/main" id="{D745DAFE-04D0-40F5-80E9-3A58580D2319}"/>
+                <a16:creationId xmlns:a16="http://schemas.microsoft.com/office/drawing/2014/main" id="{8507EC2F-6296-4259-B6C0-6A65B21EBA5D}"/>
               </a:ext>
             </a:extLst>
           </p:cNvPr>
@@ -5164,7 +6829,7 @@
           <p:nvPr/>
         </p:nvPicPr>
         <p:blipFill>
-          <a:blip r:embed="rId2">
+          <a:blip r:embed="rId3">
             <a:extLst>
               <a:ext uri="{28A0092B-C50C-407E-A947-70E740481C1C}">
                 <a14:useLocalDpi xmlns:a14="http://schemas.microsoft.com/office/drawing/2010/main" val="0"/>
@@ -5199,7 +6864,7 @@
     </p:spTree>
     <p:extLst>
       <p:ext uri="{BB962C8B-B14F-4D97-AF65-F5344CB8AC3E}">
-        <p14:creationId xmlns:p14="http://schemas.microsoft.com/office/powerpoint/2010/main" val="2178518540"/>
+        <p14:creationId xmlns:p14="http://schemas.microsoft.com/office/powerpoint/2010/main" val="2126115258"/>
       </p:ext>
     </p:extLst>
   </p:cSld>
@@ -5209,7 +6874,7 @@
 </p:sld>
 </file>
 
-<file path=ppt/slides/slide13.xml><?xml version="1.0" encoding="utf-8"?>
+<file path=ppt/slides/slide14.xml><?xml version="1.0" encoding="utf-8"?>
 <p:sld xmlns:a="http://schemas.openxmlformats.org/drawingml/2006/main" xmlns:r="http://schemas.openxmlformats.org/officeDocument/2006/relationships" xmlns:p="http://schemas.openxmlformats.org/presentationml/2006/main">
   <p:cSld>
     <p:spTree>
@@ -5226,12 +6891,66 @@
           <a:chExt cx="0" cy="0"/>
         </a:xfrm>
       </p:grpSpPr>
+      <p:sp>
+        <p:nvSpPr>
+          <p:cNvPr id="2" name="Rectangle 1">
+            <a:extLst>
+              <a:ext uri="{FF2B5EF4-FFF2-40B4-BE49-F238E27FC236}">
+                <a16:creationId xmlns:a16="http://schemas.microsoft.com/office/drawing/2014/main" id="{4B7E5B53-8AED-4138-B0ED-DDC034426CCA}"/>
+              </a:ext>
+            </a:extLst>
+          </p:cNvPr>
+          <p:cNvSpPr/>
+          <p:nvPr/>
+        </p:nvSpPr>
+        <p:spPr>
+          <a:xfrm>
+            <a:off x="118753" y="83127"/>
+            <a:ext cx="11946577" cy="6662057"/>
+          </a:xfrm>
+          <a:prstGeom prst="rect">
+            <a:avLst/>
+          </a:prstGeom>
+          <a:solidFill>
+            <a:schemeClr val="bg1"/>
+          </a:solidFill>
+          <a:ln>
+            <a:solidFill>
+              <a:schemeClr val="bg1"/>
+            </a:solidFill>
+          </a:ln>
+        </p:spPr>
+        <p:style>
+          <a:lnRef idx="2">
+            <a:schemeClr val="accent1">
+              <a:shade val="50000"/>
+            </a:schemeClr>
+          </a:lnRef>
+          <a:fillRef idx="1">
+            <a:schemeClr val="accent1"/>
+          </a:fillRef>
+          <a:effectRef idx="0">
+            <a:schemeClr val="accent1"/>
+          </a:effectRef>
+          <a:fontRef idx="minor">
+            <a:schemeClr val="lt1"/>
+          </a:fontRef>
+        </p:style>
+        <p:txBody>
+          <a:bodyPr rtlCol="0" anchor="ctr"/>
+          <a:lstStyle/>
+          <a:p>
+            <a:pPr algn="ctr"/>
+            <a:endParaRPr lang="en-US"/>
+          </a:p>
+        </p:txBody>
+      </p:sp>
       <p:pic>
         <p:nvPicPr>
-          <p:cNvPr id="6146" name="Picture 2">
+          <p:cNvPr id="5" name="Picture 2">
             <a:extLst>
               <a:ext uri="{FF2B5EF4-FFF2-40B4-BE49-F238E27FC236}">
-                <a16:creationId xmlns:a16="http://schemas.microsoft.com/office/drawing/2014/main" id="{957498AD-C73C-4E0C-BBFF-B57475FCCB57}"/>
+                <a16:creationId xmlns:a16="http://schemas.microsoft.com/office/drawing/2014/main" id="{7EAD1058-310A-4FE0-9C91-B1D1E18851E2}"/>
               </a:ext>
             </a:extLst>
           </p:cNvPr>
@@ -5241,7 +6960,7 @@
           <p:nvPr/>
         </p:nvPicPr>
         <p:blipFill>
-          <a:blip r:embed="rId2">
+          <a:blip r:embed="rId3">
             <a:extLst>
               <a:ext uri="{28A0092B-C50C-407E-A947-70E740481C1C}">
                 <a14:useLocalDpi xmlns:a14="http://schemas.microsoft.com/office/drawing/2010/main" val="0"/>
@@ -5276,90 +6995,7 @@
     </p:spTree>
     <p:extLst>
       <p:ext uri="{BB962C8B-B14F-4D97-AF65-F5344CB8AC3E}">
-        <p14:creationId xmlns:p14="http://schemas.microsoft.com/office/powerpoint/2010/main" val="2518944210"/>
-      </p:ext>
-    </p:extLst>
-  </p:cSld>
-  <p:clrMapOvr>
-    <a:masterClrMapping/>
-  </p:clrMapOvr>
-</p:sld>
-</file>
-
-<file path=ppt/slides/slide14.xml><?xml version="1.0" encoding="utf-8"?>
-<p:sld xmlns:a="http://schemas.openxmlformats.org/drawingml/2006/main" xmlns:r="http://schemas.openxmlformats.org/officeDocument/2006/relationships" xmlns:p="http://schemas.openxmlformats.org/presentationml/2006/main">
-  <p:cSld>
-    <p:spTree>
-      <p:nvGrpSpPr>
-        <p:cNvPr id="1" name=""/>
-        <p:cNvGrpSpPr/>
-        <p:nvPr/>
-      </p:nvGrpSpPr>
-      <p:grpSpPr>
-        <a:xfrm>
-          <a:off x="0" y="0"/>
-          <a:ext cx="0" cy="0"/>
-          <a:chOff x="0" y="0"/>
-          <a:chExt cx="0" cy="0"/>
-        </a:xfrm>
-      </p:grpSpPr>
-      <p:sp>
-        <p:nvSpPr>
-          <p:cNvPr id="2" name="Title 1">
-            <a:extLst>
-              <a:ext uri="{FF2B5EF4-FFF2-40B4-BE49-F238E27FC236}">
-                <a16:creationId xmlns:a16="http://schemas.microsoft.com/office/drawing/2014/main" id="{A20667F8-8560-4322-97FE-6A0EA498084D}"/>
-              </a:ext>
-            </a:extLst>
-          </p:cNvPr>
-          <p:cNvSpPr>
-            <a:spLocks noGrp="1"/>
-          </p:cNvSpPr>
-          <p:nvPr>
-            <p:ph type="title"/>
-          </p:nvPr>
-        </p:nvSpPr>
-        <p:spPr/>
-        <p:txBody>
-          <a:bodyPr/>
-          <a:lstStyle/>
-          <a:p>
-            <a:r>
-              <a:rPr lang="en-US" dirty="0"/>
-              <a:t>Poverty Rates Low Access analysis</a:t>
-            </a:r>
-          </a:p>
-        </p:txBody>
-      </p:sp>
-      <p:sp>
-        <p:nvSpPr>
-          <p:cNvPr id="3" name="Text Placeholder 2">
-            <a:extLst>
-              <a:ext uri="{FF2B5EF4-FFF2-40B4-BE49-F238E27FC236}">
-                <a16:creationId xmlns:a16="http://schemas.microsoft.com/office/drawing/2014/main" id="{A6AC92BF-90FC-40C7-8854-66492AA5CC78}"/>
-              </a:ext>
-            </a:extLst>
-          </p:cNvPr>
-          <p:cNvSpPr>
-            <a:spLocks noGrp="1"/>
-          </p:cNvSpPr>
-          <p:nvPr>
-            <p:ph type="body" idx="1"/>
-          </p:nvPr>
-        </p:nvSpPr>
-        <p:spPr/>
-        <p:txBody>
-          <a:bodyPr/>
-          <a:lstStyle/>
-          <a:p>
-            <a:endParaRPr lang="en-US"/>
-          </a:p>
-        </p:txBody>
-      </p:sp>
-    </p:spTree>
-    <p:extLst>
-      <p:ext uri="{BB962C8B-B14F-4D97-AF65-F5344CB8AC3E}">
-        <p14:creationId xmlns:p14="http://schemas.microsoft.com/office/powerpoint/2010/main" val="2436786362"/>
+        <p14:creationId xmlns:p14="http://schemas.microsoft.com/office/powerpoint/2010/main" val="1456536787"/>
       </p:ext>
     </p:extLst>
   </p:cSld>
@@ -5386,12 +7022,1155 @@
           <a:chExt cx="0" cy="0"/>
         </a:xfrm>
       </p:grpSpPr>
+      <p:sp>
+        <p:nvSpPr>
+          <p:cNvPr id="2" name="Title 1">
+            <a:extLst>
+              <a:ext uri="{FF2B5EF4-FFF2-40B4-BE49-F238E27FC236}">
+                <a16:creationId xmlns:a16="http://schemas.microsoft.com/office/drawing/2014/main" id="{26D5A6A7-CD28-4C4C-B40E-EA360102ABE4}"/>
+              </a:ext>
+            </a:extLst>
+          </p:cNvPr>
+          <p:cNvSpPr>
+            <a:spLocks noGrp="1"/>
+          </p:cNvSpPr>
+          <p:nvPr>
+            <p:ph type="ctrTitle"/>
+          </p:nvPr>
+        </p:nvSpPr>
+        <p:spPr/>
+        <p:txBody>
+          <a:bodyPr/>
+          <a:lstStyle/>
+          <a:p>
+            <a:r>
+              <a:rPr lang="en-US" dirty="0"/>
+              <a:t>Questions?</a:t>
+            </a:r>
+          </a:p>
+        </p:txBody>
+      </p:sp>
+      <p:sp>
+        <p:nvSpPr>
+          <p:cNvPr id="3" name="Subtitle 2">
+            <a:extLst>
+              <a:ext uri="{FF2B5EF4-FFF2-40B4-BE49-F238E27FC236}">
+                <a16:creationId xmlns:a16="http://schemas.microsoft.com/office/drawing/2014/main" id="{366C9581-156B-4ACD-AA94-4F9B415D0C80}"/>
+              </a:ext>
+            </a:extLst>
+          </p:cNvPr>
+          <p:cNvSpPr>
+            <a:spLocks noGrp="1"/>
+          </p:cNvSpPr>
+          <p:nvPr>
+            <p:ph type="subTitle" idx="1"/>
+          </p:nvPr>
+        </p:nvSpPr>
+        <p:spPr/>
+        <p:txBody>
+          <a:bodyPr/>
+          <a:lstStyle/>
+          <a:p>
+            <a:endParaRPr lang="en-US"/>
+          </a:p>
+        </p:txBody>
+      </p:sp>
+    </p:spTree>
+    <p:extLst>
+      <p:ext uri="{BB962C8B-B14F-4D97-AF65-F5344CB8AC3E}">
+        <p14:creationId xmlns:p14="http://schemas.microsoft.com/office/powerpoint/2010/main" val="2786978342"/>
+      </p:ext>
+    </p:extLst>
+  </p:cSld>
+  <p:clrMapOvr>
+    <a:masterClrMapping/>
+  </p:clrMapOvr>
+</p:sld>
+</file>
+
+<file path=ppt/slides/slide16.xml><?xml version="1.0" encoding="utf-8"?>
+<p:sld xmlns:a="http://schemas.openxmlformats.org/drawingml/2006/main" xmlns:r="http://schemas.openxmlformats.org/officeDocument/2006/relationships" xmlns:p="http://schemas.openxmlformats.org/presentationml/2006/main">
+  <p:cSld>
+    <p:spTree>
+      <p:nvGrpSpPr>
+        <p:cNvPr id="1" name=""/>
+        <p:cNvGrpSpPr/>
+        <p:nvPr/>
+      </p:nvGrpSpPr>
+      <p:grpSpPr>
+        <a:xfrm>
+          <a:off x="0" y="0"/>
+          <a:ext cx="0" cy="0"/>
+          <a:chOff x="0" y="0"/>
+          <a:chExt cx="0" cy="0"/>
+        </a:xfrm>
+      </p:grpSpPr>
+      <p:sp>
+        <p:nvSpPr>
+          <p:cNvPr id="2" name="Title 1">
+            <a:extLst>
+              <a:ext uri="{FF2B5EF4-FFF2-40B4-BE49-F238E27FC236}">
+                <a16:creationId xmlns:a16="http://schemas.microsoft.com/office/drawing/2014/main" id="{1B3E1D5A-DB9B-41A9-AA9A-181066403435}"/>
+              </a:ext>
+            </a:extLst>
+          </p:cNvPr>
+          <p:cNvSpPr>
+            <a:spLocks noGrp="1"/>
+          </p:cNvSpPr>
+          <p:nvPr>
+            <p:ph type="title"/>
+          </p:nvPr>
+        </p:nvSpPr>
+        <p:spPr/>
+        <p:txBody>
+          <a:bodyPr/>
+          <a:lstStyle/>
+          <a:p>
+            <a:r>
+              <a:rPr lang="en-US" dirty="0"/>
+              <a:t>Sources</a:t>
+            </a:r>
+          </a:p>
+        </p:txBody>
+      </p:sp>
+      <p:sp>
+        <p:nvSpPr>
+          <p:cNvPr id="3" name="Content Placeholder 2">
+            <a:extLst>
+              <a:ext uri="{FF2B5EF4-FFF2-40B4-BE49-F238E27FC236}">
+                <a16:creationId xmlns:a16="http://schemas.microsoft.com/office/drawing/2014/main" id="{EB516D6F-B02F-409C-800E-1DC4B39118D0}"/>
+              </a:ext>
+            </a:extLst>
+          </p:cNvPr>
+          <p:cNvSpPr>
+            <a:spLocks noGrp="1"/>
+          </p:cNvSpPr>
+          <p:nvPr>
+            <p:ph idx="1"/>
+          </p:nvPr>
+        </p:nvSpPr>
+        <p:spPr/>
+        <p:txBody>
+          <a:bodyPr/>
+          <a:lstStyle/>
+          <a:p>
+            <a:r>
+              <a:rPr lang="en-US" dirty="0">
+                <a:hlinkClick r:id="rId2"/>
+              </a:rPr>
+              <a:t>https://www.ers.usda.gov/data-products/food-access-research-atlas/download-the-data/</a:t>
+            </a:r>
+            <a:endParaRPr lang="en-US" dirty="0"/>
+          </a:p>
+          <a:p>
+            <a:r>
+              <a:rPr lang="en-US" dirty="0">
+                <a:hlinkClick r:id="rId3"/>
+              </a:rPr>
+              <a:t>https://www.census.gov/topics/income-poverty/poverty/guidance/poverty-measures.html</a:t>
+            </a:r>
+            <a:r>
+              <a:rPr lang="en-US" dirty="0"/>
+              <a:t> </a:t>
+            </a:r>
+          </a:p>
+        </p:txBody>
+      </p:sp>
+    </p:spTree>
+    <p:extLst>
+      <p:ext uri="{BB962C8B-B14F-4D97-AF65-F5344CB8AC3E}">
+        <p14:creationId xmlns:p14="http://schemas.microsoft.com/office/powerpoint/2010/main" val="3808211841"/>
+      </p:ext>
+    </p:extLst>
+  </p:cSld>
+  <p:clrMapOvr>
+    <a:masterClrMapping/>
+  </p:clrMapOvr>
+</p:sld>
+</file>
+
+<file path=ppt/slides/slide2.xml><?xml version="1.0" encoding="utf-8"?>
+<p:sld xmlns:a="http://schemas.openxmlformats.org/drawingml/2006/main" xmlns:r="http://schemas.openxmlformats.org/officeDocument/2006/relationships" xmlns:p="http://schemas.openxmlformats.org/presentationml/2006/main">
+  <p:cSld>
+    <p:spTree>
+      <p:nvGrpSpPr>
+        <p:cNvPr id="1" name=""/>
+        <p:cNvGrpSpPr/>
+        <p:nvPr/>
+      </p:nvGrpSpPr>
+      <p:grpSpPr>
+        <a:xfrm>
+          <a:off x="0" y="0"/>
+          <a:ext cx="0" cy="0"/>
+          <a:chOff x="0" y="0"/>
+          <a:chExt cx="0" cy="0"/>
+        </a:xfrm>
+      </p:grpSpPr>
+      <p:sp>
+        <p:nvSpPr>
+          <p:cNvPr id="3" name="Content Placeholder 2">
+            <a:extLst>
+              <a:ext uri="{FF2B5EF4-FFF2-40B4-BE49-F238E27FC236}">
+                <a16:creationId xmlns:a16="http://schemas.microsoft.com/office/drawing/2014/main" id="{C9252740-9341-487F-8D94-71BE70BA0FE1}"/>
+              </a:ext>
+            </a:extLst>
+          </p:cNvPr>
+          <p:cNvSpPr>
+            <a:spLocks noGrp="1"/>
+          </p:cNvSpPr>
+          <p:nvPr>
+            <p:ph type="ctrTitle"/>
+          </p:nvPr>
+        </p:nvSpPr>
+        <p:spPr>
+          <a:xfrm>
+            <a:off x="1629103" y="2244830"/>
+            <a:ext cx="8933796" cy="2437232"/>
+          </a:xfrm>
+        </p:spPr>
+        <p:txBody>
+          <a:bodyPr anchor="ctr">
+            <a:normAutofit/>
+          </a:bodyPr>
+          <a:lstStyle/>
+          <a:p>
+            <a:r>
+              <a:rPr lang="en-US" sz="3200" b="0" i="0" dirty="0">
+                <a:effectLst/>
+              </a:rPr>
+              <a:t> “Unfortunately, food deserts are not few and far between, it’s estimated there are more than 23 million people, more than half of them low-income, living in food deserts.”</a:t>
+            </a:r>
+            <a:endParaRPr lang="en-US" sz="3200" dirty="0"/>
+          </a:p>
+        </p:txBody>
+      </p:sp>
+      <p:sp>
+        <p:nvSpPr>
+          <p:cNvPr id="8" name="Subtitle 2">
+            <a:extLst>
+              <a:ext uri="{FF2B5EF4-FFF2-40B4-BE49-F238E27FC236}">
+                <a16:creationId xmlns:a16="http://schemas.microsoft.com/office/drawing/2014/main" id="{E4F59B2F-18BC-429B-B3A5-9B32D726AAEE}"/>
+              </a:ext>
+            </a:extLst>
+          </p:cNvPr>
+          <p:cNvSpPr>
+            <a:spLocks noGrp="1"/>
+          </p:cNvSpPr>
+          <p:nvPr>
+            <p:ph type="subTitle" idx="1"/>
+          </p:nvPr>
+        </p:nvSpPr>
+        <p:spPr>
+          <a:xfrm>
+            <a:off x="1629101" y="4682062"/>
+            <a:ext cx="8936846" cy="457201"/>
+          </a:xfrm>
+        </p:spPr>
+        <p:txBody>
+          <a:bodyPr/>
+          <a:lstStyle/>
+          <a:p>
+            <a:r>
+              <a:rPr lang="en-US" dirty="0"/>
+              <a:t>Moveforhunger.org</a:t>
+            </a:r>
+          </a:p>
+        </p:txBody>
+      </p:sp>
+    </p:spTree>
+    <p:extLst>
+      <p:ext uri="{BB962C8B-B14F-4D97-AF65-F5344CB8AC3E}">
+        <p14:creationId xmlns:p14="http://schemas.microsoft.com/office/powerpoint/2010/main" val="2282530619"/>
+      </p:ext>
+    </p:extLst>
+  </p:cSld>
+  <p:clrMapOvr>
+    <a:masterClrMapping/>
+  </p:clrMapOvr>
+</p:sld>
+</file>
+
+<file path=ppt/slides/slide3.xml><?xml version="1.0" encoding="utf-8"?>
+<p:sld xmlns:a="http://schemas.openxmlformats.org/drawingml/2006/main" xmlns:r="http://schemas.openxmlformats.org/officeDocument/2006/relationships" xmlns:p="http://schemas.openxmlformats.org/presentationml/2006/main">
+  <p:cSld>
+    <p:spTree>
+      <p:nvGrpSpPr>
+        <p:cNvPr id="1" name=""/>
+        <p:cNvGrpSpPr/>
+        <p:nvPr/>
+      </p:nvGrpSpPr>
+      <p:grpSpPr>
+        <a:xfrm>
+          <a:off x="0" y="0"/>
+          <a:ext cx="0" cy="0"/>
+          <a:chOff x="0" y="0"/>
+          <a:chExt cx="0" cy="0"/>
+        </a:xfrm>
+      </p:grpSpPr>
+      <p:sp>
+        <p:nvSpPr>
+          <p:cNvPr id="2" name="Title 1">
+            <a:extLst>
+              <a:ext uri="{FF2B5EF4-FFF2-40B4-BE49-F238E27FC236}">
+                <a16:creationId xmlns:a16="http://schemas.microsoft.com/office/drawing/2014/main" id="{CF6E8B8B-7D13-42FF-B623-ECA47EB2D318}"/>
+              </a:ext>
+            </a:extLst>
+          </p:cNvPr>
+          <p:cNvSpPr>
+            <a:spLocks noGrp="1"/>
+          </p:cNvSpPr>
+          <p:nvPr>
+            <p:ph type="title"/>
+          </p:nvPr>
+        </p:nvSpPr>
+        <p:spPr/>
+        <p:txBody>
+          <a:bodyPr/>
+          <a:lstStyle/>
+          <a:p>
+            <a:r>
+              <a:rPr lang="en-US" dirty="0"/>
+              <a:t>Questions</a:t>
+            </a:r>
+          </a:p>
+        </p:txBody>
+      </p:sp>
+      <p:sp>
+        <p:nvSpPr>
+          <p:cNvPr id="3" name="Content Placeholder 2">
+            <a:extLst>
+              <a:ext uri="{FF2B5EF4-FFF2-40B4-BE49-F238E27FC236}">
+                <a16:creationId xmlns:a16="http://schemas.microsoft.com/office/drawing/2014/main" id="{18AF69EF-7CAC-4EBB-B3EF-0D8233FF420C}"/>
+              </a:ext>
+            </a:extLst>
+          </p:cNvPr>
+          <p:cNvSpPr>
+            <a:spLocks noGrp="1"/>
+          </p:cNvSpPr>
+          <p:nvPr>
+            <p:ph idx="1"/>
+          </p:nvPr>
+        </p:nvSpPr>
+        <p:spPr/>
+        <p:txBody>
+          <a:bodyPr>
+            <a:normAutofit/>
+          </a:bodyPr>
+          <a:lstStyle/>
+          <a:p>
+            <a:r>
+              <a:rPr lang="en-US" sz="2000" dirty="0"/>
+              <a:t>What are the demographics for food deserts in Missouri by county?</a:t>
+            </a:r>
+          </a:p>
+          <a:p>
+            <a:pPr marL="0" indent="0">
+              <a:buNone/>
+            </a:pPr>
+            <a:endParaRPr lang="en-US" sz="2000" dirty="0"/>
+          </a:p>
+          <a:p>
+            <a:r>
+              <a:rPr lang="en-US" sz="2000" dirty="0"/>
+              <a:t>What is the relationship between the poverty rate for a given county in Missouri and low access populations?</a:t>
+            </a:r>
+          </a:p>
+          <a:p>
+            <a:pPr marL="0" indent="0">
+              <a:buNone/>
+            </a:pPr>
+            <a:endParaRPr lang="en-US" sz="2000" dirty="0"/>
+          </a:p>
+          <a:p>
+            <a:r>
+              <a:rPr lang="en-US" sz="2000" dirty="0"/>
+              <a:t>What is the food environment for the counties that comprise Missouri’s two largest cities, St. Louis and Kansas City?</a:t>
+            </a:r>
+          </a:p>
+        </p:txBody>
+      </p:sp>
+    </p:spTree>
+    <p:extLst>
+      <p:ext uri="{BB962C8B-B14F-4D97-AF65-F5344CB8AC3E}">
+        <p14:creationId xmlns:p14="http://schemas.microsoft.com/office/powerpoint/2010/main" val="844177850"/>
+      </p:ext>
+    </p:extLst>
+  </p:cSld>
+  <p:clrMapOvr>
+    <a:masterClrMapping/>
+  </p:clrMapOvr>
+</p:sld>
+</file>
+
+<file path=ppt/slides/slide4.xml><?xml version="1.0" encoding="utf-8"?>
+<p:sld xmlns:a="http://schemas.openxmlformats.org/drawingml/2006/main" xmlns:r="http://schemas.openxmlformats.org/officeDocument/2006/relationships" xmlns:p="http://schemas.openxmlformats.org/presentationml/2006/main">
+  <p:cSld>
+    <p:spTree>
+      <p:nvGrpSpPr>
+        <p:cNvPr id="1" name=""/>
+        <p:cNvGrpSpPr/>
+        <p:nvPr/>
+      </p:nvGrpSpPr>
+      <p:grpSpPr>
+        <a:xfrm>
+          <a:off x="0" y="0"/>
+          <a:ext cx="0" cy="0"/>
+          <a:chOff x="0" y="0"/>
+          <a:chExt cx="0" cy="0"/>
+        </a:xfrm>
+      </p:grpSpPr>
+      <p:sp>
+        <p:nvSpPr>
+          <p:cNvPr id="2" name="Title 1">
+            <a:extLst>
+              <a:ext uri="{FF2B5EF4-FFF2-40B4-BE49-F238E27FC236}">
+                <a16:creationId xmlns:a16="http://schemas.microsoft.com/office/drawing/2014/main" id="{2262702B-A896-4839-BA5B-78F7874287CD}"/>
+              </a:ext>
+            </a:extLst>
+          </p:cNvPr>
+          <p:cNvSpPr>
+            <a:spLocks noGrp="1"/>
+          </p:cNvSpPr>
+          <p:nvPr>
+            <p:ph type="title"/>
+          </p:nvPr>
+        </p:nvSpPr>
+        <p:spPr/>
+        <p:txBody>
+          <a:bodyPr>
+            <a:normAutofit/>
+          </a:bodyPr>
+          <a:lstStyle/>
+          <a:p>
+            <a:r>
+              <a:rPr lang="en-US" sz="3600" dirty="0"/>
+              <a:t>Definition of Terms</a:t>
+            </a:r>
+          </a:p>
+        </p:txBody>
+      </p:sp>
+      <p:sp>
+        <p:nvSpPr>
+          <p:cNvPr id="3" name="Content Placeholder 2">
+            <a:extLst>
+              <a:ext uri="{FF2B5EF4-FFF2-40B4-BE49-F238E27FC236}">
+                <a16:creationId xmlns:a16="http://schemas.microsoft.com/office/drawing/2014/main" id="{57473C1A-9AA9-4ADD-9654-2299336FE774}"/>
+              </a:ext>
+            </a:extLst>
+          </p:cNvPr>
+          <p:cNvSpPr>
+            <a:spLocks noGrp="1"/>
+          </p:cNvSpPr>
+          <p:nvPr>
+            <p:ph idx="1"/>
+          </p:nvPr>
+        </p:nvSpPr>
+        <p:spPr>
+          <a:xfrm>
+            <a:off x="1066800" y="1618937"/>
+            <a:ext cx="10058400" cy="4706911"/>
+          </a:xfrm>
+        </p:spPr>
+        <p:txBody>
+          <a:bodyPr>
+            <a:normAutofit/>
+          </a:bodyPr>
+          <a:lstStyle/>
+          <a:p>
+            <a:r>
+              <a:rPr lang="en-US" sz="1900" dirty="0"/>
+              <a:t>What is a food desert?</a:t>
+            </a:r>
+          </a:p>
+          <a:p>
+            <a:pPr lvl="1"/>
+            <a:r>
+              <a:rPr lang="en-US" sz="1900" dirty="0"/>
+              <a:t>“[A] food desert [is] a low-income census tract where a substantial number or share of residents has low access to a supermarket or large grocery store.”</a:t>
+            </a:r>
+          </a:p>
+          <a:p>
+            <a:r>
+              <a:rPr lang="en-US" sz="1900" dirty="0"/>
+              <a:t>What does low access mean?</a:t>
+            </a:r>
+          </a:p>
+          <a:p>
+            <a:pPr lvl="1"/>
+            <a:r>
+              <a:rPr lang="en-US" sz="1900" dirty="0"/>
+              <a:t>“[Living] more than 1 mile from a supermarket or large grocery store in urban areas and as more than 10 miles from a supermarket or large grocery store in rural areas.”</a:t>
+            </a:r>
+          </a:p>
+          <a:p>
+            <a:r>
+              <a:rPr lang="en-US" sz="1900" dirty="0"/>
+              <a:t>How is low income determined?</a:t>
+            </a:r>
+          </a:p>
+          <a:p>
+            <a:pPr lvl="1"/>
+            <a:r>
+              <a:rPr lang="en-US" sz="1900" dirty="0"/>
+              <a:t>“[T]he poverty rate for that tract is at least 20 percent”</a:t>
+            </a:r>
+          </a:p>
+          <a:p>
+            <a:r>
+              <a:rPr lang="en-US" sz="1900" dirty="0"/>
+              <a:t>How is the poverty rate determined? :</a:t>
+            </a:r>
+          </a:p>
+          <a:p>
+            <a:pPr lvl="1"/>
+            <a:r>
+              <a:rPr lang="en-US" sz="1900" dirty="0"/>
+              <a:t>“[A] family's total income is less than the family's threshold, then that family and every individual in it is considered in poverty”</a:t>
+            </a:r>
+            <a:r>
+              <a:rPr lang="en-US" sz="2000" dirty="0"/>
+              <a:t>	</a:t>
+            </a:r>
+          </a:p>
+          <a:p>
+            <a:pPr marL="0" indent="0">
+              <a:buNone/>
+            </a:pPr>
+            <a:r>
+              <a:rPr lang="en-US" sz="1400" dirty="0"/>
+              <a:t>definitions from the United States Department of Agriculture Economic Research Service and Census Bureau</a:t>
+            </a:r>
+            <a:endParaRPr lang="en-US" sz="1800" dirty="0"/>
+          </a:p>
+          <a:p>
+            <a:endParaRPr lang="en-US" sz="1800" dirty="0"/>
+          </a:p>
+        </p:txBody>
+      </p:sp>
+    </p:spTree>
+    <p:extLst>
+      <p:ext uri="{BB962C8B-B14F-4D97-AF65-F5344CB8AC3E}">
+        <p14:creationId xmlns:p14="http://schemas.microsoft.com/office/powerpoint/2010/main" val="3628727732"/>
+      </p:ext>
+    </p:extLst>
+  </p:cSld>
+  <p:clrMapOvr>
+    <a:masterClrMapping/>
+  </p:clrMapOvr>
+</p:sld>
+</file>
+
+<file path=ppt/slides/slide5.xml><?xml version="1.0" encoding="utf-8"?>
+<p:sld xmlns:a="http://schemas.openxmlformats.org/drawingml/2006/main" xmlns:r="http://schemas.openxmlformats.org/officeDocument/2006/relationships" xmlns:p="http://schemas.openxmlformats.org/presentationml/2006/main">
+  <p:cSld>
+    <p:spTree>
+      <p:nvGrpSpPr>
+        <p:cNvPr id="1" name=""/>
+        <p:cNvGrpSpPr/>
+        <p:nvPr/>
+      </p:nvGrpSpPr>
+      <p:grpSpPr>
+        <a:xfrm>
+          <a:off x="0" y="0"/>
+          <a:ext cx="0" cy="0"/>
+          <a:chOff x="0" y="0"/>
+          <a:chExt cx="0" cy="0"/>
+        </a:xfrm>
+      </p:grpSpPr>
+      <p:sp>
+        <p:nvSpPr>
+          <p:cNvPr id="6" name="Title 1">
+            <a:extLst>
+              <a:ext uri="{FF2B5EF4-FFF2-40B4-BE49-F238E27FC236}">
+                <a16:creationId xmlns:a16="http://schemas.microsoft.com/office/drawing/2014/main" id="{A83C103C-702A-4F9C-9C17-F86165C5441C}"/>
+              </a:ext>
+            </a:extLst>
+          </p:cNvPr>
+          <p:cNvSpPr>
+            <a:spLocks noGrp="1"/>
+          </p:cNvSpPr>
+          <p:nvPr>
+            <p:ph type="title"/>
+          </p:nvPr>
+        </p:nvSpPr>
+        <p:spPr>
+          <a:xfrm>
+            <a:off x="1629156" y="2275165"/>
+            <a:ext cx="8933688" cy="2406895"/>
+          </a:xfrm>
+        </p:spPr>
+        <p:txBody>
+          <a:bodyPr/>
+          <a:lstStyle/>
+          <a:p>
+            <a:r>
+              <a:rPr lang="en-US" dirty="0"/>
+              <a:t>Demographics</a:t>
+            </a:r>
+            <a:br>
+              <a:rPr lang="en-US" dirty="0"/>
+            </a:br>
+            <a:r>
+              <a:rPr lang="en-US" dirty="0"/>
+              <a:t>ANALYSIS</a:t>
+            </a:r>
+          </a:p>
+        </p:txBody>
+      </p:sp>
+      <p:sp>
+        <p:nvSpPr>
+          <p:cNvPr id="8" name="Text Placeholder 2">
+            <a:extLst>
+              <a:ext uri="{FF2B5EF4-FFF2-40B4-BE49-F238E27FC236}">
+                <a16:creationId xmlns:a16="http://schemas.microsoft.com/office/drawing/2014/main" id="{3E268483-82E4-4676-93D6-846FCC0EC089}"/>
+              </a:ext>
+            </a:extLst>
+          </p:cNvPr>
+          <p:cNvSpPr>
+            <a:spLocks noGrp="1"/>
+          </p:cNvSpPr>
+          <p:nvPr>
+            <p:ph type="body" idx="1"/>
+          </p:nvPr>
+        </p:nvSpPr>
+        <p:spPr>
+          <a:xfrm>
+            <a:off x="1629156" y="4682062"/>
+            <a:ext cx="8939784" cy="457200"/>
+          </a:xfrm>
+        </p:spPr>
+        <p:txBody>
+          <a:bodyPr/>
+          <a:lstStyle/>
+          <a:p>
+            <a:endParaRPr lang="en-US"/>
+          </a:p>
+        </p:txBody>
+      </p:sp>
+    </p:spTree>
+    <p:extLst>
+      <p:ext uri="{BB962C8B-B14F-4D97-AF65-F5344CB8AC3E}">
+        <p14:creationId xmlns:p14="http://schemas.microsoft.com/office/powerpoint/2010/main" val="3676757797"/>
+      </p:ext>
+    </p:extLst>
+  </p:cSld>
+  <p:clrMapOvr>
+    <a:masterClrMapping/>
+  </p:clrMapOvr>
+</p:sld>
+</file>
+
+<file path=ppt/slides/slide6.xml><?xml version="1.0" encoding="utf-8"?>
+<p:sld xmlns:a="http://schemas.openxmlformats.org/drawingml/2006/main" xmlns:r="http://schemas.openxmlformats.org/officeDocument/2006/relationships" xmlns:p="http://schemas.openxmlformats.org/presentationml/2006/main">
+  <p:cSld>
+    <p:spTree>
+      <p:nvGrpSpPr>
+        <p:cNvPr id="1" name=""/>
+        <p:cNvGrpSpPr/>
+        <p:nvPr/>
+      </p:nvGrpSpPr>
+      <p:grpSpPr>
+        <a:xfrm>
+          <a:off x="0" y="0"/>
+          <a:ext cx="0" cy="0"/>
+          <a:chOff x="0" y="0"/>
+          <a:chExt cx="0" cy="0"/>
+        </a:xfrm>
+      </p:grpSpPr>
+      <p:sp>
+        <p:nvSpPr>
+          <p:cNvPr id="2" name="Rectangle 1">
+            <a:extLst>
+              <a:ext uri="{FF2B5EF4-FFF2-40B4-BE49-F238E27FC236}">
+                <a16:creationId xmlns:a16="http://schemas.microsoft.com/office/drawing/2014/main" id="{4B7E5B53-8AED-4138-B0ED-DDC034426CCA}"/>
+              </a:ext>
+            </a:extLst>
+          </p:cNvPr>
+          <p:cNvSpPr/>
+          <p:nvPr/>
+        </p:nvSpPr>
+        <p:spPr>
+          <a:xfrm>
+            <a:off x="118753" y="83127"/>
+            <a:ext cx="11946577" cy="6662057"/>
+          </a:xfrm>
+          <a:prstGeom prst="rect">
+            <a:avLst/>
+          </a:prstGeom>
+          <a:solidFill>
+            <a:schemeClr val="bg1"/>
+          </a:solidFill>
+          <a:ln>
+            <a:solidFill>
+              <a:schemeClr val="bg1"/>
+            </a:solidFill>
+          </a:ln>
+        </p:spPr>
+        <p:style>
+          <a:lnRef idx="2">
+            <a:schemeClr val="accent1">
+              <a:shade val="50000"/>
+            </a:schemeClr>
+          </a:lnRef>
+          <a:fillRef idx="1">
+            <a:schemeClr val="accent1"/>
+          </a:fillRef>
+          <a:effectRef idx="0">
+            <a:schemeClr val="accent1"/>
+          </a:effectRef>
+          <a:fontRef idx="minor">
+            <a:schemeClr val="lt1"/>
+          </a:fontRef>
+        </p:style>
+        <p:txBody>
+          <a:bodyPr rtlCol="0" anchor="ctr"/>
+          <a:lstStyle/>
+          <a:p>
+            <a:pPr algn="ctr"/>
+            <a:endParaRPr lang="en-US"/>
+          </a:p>
+        </p:txBody>
+      </p:sp>
       <p:pic>
         <p:nvPicPr>
-          <p:cNvPr id="7170" name="Picture 2">
+          <p:cNvPr id="1026" name="Picture 2" descr="Chart, histogram&#10;&#10;Description automatically generated">
             <a:extLst>
               <a:ext uri="{FF2B5EF4-FFF2-40B4-BE49-F238E27FC236}">
-                <a16:creationId xmlns:a16="http://schemas.microsoft.com/office/drawing/2014/main" id="{C072E069-876F-44AA-82CA-EEBBD6690F18}"/>
+                <a16:creationId xmlns:a16="http://schemas.microsoft.com/office/drawing/2014/main" id="{3718A521-448F-4A6A-BE0B-0D330AA017AF}"/>
+              </a:ext>
+            </a:extLst>
+          </p:cNvPr>
+          <p:cNvPicPr>
+            <a:picLocks noGrp="1" noChangeAspect="1" noChangeArrowheads="1"/>
+          </p:cNvPicPr>
+          <p:nvPr>
+            <p:ph type="pic" idx="4294967295"/>
+          </p:nvPr>
+        </p:nvPicPr>
+        <p:blipFill rotWithShape="1">
+          <a:blip r:embed="rId3">
+            <a:extLst>
+              <a:ext uri="{28A0092B-C50C-407E-A947-70E740481C1C}">
+                <a14:useLocalDpi xmlns:a14="http://schemas.microsoft.com/office/drawing/2010/main" val="0"/>
+              </a:ext>
+            </a:extLst>
+          </a:blip>
+          <a:stretch/>
+        </p:blipFill>
+        <p:spPr bwMode="auto">
+          <a:xfrm>
+            <a:off x="2451847" y="22141"/>
+            <a:ext cx="7288306" cy="6813719"/>
+          </a:xfrm>
+          <a:prstGeom prst="rect">
+            <a:avLst/>
+          </a:prstGeom>
+          <a:solidFill>
+            <a:srgbClr val="FFFFFF"/>
+          </a:solidFill>
+        </p:spPr>
+      </p:pic>
+    </p:spTree>
+    <p:extLst>
+      <p:ext uri="{BB962C8B-B14F-4D97-AF65-F5344CB8AC3E}">
+        <p14:creationId xmlns:p14="http://schemas.microsoft.com/office/powerpoint/2010/main" val="520551577"/>
+      </p:ext>
+    </p:extLst>
+  </p:cSld>
+  <p:clrMapOvr>
+    <a:masterClrMapping/>
+  </p:clrMapOvr>
+</p:sld>
+</file>
+
+<file path=ppt/slides/slide7.xml><?xml version="1.0" encoding="utf-8"?>
+<p:sld xmlns:a="http://schemas.openxmlformats.org/drawingml/2006/main" xmlns:r="http://schemas.openxmlformats.org/officeDocument/2006/relationships" xmlns:p="http://schemas.openxmlformats.org/presentationml/2006/main">
+  <p:cSld>
+    <p:spTree>
+      <p:nvGrpSpPr>
+        <p:cNvPr id="1" name=""/>
+        <p:cNvGrpSpPr/>
+        <p:nvPr/>
+      </p:nvGrpSpPr>
+      <p:grpSpPr>
+        <a:xfrm>
+          <a:off x="0" y="0"/>
+          <a:ext cx="0" cy="0"/>
+          <a:chOff x="0" y="0"/>
+          <a:chExt cx="0" cy="0"/>
+        </a:xfrm>
+      </p:grpSpPr>
+      <p:sp>
+        <p:nvSpPr>
+          <p:cNvPr id="2" name="Rectangle 1">
+            <a:extLst>
+              <a:ext uri="{FF2B5EF4-FFF2-40B4-BE49-F238E27FC236}">
+                <a16:creationId xmlns:a16="http://schemas.microsoft.com/office/drawing/2014/main" id="{4B7E5B53-8AED-4138-B0ED-DDC034426CCA}"/>
+              </a:ext>
+            </a:extLst>
+          </p:cNvPr>
+          <p:cNvSpPr/>
+          <p:nvPr/>
+        </p:nvSpPr>
+        <p:spPr>
+          <a:xfrm>
+            <a:off x="118753" y="83127"/>
+            <a:ext cx="11946577" cy="6662057"/>
+          </a:xfrm>
+          <a:prstGeom prst="rect">
+            <a:avLst/>
+          </a:prstGeom>
+          <a:solidFill>
+            <a:schemeClr val="bg1"/>
+          </a:solidFill>
+          <a:ln>
+            <a:solidFill>
+              <a:schemeClr val="bg1"/>
+            </a:solidFill>
+          </a:ln>
+        </p:spPr>
+        <p:style>
+          <a:lnRef idx="2">
+            <a:schemeClr val="accent1">
+              <a:shade val="50000"/>
+            </a:schemeClr>
+          </a:lnRef>
+          <a:fillRef idx="1">
+            <a:schemeClr val="accent1"/>
+          </a:fillRef>
+          <a:effectRef idx="0">
+            <a:schemeClr val="accent1"/>
+          </a:effectRef>
+          <a:fontRef idx="minor">
+            <a:schemeClr val="lt1"/>
+          </a:fontRef>
+        </p:style>
+        <p:txBody>
+          <a:bodyPr rtlCol="0" anchor="ctr"/>
+          <a:lstStyle/>
+          <a:p>
+            <a:pPr algn="ctr"/>
+            <a:endParaRPr lang="en-US"/>
+          </a:p>
+        </p:txBody>
+      </p:sp>
+      <p:pic>
+        <p:nvPicPr>
+          <p:cNvPr id="4" name="Picture 4" descr="Chart, pie chart&#10;&#10;Description automatically generated">
+            <a:extLst>
+              <a:ext uri="{FF2B5EF4-FFF2-40B4-BE49-F238E27FC236}">
+                <a16:creationId xmlns:a16="http://schemas.microsoft.com/office/drawing/2014/main" id="{7036F8C6-045E-4605-8F4A-F02179A761E2}"/>
+              </a:ext>
+            </a:extLst>
+          </p:cNvPr>
+          <p:cNvPicPr>
+            <a:picLocks noChangeAspect="1" noChangeArrowheads="1"/>
+          </p:cNvPicPr>
+          <p:nvPr/>
+        </p:nvPicPr>
+        <p:blipFill rotWithShape="1">
+          <a:blip r:embed="rId3">
+            <a:extLst>
+              <a:ext uri="{28A0092B-C50C-407E-A947-70E740481C1C}">
+                <a14:useLocalDpi xmlns:a14="http://schemas.microsoft.com/office/drawing/2010/main" val="0"/>
+              </a:ext>
+            </a:extLst>
+          </a:blip>
+          <a:stretch/>
+        </p:blipFill>
+        <p:spPr bwMode="auto">
+          <a:xfrm>
+            <a:off x="359995" y="1626186"/>
+            <a:ext cx="4051661" cy="3657600"/>
+          </a:xfrm>
+          <a:prstGeom prst="rect">
+            <a:avLst/>
+          </a:prstGeom>
+          <a:noFill/>
+          <a:extLst>
+            <a:ext uri="{909E8E84-426E-40DD-AFC4-6F175D3DCCD1}">
+              <a14:hiddenFill xmlns:a14="http://schemas.microsoft.com/office/drawing/2010/main">
+                <a:solidFill>
+                  <a:srgbClr val="FFFFFF"/>
+                </a:solidFill>
+              </a14:hiddenFill>
+            </a:ext>
+          </a:extLst>
+        </p:spPr>
+      </p:pic>
+      <p:pic>
+        <p:nvPicPr>
+          <p:cNvPr id="5" name="Picture 4">
+            <a:extLst>
+              <a:ext uri="{FF2B5EF4-FFF2-40B4-BE49-F238E27FC236}">
+                <a16:creationId xmlns:a16="http://schemas.microsoft.com/office/drawing/2014/main" id="{EDF7AA3A-B5DE-498C-B249-813DE204C647}"/>
+              </a:ext>
+            </a:extLst>
+          </p:cNvPr>
+          <p:cNvPicPr>
+            <a:picLocks noChangeAspect="1" noChangeArrowheads="1"/>
+          </p:cNvPicPr>
+          <p:nvPr/>
+        </p:nvPicPr>
+        <p:blipFill rotWithShape="1">
+          <a:blip r:embed="rId4">
+            <a:extLst>
+              <a:ext uri="{28A0092B-C50C-407E-A947-70E740481C1C}">
+                <a14:useLocalDpi xmlns:a14="http://schemas.microsoft.com/office/drawing/2010/main" val="0"/>
+              </a:ext>
+            </a:extLst>
+          </a:blip>
+          <a:stretch/>
+        </p:blipFill>
+        <p:spPr bwMode="auto">
+          <a:xfrm>
+            <a:off x="4307813" y="1613193"/>
+            <a:ext cx="3810455" cy="3657600"/>
+          </a:xfrm>
+          <a:prstGeom prst="rect">
+            <a:avLst/>
+          </a:prstGeom>
+          <a:noFill/>
+          <a:extLst>
+            <a:ext uri="{909E8E84-426E-40DD-AFC4-6F175D3DCCD1}">
+              <a14:hiddenFill xmlns:a14="http://schemas.microsoft.com/office/drawing/2010/main">
+                <a:solidFill>
+                  <a:srgbClr val="FFFFFF"/>
+                </a:solidFill>
+              </a14:hiddenFill>
+            </a:ext>
+          </a:extLst>
+        </p:spPr>
+      </p:pic>
+      <p:pic>
+        <p:nvPicPr>
+          <p:cNvPr id="6" name="Picture 2">
+            <a:extLst>
+              <a:ext uri="{FF2B5EF4-FFF2-40B4-BE49-F238E27FC236}">
+                <a16:creationId xmlns:a16="http://schemas.microsoft.com/office/drawing/2014/main" id="{C44C9081-BA4F-4D39-98C8-053569403FD4}"/>
+              </a:ext>
+            </a:extLst>
+          </p:cNvPr>
+          <p:cNvPicPr>
+            <a:picLocks noChangeAspect="1" noChangeArrowheads="1"/>
+          </p:cNvPicPr>
+          <p:nvPr/>
+        </p:nvPicPr>
+        <p:blipFill>
+          <a:blip r:embed="rId5">
+            <a:extLst>
+              <a:ext uri="{28A0092B-C50C-407E-A947-70E740481C1C}">
+                <a14:useLocalDpi xmlns:a14="http://schemas.microsoft.com/office/drawing/2010/main" val="0"/>
+              </a:ext>
+            </a:extLst>
+          </a:blip>
+          <a:srcRect/>
+          <a:stretch>
+            <a:fillRect/>
+          </a:stretch>
+        </p:blipFill>
+        <p:spPr bwMode="auto">
+          <a:xfrm>
+            <a:off x="7976066" y="1600200"/>
+            <a:ext cx="3817580" cy="3657600"/>
+          </a:xfrm>
+          <a:prstGeom prst="rect">
+            <a:avLst/>
+          </a:prstGeom>
+          <a:noFill/>
+          <a:extLst>
+            <a:ext uri="{909E8E84-426E-40DD-AFC4-6F175D3DCCD1}">
+              <a14:hiddenFill xmlns:a14="http://schemas.microsoft.com/office/drawing/2010/main">
+                <a:solidFill>
+                  <a:srgbClr val="FFFFFF"/>
+                </a:solidFill>
+              </a14:hiddenFill>
+            </a:ext>
+          </a:extLst>
+        </p:spPr>
+      </p:pic>
+    </p:spTree>
+    <p:extLst>
+      <p:ext uri="{BB962C8B-B14F-4D97-AF65-F5344CB8AC3E}">
+        <p14:creationId xmlns:p14="http://schemas.microsoft.com/office/powerpoint/2010/main" val="290307523"/>
+      </p:ext>
+    </p:extLst>
+  </p:cSld>
+  <p:clrMapOvr>
+    <a:masterClrMapping/>
+  </p:clrMapOvr>
+</p:sld>
+</file>
+
+<file path=ppt/slides/slide8.xml><?xml version="1.0" encoding="utf-8"?>
+<p:sld xmlns:a="http://schemas.openxmlformats.org/drawingml/2006/main" xmlns:r="http://schemas.openxmlformats.org/officeDocument/2006/relationships" xmlns:p="http://schemas.openxmlformats.org/presentationml/2006/main">
+  <p:cSld>
+    <p:spTree>
+      <p:nvGrpSpPr>
+        <p:cNvPr id="1" name=""/>
+        <p:cNvGrpSpPr/>
+        <p:nvPr/>
+      </p:nvGrpSpPr>
+      <p:grpSpPr>
+        <a:xfrm>
+          <a:off x="0" y="0"/>
+          <a:ext cx="0" cy="0"/>
+          <a:chOff x="0" y="0"/>
+          <a:chExt cx="0" cy="0"/>
+        </a:xfrm>
+      </p:grpSpPr>
+      <p:sp>
+        <p:nvSpPr>
+          <p:cNvPr id="2" name="Title 1">
+            <a:extLst>
+              <a:ext uri="{FF2B5EF4-FFF2-40B4-BE49-F238E27FC236}">
+                <a16:creationId xmlns:a16="http://schemas.microsoft.com/office/drawing/2014/main" id="{A20667F8-8560-4322-97FE-6A0EA498084D}"/>
+              </a:ext>
+            </a:extLst>
+          </p:cNvPr>
+          <p:cNvSpPr>
+            <a:spLocks noGrp="1"/>
+          </p:cNvSpPr>
+          <p:nvPr>
+            <p:ph type="title"/>
+          </p:nvPr>
+        </p:nvSpPr>
+        <p:spPr/>
+        <p:txBody>
+          <a:bodyPr>
+            <a:normAutofit fontScale="90000"/>
+          </a:bodyPr>
+          <a:lstStyle/>
+          <a:p>
+            <a:r>
+              <a:rPr lang="en-US" dirty="0"/>
+              <a:t>Poverty Rates &amp;</a:t>
+            </a:r>
+            <a:br>
+              <a:rPr lang="en-US" dirty="0"/>
+            </a:br>
+            <a:r>
+              <a:rPr lang="en-US" dirty="0"/>
+              <a:t> Low Access analysis</a:t>
+            </a:r>
+          </a:p>
+        </p:txBody>
+      </p:sp>
+      <p:sp>
+        <p:nvSpPr>
+          <p:cNvPr id="3" name="Text Placeholder 2">
+            <a:extLst>
+              <a:ext uri="{FF2B5EF4-FFF2-40B4-BE49-F238E27FC236}">
+                <a16:creationId xmlns:a16="http://schemas.microsoft.com/office/drawing/2014/main" id="{A6AC92BF-90FC-40C7-8854-66492AA5CC78}"/>
+              </a:ext>
+            </a:extLst>
+          </p:cNvPr>
+          <p:cNvSpPr>
+            <a:spLocks noGrp="1"/>
+          </p:cNvSpPr>
+          <p:nvPr>
+            <p:ph type="body" idx="1"/>
+          </p:nvPr>
+        </p:nvSpPr>
+        <p:spPr/>
+        <p:txBody>
+          <a:bodyPr/>
+          <a:lstStyle/>
+          <a:p>
+            <a:endParaRPr lang="en-US"/>
+          </a:p>
+        </p:txBody>
+      </p:sp>
+    </p:spTree>
+    <p:extLst>
+      <p:ext uri="{BB962C8B-B14F-4D97-AF65-F5344CB8AC3E}">
+        <p14:creationId xmlns:p14="http://schemas.microsoft.com/office/powerpoint/2010/main" val="2436786362"/>
+      </p:ext>
+    </p:extLst>
+  </p:cSld>
+  <p:clrMapOvr>
+    <a:masterClrMapping/>
+  </p:clrMapOvr>
+</p:sld>
+</file>
+
+<file path=ppt/slides/slide9.xml><?xml version="1.0" encoding="utf-8"?>
+<p:sld xmlns:a="http://schemas.openxmlformats.org/drawingml/2006/main" xmlns:r="http://schemas.openxmlformats.org/officeDocument/2006/relationships" xmlns:p="http://schemas.openxmlformats.org/presentationml/2006/main">
+  <p:cSld>
+    <p:spTree>
+      <p:nvGrpSpPr>
+        <p:cNvPr id="1" name=""/>
+        <p:cNvGrpSpPr/>
+        <p:nvPr/>
+      </p:nvGrpSpPr>
+      <p:grpSpPr>
+        <a:xfrm>
+          <a:off x="0" y="0"/>
+          <a:ext cx="0" cy="0"/>
+          <a:chOff x="0" y="0"/>
+          <a:chExt cx="0" cy="0"/>
+        </a:xfrm>
+      </p:grpSpPr>
+      <p:sp>
+        <p:nvSpPr>
+          <p:cNvPr id="2" name="Rectangle 1">
+            <a:extLst>
+              <a:ext uri="{FF2B5EF4-FFF2-40B4-BE49-F238E27FC236}">
+                <a16:creationId xmlns:a16="http://schemas.microsoft.com/office/drawing/2014/main" id="{4B7E5B53-8AED-4138-B0ED-DDC034426CCA}"/>
+              </a:ext>
+            </a:extLst>
+          </p:cNvPr>
+          <p:cNvSpPr/>
+          <p:nvPr/>
+        </p:nvSpPr>
+        <p:spPr>
+          <a:xfrm>
+            <a:off x="118753" y="83127"/>
+            <a:ext cx="11946577" cy="6662057"/>
+          </a:xfrm>
+          <a:prstGeom prst="rect">
+            <a:avLst/>
+          </a:prstGeom>
+          <a:solidFill>
+            <a:schemeClr val="bg1"/>
+          </a:solidFill>
+          <a:ln>
+            <a:solidFill>
+              <a:schemeClr val="bg1"/>
+            </a:solidFill>
+          </a:ln>
+        </p:spPr>
+        <p:style>
+          <a:lnRef idx="2">
+            <a:schemeClr val="accent1">
+              <a:shade val="50000"/>
+            </a:schemeClr>
+          </a:lnRef>
+          <a:fillRef idx="1">
+            <a:schemeClr val="accent1"/>
+          </a:fillRef>
+          <a:effectRef idx="0">
+            <a:schemeClr val="accent1"/>
+          </a:effectRef>
+          <a:fontRef idx="minor">
+            <a:schemeClr val="lt1"/>
+          </a:fontRef>
+        </p:style>
+        <p:txBody>
+          <a:bodyPr rtlCol="0" anchor="ctr"/>
+          <a:lstStyle/>
+          <a:p>
+            <a:pPr algn="ctr"/>
+            <a:endParaRPr lang="en-US"/>
+          </a:p>
+        </p:txBody>
+      </p:sp>
+      <p:pic>
+        <p:nvPicPr>
+          <p:cNvPr id="4" name="Picture 2">
+            <a:extLst>
+              <a:ext uri="{FF2B5EF4-FFF2-40B4-BE49-F238E27FC236}">
+                <a16:creationId xmlns:a16="http://schemas.microsoft.com/office/drawing/2014/main" id="{7D7F9B25-1905-491F-8717-E04DA5FB08D2}"/>
               </a:ext>
             </a:extLst>
           </p:cNvPr>
@@ -5436,1069 +8215,7 @@
     </p:spTree>
     <p:extLst>
       <p:ext uri="{BB962C8B-B14F-4D97-AF65-F5344CB8AC3E}">
-        <p14:creationId xmlns:p14="http://schemas.microsoft.com/office/powerpoint/2010/main" val="3701731735"/>
-      </p:ext>
-    </p:extLst>
-  </p:cSld>
-  <p:clrMapOvr>
-    <a:masterClrMapping/>
-  </p:clrMapOvr>
-</p:sld>
-</file>
-
-<file path=ppt/slides/slide16.xml><?xml version="1.0" encoding="utf-8"?>
-<p:sld xmlns:a="http://schemas.openxmlformats.org/drawingml/2006/main" xmlns:r="http://schemas.openxmlformats.org/officeDocument/2006/relationships" xmlns:p="http://schemas.openxmlformats.org/presentationml/2006/main">
-  <p:cSld>
-    <p:spTree>
-      <p:nvGrpSpPr>
-        <p:cNvPr id="1" name=""/>
-        <p:cNvGrpSpPr/>
-        <p:nvPr/>
-      </p:nvGrpSpPr>
-      <p:grpSpPr>
-        <a:xfrm>
-          <a:off x="0" y="0"/>
-          <a:ext cx="0" cy="0"/>
-          <a:chOff x="0" y="0"/>
-          <a:chExt cx="0" cy="0"/>
-        </a:xfrm>
-      </p:grpSpPr>
-      <p:pic>
-        <p:nvPicPr>
-          <p:cNvPr id="8194" name="Picture 2">
-            <a:extLst>
-              <a:ext uri="{FF2B5EF4-FFF2-40B4-BE49-F238E27FC236}">
-                <a16:creationId xmlns:a16="http://schemas.microsoft.com/office/drawing/2014/main" id="{0BC418AB-FABD-44E6-BE70-DC6115942086}"/>
-              </a:ext>
-            </a:extLst>
-          </p:cNvPr>
-          <p:cNvPicPr>
-            <a:picLocks noChangeAspect="1" noChangeArrowheads="1"/>
-          </p:cNvPicPr>
-          <p:nvPr/>
-        </p:nvPicPr>
-        <p:blipFill>
-          <a:blip r:embed="rId2">
-            <a:extLst>
-              <a:ext uri="{28A0092B-C50C-407E-A947-70E740481C1C}">
-                <a14:useLocalDpi xmlns:a14="http://schemas.microsoft.com/office/drawing/2010/main" val="0"/>
-              </a:ext>
-            </a:extLst>
-          </a:blip>
-          <a:srcRect/>
-          <a:stretch>
-            <a:fillRect/>
-          </a:stretch>
-        </p:blipFill>
-        <p:spPr bwMode="auto">
-          <a:xfrm>
-            <a:off x="1998776" y="485775"/>
-            <a:ext cx="8194447" cy="5886450"/>
-          </a:xfrm>
-          <a:prstGeom prst="rect">
-            <a:avLst/>
-          </a:prstGeom>
-          <a:noFill/>
-          <a:extLst>
-            <a:ext uri="{909E8E84-426E-40DD-AFC4-6F175D3DCCD1}">
-              <a14:hiddenFill xmlns:a14="http://schemas.microsoft.com/office/drawing/2010/main">
-                <a:solidFill>
-                  <a:srgbClr val="FFFFFF"/>
-                </a:solidFill>
-              </a14:hiddenFill>
-            </a:ext>
-          </a:extLst>
-        </p:spPr>
-      </p:pic>
-    </p:spTree>
-    <p:extLst>
-      <p:ext uri="{BB962C8B-B14F-4D97-AF65-F5344CB8AC3E}">
-        <p14:creationId xmlns:p14="http://schemas.microsoft.com/office/powerpoint/2010/main" val="2911834827"/>
-      </p:ext>
-    </p:extLst>
-  </p:cSld>
-  <p:clrMapOvr>
-    <a:masterClrMapping/>
-  </p:clrMapOvr>
-</p:sld>
-</file>
-
-<file path=ppt/slides/slide17.xml><?xml version="1.0" encoding="utf-8"?>
-<p:sld xmlns:a="http://schemas.openxmlformats.org/drawingml/2006/main" xmlns:r="http://schemas.openxmlformats.org/officeDocument/2006/relationships" xmlns:p="http://schemas.openxmlformats.org/presentationml/2006/main">
-  <p:cSld>
-    <p:spTree>
-      <p:nvGrpSpPr>
-        <p:cNvPr id="1" name=""/>
-        <p:cNvGrpSpPr/>
-        <p:nvPr/>
-      </p:nvGrpSpPr>
-      <p:grpSpPr>
-        <a:xfrm>
-          <a:off x="0" y="0"/>
-          <a:ext cx="0" cy="0"/>
-          <a:chOff x="0" y="0"/>
-          <a:chExt cx="0" cy="0"/>
-        </a:xfrm>
-      </p:grpSpPr>
-      <p:pic>
-        <p:nvPicPr>
-          <p:cNvPr id="9218" name="Picture 2">
-            <a:extLst>
-              <a:ext uri="{FF2B5EF4-FFF2-40B4-BE49-F238E27FC236}">
-                <a16:creationId xmlns:a16="http://schemas.microsoft.com/office/drawing/2014/main" id="{1B61CDE8-8DE6-48A2-A2BD-57ED226558D4}"/>
-              </a:ext>
-            </a:extLst>
-          </p:cNvPr>
-          <p:cNvPicPr>
-            <a:picLocks noChangeAspect="1" noChangeArrowheads="1"/>
-          </p:cNvPicPr>
-          <p:nvPr/>
-        </p:nvPicPr>
-        <p:blipFill>
-          <a:blip r:embed="rId2">
-            <a:extLst>
-              <a:ext uri="{28A0092B-C50C-407E-A947-70E740481C1C}">
-                <a14:useLocalDpi xmlns:a14="http://schemas.microsoft.com/office/drawing/2010/main" val="0"/>
-              </a:ext>
-            </a:extLst>
-          </a:blip>
-          <a:srcRect/>
-          <a:stretch>
-            <a:fillRect/>
-          </a:stretch>
-        </p:blipFill>
-        <p:spPr bwMode="auto">
-          <a:xfrm>
-            <a:off x="552450" y="619125"/>
-            <a:ext cx="11087100" cy="5619750"/>
-          </a:xfrm>
-          <a:prstGeom prst="rect">
-            <a:avLst/>
-          </a:prstGeom>
-          <a:noFill/>
-          <a:extLst>
-            <a:ext uri="{909E8E84-426E-40DD-AFC4-6F175D3DCCD1}">
-              <a14:hiddenFill xmlns:a14="http://schemas.microsoft.com/office/drawing/2010/main">
-                <a:solidFill>
-                  <a:srgbClr val="FFFFFF"/>
-                </a:solidFill>
-              </a14:hiddenFill>
-            </a:ext>
-          </a:extLst>
-        </p:spPr>
-      </p:pic>
-    </p:spTree>
-    <p:extLst>
-      <p:ext uri="{BB962C8B-B14F-4D97-AF65-F5344CB8AC3E}">
-        <p14:creationId xmlns:p14="http://schemas.microsoft.com/office/powerpoint/2010/main" val="627493520"/>
-      </p:ext>
-    </p:extLst>
-  </p:cSld>
-  <p:clrMapOvr>
-    <a:masterClrMapping/>
-  </p:clrMapOvr>
-</p:sld>
-</file>
-
-<file path=ppt/slides/slide18.xml><?xml version="1.0" encoding="utf-8"?>
-<p:sld xmlns:a="http://schemas.openxmlformats.org/drawingml/2006/main" xmlns:r="http://schemas.openxmlformats.org/officeDocument/2006/relationships" xmlns:p="http://schemas.openxmlformats.org/presentationml/2006/main">
-  <p:cSld>
-    <p:spTree>
-      <p:nvGrpSpPr>
-        <p:cNvPr id="1" name=""/>
-        <p:cNvGrpSpPr/>
-        <p:nvPr/>
-      </p:nvGrpSpPr>
-      <p:grpSpPr>
-        <a:xfrm>
-          <a:off x="0" y="0"/>
-          <a:ext cx="0" cy="0"/>
-          <a:chOff x="0" y="0"/>
-          <a:chExt cx="0" cy="0"/>
-        </a:xfrm>
-      </p:grpSpPr>
-      <p:sp>
-        <p:nvSpPr>
-          <p:cNvPr id="2" name="Title 1">
-            <a:extLst>
-              <a:ext uri="{FF2B5EF4-FFF2-40B4-BE49-F238E27FC236}">
-                <a16:creationId xmlns:a16="http://schemas.microsoft.com/office/drawing/2014/main" id="{26D5A6A7-CD28-4C4C-B40E-EA360102ABE4}"/>
-              </a:ext>
-            </a:extLst>
-          </p:cNvPr>
-          <p:cNvSpPr>
-            <a:spLocks noGrp="1"/>
-          </p:cNvSpPr>
-          <p:nvPr>
-            <p:ph type="ctrTitle"/>
-          </p:nvPr>
-        </p:nvSpPr>
-        <p:spPr/>
-        <p:txBody>
-          <a:bodyPr/>
-          <a:lstStyle/>
-          <a:p>
-            <a:r>
-              <a:rPr lang="en-US" dirty="0"/>
-              <a:t>Questions?</a:t>
-            </a:r>
-          </a:p>
-        </p:txBody>
-      </p:sp>
-      <p:sp>
-        <p:nvSpPr>
-          <p:cNvPr id="3" name="Subtitle 2">
-            <a:extLst>
-              <a:ext uri="{FF2B5EF4-FFF2-40B4-BE49-F238E27FC236}">
-                <a16:creationId xmlns:a16="http://schemas.microsoft.com/office/drawing/2014/main" id="{366C9581-156B-4ACD-AA94-4F9B415D0C80}"/>
-              </a:ext>
-            </a:extLst>
-          </p:cNvPr>
-          <p:cNvSpPr>
-            <a:spLocks noGrp="1"/>
-          </p:cNvSpPr>
-          <p:nvPr>
-            <p:ph type="subTitle" idx="1"/>
-          </p:nvPr>
-        </p:nvSpPr>
-        <p:spPr/>
-        <p:txBody>
-          <a:bodyPr/>
-          <a:lstStyle/>
-          <a:p>
-            <a:endParaRPr lang="en-US"/>
-          </a:p>
-        </p:txBody>
-      </p:sp>
-    </p:spTree>
-    <p:extLst>
-      <p:ext uri="{BB962C8B-B14F-4D97-AF65-F5344CB8AC3E}">
-        <p14:creationId xmlns:p14="http://schemas.microsoft.com/office/powerpoint/2010/main" val="2786978342"/>
-      </p:ext>
-    </p:extLst>
-  </p:cSld>
-  <p:clrMapOvr>
-    <a:masterClrMapping/>
-  </p:clrMapOvr>
-</p:sld>
-</file>
-
-<file path=ppt/slides/slide2.xml><?xml version="1.0" encoding="utf-8"?>
-<p:sld xmlns:a="http://schemas.openxmlformats.org/drawingml/2006/main" xmlns:r="http://schemas.openxmlformats.org/officeDocument/2006/relationships" xmlns:p="http://schemas.openxmlformats.org/presentationml/2006/main">
-  <p:cSld>
-    <p:spTree>
-      <p:nvGrpSpPr>
-        <p:cNvPr id="1" name=""/>
-        <p:cNvGrpSpPr/>
-        <p:nvPr/>
-      </p:nvGrpSpPr>
-      <p:grpSpPr>
-        <a:xfrm>
-          <a:off x="0" y="0"/>
-          <a:ext cx="0" cy="0"/>
-          <a:chOff x="0" y="0"/>
-          <a:chExt cx="0" cy="0"/>
-        </a:xfrm>
-      </p:grpSpPr>
-      <p:sp>
-        <p:nvSpPr>
-          <p:cNvPr id="4" name="Title 3">
-            <a:extLst>
-              <a:ext uri="{FF2B5EF4-FFF2-40B4-BE49-F238E27FC236}">
-                <a16:creationId xmlns:a16="http://schemas.microsoft.com/office/drawing/2014/main" id="{D42F82B7-1B63-45DD-9609-A295916DAA4F}"/>
-              </a:ext>
-            </a:extLst>
-          </p:cNvPr>
-          <p:cNvSpPr>
-            <a:spLocks noGrp="1"/>
-          </p:cNvSpPr>
-          <p:nvPr>
-            <p:ph type="title"/>
-          </p:nvPr>
-        </p:nvSpPr>
-        <p:spPr>
-          <a:xfrm>
-            <a:off x="1066800" y="642594"/>
-            <a:ext cx="10058400" cy="1371600"/>
-          </a:xfrm>
-        </p:spPr>
-        <p:txBody>
-          <a:bodyPr anchor="ctr">
-            <a:normAutofit/>
-          </a:bodyPr>
-          <a:lstStyle/>
-          <a:p>
-            <a:r>
-              <a:rPr lang="en-US" dirty="0"/>
-              <a:t>What is a food desert?</a:t>
-            </a:r>
-          </a:p>
-        </p:txBody>
-      </p:sp>
-      <p:sp>
-        <p:nvSpPr>
-          <p:cNvPr id="9" name="Content Placeholder 2">
-            <a:extLst>
-              <a:ext uri="{FF2B5EF4-FFF2-40B4-BE49-F238E27FC236}">
-                <a16:creationId xmlns:a16="http://schemas.microsoft.com/office/drawing/2014/main" id="{AA6FC2CE-FCC8-424D-A725-B6A29E90152E}"/>
-              </a:ext>
-            </a:extLst>
-          </p:cNvPr>
-          <p:cNvSpPr>
-            <a:spLocks noGrp="1"/>
-          </p:cNvSpPr>
-          <p:nvPr>
-            <p:ph idx="1"/>
-          </p:nvPr>
-        </p:nvSpPr>
-        <p:spPr>
-          <a:xfrm>
-            <a:off x="1066800" y="2111997"/>
-            <a:ext cx="10234474" cy="4359823"/>
-          </a:xfrm>
-        </p:spPr>
-        <p:txBody>
-          <a:bodyPr>
-            <a:normAutofit fontScale="47500" lnSpcReduction="20000"/>
-          </a:bodyPr>
-          <a:lstStyle/>
-          <a:p>
-            <a:r>
-              <a:rPr lang="en-US" sz="5100" b="0" i="0" dirty="0">
-                <a:solidFill>
-                  <a:srgbClr val="000000"/>
-                </a:solidFill>
-                <a:effectLst/>
-                <a:latin typeface="Open Sans"/>
-              </a:rPr>
-              <a:t>The definition of food deserts differs, though, based upon whether one lives in an </a:t>
-            </a:r>
-            <a:r>
-              <a:rPr lang="en-US" sz="5100" b="1" i="0" dirty="0">
-                <a:solidFill>
-                  <a:srgbClr val="000000"/>
-                </a:solidFill>
-                <a:effectLst/>
-                <a:latin typeface="Open Sans"/>
-              </a:rPr>
-              <a:t>urban</a:t>
-            </a:r>
-            <a:r>
-              <a:rPr lang="en-US" sz="5100" b="0" i="0" dirty="0">
-                <a:solidFill>
-                  <a:srgbClr val="000000"/>
-                </a:solidFill>
-                <a:effectLst/>
-                <a:latin typeface="Open Sans"/>
-              </a:rPr>
-              <a:t> or a </a:t>
-            </a:r>
-            <a:r>
-              <a:rPr lang="en-US" sz="5100" b="1" i="0" dirty="0">
-                <a:solidFill>
-                  <a:srgbClr val="000000"/>
-                </a:solidFill>
-                <a:effectLst/>
-                <a:latin typeface="Open Sans"/>
-              </a:rPr>
-              <a:t>rural</a:t>
-            </a:r>
-            <a:r>
-              <a:rPr lang="en-US" sz="5100" b="0" i="0" dirty="0">
-                <a:solidFill>
-                  <a:srgbClr val="000000"/>
-                </a:solidFill>
-                <a:effectLst/>
-                <a:latin typeface="Open Sans"/>
-              </a:rPr>
-              <a:t> setting. In fact, according to a </a:t>
-            </a:r>
-            <a:r>
-              <a:rPr lang="en-US" sz="5100" b="1" i="0" u="sng" dirty="0">
-                <a:solidFill>
-                  <a:srgbClr val="27BCB8"/>
-                </a:solidFill>
-                <a:effectLst/>
-                <a:latin typeface="Open Sans"/>
-                <a:hlinkClick r:id="rId2"/>
-              </a:rPr>
-              <a:t>Newsweek article</a:t>
-            </a:r>
-            <a:r>
-              <a:rPr lang="en-US" sz="5100" b="0" i="0" dirty="0">
-                <a:solidFill>
-                  <a:srgbClr val="000000"/>
-                </a:solidFill>
-                <a:effectLst/>
-                <a:latin typeface="Open Sans"/>
-              </a:rPr>
-              <a:t> published in 2014, “[I]n urban areas, the U.S Department of Agriculture considers a food desert an area with no ready access to a store with fresh and nutritious food options within one mile. In rural America, a food desert is defined as 10 miles or more from the nearest market.</a:t>
-            </a:r>
-          </a:p>
-          <a:p>
-            <a:r>
-              <a:rPr lang="en-US" sz="5100" b="0" i="0" dirty="0">
-                <a:solidFill>
-                  <a:srgbClr val="000000"/>
-                </a:solidFill>
-                <a:effectLst/>
-                <a:latin typeface="Open Sans"/>
-              </a:rPr>
-              <a:t>We focused on Urban areas</a:t>
-            </a:r>
-          </a:p>
-          <a:p>
-            <a:r>
-              <a:rPr lang="en-US" sz="5100" dirty="0">
-                <a:solidFill>
-                  <a:srgbClr val="000000"/>
-                </a:solidFill>
-                <a:latin typeface="Open Sans"/>
-              </a:rPr>
-              <a:t>In poorer areas, people may not have their own transportation and rely on public transportation or walking.</a:t>
-            </a:r>
-          </a:p>
-          <a:p>
-            <a:r>
-              <a:rPr lang="en-US" sz="2000" dirty="0"/>
-              <a:t>Moveforhunger.org</a:t>
-            </a:r>
-            <a:endParaRPr lang="en-US" sz="1700" dirty="0"/>
-          </a:p>
-          <a:p>
-            <a:endParaRPr lang="en-US" sz="3200" b="0" i="0" dirty="0">
-              <a:solidFill>
-                <a:srgbClr val="000000"/>
-              </a:solidFill>
-              <a:effectLst/>
-              <a:latin typeface="Open Sans"/>
-            </a:endParaRPr>
-          </a:p>
-          <a:p>
-            <a:endParaRPr lang="en-US" sz="2800" dirty="0">
-              <a:solidFill>
-                <a:srgbClr val="000000"/>
-              </a:solidFill>
-              <a:latin typeface="Open Sans"/>
-            </a:endParaRPr>
-          </a:p>
-        </p:txBody>
-      </p:sp>
-    </p:spTree>
-    <p:extLst>
-      <p:ext uri="{BB962C8B-B14F-4D97-AF65-F5344CB8AC3E}">
-        <p14:creationId xmlns:p14="http://schemas.microsoft.com/office/powerpoint/2010/main" val="3446602603"/>
-      </p:ext>
-    </p:extLst>
-  </p:cSld>
-  <p:clrMapOvr>
-    <a:masterClrMapping/>
-  </p:clrMapOvr>
-</p:sld>
-</file>
-
-<file path=ppt/slides/slide3.xml><?xml version="1.0" encoding="utf-8"?>
-<p:sld xmlns:a="http://schemas.openxmlformats.org/drawingml/2006/main" xmlns:r="http://schemas.openxmlformats.org/officeDocument/2006/relationships" xmlns:p="http://schemas.openxmlformats.org/presentationml/2006/main">
-  <p:cSld>
-    <p:spTree>
-      <p:nvGrpSpPr>
-        <p:cNvPr id="1" name=""/>
-        <p:cNvGrpSpPr/>
-        <p:nvPr/>
-      </p:nvGrpSpPr>
-      <p:grpSpPr>
-        <a:xfrm>
-          <a:off x="0" y="0"/>
-          <a:ext cx="0" cy="0"/>
-          <a:chOff x="0" y="0"/>
-          <a:chExt cx="0" cy="0"/>
-        </a:xfrm>
-      </p:grpSpPr>
-      <p:sp>
-        <p:nvSpPr>
-          <p:cNvPr id="3" name="Content Placeholder 2">
-            <a:extLst>
-              <a:ext uri="{FF2B5EF4-FFF2-40B4-BE49-F238E27FC236}">
-                <a16:creationId xmlns:a16="http://schemas.microsoft.com/office/drawing/2014/main" id="{C9252740-9341-487F-8D94-71BE70BA0FE1}"/>
-              </a:ext>
-            </a:extLst>
-          </p:cNvPr>
-          <p:cNvSpPr>
-            <a:spLocks noGrp="1"/>
-          </p:cNvSpPr>
-          <p:nvPr>
-            <p:ph type="ctrTitle"/>
-          </p:nvPr>
-        </p:nvSpPr>
-        <p:spPr>
-          <a:xfrm>
-            <a:off x="1629103" y="2244830"/>
-            <a:ext cx="8933796" cy="2437232"/>
-          </a:xfrm>
-        </p:spPr>
-        <p:txBody>
-          <a:bodyPr anchor="ctr">
-            <a:normAutofit/>
-          </a:bodyPr>
-          <a:lstStyle/>
-          <a:p>
-            <a:r>
-              <a:rPr lang="en-US" sz="3200" b="0" i="0" dirty="0">
-                <a:effectLst/>
-              </a:rPr>
-              <a:t> Unfortunately, food deserts are not few and far between, it’s estimated there are more than 23 million people, more than half of them low-income, living in food deserts.</a:t>
-            </a:r>
-            <a:endParaRPr lang="en-US" sz="3200" dirty="0"/>
-          </a:p>
-        </p:txBody>
-      </p:sp>
-      <p:sp>
-        <p:nvSpPr>
-          <p:cNvPr id="8" name="Subtitle 2">
-            <a:extLst>
-              <a:ext uri="{FF2B5EF4-FFF2-40B4-BE49-F238E27FC236}">
-                <a16:creationId xmlns:a16="http://schemas.microsoft.com/office/drawing/2014/main" id="{E4F59B2F-18BC-429B-B3A5-9B32D726AAEE}"/>
-              </a:ext>
-            </a:extLst>
-          </p:cNvPr>
-          <p:cNvSpPr>
-            <a:spLocks noGrp="1"/>
-          </p:cNvSpPr>
-          <p:nvPr>
-            <p:ph type="subTitle" idx="1"/>
-          </p:nvPr>
-        </p:nvSpPr>
-        <p:spPr>
-          <a:xfrm>
-            <a:off x="1629101" y="4682062"/>
-            <a:ext cx="8936846" cy="457201"/>
-          </a:xfrm>
-        </p:spPr>
-        <p:txBody>
-          <a:bodyPr/>
-          <a:lstStyle/>
-          <a:p>
-            <a:r>
-              <a:rPr lang="en-US" dirty="0"/>
-              <a:t>Moveforhunger.org</a:t>
-            </a:r>
-          </a:p>
-        </p:txBody>
-      </p:sp>
-    </p:spTree>
-    <p:extLst>
-      <p:ext uri="{BB962C8B-B14F-4D97-AF65-F5344CB8AC3E}">
-        <p14:creationId xmlns:p14="http://schemas.microsoft.com/office/powerpoint/2010/main" val="2282530619"/>
-      </p:ext>
-    </p:extLst>
-  </p:cSld>
-  <p:clrMapOvr>
-    <a:masterClrMapping/>
-  </p:clrMapOvr>
-</p:sld>
-</file>
-
-<file path=ppt/slides/slide4.xml><?xml version="1.0" encoding="utf-8"?>
-<p:sld xmlns:a="http://schemas.openxmlformats.org/drawingml/2006/main" xmlns:r="http://schemas.openxmlformats.org/officeDocument/2006/relationships" xmlns:p="http://schemas.openxmlformats.org/presentationml/2006/main">
-  <p:cSld>
-    <p:spTree>
-      <p:nvGrpSpPr>
-        <p:cNvPr id="1" name=""/>
-        <p:cNvGrpSpPr/>
-        <p:nvPr/>
-      </p:nvGrpSpPr>
-      <p:grpSpPr>
-        <a:xfrm>
-          <a:off x="0" y="0"/>
-          <a:ext cx="0" cy="0"/>
-          <a:chOff x="0" y="0"/>
-          <a:chExt cx="0" cy="0"/>
-        </a:xfrm>
-      </p:grpSpPr>
-      <p:sp>
-        <p:nvSpPr>
-          <p:cNvPr id="2" name="Title 1">
-            <a:extLst>
-              <a:ext uri="{FF2B5EF4-FFF2-40B4-BE49-F238E27FC236}">
-                <a16:creationId xmlns:a16="http://schemas.microsoft.com/office/drawing/2014/main" id="{AD829477-273F-4EDE-8168-9A7DFE003787}"/>
-              </a:ext>
-            </a:extLst>
-          </p:cNvPr>
-          <p:cNvSpPr>
-            <a:spLocks noGrp="1"/>
-          </p:cNvSpPr>
-          <p:nvPr>
-            <p:ph type="title"/>
-          </p:nvPr>
-        </p:nvSpPr>
-        <p:spPr/>
-        <p:txBody>
-          <a:bodyPr/>
-          <a:lstStyle/>
-          <a:p>
-            <a:r>
-              <a:rPr lang="en-US" dirty="0"/>
-              <a:t>We considered….</a:t>
-            </a:r>
-          </a:p>
-        </p:txBody>
-      </p:sp>
-      <p:sp>
-        <p:nvSpPr>
-          <p:cNvPr id="3" name="Content Placeholder 2">
-            <a:extLst>
-              <a:ext uri="{FF2B5EF4-FFF2-40B4-BE49-F238E27FC236}">
-                <a16:creationId xmlns:a16="http://schemas.microsoft.com/office/drawing/2014/main" id="{1B902856-EB7D-4D26-A1A0-CF4441EED9F2}"/>
-              </a:ext>
-            </a:extLst>
-          </p:cNvPr>
-          <p:cNvSpPr>
-            <a:spLocks noGrp="1"/>
-          </p:cNvSpPr>
-          <p:nvPr>
-            <p:ph idx="1"/>
-          </p:nvPr>
-        </p:nvSpPr>
-        <p:spPr/>
-        <p:txBody>
-          <a:bodyPr>
-            <a:normAutofit lnSpcReduction="10000"/>
-          </a:bodyPr>
-          <a:lstStyle/>
-          <a:p>
-            <a:r>
-              <a:rPr lang="en-US" sz="3600"/>
-              <a:t>The </a:t>
-            </a:r>
-            <a:r>
-              <a:rPr lang="en-US" sz="3600" dirty="0"/>
-              <a:t>counties in Missouri</a:t>
-            </a:r>
-          </a:p>
-          <a:p>
-            <a:r>
-              <a:rPr lang="en-US" sz="3600" dirty="0"/>
-              <a:t>Population as of 2010</a:t>
-            </a:r>
-          </a:p>
-          <a:p>
-            <a:r>
-              <a:rPr lang="en-US" sz="3600" dirty="0"/>
-              <a:t>Poverty rate</a:t>
-            </a:r>
-          </a:p>
-          <a:p>
-            <a:r>
-              <a:rPr lang="en-US" sz="3600" dirty="0"/>
-              <a:t>Various races (White, African American, Asian, Hispanic) living ½ mile to 1 mile from a grocery store</a:t>
-            </a:r>
-          </a:p>
-          <a:p>
-            <a:endParaRPr lang="en-US" sz="3600" dirty="0"/>
-          </a:p>
-        </p:txBody>
-      </p:sp>
-    </p:spTree>
-    <p:extLst>
-      <p:ext uri="{BB962C8B-B14F-4D97-AF65-F5344CB8AC3E}">
-        <p14:creationId xmlns:p14="http://schemas.microsoft.com/office/powerpoint/2010/main" val="3640181798"/>
-      </p:ext>
-    </p:extLst>
-  </p:cSld>
-  <p:clrMapOvr>
-    <a:masterClrMapping/>
-  </p:clrMapOvr>
-</p:sld>
-</file>
-
-<file path=ppt/slides/slide5.xml><?xml version="1.0" encoding="utf-8"?>
-<p:sld xmlns:a="http://schemas.openxmlformats.org/drawingml/2006/main" xmlns:r="http://schemas.openxmlformats.org/officeDocument/2006/relationships" xmlns:p="http://schemas.openxmlformats.org/presentationml/2006/main">
-  <p:cSld>
-    <p:spTree>
-      <p:nvGrpSpPr>
-        <p:cNvPr id="1" name=""/>
-        <p:cNvGrpSpPr/>
-        <p:nvPr/>
-      </p:nvGrpSpPr>
-      <p:grpSpPr>
-        <a:xfrm>
-          <a:off x="0" y="0"/>
-          <a:ext cx="0" cy="0"/>
-          <a:chOff x="0" y="0"/>
-          <a:chExt cx="0" cy="0"/>
-        </a:xfrm>
-      </p:grpSpPr>
-      <p:sp>
-        <p:nvSpPr>
-          <p:cNvPr id="2" name="Title 1">
-            <a:extLst>
-              <a:ext uri="{FF2B5EF4-FFF2-40B4-BE49-F238E27FC236}">
-                <a16:creationId xmlns:a16="http://schemas.microsoft.com/office/drawing/2014/main" id="{49CE4325-EEAD-43E7-846B-4834984D9A5D}"/>
-              </a:ext>
-            </a:extLst>
-          </p:cNvPr>
-          <p:cNvSpPr>
-            <a:spLocks noGrp="1"/>
-          </p:cNvSpPr>
-          <p:nvPr>
-            <p:ph type="title"/>
-          </p:nvPr>
-        </p:nvSpPr>
-        <p:spPr/>
-        <p:txBody>
-          <a:bodyPr/>
-          <a:lstStyle/>
-          <a:p>
-            <a:r>
-              <a:rPr lang="en-US" dirty="0"/>
-              <a:t>Questions that we asked…..</a:t>
-            </a:r>
-          </a:p>
-        </p:txBody>
-      </p:sp>
-      <p:sp>
-        <p:nvSpPr>
-          <p:cNvPr id="4" name="Content Placeholder 3">
-            <a:extLst>
-              <a:ext uri="{FF2B5EF4-FFF2-40B4-BE49-F238E27FC236}">
-                <a16:creationId xmlns:a16="http://schemas.microsoft.com/office/drawing/2014/main" id="{3B59F99C-8A35-4E3B-BECC-3CF472B263B4}"/>
-              </a:ext>
-            </a:extLst>
-          </p:cNvPr>
-          <p:cNvSpPr>
-            <a:spLocks noGrp="1"/>
-          </p:cNvSpPr>
-          <p:nvPr>
-            <p:ph idx="1"/>
-          </p:nvPr>
-        </p:nvSpPr>
-        <p:spPr/>
-        <p:txBody>
-          <a:bodyPr/>
-          <a:lstStyle/>
-          <a:p>
-            <a:endParaRPr lang="en-US"/>
-          </a:p>
-        </p:txBody>
-      </p:sp>
-    </p:spTree>
-    <p:extLst>
-      <p:ext uri="{BB962C8B-B14F-4D97-AF65-F5344CB8AC3E}">
-        <p14:creationId xmlns:p14="http://schemas.microsoft.com/office/powerpoint/2010/main" val="3123883752"/>
-      </p:ext>
-    </p:extLst>
-  </p:cSld>
-  <p:clrMapOvr>
-    <a:masterClrMapping/>
-  </p:clrMapOvr>
-</p:sld>
-</file>
-
-<file path=ppt/slides/slide6.xml><?xml version="1.0" encoding="utf-8"?>
-<p:sld xmlns:a="http://schemas.openxmlformats.org/drawingml/2006/main" xmlns:r="http://schemas.openxmlformats.org/officeDocument/2006/relationships" xmlns:p="http://schemas.openxmlformats.org/presentationml/2006/main">
-  <p:cSld>
-    <p:spTree>
-      <p:nvGrpSpPr>
-        <p:cNvPr id="1" name=""/>
-        <p:cNvGrpSpPr/>
-        <p:nvPr/>
-      </p:nvGrpSpPr>
-      <p:grpSpPr>
-        <a:xfrm>
-          <a:off x="0" y="0"/>
-          <a:ext cx="0" cy="0"/>
-          <a:chOff x="0" y="0"/>
-          <a:chExt cx="0" cy="0"/>
-        </a:xfrm>
-      </p:grpSpPr>
-      <p:sp>
-        <p:nvSpPr>
-          <p:cNvPr id="6" name="Title 1">
-            <a:extLst>
-              <a:ext uri="{FF2B5EF4-FFF2-40B4-BE49-F238E27FC236}">
-                <a16:creationId xmlns:a16="http://schemas.microsoft.com/office/drawing/2014/main" id="{A83C103C-702A-4F9C-9C17-F86165C5441C}"/>
-              </a:ext>
-            </a:extLst>
-          </p:cNvPr>
-          <p:cNvSpPr>
-            <a:spLocks noGrp="1"/>
-          </p:cNvSpPr>
-          <p:nvPr>
-            <p:ph type="title"/>
-          </p:nvPr>
-        </p:nvSpPr>
-        <p:spPr>
-          <a:xfrm>
-            <a:off x="1629156" y="2275165"/>
-            <a:ext cx="8933688" cy="2406895"/>
-          </a:xfrm>
-        </p:spPr>
-        <p:txBody>
-          <a:bodyPr/>
-          <a:lstStyle/>
-          <a:p>
-            <a:r>
-              <a:rPr lang="en-US" dirty="0"/>
-              <a:t>Demographics</a:t>
-            </a:r>
-          </a:p>
-        </p:txBody>
-      </p:sp>
-      <p:sp>
-        <p:nvSpPr>
-          <p:cNvPr id="8" name="Text Placeholder 2">
-            <a:extLst>
-              <a:ext uri="{FF2B5EF4-FFF2-40B4-BE49-F238E27FC236}">
-                <a16:creationId xmlns:a16="http://schemas.microsoft.com/office/drawing/2014/main" id="{3E268483-82E4-4676-93D6-846FCC0EC089}"/>
-              </a:ext>
-            </a:extLst>
-          </p:cNvPr>
-          <p:cNvSpPr>
-            <a:spLocks noGrp="1"/>
-          </p:cNvSpPr>
-          <p:nvPr>
-            <p:ph type="body" idx="1"/>
-          </p:nvPr>
-        </p:nvSpPr>
-        <p:spPr>
-          <a:xfrm>
-            <a:off x="1629156" y="4682062"/>
-            <a:ext cx="8939784" cy="457200"/>
-          </a:xfrm>
-        </p:spPr>
-        <p:txBody>
-          <a:bodyPr/>
-          <a:lstStyle/>
-          <a:p>
-            <a:endParaRPr lang="en-US"/>
-          </a:p>
-        </p:txBody>
-      </p:sp>
-    </p:spTree>
-    <p:extLst>
-      <p:ext uri="{BB962C8B-B14F-4D97-AF65-F5344CB8AC3E}">
-        <p14:creationId xmlns:p14="http://schemas.microsoft.com/office/powerpoint/2010/main" val="3676757797"/>
-      </p:ext>
-    </p:extLst>
-  </p:cSld>
-  <p:clrMapOvr>
-    <a:masterClrMapping/>
-  </p:clrMapOvr>
-</p:sld>
-</file>
-
-<file path=ppt/slides/slide7.xml><?xml version="1.0" encoding="utf-8"?>
-<p:sld xmlns:a="http://schemas.openxmlformats.org/drawingml/2006/main" xmlns:r="http://schemas.openxmlformats.org/officeDocument/2006/relationships" xmlns:p="http://schemas.openxmlformats.org/presentationml/2006/main">
-  <p:cSld>
-    <p:spTree>
-      <p:nvGrpSpPr>
-        <p:cNvPr id="1" name=""/>
-        <p:cNvGrpSpPr/>
-        <p:nvPr/>
-      </p:nvGrpSpPr>
-      <p:grpSpPr>
-        <a:xfrm>
-          <a:off x="0" y="0"/>
-          <a:ext cx="0" cy="0"/>
-          <a:chOff x="0" y="0"/>
-          <a:chExt cx="0" cy="0"/>
-        </a:xfrm>
-      </p:grpSpPr>
-      <p:pic>
-        <p:nvPicPr>
-          <p:cNvPr id="1026" name="Picture 2" descr="Chart, histogram&#10;&#10;Description automatically generated">
-            <a:extLst>
-              <a:ext uri="{FF2B5EF4-FFF2-40B4-BE49-F238E27FC236}">
-                <a16:creationId xmlns:a16="http://schemas.microsoft.com/office/drawing/2014/main" id="{3718A521-448F-4A6A-BE0B-0D330AA017AF}"/>
-              </a:ext>
-            </a:extLst>
-          </p:cNvPr>
-          <p:cNvPicPr>
-            <a:picLocks noGrp="1" noChangeAspect="1" noChangeArrowheads="1"/>
-          </p:cNvPicPr>
-          <p:nvPr>
-            <p:ph type="pic" idx="4294967295"/>
-          </p:nvPr>
-        </p:nvPicPr>
-        <p:blipFill rotWithShape="1">
-          <a:blip r:embed="rId2">
-            <a:extLst>
-              <a:ext uri="{28A0092B-C50C-407E-A947-70E740481C1C}">
-                <a14:useLocalDpi xmlns:a14="http://schemas.microsoft.com/office/drawing/2010/main" val="0"/>
-              </a:ext>
-            </a:extLst>
-          </a:blip>
-          <a:stretch/>
-        </p:blipFill>
-        <p:spPr bwMode="auto">
-          <a:xfrm>
-            <a:off x="2752725" y="303427"/>
-            <a:ext cx="6686549" cy="6251146"/>
-          </a:xfrm>
-          <a:prstGeom prst="rect">
-            <a:avLst/>
-          </a:prstGeom>
-          <a:solidFill>
-            <a:srgbClr val="FFFFFF"/>
-          </a:solidFill>
-        </p:spPr>
-      </p:pic>
-    </p:spTree>
-    <p:extLst>
-      <p:ext uri="{BB962C8B-B14F-4D97-AF65-F5344CB8AC3E}">
-        <p14:creationId xmlns:p14="http://schemas.microsoft.com/office/powerpoint/2010/main" val="520551577"/>
-      </p:ext>
-    </p:extLst>
-  </p:cSld>
-  <p:clrMapOvr>
-    <a:masterClrMapping/>
-  </p:clrMapOvr>
-</p:sld>
-</file>
-
-<file path=ppt/slides/slide8.xml><?xml version="1.0" encoding="utf-8"?>
-<p:sld xmlns:a="http://schemas.openxmlformats.org/drawingml/2006/main" xmlns:r="http://schemas.openxmlformats.org/officeDocument/2006/relationships" xmlns:p="http://schemas.openxmlformats.org/presentationml/2006/main">
-  <p:cSld>
-    <p:spTree>
-      <p:nvGrpSpPr>
-        <p:cNvPr id="1" name=""/>
-        <p:cNvGrpSpPr/>
-        <p:nvPr/>
-      </p:nvGrpSpPr>
-      <p:grpSpPr>
-        <a:xfrm>
-          <a:off x="0" y="0"/>
-          <a:ext cx="0" cy="0"/>
-          <a:chOff x="0" y="0"/>
-          <a:chExt cx="0" cy="0"/>
-        </a:xfrm>
-      </p:grpSpPr>
-      <p:pic>
-        <p:nvPicPr>
-          <p:cNvPr id="2052" name="Picture 4" descr="Chart, pie chart&#10;&#10;Description automatically generated">
-            <a:extLst>
-              <a:ext uri="{FF2B5EF4-FFF2-40B4-BE49-F238E27FC236}">
-                <a16:creationId xmlns:a16="http://schemas.microsoft.com/office/drawing/2014/main" id="{7AD43978-1CCE-42C4-A309-DAC6CB0E9A84}"/>
-              </a:ext>
-            </a:extLst>
-          </p:cNvPr>
-          <p:cNvPicPr>
-            <a:picLocks noGrp="1" noChangeAspect="1" noChangeArrowheads="1"/>
-          </p:cNvPicPr>
-          <p:nvPr>
-            <p:ph idx="4294967295"/>
-          </p:nvPr>
-        </p:nvPicPr>
-        <p:blipFill rotWithShape="1">
-          <a:blip r:embed="rId2">
-            <a:extLst>
-              <a:ext uri="{28A0092B-C50C-407E-A947-70E740481C1C}">
-                <a14:useLocalDpi xmlns:a14="http://schemas.microsoft.com/office/drawing/2010/main" val="0"/>
-              </a:ext>
-            </a:extLst>
-          </a:blip>
-          <a:stretch/>
-        </p:blipFill>
-        <p:spPr bwMode="auto">
-          <a:xfrm>
-            <a:off x="2743200" y="402292"/>
-            <a:ext cx="6803044" cy="6141382"/>
-          </a:xfrm>
-          <a:prstGeom prst="rect">
-            <a:avLst/>
-          </a:prstGeom>
-          <a:noFill/>
-          <a:extLst>
-            <a:ext uri="{909E8E84-426E-40DD-AFC4-6F175D3DCCD1}">
-              <a14:hiddenFill xmlns:a14="http://schemas.microsoft.com/office/drawing/2010/main">
-                <a:solidFill>
-                  <a:srgbClr val="FFFFFF"/>
-                </a:solidFill>
-              </a14:hiddenFill>
-            </a:ext>
-          </a:extLst>
-        </p:spPr>
-      </p:pic>
-    </p:spTree>
-    <p:extLst>
-      <p:ext uri="{BB962C8B-B14F-4D97-AF65-F5344CB8AC3E}">
-        <p14:creationId xmlns:p14="http://schemas.microsoft.com/office/powerpoint/2010/main" val="2288334773"/>
-      </p:ext>
-    </p:extLst>
-  </p:cSld>
-  <p:clrMapOvr>
-    <a:masterClrMapping/>
-  </p:clrMapOvr>
-</p:sld>
-</file>
-
-<file path=ppt/slides/slide9.xml><?xml version="1.0" encoding="utf-8"?>
-<p:sld xmlns:a="http://schemas.openxmlformats.org/drawingml/2006/main" xmlns:r="http://schemas.openxmlformats.org/officeDocument/2006/relationships" xmlns:p="http://schemas.openxmlformats.org/presentationml/2006/main">
-  <p:cSld>
-    <p:spTree>
-      <p:nvGrpSpPr>
-        <p:cNvPr id="1" name=""/>
-        <p:cNvGrpSpPr/>
-        <p:nvPr/>
-      </p:nvGrpSpPr>
-      <p:grpSpPr>
-        <a:xfrm>
-          <a:off x="0" y="0"/>
-          <a:ext cx="0" cy="0"/>
-          <a:chOff x="0" y="0"/>
-          <a:chExt cx="0" cy="0"/>
-        </a:xfrm>
-      </p:grpSpPr>
-      <p:pic>
-        <p:nvPicPr>
-          <p:cNvPr id="3074" name="Picture 2">
-            <a:extLst>
-              <a:ext uri="{FF2B5EF4-FFF2-40B4-BE49-F238E27FC236}">
-                <a16:creationId xmlns:a16="http://schemas.microsoft.com/office/drawing/2014/main" id="{3562743C-79BD-4DDC-8517-D1981722AB6C}"/>
-              </a:ext>
-            </a:extLst>
-          </p:cNvPr>
-          <p:cNvPicPr>
-            <a:picLocks noGrp="1" noChangeAspect="1" noChangeArrowheads="1"/>
-          </p:cNvPicPr>
-          <p:nvPr>
-            <p:ph type="pic" idx="4294967295"/>
-          </p:nvPr>
-        </p:nvPicPr>
-        <p:blipFill rotWithShape="1">
-          <a:blip r:embed="rId2">
-            <a:extLst>
-              <a:ext uri="{28A0092B-C50C-407E-A947-70E740481C1C}">
-                <a14:useLocalDpi xmlns:a14="http://schemas.microsoft.com/office/drawing/2010/main" val="0"/>
-              </a:ext>
-            </a:extLst>
-          </a:blip>
-          <a:stretch/>
-        </p:blipFill>
-        <p:spPr bwMode="auto">
-          <a:xfrm>
-            <a:off x="2867025" y="329554"/>
-            <a:ext cx="6457950" cy="6198892"/>
-          </a:xfrm>
-          <a:prstGeom prst="rect">
-            <a:avLst/>
-          </a:prstGeom>
-          <a:noFill/>
-          <a:extLst>
-            <a:ext uri="{909E8E84-426E-40DD-AFC4-6F175D3DCCD1}">
-              <a14:hiddenFill xmlns:a14="http://schemas.microsoft.com/office/drawing/2010/main">
-                <a:solidFill>
-                  <a:srgbClr val="FFFFFF"/>
-                </a:solidFill>
-              </a14:hiddenFill>
-            </a:ext>
-          </a:extLst>
-        </p:spPr>
-      </p:pic>
-    </p:spTree>
-    <p:extLst>
-      <p:ext uri="{BB962C8B-B14F-4D97-AF65-F5344CB8AC3E}">
-        <p14:creationId xmlns:p14="http://schemas.microsoft.com/office/powerpoint/2010/main" val="548437515"/>
+        <p14:creationId xmlns:p14="http://schemas.microsoft.com/office/powerpoint/2010/main" val="2604262090"/>
       </p:ext>
     </p:extLst>
   </p:cSld>
@@ -6784,25 +8501,302 @@
 </a:theme>
 </file>
 
-<file path=customXml/item1.xml><?xml version="1.0" encoding="utf-8"?>
-<p:properties xmlns:p="http://schemas.microsoft.com/office/2006/metadata/properties" xmlns:xsi="http://www.w3.org/2001/XMLSchema-instance" xmlns:pc="http://schemas.microsoft.com/office/infopath/2007/PartnerControls">
-  <documentManagement>
-    <Status xmlns="71af3243-3dd4-4a8d-8c0d-dd76da1f02a5">Not started</Status>
-    <MediaServiceKeyPoints xmlns="71af3243-3dd4-4a8d-8c0d-dd76da1f02a5" xsi:nil="true"/>
-  </documentManagement>
-</p:properties>
+<file path=ppt/theme/theme2.xml><?xml version="1.0" encoding="utf-8"?>
+<a:theme xmlns:a="http://schemas.openxmlformats.org/drawingml/2006/main" name="Office Theme">
+  <a:themeElements>
+    <a:clrScheme name="Office">
+      <a:dk1>
+        <a:sysClr val="windowText" lastClr="000000"/>
+      </a:dk1>
+      <a:lt1>
+        <a:sysClr val="window" lastClr="FFFFFF"/>
+      </a:lt1>
+      <a:dk2>
+        <a:srgbClr val="44546A"/>
+      </a:dk2>
+      <a:lt2>
+        <a:srgbClr val="E7E6E6"/>
+      </a:lt2>
+      <a:accent1>
+        <a:srgbClr val="4472C4"/>
+      </a:accent1>
+      <a:accent2>
+        <a:srgbClr val="ED7D31"/>
+      </a:accent2>
+      <a:accent3>
+        <a:srgbClr val="A5A5A5"/>
+      </a:accent3>
+      <a:accent4>
+        <a:srgbClr val="FFC000"/>
+      </a:accent4>
+      <a:accent5>
+        <a:srgbClr val="5B9BD5"/>
+      </a:accent5>
+      <a:accent6>
+        <a:srgbClr val="70AD47"/>
+      </a:accent6>
+      <a:hlink>
+        <a:srgbClr val="0563C1"/>
+      </a:hlink>
+      <a:folHlink>
+        <a:srgbClr val="954F72"/>
+      </a:folHlink>
+    </a:clrScheme>
+    <a:fontScheme name="Office">
+      <a:majorFont>
+        <a:latin typeface="Calibri Light" panose="020F0302020204030204"/>
+        <a:ea typeface=""/>
+        <a:cs typeface=""/>
+        <a:font script="Jpan" typeface="游ゴシック Light"/>
+        <a:font script="Hang" typeface="맑은 고딕"/>
+        <a:font script="Hans" typeface="等线 Light"/>
+        <a:font script="Hant" typeface="新細明體"/>
+        <a:font script="Arab" typeface="Times New Roman"/>
+        <a:font script="Hebr" typeface="Times New Roman"/>
+        <a:font script="Thai" typeface="Angsana New"/>
+        <a:font script="Ethi" typeface="Nyala"/>
+        <a:font script="Beng" typeface="Vrinda"/>
+        <a:font script="Gujr" typeface="Shruti"/>
+        <a:font script="Khmr" typeface="MoolBoran"/>
+        <a:font script="Knda" typeface="Tunga"/>
+        <a:font script="Guru" typeface="Raavi"/>
+        <a:font script="Cans" typeface="Euphemia"/>
+        <a:font script="Cher" typeface="Plantagenet Cherokee"/>
+        <a:font script="Yiii" typeface="Microsoft Yi Baiti"/>
+        <a:font script="Tibt" typeface="Microsoft Himalaya"/>
+        <a:font script="Thaa" typeface="MV Boli"/>
+        <a:font script="Deva" typeface="Mangal"/>
+        <a:font script="Telu" typeface="Gautami"/>
+        <a:font script="Taml" typeface="Latha"/>
+        <a:font script="Syrc" typeface="Estrangelo Edessa"/>
+        <a:font script="Orya" typeface="Kalinga"/>
+        <a:font script="Mlym" typeface="Kartika"/>
+        <a:font script="Laoo" typeface="DokChampa"/>
+        <a:font script="Sinh" typeface="Iskoola Pota"/>
+        <a:font script="Mong" typeface="Mongolian Baiti"/>
+        <a:font script="Viet" typeface="Times New Roman"/>
+        <a:font script="Uigh" typeface="Microsoft Uighur"/>
+        <a:font script="Geor" typeface="Sylfaen"/>
+        <a:font script="Armn" typeface="Arial"/>
+        <a:font script="Bugi" typeface="Leelawadee UI"/>
+        <a:font script="Bopo" typeface="Microsoft JhengHei"/>
+        <a:font script="Java" typeface="Javanese Text"/>
+        <a:font script="Lisu" typeface="Segoe UI"/>
+        <a:font script="Mymr" typeface="Myanmar Text"/>
+        <a:font script="Nkoo" typeface="Ebrima"/>
+        <a:font script="Olck" typeface="Nirmala UI"/>
+        <a:font script="Osma" typeface="Ebrima"/>
+        <a:font script="Phag" typeface="Phagspa"/>
+        <a:font script="Syrn" typeface="Estrangelo Edessa"/>
+        <a:font script="Syrj" typeface="Estrangelo Edessa"/>
+        <a:font script="Syre" typeface="Estrangelo Edessa"/>
+        <a:font script="Sora" typeface="Nirmala UI"/>
+        <a:font script="Tale" typeface="Microsoft Tai Le"/>
+        <a:font script="Talu" typeface="Microsoft New Tai Lue"/>
+        <a:font script="Tfng" typeface="Ebrima"/>
+      </a:majorFont>
+      <a:minorFont>
+        <a:latin typeface="Calibri" panose="020F0502020204030204"/>
+        <a:ea typeface=""/>
+        <a:cs typeface=""/>
+        <a:font script="Jpan" typeface="游ゴシック"/>
+        <a:font script="Hang" typeface="맑은 고딕"/>
+        <a:font script="Hans" typeface="等线"/>
+        <a:font script="Hant" typeface="新細明體"/>
+        <a:font script="Arab" typeface="Arial"/>
+        <a:font script="Hebr" typeface="Arial"/>
+        <a:font script="Thai" typeface="Cordia New"/>
+        <a:font script="Ethi" typeface="Nyala"/>
+        <a:font script="Beng" typeface="Vrinda"/>
+        <a:font script="Gujr" typeface="Shruti"/>
+        <a:font script="Khmr" typeface="DaunPenh"/>
+        <a:font script="Knda" typeface="Tunga"/>
+        <a:font script="Guru" typeface="Raavi"/>
+        <a:font script="Cans" typeface="Euphemia"/>
+        <a:font script="Cher" typeface="Plantagenet Cherokee"/>
+        <a:font script="Yiii" typeface="Microsoft Yi Baiti"/>
+        <a:font script="Tibt" typeface="Microsoft Himalaya"/>
+        <a:font script="Thaa" typeface="MV Boli"/>
+        <a:font script="Deva" typeface="Mangal"/>
+        <a:font script="Telu" typeface="Gautami"/>
+        <a:font script="Taml" typeface="Latha"/>
+        <a:font script="Syrc" typeface="Estrangelo Edessa"/>
+        <a:font script="Orya" typeface="Kalinga"/>
+        <a:font script="Mlym" typeface="Kartika"/>
+        <a:font script="Laoo" typeface="DokChampa"/>
+        <a:font script="Sinh" typeface="Iskoola Pota"/>
+        <a:font script="Mong" typeface="Mongolian Baiti"/>
+        <a:font script="Viet" typeface="Arial"/>
+        <a:font script="Uigh" typeface="Microsoft Uighur"/>
+        <a:font script="Geor" typeface="Sylfaen"/>
+        <a:font script="Armn" typeface="Arial"/>
+        <a:font script="Bugi" typeface="Leelawadee UI"/>
+        <a:font script="Bopo" typeface="Microsoft JhengHei"/>
+        <a:font script="Java" typeface="Javanese Text"/>
+        <a:font script="Lisu" typeface="Segoe UI"/>
+        <a:font script="Mymr" typeface="Myanmar Text"/>
+        <a:font script="Nkoo" typeface="Ebrima"/>
+        <a:font script="Olck" typeface="Nirmala UI"/>
+        <a:font script="Osma" typeface="Ebrima"/>
+        <a:font script="Phag" typeface="Phagspa"/>
+        <a:font script="Syrn" typeface="Estrangelo Edessa"/>
+        <a:font script="Syrj" typeface="Estrangelo Edessa"/>
+        <a:font script="Syre" typeface="Estrangelo Edessa"/>
+        <a:font script="Sora" typeface="Nirmala UI"/>
+        <a:font script="Tale" typeface="Microsoft Tai Le"/>
+        <a:font script="Talu" typeface="Microsoft New Tai Lue"/>
+        <a:font script="Tfng" typeface="Ebrima"/>
+      </a:minorFont>
+    </a:fontScheme>
+    <a:fmtScheme name="Office">
+      <a:fillStyleLst>
+        <a:solidFill>
+          <a:schemeClr val="phClr"/>
+        </a:solidFill>
+        <a:gradFill rotWithShape="1">
+          <a:gsLst>
+            <a:gs pos="0">
+              <a:schemeClr val="phClr">
+                <a:lumMod val="110000"/>
+                <a:satMod val="105000"/>
+                <a:tint val="67000"/>
+              </a:schemeClr>
+            </a:gs>
+            <a:gs pos="50000">
+              <a:schemeClr val="phClr">
+                <a:lumMod val="105000"/>
+                <a:satMod val="103000"/>
+                <a:tint val="73000"/>
+              </a:schemeClr>
+            </a:gs>
+            <a:gs pos="100000">
+              <a:schemeClr val="phClr">
+                <a:lumMod val="105000"/>
+                <a:satMod val="109000"/>
+                <a:tint val="81000"/>
+              </a:schemeClr>
+            </a:gs>
+          </a:gsLst>
+          <a:lin ang="5400000" scaled="0"/>
+        </a:gradFill>
+        <a:gradFill rotWithShape="1">
+          <a:gsLst>
+            <a:gs pos="0">
+              <a:schemeClr val="phClr">
+                <a:satMod val="103000"/>
+                <a:lumMod val="102000"/>
+                <a:tint val="94000"/>
+              </a:schemeClr>
+            </a:gs>
+            <a:gs pos="50000">
+              <a:schemeClr val="phClr">
+                <a:satMod val="110000"/>
+                <a:lumMod val="100000"/>
+                <a:shade val="100000"/>
+              </a:schemeClr>
+            </a:gs>
+            <a:gs pos="100000">
+              <a:schemeClr val="phClr">
+                <a:lumMod val="99000"/>
+                <a:satMod val="120000"/>
+                <a:shade val="78000"/>
+              </a:schemeClr>
+            </a:gs>
+          </a:gsLst>
+          <a:lin ang="5400000" scaled="0"/>
+        </a:gradFill>
+      </a:fillStyleLst>
+      <a:lnStyleLst>
+        <a:ln w="6350" cap="flat" cmpd="sng" algn="ctr">
+          <a:solidFill>
+            <a:schemeClr val="phClr"/>
+          </a:solidFill>
+          <a:prstDash val="solid"/>
+          <a:miter lim="800000"/>
+        </a:ln>
+        <a:ln w="12700" cap="flat" cmpd="sng" algn="ctr">
+          <a:solidFill>
+            <a:schemeClr val="phClr"/>
+          </a:solidFill>
+          <a:prstDash val="solid"/>
+          <a:miter lim="800000"/>
+        </a:ln>
+        <a:ln w="19050" cap="flat" cmpd="sng" algn="ctr">
+          <a:solidFill>
+            <a:schemeClr val="phClr"/>
+          </a:solidFill>
+          <a:prstDash val="solid"/>
+          <a:miter lim="800000"/>
+        </a:ln>
+      </a:lnStyleLst>
+      <a:effectStyleLst>
+        <a:effectStyle>
+          <a:effectLst/>
+        </a:effectStyle>
+        <a:effectStyle>
+          <a:effectLst/>
+        </a:effectStyle>
+        <a:effectStyle>
+          <a:effectLst>
+            <a:outerShdw blurRad="57150" dist="19050" dir="5400000" algn="ctr" rotWithShape="0">
+              <a:srgbClr val="000000">
+                <a:alpha val="63000"/>
+              </a:srgbClr>
+            </a:outerShdw>
+          </a:effectLst>
+        </a:effectStyle>
+      </a:effectStyleLst>
+      <a:bgFillStyleLst>
+        <a:solidFill>
+          <a:schemeClr val="phClr"/>
+        </a:solidFill>
+        <a:solidFill>
+          <a:schemeClr val="phClr">
+            <a:tint val="95000"/>
+            <a:satMod val="170000"/>
+          </a:schemeClr>
+        </a:solidFill>
+        <a:gradFill rotWithShape="1">
+          <a:gsLst>
+            <a:gs pos="0">
+              <a:schemeClr val="phClr">
+                <a:tint val="93000"/>
+                <a:satMod val="150000"/>
+                <a:shade val="98000"/>
+                <a:lumMod val="102000"/>
+              </a:schemeClr>
+            </a:gs>
+            <a:gs pos="50000">
+              <a:schemeClr val="phClr">
+                <a:tint val="98000"/>
+                <a:satMod val="130000"/>
+                <a:shade val="90000"/>
+                <a:lumMod val="103000"/>
+              </a:schemeClr>
+            </a:gs>
+            <a:gs pos="100000">
+              <a:schemeClr val="phClr">
+                <a:shade val="63000"/>
+                <a:satMod val="120000"/>
+              </a:schemeClr>
+            </a:gs>
+          </a:gsLst>
+          <a:lin ang="5400000" scaled="0"/>
+        </a:gradFill>
+      </a:bgFillStyleLst>
+    </a:fmtScheme>
+  </a:themeElements>
+  <a:objectDefaults/>
+  <a:extraClrSchemeLst/>
+  <a:extLst>
+    <a:ext uri="{05A4C25C-085E-4340-85A3-A5531E510DB2}">
+      <thm15:themeFamily xmlns:thm15="http://schemas.microsoft.com/office/thememl/2012/main" name="Office Theme" id="{62F939B6-93AF-4DB8-9C6B-D6C7DFDC589F}" vid="{4A3C46E8-61CC-4603-A589-7422A47A8E4A}"/>
+    </a:ext>
+  </a:extLst>
+</a:theme>
 </file>
 
-<file path=customXml/item2.xml><?xml version="1.0" encoding="utf-8"?>
-<?mso-contentType ?>
-<FormTemplates xmlns="http://schemas.microsoft.com/sharepoint/v3/contenttype/forms">
-  <Display>DocumentLibraryForm</Display>
-  <Edit>DocumentLibraryForm</Edit>
-  <New>DocumentLibraryForm</New>
-</FormTemplates>
-</file>
-
-<file path=customXml/item3.xml><?xml version="1.0" encoding="utf-8"?>
+<file path=customXml/item1.xml><?xml version="1.0" encoding="utf-8"?>
 <ct:contentTypeSchema xmlns:ct="http://schemas.microsoft.com/office/2006/metadata/contentType" xmlns:ma="http://schemas.microsoft.com/office/2006/metadata/properties/metaAttributes" ct:_="" ma:_="" ma:contentTypeName="Document" ma:contentTypeID="0x01010079F111ED35F8CC479449609E8A0923A6" ma:contentTypeVersion="12" ma:contentTypeDescription="Create a new document." ma:contentTypeScope="" ma:versionID="a410dd7f93c95333ffa1b60ed6adedd1">
   <xsd:schema xmlns:xsd="http://www.w3.org/2001/XMLSchema" xmlns:xs="http://www.w3.org/2001/XMLSchema" xmlns:p="http://schemas.microsoft.com/office/2006/metadata/properties" xmlns:ns2="71af3243-3dd4-4a8d-8c0d-dd76da1f02a5" xmlns:ns3="16c05727-aa75-4e4a-9b5f-8a80a1165891" targetNamespace="http://schemas.microsoft.com/office/2006/metadata/properties" ma:root="true" ma:fieldsID="a936d9baba76aa3866493feff160faab" ns2:_="" ns3:_="">
     <xsd:import namespace="71af3243-3dd4-4a8d-8c0d-dd76da1f02a5"/>
@@ -7023,25 +9017,25 @@
 </ct:contentTypeSchema>
 </file>
 
-<file path=customXml/itemProps1.xml><?xml version="1.0" encoding="utf-8"?>
-<ds:datastoreItem xmlns:ds="http://schemas.openxmlformats.org/officeDocument/2006/customXml" ds:itemID="{137651BA-F45C-4845-9AB3-E0A65B39F5E1}">
-  <ds:schemaRefs>
-    <ds:schemaRef ds:uri="http://schemas.microsoft.com/office/2006/metadata/properties"/>
-    <ds:schemaRef ds:uri="http://schemas.microsoft.com/office/infopath/2007/PartnerControls"/>
-    <ds:schemaRef ds:uri="71af3243-3dd4-4a8d-8c0d-dd76da1f02a5"/>
-  </ds:schemaRefs>
-</ds:datastoreItem>
+<file path=customXml/item2.xml><?xml version="1.0" encoding="utf-8"?>
+<?mso-contentType ?>
+<FormTemplates xmlns="http://schemas.microsoft.com/sharepoint/v3/contenttype/forms">
+  <Display>DocumentLibraryForm</Display>
+  <Edit>DocumentLibraryForm</Edit>
+  <New>DocumentLibraryForm</New>
+</FormTemplates>
 </file>
 
-<file path=customXml/itemProps2.xml><?xml version="1.0" encoding="utf-8"?>
-<ds:datastoreItem xmlns:ds="http://schemas.openxmlformats.org/officeDocument/2006/customXml" ds:itemID="{CDB58277-F8DF-46FF-84EC-EF41B835E69F}">
-  <ds:schemaRefs>
-    <ds:schemaRef ds:uri="http://schemas.microsoft.com/sharepoint/v3/contenttype/forms"/>
-  </ds:schemaRefs>
-</ds:datastoreItem>
+<file path=customXml/item3.xml><?xml version="1.0" encoding="utf-8"?>
+<p:properties xmlns:p="http://schemas.microsoft.com/office/2006/metadata/properties" xmlns:xsi="http://www.w3.org/2001/XMLSchema-instance" xmlns:pc="http://schemas.microsoft.com/office/infopath/2007/PartnerControls">
+  <documentManagement>
+    <Status xmlns="71af3243-3dd4-4a8d-8c0d-dd76da1f02a5">Not started</Status>
+    <MediaServiceKeyPoints xmlns="71af3243-3dd4-4a8d-8c0d-dd76da1f02a5" xsi:nil="true"/>
+  </documentManagement>
+</p:properties>
 </file>
 
-<file path=customXml/itemProps3.xml><?xml version="1.0" encoding="utf-8"?>
+<file path=customXml/itemProps1.xml><?xml version="1.0" encoding="utf-8"?>
 <ds:datastoreItem xmlns:ds="http://schemas.openxmlformats.org/officeDocument/2006/customXml" ds:itemID="{2D276E62-80A3-44DD-9BCC-97ED2B99B57F}">
   <ds:schemaRefs>
     <ds:schemaRef ds:uri="http://schemas.microsoft.com/office/2006/metadata/contentType"/>
@@ -7058,4 +9052,22 @@
     <ds:schemaRef ds:uri="http://schemas.microsoft.com/internal/obd"/>
   </ds:schemaRefs>
 </ds:datastoreItem>
+</file>
+
+<file path=customXml/itemProps2.xml><?xml version="1.0" encoding="utf-8"?>
+<ds:datastoreItem xmlns:ds="http://schemas.openxmlformats.org/officeDocument/2006/customXml" ds:itemID="{CDB58277-F8DF-46FF-84EC-EF41B835E69F}">
+  <ds:schemaRefs>
+    <ds:schemaRef ds:uri="http://schemas.microsoft.com/sharepoint/v3/contenttype/forms"/>
+  </ds:schemaRefs>
+</ds:datastoreItem>
+</file>
+
+<file path=customXml/itemProps3.xml><?xml version="1.0" encoding="utf-8"?>
+<ds:datastoreItem xmlns:ds="http://schemas.openxmlformats.org/officeDocument/2006/customXml" ds:itemID="{137651BA-F45C-4845-9AB3-E0A65B39F5E1}">
+  <ds:schemaRefs>
+    <ds:schemaRef ds:uri="http://schemas.microsoft.com/office/2006/metadata/properties"/>
+    <ds:schemaRef ds:uri="http://schemas.microsoft.com/office/infopath/2007/PartnerControls"/>
+    <ds:schemaRef ds:uri="71af3243-3dd4-4a8d-8c0d-dd76da1f02a5"/>
+  </ds:schemaRefs>
+</ds:datastoreItem>
 </file>
--- a/Urban Food Deserts.pptx
+++ b/Urban Food Deserts.pptx
@@ -7880,7 +7880,7 @@
         </p:blipFill>
         <p:spPr bwMode="auto">
           <a:xfrm>
-            <a:off x="359995" y="1626186"/>
+            <a:off x="0" y="1600200"/>
             <a:ext cx="4051661" cy="3657600"/>
           </a:xfrm>
           <a:prstGeom prst="rect">
@@ -7924,7 +7924,7 @@
         </p:blipFill>
         <p:spPr bwMode="auto">
           <a:xfrm>
-            <a:off x="4307813" y="1613193"/>
+            <a:off x="4190773" y="1600200"/>
             <a:ext cx="3810455" cy="3657600"/>
           </a:xfrm>
           <a:prstGeom prst="rect">
@@ -7971,7 +7971,7 @@
         </p:blipFill>
         <p:spPr bwMode="auto">
           <a:xfrm>
-            <a:off x="7976066" y="1600200"/>
+            <a:off x="8374420" y="1600200"/>
             <a:ext cx="3817580" cy="3657600"/>
           </a:xfrm>
           <a:prstGeom prst="rect">
@@ -8797,6 +8797,24 @@
 </file>
 
 <file path=customXml/item1.xml><?xml version="1.0" encoding="utf-8"?>
+<p:properties xmlns:p="http://schemas.microsoft.com/office/2006/metadata/properties" xmlns:xsi="http://www.w3.org/2001/XMLSchema-instance" xmlns:pc="http://schemas.microsoft.com/office/infopath/2007/PartnerControls">
+  <documentManagement>
+    <Status xmlns="71af3243-3dd4-4a8d-8c0d-dd76da1f02a5">Not started</Status>
+    <MediaServiceKeyPoints xmlns="71af3243-3dd4-4a8d-8c0d-dd76da1f02a5" xsi:nil="true"/>
+  </documentManagement>
+</p:properties>
+</file>
+
+<file path=customXml/item2.xml><?xml version="1.0" encoding="utf-8"?>
+<?mso-contentType ?>
+<FormTemplates xmlns="http://schemas.microsoft.com/sharepoint/v3/contenttype/forms">
+  <Display>DocumentLibraryForm</Display>
+  <Edit>DocumentLibraryForm</Edit>
+  <New>DocumentLibraryForm</New>
+</FormTemplates>
+</file>
+
+<file path=customXml/item3.xml><?xml version="1.0" encoding="utf-8"?>
 <ct:contentTypeSchema xmlns:ct="http://schemas.microsoft.com/office/2006/metadata/contentType" xmlns:ma="http://schemas.microsoft.com/office/2006/metadata/properties/metaAttributes" ct:_="" ma:_="" ma:contentTypeName="Document" ma:contentTypeID="0x01010079F111ED35F8CC479449609E8A0923A6" ma:contentTypeVersion="12" ma:contentTypeDescription="Create a new document." ma:contentTypeScope="" ma:versionID="a410dd7f93c95333ffa1b60ed6adedd1">
   <xsd:schema xmlns:xsd="http://www.w3.org/2001/XMLSchema" xmlns:xs="http://www.w3.org/2001/XMLSchema" xmlns:p="http://schemas.microsoft.com/office/2006/metadata/properties" xmlns:ns2="71af3243-3dd4-4a8d-8c0d-dd76da1f02a5" xmlns:ns3="16c05727-aa75-4e4a-9b5f-8a80a1165891" targetNamespace="http://schemas.microsoft.com/office/2006/metadata/properties" ma:root="true" ma:fieldsID="a936d9baba76aa3866493feff160faab" ns2:_="" ns3:_="">
     <xsd:import namespace="71af3243-3dd4-4a8d-8c0d-dd76da1f02a5"/>
@@ -9017,25 +9035,25 @@
 </ct:contentTypeSchema>
 </file>
 
-<file path=customXml/item2.xml><?xml version="1.0" encoding="utf-8"?>
-<?mso-contentType ?>
-<FormTemplates xmlns="http://schemas.microsoft.com/sharepoint/v3/contenttype/forms">
-  <Display>DocumentLibraryForm</Display>
-  <Edit>DocumentLibraryForm</Edit>
-  <New>DocumentLibraryForm</New>
-</FormTemplates>
+<file path=customXml/itemProps1.xml><?xml version="1.0" encoding="utf-8"?>
+<ds:datastoreItem xmlns:ds="http://schemas.openxmlformats.org/officeDocument/2006/customXml" ds:itemID="{137651BA-F45C-4845-9AB3-E0A65B39F5E1}">
+  <ds:schemaRefs>
+    <ds:schemaRef ds:uri="http://schemas.microsoft.com/office/2006/metadata/properties"/>
+    <ds:schemaRef ds:uri="http://schemas.microsoft.com/office/infopath/2007/PartnerControls"/>
+    <ds:schemaRef ds:uri="71af3243-3dd4-4a8d-8c0d-dd76da1f02a5"/>
+  </ds:schemaRefs>
+</ds:datastoreItem>
 </file>
 
-<file path=customXml/item3.xml><?xml version="1.0" encoding="utf-8"?>
-<p:properties xmlns:p="http://schemas.microsoft.com/office/2006/metadata/properties" xmlns:xsi="http://www.w3.org/2001/XMLSchema-instance" xmlns:pc="http://schemas.microsoft.com/office/infopath/2007/PartnerControls">
-  <documentManagement>
-    <Status xmlns="71af3243-3dd4-4a8d-8c0d-dd76da1f02a5">Not started</Status>
-    <MediaServiceKeyPoints xmlns="71af3243-3dd4-4a8d-8c0d-dd76da1f02a5" xsi:nil="true"/>
-  </documentManagement>
-</p:properties>
+<file path=customXml/itemProps2.xml><?xml version="1.0" encoding="utf-8"?>
+<ds:datastoreItem xmlns:ds="http://schemas.openxmlformats.org/officeDocument/2006/customXml" ds:itemID="{CDB58277-F8DF-46FF-84EC-EF41B835E69F}">
+  <ds:schemaRefs>
+    <ds:schemaRef ds:uri="http://schemas.microsoft.com/sharepoint/v3/contenttype/forms"/>
+  </ds:schemaRefs>
+</ds:datastoreItem>
 </file>
 
-<file path=customXml/itemProps1.xml><?xml version="1.0" encoding="utf-8"?>
+<file path=customXml/itemProps3.xml><?xml version="1.0" encoding="utf-8"?>
 <ds:datastoreItem xmlns:ds="http://schemas.openxmlformats.org/officeDocument/2006/customXml" ds:itemID="{2D276E62-80A3-44DD-9BCC-97ED2B99B57F}">
   <ds:schemaRefs>
     <ds:schemaRef ds:uri="http://schemas.microsoft.com/office/2006/metadata/contentType"/>
@@ -9052,22 +9070,4 @@
     <ds:schemaRef ds:uri="http://schemas.microsoft.com/internal/obd"/>
   </ds:schemaRefs>
 </ds:datastoreItem>
-</file>
-
-<file path=customXml/itemProps2.xml><?xml version="1.0" encoding="utf-8"?>
-<ds:datastoreItem xmlns:ds="http://schemas.openxmlformats.org/officeDocument/2006/customXml" ds:itemID="{CDB58277-F8DF-46FF-84EC-EF41B835E69F}">
-  <ds:schemaRefs>
-    <ds:schemaRef ds:uri="http://schemas.microsoft.com/sharepoint/v3/contenttype/forms"/>
-  </ds:schemaRefs>
-</ds:datastoreItem>
-</file>
-
-<file path=customXml/itemProps3.xml><?xml version="1.0" encoding="utf-8"?>
-<ds:datastoreItem xmlns:ds="http://schemas.openxmlformats.org/officeDocument/2006/customXml" ds:itemID="{137651BA-F45C-4845-9AB3-E0A65B39F5E1}">
-  <ds:schemaRefs>
-    <ds:schemaRef ds:uri="http://schemas.microsoft.com/office/2006/metadata/properties"/>
-    <ds:schemaRef ds:uri="http://schemas.microsoft.com/office/infopath/2007/PartnerControls"/>
-    <ds:schemaRef ds:uri="71af3243-3dd4-4a8d-8c0d-dd76da1f02a5"/>
-  </ds:schemaRefs>
-</ds:datastoreItem>
 </file>
--- a/Urban Food Deserts.pptx
+++ b/Urban Food Deserts.pptx
@@ -7360,7 +7360,7 @@
           <a:p>
             <a:r>
               <a:rPr lang="en-US" sz="2000" dirty="0"/>
-              <a:t>What are the demographics for food deserts in Missouri by county?</a:t>
+              <a:t>What are the demographics for food deserts in Missouri?</a:t>
             </a:r>
           </a:p>
           <a:p>
@@ -7759,7 +7759,7 @@
         </p:blipFill>
         <p:spPr bwMode="auto">
           <a:xfrm>
-            <a:off x="0" y="457200"/>
+            <a:off x="42204" y="457200"/>
             <a:ext cx="6357581" cy="5943600"/>
           </a:xfrm>
           <a:prstGeom prst="rect">
@@ -7796,7 +7796,7 @@
         </p:blipFill>
         <p:spPr bwMode="auto">
           <a:xfrm>
-            <a:off x="6418383" y="822960"/>
+            <a:off x="6376179" y="822960"/>
             <a:ext cx="5773617" cy="5212080"/>
           </a:xfrm>
           <a:prstGeom prst="rect">
@@ -7900,93 +7900,32 @@
       </p:sp>
       <p:pic>
         <p:nvPicPr>
-          <p:cNvPr id="5" name="Picture 4">
+          <p:cNvPr id="4" name="Picture 3" descr="Chart, bar chart&#10;&#10;Description automatically generated">
             <a:extLst>
               <a:ext uri="{FF2B5EF4-FFF2-40B4-BE49-F238E27FC236}">
-                <a16:creationId xmlns:a16="http://schemas.microsoft.com/office/drawing/2014/main" id="{EDF7AA3A-B5DE-498C-B249-813DE204C647}"/>
+                <a16:creationId xmlns:a16="http://schemas.microsoft.com/office/drawing/2014/main" id="{09A740F9-5D16-4F29-B089-44A64A398149}"/>
               </a:ext>
             </a:extLst>
           </p:cNvPr>
           <p:cNvPicPr>
-            <a:picLocks noChangeAspect="1" noChangeArrowheads="1"/>
+            <a:picLocks noChangeAspect="1"/>
           </p:cNvPicPr>
           <p:nvPr/>
         </p:nvPicPr>
-        <p:blipFill rotWithShape="1">
-          <a:blip r:embed="rId3">
-            <a:extLst>
-              <a:ext uri="{28A0092B-C50C-407E-A947-70E740481C1C}">
-                <a14:useLocalDpi xmlns:a14="http://schemas.microsoft.com/office/drawing/2010/main" val="0"/>
-              </a:ext>
-            </a:extLst>
-          </a:blip>
-          <a:stretch/>
+        <p:blipFill>
+          <a:blip r:embed="rId3"/>
+          <a:stretch>
+            <a:fillRect/>
+          </a:stretch>
         </p:blipFill>
-        <p:spPr bwMode="auto">
+        <p:spPr>
           <a:xfrm>
-            <a:off x="140680" y="868680"/>
-            <a:ext cx="5334631" cy="5120640"/>
+            <a:off x="2667000" y="0"/>
+            <a:ext cx="6858000" cy="6858000"/>
           </a:xfrm>
           <a:prstGeom prst="rect">
             <a:avLst/>
           </a:prstGeom>
-          <a:noFill/>
-          <a:extLst>
-            <a:ext uri="{909E8E84-426E-40DD-AFC4-6F175D3DCCD1}">
-              <a14:hiddenFill xmlns:a14="http://schemas.microsoft.com/office/drawing/2010/main">
-                <a:solidFill>
-                  <a:srgbClr val="FFFFFF"/>
-                </a:solidFill>
-              </a14:hiddenFill>
-            </a:ext>
-          </a:extLst>
-        </p:spPr>
-      </p:pic>
-      <p:pic>
-        <p:nvPicPr>
-          <p:cNvPr id="6" name="Picture 2">
-            <a:extLst>
-              <a:ext uri="{FF2B5EF4-FFF2-40B4-BE49-F238E27FC236}">
-                <a16:creationId xmlns:a16="http://schemas.microsoft.com/office/drawing/2014/main" id="{C44C9081-BA4F-4D39-98C8-053569403FD4}"/>
-              </a:ext>
-            </a:extLst>
-          </p:cNvPr>
-          <p:cNvPicPr>
-            <a:picLocks noChangeAspect="1" noChangeArrowheads="1"/>
-          </p:cNvPicPr>
-          <p:nvPr/>
-        </p:nvPicPr>
-        <p:blipFill>
-          <a:blip r:embed="rId4">
-            <a:extLst>
-              <a:ext uri="{28A0092B-C50C-407E-A947-70E740481C1C}">
-                <a14:useLocalDpi xmlns:a14="http://schemas.microsoft.com/office/drawing/2010/main" val="0"/>
-              </a:ext>
-            </a:extLst>
-          </a:blip>
-          <a:srcRect/>
-          <a:stretch>
-            <a:fillRect/>
-          </a:stretch>
-        </p:blipFill>
-        <p:spPr bwMode="auto">
-          <a:xfrm>
-            <a:off x="6706716" y="868680"/>
-            <a:ext cx="5344604" cy="5120640"/>
-          </a:xfrm>
-          <a:prstGeom prst="rect">
-            <a:avLst/>
-          </a:prstGeom>
-          <a:noFill/>
-          <a:extLst>
-            <a:ext uri="{909E8E84-426E-40DD-AFC4-6F175D3DCCD1}">
-              <a14:hiddenFill xmlns:a14="http://schemas.microsoft.com/office/drawing/2010/main">
-                <a:solidFill>
-                  <a:srgbClr val="FFFFFF"/>
-                </a:solidFill>
-              </a14:hiddenFill>
-            </a:ext>
-          </a:extLst>
         </p:spPr>
       </p:pic>
     </p:spTree>
@@ -8797,6 +8736,24 @@
 </file>
 
 <file path=customXml/item1.xml><?xml version="1.0" encoding="utf-8"?>
+<p:properties xmlns:p="http://schemas.microsoft.com/office/2006/metadata/properties" xmlns:xsi="http://www.w3.org/2001/XMLSchema-instance" xmlns:pc="http://schemas.microsoft.com/office/infopath/2007/PartnerControls">
+  <documentManagement>
+    <Status xmlns="71af3243-3dd4-4a8d-8c0d-dd76da1f02a5">Not started</Status>
+    <MediaServiceKeyPoints xmlns="71af3243-3dd4-4a8d-8c0d-dd76da1f02a5" xsi:nil="true"/>
+  </documentManagement>
+</p:properties>
+</file>
+
+<file path=customXml/item2.xml><?xml version="1.0" encoding="utf-8"?>
+<?mso-contentType ?>
+<FormTemplates xmlns="http://schemas.microsoft.com/sharepoint/v3/contenttype/forms">
+  <Display>DocumentLibraryForm</Display>
+  <Edit>DocumentLibraryForm</Edit>
+  <New>DocumentLibraryForm</New>
+</FormTemplates>
+</file>
+
+<file path=customXml/item3.xml><?xml version="1.0" encoding="utf-8"?>
 <ct:contentTypeSchema xmlns:ct="http://schemas.microsoft.com/office/2006/metadata/contentType" xmlns:ma="http://schemas.microsoft.com/office/2006/metadata/properties/metaAttributes" ct:_="" ma:_="" ma:contentTypeName="Document" ma:contentTypeID="0x01010079F111ED35F8CC479449609E8A0923A6" ma:contentTypeVersion="12" ma:contentTypeDescription="Create a new document." ma:contentTypeScope="" ma:versionID="a410dd7f93c95333ffa1b60ed6adedd1">
   <xsd:schema xmlns:xsd="http://www.w3.org/2001/XMLSchema" xmlns:xs="http://www.w3.org/2001/XMLSchema" xmlns:p="http://schemas.microsoft.com/office/2006/metadata/properties" xmlns:ns2="71af3243-3dd4-4a8d-8c0d-dd76da1f02a5" xmlns:ns3="16c05727-aa75-4e4a-9b5f-8a80a1165891" targetNamespace="http://schemas.microsoft.com/office/2006/metadata/properties" ma:root="true" ma:fieldsID="a936d9baba76aa3866493feff160faab" ns2:_="" ns3:_="">
     <xsd:import namespace="71af3243-3dd4-4a8d-8c0d-dd76da1f02a5"/>
@@ -9017,25 +8974,25 @@
 </ct:contentTypeSchema>
 </file>
 
-<file path=customXml/item2.xml><?xml version="1.0" encoding="utf-8"?>
-<?mso-contentType ?>
-<FormTemplates xmlns="http://schemas.microsoft.com/sharepoint/v3/contenttype/forms">
-  <Display>DocumentLibraryForm</Display>
-  <Edit>DocumentLibraryForm</Edit>
-  <New>DocumentLibraryForm</New>
-</FormTemplates>
+<file path=customXml/itemProps1.xml><?xml version="1.0" encoding="utf-8"?>
+<ds:datastoreItem xmlns:ds="http://schemas.openxmlformats.org/officeDocument/2006/customXml" ds:itemID="{137651BA-F45C-4845-9AB3-E0A65B39F5E1}">
+  <ds:schemaRefs>
+    <ds:schemaRef ds:uri="http://schemas.microsoft.com/office/2006/metadata/properties"/>
+    <ds:schemaRef ds:uri="http://schemas.microsoft.com/office/infopath/2007/PartnerControls"/>
+    <ds:schemaRef ds:uri="71af3243-3dd4-4a8d-8c0d-dd76da1f02a5"/>
+  </ds:schemaRefs>
+</ds:datastoreItem>
 </file>
 
-<file path=customXml/item3.xml><?xml version="1.0" encoding="utf-8"?>
-<p:properties xmlns:p="http://schemas.microsoft.com/office/2006/metadata/properties" xmlns:xsi="http://www.w3.org/2001/XMLSchema-instance" xmlns:pc="http://schemas.microsoft.com/office/infopath/2007/PartnerControls">
-  <documentManagement>
-    <Status xmlns="71af3243-3dd4-4a8d-8c0d-dd76da1f02a5">Not started</Status>
-    <MediaServiceKeyPoints xmlns="71af3243-3dd4-4a8d-8c0d-dd76da1f02a5" xsi:nil="true"/>
-  </documentManagement>
-</p:properties>
+<file path=customXml/itemProps2.xml><?xml version="1.0" encoding="utf-8"?>
+<ds:datastoreItem xmlns:ds="http://schemas.openxmlformats.org/officeDocument/2006/customXml" ds:itemID="{CDB58277-F8DF-46FF-84EC-EF41B835E69F}">
+  <ds:schemaRefs>
+    <ds:schemaRef ds:uri="http://schemas.microsoft.com/sharepoint/v3/contenttype/forms"/>
+  </ds:schemaRefs>
+</ds:datastoreItem>
 </file>
 
-<file path=customXml/itemProps1.xml><?xml version="1.0" encoding="utf-8"?>
+<file path=customXml/itemProps3.xml><?xml version="1.0" encoding="utf-8"?>
 <ds:datastoreItem xmlns:ds="http://schemas.openxmlformats.org/officeDocument/2006/customXml" ds:itemID="{2D276E62-80A3-44DD-9BCC-97ED2B99B57F}">
   <ds:schemaRefs>
     <ds:schemaRef ds:uri="http://schemas.microsoft.com/office/2006/metadata/contentType"/>
@@ -9052,22 +9009,4 @@
     <ds:schemaRef ds:uri="http://schemas.microsoft.com/internal/obd"/>
   </ds:schemaRefs>
 </ds:datastoreItem>
-</file>
-
-<file path=customXml/itemProps2.xml><?xml version="1.0" encoding="utf-8"?>
-<ds:datastoreItem xmlns:ds="http://schemas.openxmlformats.org/officeDocument/2006/customXml" ds:itemID="{CDB58277-F8DF-46FF-84EC-EF41B835E69F}">
-  <ds:schemaRefs>
-    <ds:schemaRef ds:uri="http://schemas.microsoft.com/sharepoint/v3/contenttype/forms"/>
-  </ds:schemaRefs>
-</ds:datastoreItem>
-</file>
-
-<file path=customXml/itemProps3.xml><?xml version="1.0" encoding="utf-8"?>
-<ds:datastoreItem xmlns:ds="http://schemas.openxmlformats.org/officeDocument/2006/customXml" ds:itemID="{137651BA-F45C-4845-9AB3-E0A65B39F5E1}">
-  <ds:schemaRefs>
-    <ds:schemaRef ds:uri="http://schemas.microsoft.com/office/2006/metadata/properties"/>
-    <ds:schemaRef ds:uri="http://schemas.microsoft.com/office/infopath/2007/PartnerControls"/>
-    <ds:schemaRef ds:uri="71af3243-3dd4-4a8d-8c0d-dd76da1f02a5"/>
-  </ds:schemaRefs>
-</ds:datastoreItem>
 </file>
--- a/Urban Food Deserts.pptx
+++ b/Urban Food Deserts.pptx
@@ -1274,10 +1274,7 @@
           <a:bodyPr/>
           <a:lstStyle/>
           <a:p>
-            <a:r>
-              <a:rPr lang="en-US" dirty="0"/>
-              <a:t>JANELLE</a:t>
-            </a:r>
+            <a:endParaRPr lang="en-US" dirty="0"/>
           </a:p>
         </p:txBody>
       </p:sp>
@@ -1298,7 +1295,7 @@
           <a:p>
             <a:fld id="{47D4B89A-F9F5-4E1F-AE74-ACEA9FD985E7}" type="slidenum">
               <a:rPr lang="en-US" smtClean="0"/>
-              <a:t>13</a:t>
+              <a:t>11</a:t>
             </a:fld>
             <a:endParaRPr lang="en-US"/>
           </a:p>
@@ -1307,7 +1304,7 @@
     </p:spTree>
     <p:extLst>
       <p:ext uri="{BB962C8B-B14F-4D97-AF65-F5344CB8AC3E}">
-        <p14:creationId xmlns:p14="http://schemas.microsoft.com/office/powerpoint/2010/main" val="4147316292"/>
+        <p14:creationId xmlns:p14="http://schemas.microsoft.com/office/powerpoint/2010/main" val="3384862955"/>
       </p:ext>
     </p:extLst>
   </p:cSld>
@@ -1385,6 +1382,180 @@
           <a:p>
             <a:fld id="{47D4B89A-F9F5-4E1F-AE74-ACEA9FD985E7}" type="slidenum">
               <a:rPr lang="en-US" smtClean="0"/>
+              <a:t>12</a:t>
+            </a:fld>
+            <a:endParaRPr lang="en-US"/>
+          </a:p>
+        </p:txBody>
+      </p:sp>
+    </p:spTree>
+    <p:extLst>
+      <p:ext uri="{BB962C8B-B14F-4D97-AF65-F5344CB8AC3E}">
+        <p14:creationId xmlns:p14="http://schemas.microsoft.com/office/powerpoint/2010/main" val="4174498850"/>
+      </p:ext>
+    </p:extLst>
+  </p:cSld>
+  <p:clrMapOvr>
+    <a:masterClrMapping/>
+  </p:clrMapOvr>
+</p:notes>
+</file>
+
+<file path=ppt/notesSlides/notesSlide12.xml><?xml version="1.0" encoding="utf-8"?>
+<p:notes xmlns:a="http://schemas.openxmlformats.org/drawingml/2006/main" xmlns:r="http://schemas.openxmlformats.org/officeDocument/2006/relationships" xmlns:p="http://schemas.openxmlformats.org/presentationml/2006/main">
+  <p:cSld>
+    <p:spTree>
+      <p:nvGrpSpPr>
+        <p:cNvPr id="1" name=""/>
+        <p:cNvGrpSpPr/>
+        <p:nvPr/>
+      </p:nvGrpSpPr>
+      <p:grpSpPr>
+        <a:xfrm>
+          <a:off x="0" y="0"/>
+          <a:ext cx="0" cy="0"/>
+          <a:chOff x="0" y="0"/>
+          <a:chExt cx="0" cy="0"/>
+        </a:xfrm>
+      </p:grpSpPr>
+      <p:sp>
+        <p:nvSpPr>
+          <p:cNvPr id="2" name="Slide Image Placeholder 1"/>
+          <p:cNvSpPr>
+            <a:spLocks noGrp="1" noRot="1" noChangeAspect="1"/>
+          </p:cNvSpPr>
+          <p:nvPr>
+            <p:ph type="sldImg"/>
+          </p:nvPr>
+        </p:nvSpPr>
+        <p:spPr/>
+      </p:sp>
+      <p:sp>
+        <p:nvSpPr>
+          <p:cNvPr id="3" name="Notes Placeholder 2"/>
+          <p:cNvSpPr>
+            <a:spLocks noGrp="1"/>
+          </p:cNvSpPr>
+          <p:nvPr>
+            <p:ph type="body" idx="1"/>
+          </p:nvPr>
+        </p:nvSpPr>
+        <p:spPr/>
+        <p:txBody>
+          <a:bodyPr/>
+          <a:lstStyle/>
+          <a:p>
+            <a:r>
+              <a:rPr lang="en-US" dirty="0"/>
+              <a:t>JANELLE</a:t>
+            </a:r>
+          </a:p>
+        </p:txBody>
+      </p:sp>
+      <p:sp>
+        <p:nvSpPr>
+          <p:cNvPr id="4" name="Slide Number Placeholder 3"/>
+          <p:cNvSpPr>
+            <a:spLocks noGrp="1"/>
+          </p:cNvSpPr>
+          <p:nvPr>
+            <p:ph type="sldNum" sz="quarter" idx="5"/>
+          </p:nvPr>
+        </p:nvSpPr>
+        <p:spPr/>
+        <p:txBody>
+          <a:bodyPr/>
+          <a:lstStyle/>
+          <a:p>
+            <a:fld id="{47D4B89A-F9F5-4E1F-AE74-ACEA9FD985E7}" type="slidenum">
+              <a:rPr lang="en-US" smtClean="0"/>
+              <a:t>13</a:t>
+            </a:fld>
+            <a:endParaRPr lang="en-US"/>
+          </a:p>
+        </p:txBody>
+      </p:sp>
+    </p:spTree>
+    <p:extLst>
+      <p:ext uri="{BB962C8B-B14F-4D97-AF65-F5344CB8AC3E}">
+        <p14:creationId xmlns:p14="http://schemas.microsoft.com/office/powerpoint/2010/main" val="4147316292"/>
+      </p:ext>
+    </p:extLst>
+  </p:cSld>
+  <p:clrMapOvr>
+    <a:masterClrMapping/>
+  </p:clrMapOvr>
+</p:notes>
+</file>
+
+<file path=ppt/notesSlides/notesSlide13.xml><?xml version="1.0" encoding="utf-8"?>
+<p:notes xmlns:a="http://schemas.openxmlformats.org/drawingml/2006/main" xmlns:r="http://schemas.openxmlformats.org/officeDocument/2006/relationships" xmlns:p="http://schemas.openxmlformats.org/presentationml/2006/main">
+  <p:cSld>
+    <p:spTree>
+      <p:nvGrpSpPr>
+        <p:cNvPr id="1" name=""/>
+        <p:cNvGrpSpPr/>
+        <p:nvPr/>
+      </p:nvGrpSpPr>
+      <p:grpSpPr>
+        <a:xfrm>
+          <a:off x="0" y="0"/>
+          <a:ext cx="0" cy="0"/>
+          <a:chOff x="0" y="0"/>
+          <a:chExt cx="0" cy="0"/>
+        </a:xfrm>
+      </p:grpSpPr>
+      <p:sp>
+        <p:nvSpPr>
+          <p:cNvPr id="2" name="Slide Image Placeholder 1"/>
+          <p:cNvSpPr>
+            <a:spLocks noGrp="1" noRot="1" noChangeAspect="1"/>
+          </p:cNvSpPr>
+          <p:nvPr>
+            <p:ph type="sldImg"/>
+          </p:nvPr>
+        </p:nvSpPr>
+        <p:spPr/>
+      </p:sp>
+      <p:sp>
+        <p:nvSpPr>
+          <p:cNvPr id="3" name="Notes Placeholder 2"/>
+          <p:cNvSpPr>
+            <a:spLocks noGrp="1"/>
+          </p:cNvSpPr>
+          <p:nvPr>
+            <p:ph type="body" idx="1"/>
+          </p:nvPr>
+        </p:nvSpPr>
+        <p:spPr/>
+        <p:txBody>
+          <a:bodyPr/>
+          <a:lstStyle/>
+          <a:p>
+            <a:r>
+              <a:rPr lang="en-US" dirty="0"/>
+              <a:t>JANELLE</a:t>
+            </a:r>
+          </a:p>
+        </p:txBody>
+      </p:sp>
+      <p:sp>
+        <p:nvSpPr>
+          <p:cNvPr id="4" name="Slide Number Placeholder 3"/>
+          <p:cNvSpPr>
+            <a:spLocks noGrp="1"/>
+          </p:cNvSpPr>
+          <p:nvPr>
+            <p:ph type="sldNum" sz="quarter" idx="5"/>
+          </p:nvPr>
+        </p:nvSpPr>
+        <p:spPr/>
+        <p:txBody>
+          <a:bodyPr/>
+          <a:lstStyle/>
+          <a:p>
+            <a:fld id="{47D4B89A-F9F5-4E1F-AE74-ACEA9FD985E7}" type="slidenum">
+              <a:rPr lang="en-US" smtClean="0"/>
               <a:t>14</a:t>
             </a:fld>
             <a:endParaRPr lang="en-US"/>
@@ -1404,7 +1575,7 @@
 </p:notes>
 </file>
 
-<file path=ppt/notesSlides/notesSlide12.xml><?xml version="1.0" encoding="utf-8"?>
+<file path=ppt/notesSlides/notesSlide14.xml><?xml version="1.0" encoding="utf-8"?>
 <p:notes xmlns:a="http://schemas.openxmlformats.org/drawingml/2006/main" xmlns:r="http://schemas.openxmlformats.org/officeDocument/2006/relationships" xmlns:p="http://schemas.openxmlformats.org/presentationml/2006/main">
   <p:cSld>
     <p:spTree>
@@ -2144,10 +2315,7 @@
           <a:bodyPr/>
           <a:lstStyle/>
           <a:p>
-            <a:r>
-              <a:rPr lang="en-US" dirty="0"/>
-              <a:t>JANELLE</a:t>
-            </a:r>
+            <a:endParaRPr lang="en-US" dirty="0"/>
           </a:p>
         </p:txBody>
       </p:sp>
@@ -2168,7 +2336,7 @@
           <a:p>
             <a:fld id="{47D4B89A-F9F5-4E1F-AE74-ACEA9FD985E7}" type="slidenum">
               <a:rPr lang="en-US" smtClean="0"/>
-              <a:t>12</a:t>
+              <a:t>10</a:t>
             </a:fld>
             <a:endParaRPr lang="en-US"/>
           </a:p>
@@ -2177,7 +2345,7 @@
     </p:spTree>
     <p:extLst>
       <p:ext uri="{BB962C8B-B14F-4D97-AF65-F5344CB8AC3E}">
-        <p14:creationId xmlns:p14="http://schemas.microsoft.com/office/powerpoint/2010/main" val="4174498850"/>
+        <p14:creationId xmlns:p14="http://schemas.microsoft.com/office/powerpoint/2010/main" val="2496932121"/>
       </p:ext>
     </p:extLst>
   </p:cSld>
@@ -6452,49 +6620,32 @@
       </p:sp>
       <p:pic>
         <p:nvPicPr>
-          <p:cNvPr id="4" name="Picture 2">
+          <p:cNvPr id="5" name="Picture 4" descr="Chart, scatter chart&#10;&#10;Description automatically generated">
             <a:extLst>
               <a:ext uri="{FF2B5EF4-FFF2-40B4-BE49-F238E27FC236}">
-                <a16:creationId xmlns:a16="http://schemas.microsoft.com/office/drawing/2014/main" id="{DC5FF97B-B7E8-4C0E-BA8C-B9149CAEACB8}"/>
+                <a16:creationId xmlns:a16="http://schemas.microsoft.com/office/drawing/2014/main" id="{A3893384-CB45-46BC-B6D6-3B4A33AC8F84}"/>
               </a:ext>
             </a:extLst>
           </p:cNvPr>
           <p:cNvPicPr>
-            <a:picLocks noChangeAspect="1" noChangeArrowheads="1"/>
+            <a:picLocks noChangeAspect="1"/>
           </p:cNvPicPr>
           <p:nvPr/>
         </p:nvPicPr>
         <p:blipFill>
-          <a:blip r:embed="rId2">
-            <a:extLst>
-              <a:ext uri="{28A0092B-C50C-407E-A947-70E740481C1C}">
-                <a14:useLocalDpi xmlns:a14="http://schemas.microsoft.com/office/drawing/2010/main" val="0"/>
-              </a:ext>
-            </a:extLst>
-          </a:blip>
-          <a:srcRect/>
+          <a:blip r:embed="rId3"/>
           <a:stretch>
             <a:fillRect/>
           </a:stretch>
         </p:blipFill>
-        <p:spPr bwMode="auto">
+        <p:spPr>
           <a:xfrm>
-            <a:off x="1998776" y="485775"/>
-            <a:ext cx="8194447" cy="5886450"/>
+            <a:off x="1295400" y="83127"/>
+            <a:ext cx="9601201" cy="6400800"/>
           </a:xfrm>
           <a:prstGeom prst="rect">
             <a:avLst/>
           </a:prstGeom>
-          <a:noFill/>
-          <a:extLst>
-            <a:ext uri="{909E8E84-426E-40DD-AFC4-6F175D3DCCD1}">
-              <a14:hiddenFill xmlns:a14="http://schemas.microsoft.com/office/drawing/2010/main">
-                <a:solidFill>
-                  <a:srgbClr val="FFFFFF"/>
-                </a:solidFill>
-              </a14:hiddenFill>
-            </a:ext>
-          </a:extLst>
         </p:spPr>
       </p:pic>
     </p:spTree>
@@ -6583,49 +6734,62 @@
       </p:sp>
       <p:pic>
         <p:nvPicPr>
-          <p:cNvPr id="4" name="Picture 2">
+          <p:cNvPr id="19" name="Picture 18" descr="Chart, box and whisker chart&#10;&#10;Description automatically generated">
             <a:extLst>
               <a:ext uri="{FF2B5EF4-FFF2-40B4-BE49-F238E27FC236}">
-                <a16:creationId xmlns:a16="http://schemas.microsoft.com/office/drawing/2014/main" id="{DEF080E7-DB7B-48DF-AA6B-A8D8DEAD91DC}"/>
+                <a16:creationId xmlns:a16="http://schemas.microsoft.com/office/drawing/2014/main" id="{925B5CBF-7404-44D3-83C2-57E0142587D7}"/>
               </a:ext>
             </a:extLst>
           </p:cNvPr>
           <p:cNvPicPr>
-            <a:picLocks noChangeAspect="1" noChangeArrowheads="1"/>
+            <a:picLocks noChangeAspect="1"/>
           </p:cNvPicPr>
           <p:nvPr/>
         </p:nvPicPr>
         <p:blipFill>
-          <a:blip r:embed="rId2">
-            <a:extLst>
-              <a:ext uri="{28A0092B-C50C-407E-A947-70E740481C1C}">
-                <a14:useLocalDpi xmlns:a14="http://schemas.microsoft.com/office/drawing/2010/main" val="0"/>
-              </a:ext>
-            </a:extLst>
-          </a:blip>
-          <a:srcRect/>
+          <a:blip r:embed="rId3"/>
           <a:stretch>
             <a:fillRect/>
           </a:stretch>
         </p:blipFill>
-        <p:spPr bwMode="auto">
+        <p:spPr>
           <a:xfrm>
-            <a:off x="552450" y="619125"/>
-            <a:ext cx="11087100" cy="5619750"/>
+            <a:off x="0" y="0"/>
+            <a:ext cx="5867400" cy="6858000"/>
           </a:xfrm>
           <a:prstGeom prst="rect">
             <a:avLst/>
           </a:prstGeom>
-          <a:noFill/>
-          <a:extLst>
-            <a:ext uri="{909E8E84-426E-40DD-AFC4-6F175D3DCCD1}">
-              <a14:hiddenFill xmlns:a14="http://schemas.microsoft.com/office/drawing/2010/main">
-                <a:solidFill>
-                  <a:srgbClr val="FFFFFF"/>
-                </a:solidFill>
-              </a14:hiddenFill>
-            </a:ext>
-          </a:extLst>
+        </p:spPr>
+      </p:pic>
+      <p:pic>
+        <p:nvPicPr>
+          <p:cNvPr id="21" name="Picture 20" descr="Chart, box and whisker chart&#10;&#10;Description automatically generated">
+            <a:extLst>
+              <a:ext uri="{FF2B5EF4-FFF2-40B4-BE49-F238E27FC236}">
+                <a16:creationId xmlns:a16="http://schemas.microsoft.com/office/drawing/2014/main" id="{5D2B392F-4CBB-43F8-98E5-94FF1FA44222}"/>
+              </a:ext>
+            </a:extLst>
+          </p:cNvPr>
+          <p:cNvPicPr>
+            <a:picLocks noChangeAspect="1"/>
+          </p:cNvPicPr>
+          <p:nvPr/>
+        </p:nvPicPr>
+        <p:blipFill>
+          <a:blip r:embed="rId4"/>
+          <a:stretch>
+            <a:fillRect/>
+          </a:stretch>
+        </p:blipFill>
+        <p:spPr>
+          <a:xfrm>
+            <a:off x="6324600" y="0"/>
+            <a:ext cx="5867400" cy="6858000"/>
+          </a:xfrm>
+          <a:prstGeom prst="rect">
+            <a:avLst/>
+          </a:prstGeom>
         </p:spPr>
       </p:pic>
     </p:spTree>
@@ -8106,49 +8270,32 @@
       </p:sp>
       <p:pic>
         <p:nvPicPr>
-          <p:cNvPr id="4" name="Picture 2">
+          <p:cNvPr id="7" name="Picture 6" descr="Chart, scatter chart&#10;&#10;Description automatically generated">
             <a:extLst>
               <a:ext uri="{FF2B5EF4-FFF2-40B4-BE49-F238E27FC236}">
-                <a16:creationId xmlns:a16="http://schemas.microsoft.com/office/drawing/2014/main" id="{7D7F9B25-1905-491F-8717-E04DA5FB08D2}"/>
+                <a16:creationId xmlns:a16="http://schemas.microsoft.com/office/drawing/2014/main" id="{9B6A6E37-F840-49E6-88EF-1F543E041304}"/>
               </a:ext>
             </a:extLst>
           </p:cNvPr>
           <p:cNvPicPr>
-            <a:picLocks noChangeAspect="1" noChangeArrowheads="1"/>
+            <a:picLocks noChangeAspect="1"/>
           </p:cNvPicPr>
           <p:nvPr/>
         </p:nvPicPr>
         <p:blipFill>
-          <a:blip r:embed="rId2">
-            <a:extLst>
-              <a:ext uri="{28A0092B-C50C-407E-A947-70E740481C1C}">
-                <a14:useLocalDpi xmlns:a14="http://schemas.microsoft.com/office/drawing/2010/main" val="0"/>
-              </a:ext>
-            </a:extLst>
-          </a:blip>
-          <a:srcRect/>
+          <a:blip r:embed="rId2"/>
           <a:stretch>
             <a:fillRect/>
           </a:stretch>
         </p:blipFill>
-        <p:spPr bwMode="auto">
+        <p:spPr>
           <a:xfrm>
-            <a:off x="2267669" y="642937"/>
-            <a:ext cx="7656662" cy="5572125"/>
+            <a:off x="1295400" y="83127"/>
+            <a:ext cx="9601201" cy="6400800"/>
           </a:xfrm>
           <a:prstGeom prst="rect">
             <a:avLst/>
           </a:prstGeom>
-          <a:noFill/>
-          <a:extLst>
-            <a:ext uri="{909E8E84-426E-40DD-AFC4-6F175D3DCCD1}">
-              <a14:hiddenFill xmlns:a14="http://schemas.microsoft.com/office/drawing/2010/main">
-                <a:solidFill>
-                  <a:srgbClr val="FFFFFF"/>
-                </a:solidFill>
-              </a14:hiddenFill>
-            </a:ext>
-          </a:extLst>
         </p:spPr>
       </p:pic>
     </p:spTree>
@@ -8736,24 +8883,6 @@
 </file>
 
 <file path=customXml/item1.xml><?xml version="1.0" encoding="utf-8"?>
-<p:properties xmlns:p="http://schemas.microsoft.com/office/2006/metadata/properties" xmlns:xsi="http://www.w3.org/2001/XMLSchema-instance" xmlns:pc="http://schemas.microsoft.com/office/infopath/2007/PartnerControls">
-  <documentManagement>
-    <Status xmlns="71af3243-3dd4-4a8d-8c0d-dd76da1f02a5">Not started</Status>
-    <MediaServiceKeyPoints xmlns="71af3243-3dd4-4a8d-8c0d-dd76da1f02a5" xsi:nil="true"/>
-  </documentManagement>
-</p:properties>
-</file>
-
-<file path=customXml/item2.xml><?xml version="1.0" encoding="utf-8"?>
-<?mso-contentType ?>
-<FormTemplates xmlns="http://schemas.microsoft.com/sharepoint/v3/contenttype/forms">
-  <Display>DocumentLibraryForm</Display>
-  <Edit>DocumentLibraryForm</Edit>
-  <New>DocumentLibraryForm</New>
-</FormTemplates>
-</file>
-
-<file path=customXml/item3.xml><?xml version="1.0" encoding="utf-8"?>
 <ct:contentTypeSchema xmlns:ct="http://schemas.microsoft.com/office/2006/metadata/contentType" xmlns:ma="http://schemas.microsoft.com/office/2006/metadata/properties/metaAttributes" ct:_="" ma:_="" ma:contentTypeName="Document" ma:contentTypeID="0x01010079F111ED35F8CC479449609E8A0923A6" ma:contentTypeVersion="12" ma:contentTypeDescription="Create a new document." ma:contentTypeScope="" ma:versionID="a410dd7f93c95333ffa1b60ed6adedd1">
   <xsd:schema xmlns:xsd="http://www.w3.org/2001/XMLSchema" xmlns:xs="http://www.w3.org/2001/XMLSchema" xmlns:p="http://schemas.microsoft.com/office/2006/metadata/properties" xmlns:ns2="71af3243-3dd4-4a8d-8c0d-dd76da1f02a5" xmlns:ns3="16c05727-aa75-4e4a-9b5f-8a80a1165891" targetNamespace="http://schemas.microsoft.com/office/2006/metadata/properties" ma:root="true" ma:fieldsID="a936d9baba76aa3866493feff160faab" ns2:_="" ns3:_="">
     <xsd:import namespace="71af3243-3dd4-4a8d-8c0d-dd76da1f02a5"/>
@@ -8974,25 +9103,25 @@
 </ct:contentTypeSchema>
 </file>
 
-<file path=customXml/itemProps1.xml><?xml version="1.0" encoding="utf-8"?>
-<ds:datastoreItem xmlns:ds="http://schemas.openxmlformats.org/officeDocument/2006/customXml" ds:itemID="{137651BA-F45C-4845-9AB3-E0A65B39F5E1}">
-  <ds:schemaRefs>
-    <ds:schemaRef ds:uri="http://schemas.microsoft.com/office/2006/metadata/properties"/>
-    <ds:schemaRef ds:uri="http://schemas.microsoft.com/office/infopath/2007/PartnerControls"/>
-    <ds:schemaRef ds:uri="71af3243-3dd4-4a8d-8c0d-dd76da1f02a5"/>
-  </ds:schemaRefs>
-</ds:datastoreItem>
+<file path=customXml/item2.xml><?xml version="1.0" encoding="utf-8"?>
+<?mso-contentType ?>
+<FormTemplates xmlns="http://schemas.microsoft.com/sharepoint/v3/contenttype/forms">
+  <Display>DocumentLibraryForm</Display>
+  <Edit>DocumentLibraryForm</Edit>
+  <New>DocumentLibraryForm</New>
+</FormTemplates>
 </file>
 
-<file path=customXml/itemProps2.xml><?xml version="1.0" encoding="utf-8"?>
-<ds:datastoreItem xmlns:ds="http://schemas.openxmlformats.org/officeDocument/2006/customXml" ds:itemID="{CDB58277-F8DF-46FF-84EC-EF41B835E69F}">
-  <ds:schemaRefs>
-    <ds:schemaRef ds:uri="http://schemas.microsoft.com/sharepoint/v3/contenttype/forms"/>
-  </ds:schemaRefs>
-</ds:datastoreItem>
+<file path=customXml/item3.xml><?xml version="1.0" encoding="utf-8"?>
+<p:properties xmlns:p="http://schemas.microsoft.com/office/2006/metadata/properties" xmlns:xsi="http://www.w3.org/2001/XMLSchema-instance" xmlns:pc="http://schemas.microsoft.com/office/infopath/2007/PartnerControls">
+  <documentManagement>
+    <Status xmlns="71af3243-3dd4-4a8d-8c0d-dd76da1f02a5">Not started</Status>
+    <MediaServiceKeyPoints xmlns="71af3243-3dd4-4a8d-8c0d-dd76da1f02a5" xsi:nil="true"/>
+  </documentManagement>
+</p:properties>
 </file>
 
-<file path=customXml/itemProps3.xml><?xml version="1.0" encoding="utf-8"?>
+<file path=customXml/itemProps1.xml><?xml version="1.0" encoding="utf-8"?>
 <ds:datastoreItem xmlns:ds="http://schemas.openxmlformats.org/officeDocument/2006/customXml" ds:itemID="{2D276E62-80A3-44DD-9BCC-97ED2B99B57F}">
   <ds:schemaRefs>
     <ds:schemaRef ds:uri="http://schemas.microsoft.com/office/2006/metadata/contentType"/>
@@ -9009,4 +9138,22 @@
     <ds:schemaRef ds:uri="http://schemas.microsoft.com/internal/obd"/>
   </ds:schemaRefs>
 </ds:datastoreItem>
+</file>
+
+<file path=customXml/itemProps2.xml><?xml version="1.0" encoding="utf-8"?>
+<ds:datastoreItem xmlns:ds="http://schemas.openxmlformats.org/officeDocument/2006/customXml" ds:itemID="{CDB58277-F8DF-46FF-84EC-EF41B835E69F}">
+  <ds:schemaRefs>
+    <ds:schemaRef ds:uri="http://schemas.microsoft.com/sharepoint/v3/contenttype/forms"/>
+  </ds:schemaRefs>
+</ds:datastoreItem>
+</file>
+
+<file path=customXml/itemProps3.xml><?xml version="1.0" encoding="utf-8"?>
+<ds:datastoreItem xmlns:ds="http://schemas.openxmlformats.org/officeDocument/2006/customXml" ds:itemID="{137651BA-F45C-4845-9AB3-E0A65B39F5E1}">
+  <ds:schemaRefs>
+    <ds:schemaRef ds:uri="http://schemas.microsoft.com/office/2006/metadata/properties"/>
+    <ds:schemaRef ds:uri="http://schemas.microsoft.com/office/infopath/2007/PartnerControls"/>
+    <ds:schemaRef ds:uri="71af3243-3dd4-4a8d-8c0d-dd76da1f02a5"/>
+  </ds:schemaRefs>
+</ds:datastoreItem>
 </file>
--- a/Urban Food Deserts.pptx
+++ b/Urban Food Deserts.pptx
@@ -5,25 +5,26 @@
     <p:sldMasterId id="2147483673" r:id="rId4"/>
   </p:sldMasterIdLst>
   <p:notesMasterIdLst>
-    <p:notesMasterId r:id="rId21"/>
+    <p:notesMasterId r:id="rId22"/>
   </p:notesMasterIdLst>
   <p:sldIdLst>
     <p:sldId id="257" r:id="rId5"/>
     <p:sldId id="263" r:id="rId6"/>
     <p:sldId id="281" r:id="rId7"/>
     <p:sldId id="282" r:id="rId8"/>
-    <p:sldId id="274" r:id="rId9"/>
-    <p:sldId id="268" r:id="rId10"/>
-    <p:sldId id="290" r:id="rId11"/>
-    <p:sldId id="277" r:id="rId12"/>
-    <p:sldId id="285" r:id="rId13"/>
-    <p:sldId id="286" r:id="rId14"/>
-    <p:sldId id="287" r:id="rId15"/>
-    <p:sldId id="272" r:id="rId16"/>
-    <p:sldId id="288" r:id="rId17"/>
-    <p:sldId id="289" r:id="rId18"/>
-    <p:sldId id="280" r:id="rId19"/>
-    <p:sldId id="283" r:id="rId20"/>
+    <p:sldId id="291" r:id="rId9"/>
+    <p:sldId id="274" r:id="rId10"/>
+    <p:sldId id="268" r:id="rId11"/>
+    <p:sldId id="290" r:id="rId12"/>
+    <p:sldId id="277" r:id="rId13"/>
+    <p:sldId id="285" r:id="rId14"/>
+    <p:sldId id="286" r:id="rId15"/>
+    <p:sldId id="287" r:id="rId16"/>
+    <p:sldId id="272" r:id="rId17"/>
+    <p:sldId id="288" r:id="rId18"/>
+    <p:sldId id="289" r:id="rId19"/>
+    <p:sldId id="280" r:id="rId20"/>
+    <p:sldId id="283" r:id="rId21"/>
   </p:sldIdLst>
   <p:sldSz cx="12192000" cy="6858000"/>
   <p:notesSz cx="6858000" cy="9144000"/>
@@ -876,7 +877,7 @@
           <a:p>
             <a:fld id="{7E7D09AF-9381-4F31-9AD6-012D0467FC50}" type="datetimeFigureOut">
               <a:rPr lang="en-US" smtClean="0"/>
-              <a:t>12/22/2020</a:t>
+              <a:t>12/23/2020</a:t>
             </a:fld>
             <a:endParaRPr lang="en-US"/>
           </a:p>
@@ -1295,7 +1296,7 @@
           <a:p>
             <a:fld id="{47D4B89A-F9F5-4E1F-AE74-ACEA9FD985E7}" type="slidenum">
               <a:rPr lang="en-US" smtClean="0"/>
-              <a:t>11</a:t>
+              <a:t>12</a:t>
             </a:fld>
             <a:endParaRPr lang="en-US"/>
           </a:p>
@@ -1382,7 +1383,7 @@
           <a:p>
             <a:fld id="{47D4B89A-F9F5-4E1F-AE74-ACEA9FD985E7}" type="slidenum">
               <a:rPr lang="en-US" smtClean="0"/>
-              <a:t>12</a:t>
+              <a:t>13</a:t>
             </a:fld>
             <a:endParaRPr lang="en-US"/>
           </a:p>
@@ -1469,7 +1470,7 @@
           <a:p>
             <a:fld id="{47D4B89A-F9F5-4E1F-AE74-ACEA9FD985E7}" type="slidenum">
               <a:rPr lang="en-US" smtClean="0"/>
-              <a:t>13</a:t>
+              <a:t>14</a:t>
             </a:fld>
             <a:endParaRPr lang="en-US"/>
           </a:p>
@@ -1556,7 +1557,7 @@
           <a:p>
             <a:fld id="{47D4B89A-F9F5-4E1F-AE74-ACEA9FD985E7}" type="slidenum">
               <a:rPr lang="en-US" smtClean="0"/>
-              <a:t>14</a:t>
+              <a:t>15</a:t>
             </a:fld>
             <a:endParaRPr lang="en-US"/>
           </a:p>
@@ -1643,7 +1644,7 @@
           <a:p>
             <a:fld id="{47D4B89A-F9F5-4E1F-AE74-ACEA9FD985E7}" type="slidenum">
               <a:rPr lang="en-US" smtClean="0"/>
-              <a:t>15</a:t>
+              <a:t>16</a:t>
             </a:fld>
             <a:endParaRPr lang="en-US"/>
           </a:p>
@@ -1991,7 +1992,7 @@
           <a:p>
             <a:fld id="{47D4B89A-F9F5-4E1F-AE74-ACEA9FD985E7}" type="slidenum">
               <a:rPr lang="en-US" smtClean="0"/>
-              <a:t>5</a:t>
+              <a:t>6</a:t>
             </a:fld>
             <a:endParaRPr lang="en-US"/>
           </a:p>
@@ -2078,7 +2079,7 @@
           <a:p>
             <a:fld id="{47D4B89A-F9F5-4E1F-AE74-ACEA9FD985E7}" type="slidenum">
               <a:rPr lang="en-US" smtClean="0"/>
-              <a:t>6</a:t>
+              <a:t>7</a:t>
             </a:fld>
             <a:endParaRPr lang="en-US"/>
           </a:p>
@@ -2165,7 +2166,7 @@
           <a:p>
             <a:fld id="{47D4B89A-F9F5-4E1F-AE74-ACEA9FD985E7}" type="slidenum">
               <a:rPr lang="en-US" smtClean="0"/>
-              <a:t>7</a:t>
+              <a:t>8</a:t>
             </a:fld>
             <a:endParaRPr lang="en-US"/>
           </a:p>
@@ -2252,7 +2253,7 @@
           <a:p>
             <a:fld id="{47D4B89A-F9F5-4E1F-AE74-ACEA9FD985E7}" type="slidenum">
               <a:rPr lang="en-US" smtClean="0"/>
-              <a:t>8</a:t>
+              <a:t>9</a:t>
             </a:fld>
             <a:endParaRPr lang="en-US"/>
           </a:p>
@@ -2336,7 +2337,7 @@
           <a:p>
             <a:fld id="{47D4B89A-F9F5-4E1F-AE74-ACEA9FD985E7}" type="slidenum">
               <a:rPr lang="en-US" smtClean="0"/>
-              <a:t>10</a:t>
+              <a:t>11</a:t>
             </a:fld>
             <a:endParaRPr lang="en-US"/>
           </a:p>
@@ -2824,7 +2825,7 @@
           <a:p>
             <a:fld id="{EA0C0817-A112-4847-8014-A94B7D2A4EA3}" type="datetime1">
               <a:rPr lang="en-US" smtClean="0"/>
-              <a:t>12/22/2020</a:t>
+              <a:t>12/23/2020</a:t>
             </a:fld>
             <a:endParaRPr lang="en-US" dirty="0"/>
           </a:p>
@@ -3026,7 +3027,7 @@
           <a:p>
             <a:fld id="{7332B432-ACDA-4023-A761-2BAB76577B62}" type="datetime1">
               <a:rPr lang="en-US" smtClean="0"/>
-              <a:t>12/22/2020</a:t>
+              <a:t>12/23/2020</a:t>
             </a:fld>
             <a:endParaRPr lang="en-US" dirty="0"/>
           </a:p>
@@ -3625,7 +3626,7 @@
           <a:p>
             <a:fld id="{D9C646AA-F36E-4540-911D-FFFC0A0EF24A}" type="datetime1">
               <a:rPr lang="en-US" smtClean="0"/>
-              <a:t>12/22/2020</a:t>
+              <a:t>12/23/2020</a:t>
             </a:fld>
             <a:endParaRPr lang="en-US" dirty="0"/>
           </a:p>
@@ -3945,7 +3946,7 @@
           <a:p>
             <a:fld id="{69186D26-FA5F-4637-B602-B7C2DC34CFD4}" type="datetime1">
               <a:rPr lang="en-US" smtClean="0"/>
-              <a:t>12/22/2020</a:t>
+              <a:t>12/23/2020</a:t>
             </a:fld>
             <a:endParaRPr lang="en-US" dirty="0"/>
           </a:p>
@@ -4382,7 +4383,7 @@
           <a:p>
             <a:fld id="{8A7F15D8-96D1-4781-BC50-CA8A088B2FE4}" type="datetime1">
               <a:rPr lang="en-US" smtClean="0"/>
-              <a:t>12/22/2020</a:t>
+              <a:t>12/23/2020</a:t>
             </a:fld>
             <a:endParaRPr lang="en-US" dirty="0"/>
           </a:p>
@@ -4500,7 +4501,7 @@
           <a:p>
             <a:fld id="{F9A96C99-B8F8-4528-BD05-0E16E943DC09}" type="datetime1">
               <a:rPr lang="en-US" smtClean="0"/>
-              <a:t>12/22/2020</a:t>
+              <a:t>12/23/2020</a:t>
             </a:fld>
             <a:endParaRPr lang="en-US" dirty="0"/>
           </a:p>
@@ -4595,7 +4596,7 @@
           <a:p>
             <a:fld id="{03636942-C211-4B28-8DBD-C953E00AF71B}" type="datetime1">
               <a:rPr lang="en-US" smtClean="0"/>
-              <a:t>12/22/2020</a:t>
+              <a:t>12/23/2020</a:t>
             </a:fld>
             <a:endParaRPr lang="en-US" dirty="0"/>
           </a:p>
@@ -5012,7 +5013,7 @@
           <a:p>
             <a:fld id="{7E8D12A6-918A-48BD-8CB9-CA713993B0EA}" type="datetime1">
               <a:rPr lang="en-US" smtClean="0"/>
-              <a:t>12/22/2020</a:t>
+              <a:t>12/23/2020</a:t>
             </a:fld>
             <a:endParaRPr lang="en-US" dirty="0"/>
           </a:p>
@@ -5274,7 +5275,7 @@
             <a:fld id="{E778CE86-875F-4587-BCF6-FA054AFC0D53}" type="datetime1">
               <a:rPr lang="en-US" smtClean="0"/>
               <a:pPr/>
-              <a:t>12/22/2020</a:t>
+              <a:t>12/23/2020</a:t>
             </a:fld>
             <a:endParaRPr lang="en-US" dirty="0"/>
           </a:p>
@@ -5790,7 +5791,7 @@
           <a:p>
             <a:fld id="{F6FA2B21-3FCD-4721-B95C-427943F61125}" type="datetime1">
               <a:rPr lang="en-US" smtClean="0"/>
-              <a:t>12/22/2020</a:t>
+              <a:t>12/23/2020</a:t>
             </a:fld>
             <a:endParaRPr lang="en-US" dirty="0"/>
           </a:p>
@@ -6620,6 +6621,120 @@
       </p:sp>
       <p:pic>
         <p:nvPicPr>
+          <p:cNvPr id="7" name="Picture 6" descr="Chart, scatter chart&#10;&#10;Description automatically generated">
+            <a:extLst>
+              <a:ext uri="{FF2B5EF4-FFF2-40B4-BE49-F238E27FC236}">
+                <a16:creationId xmlns:a16="http://schemas.microsoft.com/office/drawing/2014/main" id="{9B6A6E37-F840-49E6-88EF-1F543E041304}"/>
+              </a:ext>
+            </a:extLst>
+          </p:cNvPr>
+          <p:cNvPicPr>
+            <a:picLocks noChangeAspect="1"/>
+          </p:cNvPicPr>
+          <p:nvPr/>
+        </p:nvPicPr>
+        <p:blipFill>
+          <a:blip r:embed="rId2"/>
+          <a:stretch>
+            <a:fillRect/>
+          </a:stretch>
+        </p:blipFill>
+        <p:spPr>
+          <a:xfrm>
+            <a:off x="1295400" y="83127"/>
+            <a:ext cx="9601201" cy="6400800"/>
+          </a:xfrm>
+          <a:prstGeom prst="rect">
+            <a:avLst/>
+          </a:prstGeom>
+        </p:spPr>
+      </p:pic>
+    </p:spTree>
+    <p:extLst>
+      <p:ext uri="{BB962C8B-B14F-4D97-AF65-F5344CB8AC3E}">
+        <p14:creationId xmlns:p14="http://schemas.microsoft.com/office/powerpoint/2010/main" val="2604262090"/>
+      </p:ext>
+    </p:extLst>
+  </p:cSld>
+  <p:clrMapOvr>
+    <a:masterClrMapping/>
+  </p:clrMapOvr>
+</p:sld>
+</file>
+
+<file path=ppt/slides/slide11.xml><?xml version="1.0" encoding="utf-8"?>
+<p:sld xmlns:a="http://schemas.openxmlformats.org/drawingml/2006/main" xmlns:r="http://schemas.openxmlformats.org/officeDocument/2006/relationships" xmlns:p="http://schemas.openxmlformats.org/presentationml/2006/main">
+  <p:cSld>
+    <p:spTree>
+      <p:nvGrpSpPr>
+        <p:cNvPr id="1" name=""/>
+        <p:cNvGrpSpPr/>
+        <p:nvPr/>
+      </p:nvGrpSpPr>
+      <p:grpSpPr>
+        <a:xfrm>
+          <a:off x="0" y="0"/>
+          <a:ext cx="0" cy="0"/>
+          <a:chOff x="0" y="0"/>
+          <a:chExt cx="0" cy="0"/>
+        </a:xfrm>
+      </p:grpSpPr>
+      <p:sp>
+        <p:nvSpPr>
+          <p:cNvPr id="2" name="Rectangle 1">
+            <a:extLst>
+              <a:ext uri="{FF2B5EF4-FFF2-40B4-BE49-F238E27FC236}">
+                <a16:creationId xmlns:a16="http://schemas.microsoft.com/office/drawing/2014/main" id="{4B7E5B53-8AED-4138-B0ED-DDC034426CCA}"/>
+              </a:ext>
+            </a:extLst>
+          </p:cNvPr>
+          <p:cNvSpPr/>
+          <p:nvPr/>
+        </p:nvSpPr>
+        <p:spPr>
+          <a:xfrm>
+            <a:off x="118753" y="83127"/>
+            <a:ext cx="11946577" cy="6662057"/>
+          </a:xfrm>
+          <a:prstGeom prst="rect">
+            <a:avLst/>
+          </a:prstGeom>
+          <a:solidFill>
+            <a:schemeClr val="bg1"/>
+          </a:solidFill>
+          <a:ln>
+            <a:solidFill>
+              <a:schemeClr val="bg1"/>
+            </a:solidFill>
+          </a:ln>
+        </p:spPr>
+        <p:style>
+          <a:lnRef idx="2">
+            <a:schemeClr val="accent1">
+              <a:shade val="50000"/>
+            </a:schemeClr>
+          </a:lnRef>
+          <a:fillRef idx="1">
+            <a:schemeClr val="accent1"/>
+          </a:fillRef>
+          <a:effectRef idx="0">
+            <a:schemeClr val="accent1"/>
+          </a:effectRef>
+          <a:fontRef idx="minor">
+            <a:schemeClr val="lt1"/>
+          </a:fontRef>
+        </p:style>
+        <p:txBody>
+          <a:bodyPr rtlCol="0" anchor="ctr"/>
+          <a:lstStyle/>
+          <a:p>
+            <a:pPr algn="ctr"/>
+            <a:endParaRPr lang="en-US"/>
+          </a:p>
+        </p:txBody>
+      </p:sp>
+      <p:pic>
+        <p:nvPicPr>
           <p:cNvPr id="5" name="Picture 4" descr="Chart, scatter chart&#10;&#10;Description automatically generated">
             <a:extLst>
               <a:ext uri="{FF2B5EF4-FFF2-40B4-BE49-F238E27FC236}">
@@ -6661,7 +6776,7 @@
 </p:sld>
 </file>
 
-<file path=ppt/slides/slide11.xml><?xml version="1.0" encoding="utf-8"?>
+<file path=ppt/slides/slide12.xml><?xml version="1.0" encoding="utf-8"?>
 <p:sld xmlns:a="http://schemas.openxmlformats.org/drawingml/2006/main" xmlns:r="http://schemas.openxmlformats.org/officeDocument/2006/relationships" xmlns:p="http://schemas.openxmlformats.org/presentationml/2006/main">
   <p:cSld>
     <p:spTree>
@@ -6805,7 +6920,7 @@
 </p:sld>
 </file>
 
-<file path=ppt/slides/slide12.xml><?xml version="1.0" encoding="utf-8"?>
+<file path=ppt/slides/slide13.xml><?xml version="1.0" encoding="utf-8"?>
 <p:sld xmlns:a="http://schemas.openxmlformats.org/drawingml/2006/main" xmlns:r="http://schemas.openxmlformats.org/officeDocument/2006/relationships" xmlns:p="http://schemas.openxmlformats.org/presentationml/2006/main">
   <p:cSld>
     <p:spTree>
@@ -6907,7 +7022,7 @@
 </p:sld>
 </file>
 
-<file path=ppt/slides/slide13.xml><?xml version="1.0" encoding="utf-8"?>
+<file path=ppt/slides/slide14.xml><?xml version="1.0" encoding="utf-8"?>
 <p:sld xmlns:a="http://schemas.openxmlformats.org/drawingml/2006/main" xmlns:r="http://schemas.openxmlformats.org/officeDocument/2006/relationships" xmlns:p="http://schemas.openxmlformats.org/presentationml/2006/main">
   <p:cSld>
     <p:spTree>
@@ -7038,7 +7153,7 @@
 </p:sld>
 </file>
 
-<file path=ppt/slides/slide14.xml><?xml version="1.0" encoding="utf-8"?>
+<file path=ppt/slides/slide15.xml><?xml version="1.0" encoding="utf-8"?>
 <p:sld xmlns:a="http://schemas.openxmlformats.org/drawingml/2006/main" xmlns:r="http://schemas.openxmlformats.org/officeDocument/2006/relationships" xmlns:p="http://schemas.openxmlformats.org/presentationml/2006/main">
   <p:cSld>
     <p:spTree>
@@ -7169,7 +7284,7 @@
 </p:sld>
 </file>
 
-<file path=ppt/slides/slide15.xml><?xml version="1.0" encoding="utf-8"?>
+<file path=ppt/slides/slide16.xml><?xml version="1.0" encoding="utf-8"?>
 <p:sld xmlns:a="http://schemas.openxmlformats.org/drawingml/2006/main" xmlns:r="http://schemas.openxmlformats.org/officeDocument/2006/relationships" xmlns:p="http://schemas.openxmlformats.org/presentationml/2006/main">
   <p:cSld>
     <p:spTree>
@@ -7252,7 +7367,7 @@
 </p:sld>
 </file>
 
-<file path=ppt/slides/slide16.xml><?xml version="1.0" encoding="utf-8"?>
+<file path=ppt/slides/slide17.xml><?xml version="1.0" encoding="utf-8"?>
 <p:sld xmlns:a="http://schemas.openxmlformats.org/drawingml/2006/main" xmlns:r="http://schemas.openxmlformats.org/officeDocument/2006/relationships" xmlns:p="http://schemas.openxmlformats.org/presentationml/2006/main">
   <p:cSld>
     <p:spTree>
@@ -7743,6 +7858,89 @@
       </p:grpSpPr>
       <p:sp>
         <p:nvSpPr>
+          <p:cNvPr id="2" name="Title 1">
+            <a:extLst>
+              <a:ext uri="{FF2B5EF4-FFF2-40B4-BE49-F238E27FC236}">
+                <a16:creationId xmlns:a16="http://schemas.microsoft.com/office/drawing/2014/main" id="{06DD3081-A390-40C6-862C-E31E34299F1F}"/>
+              </a:ext>
+            </a:extLst>
+          </p:cNvPr>
+          <p:cNvSpPr>
+            <a:spLocks noGrp="1"/>
+          </p:cNvSpPr>
+          <p:nvPr>
+            <p:ph type="ctrTitle"/>
+          </p:nvPr>
+        </p:nvSpPr>
+        <p:spPr/>
+        <p:txBody>
+          <a:bodyPr/>
+          <a:lstStyle/>
+          <a:p>
+            <a:r>
+              <a:rPr lang="en-US" dirty="0"/>
+              <a:t>The Data</a:t>
+            </a:r>
+          </a:p>
+        </p:txBody>
+      </p:sp>
+      <p:sp>
+        <p:nvSpPr>
+          <p:cNvPr id="3" name="Subtitle 2">
+            <a:extLst>
+              <a:ext uri="{FF2B5EF4-FFF2-40B4-BE49-F238E27FC236}">
+                <a16:creationId xmlns:a16="http://schemas.microsoft.com/office/drawing/2014/main" id="{38112E62-F7EA-48CE-A7CE-23D22D3702D6}"/>
+              </a:ext>
+            </a:extLst>
+          </p:cNvPr>
+          <p:cNvSpPr>
+            <a:spLocks noGrp="1"/>
+          </p:cNvSpPr>
+          <p:nvPr>
+            <p:ph type="subTitle" idx="1"/>
+          </p:nvPr>
+        </p:nvSpPr>
+        <p:spPr/>
+        <p:txBody>
+          <a:bodyPr/>
+          <a:lstStyle/>
+          <a:p>
+            <a:endParaRPr lang="en-US"/>
+          </a:p>
+        </p:txBody>
+      </p:sp>
+    </p:spTree>
+    <p:extLst>
+      <p:ext uri="{BB962C8B-B14F-4D97-AF65-F5344CB8AC3E}">
+        <p14:creationId xmlns:p14="http://schemas.microsoft.com/office/powerpoint/2010/main" val="1268959388"/>
+      </p:ext>
+    </p:extLst>
+  </p:cSld>
+  <p:clrMapOvr>
+    <a:masterClrMapping/>
+  </p:clrMapOvr>
+</p:sld>
+</file>
+
+<file path=ppt/slides/slide6.xml><?xml version="1.0" encoding="utf-8"?>
+<p:sld xmlns:a="http://schemas.openxmlformats.org/drawingml/2006/main" xmlns:r="http://schemas.openxmlformats.org/officeDocument/2006/relationships" xmlns:p="http://schemas.openxmlformats.org/presentationml/2006/main">
+  <p:cSld>
+    <p:spTree>
+      <p:nvGrpSpPr>
+        <p:cNvPr id="1" name=""/>
+        <p:cNvGrpSpPr/>
+        <p:nvPr/>
+      </p:nvGrpSpPr>
+      <p:grpSpPr>
+        <a:xfrm>
+          <a:off x="0" y="0"/>
+          <a:ext cx="0" cy="0"/>
+          <a:chOff x="0" y="0"/>
+          <a:chExt cx="0" cy="0"/>
+        </a:xfrm>
+      </p:grpSpPr>
+      <p:sp>
+        <p:nvSpPr>
           <p:cNvPr id="6" name="Title 1">
             <a:extLst>
               <a:ext uri="{FF2B5EF4-FFF2-40B4-BE49-F238E27FC236}">
@@ -7824,7 +8022,7 @@
 </p:sld>
 </file>
 
-<file path=ppt/slides/slide6.xml><?xml version="1.0" encoding="utf-8"?>
+<file path=ppt/slides/slide7.xml><?xml version="1.0" encoding="utf-8"?>
 <p:sld xmlns:a="http://schemas.openxmlformats.org/drawingml/2006/main" xmlns:r="http://schemas.openxmlformats.org/officeDocument/2006/relationships" xmlns:p="http://schemas.openxmlformats.org/presentationml/2006/main">
   <p:cSld>
     <p:spTree>
@@ -7991,7 +8189,7 @@
 </p:sld>
 </file>
 
-<file path=ppt/slides/slide7.xml><?xml version="1.0" encoding="utf-8"?>
+<file path=ppt/slides/slide8.xml><?xml version="1.0" encoding="utf-8"?>
 <p:sld xmlns:a="http://schemas.openxmlformats.org/drawingml/2006/main" xmlns:r="http://schemas.openxmlformats.org/officeDocument/2006/relationships" xmlns:p="http://schemas.openxmlformats.org/presentationml/2006/main">
   <p:cSld>
     <p:spTree>
@@ -8105,98 +8303,6 @@
 </p:sld>
 </file>
 
-<file path=ppt/slides/slide8.xml><?xml version="1.0" encoding="utf-8"?>
-<p:sld xmlns:a="http://schemas.openxmlformats.org/drawingml/2006/main" xmlns:r="http://schemas.openxmlformats.org/officeDocument/2006/relationships" xmlns:p="http://schemas.openxmlformats.org/presentationml/2006/main">
-  <p:cSld>
-    <p:spTree>
-      <p:nvGrpSpPr>
-        <p:cNvPr id="1" name=""/>
-        <p:cNvGrpSpPr/>
-        <p:nvPr/>
-      </p:nvGrpSpPr>
-      <p:grpSpPr>
-        <a:xfrm>
-          <a:off x="0" y="0"/>
-          <a:ext cx="0" cy="0"/>
-          <a:chOff x="0" y="0"/>
-          <a:chExt cx="0" cy="0"/>
-        </a:xfrm>
-      </p:grpSpPr>
-      <p:sp>
-        <p:nvSpPr>
-          <p:cNvPr id="2" name="Title 1">
-            <a:extLst>
-              <a:ext uri="{FF2B5EF4-FFF2-40B4-BE49-F238E27FC236}">
-                <a16:creationId xmlns:a16="http://schemas.microsoft.com/office/drawing/2014/main" id="{A20667F8-8560-4322-97FE-6A0EA498084D}"/>
-              </a:ext>
-            </a:extLst>
-          </p:cNvPr>
-          <p:cNvSpPr>
-            <a:spLocks noGrp="1"/>
-          </p:cNvSpPr>
-          <p:nvPr>
-            <p:ph type="title"/>
-          </p:nvPr>
-        </p:nvSpPr>
-        <p:spPr/>
-        <p:txBody>
-          <a:bodyPr>
-            <a:normAutofit fontScale="90000"/>
-          </a:bodyPr>
-          <a:lstStyle/>
-          <a:p>
-            <a:r>
-              <a:rPr lang="en-US" dirty="0"/>
-              <a:t>Poverty Rates &amp;</a:t>
-            </a:r>
-            <a:br>
-              <a:rPr lang="en-US" dirty="0"/>
-            </a:br>
-            <a:r>
-              <a:rPr lang="en-US" dirty="0"/>
-              <a:t> Low Access analysis</a:t>
-            </a:r>
-          </a:p>
-        </p:txBody>
-      </p:sp>
-      <p:sp>
-        <p:nvSpPr>
-          <p:cNvPr id="3" name="Text Placeholder 2">
-            <a:extLst>
-              <a:ext uri="{FF2B5EF4-FFF2-40B4-BE49-F238E27FC236}">
-                <a16:creationId xmlns:a16="http://schemas.microsoft.com/office/drawing/2014/main" id="{A6AC92BF-90FC-40C7-8854-66492AA5CC78}"/>
-              </a:ext>
-            </a:extLst>
-          </p:cNvPr>
-          <p:cNvSpPr>
-            <a:spLocks noGrp="1"/>
-          </p:cNvSpPr>
-          <p:nvPr>
-            <p:ph type="body" idx="1"/>
-          </p:nvPr>
-        </p:nvSpPr>
-        <p:spPr/>
-        <p:txBody>
-          <a:bodyPr/>
-          <a:lstStyle/>
-          <a:p>
-            <a:endParaRPr lang="en-US"/>
-          </a:p>
-        </p:txBody>
-      </p:sp>
-    </p:spTree>
-    <p:extLst>
-      <p:ext uri="{BB962C8B-B14F-4D97-AF65-F5344CB8AC3E}">
-        <p14:creationId xmlns:p14="http://schemas.microsoft.com/office/powerpoint/2010/main" val="2436786362"/>
-      </p:ext>
-    </p:extLst>
-  </p:cSld>
-  <p:clrMapOvr>
-    <a:masterClrMapping/>
-  </p:clrMapOvr>
-</p:sld>
-</file>
-
 <file path=ppt/slides/slide9.xml><?xml version="1.0" encoding="utf-8"?>
 <p:sld xmlns:a="http://schemas.openxmlformats.org/drawingml/2006/main" xmlns:r="http://schemas.openxmlformats.org/officeDocument/2006/relationships" xmlns:p="http://schemas.openxmlformats.org/presentationml/2006/main">
   <p:cSld>
@@ -8216,92 +8322,70 @@
       </p:grpSpPr>
       <p:sp>
         <p:nvSpPr>
-          <p:cNvPr id="2" name="Rectangle 1">
+          <p:cNvPr id="2" name="Title 1">
             <a:extLst>
               <a:ext uri="{FF2B5EF4-FFF2-40B4-BE49-F238E27FC236}">
-                <a16:creationId xmlns:a16="http://schemas.microsoft.com/office/drawing/2014/main" id="{4B7E5B53-8AED-4138-B0ED-DDC034426CCA}"/>
+                <a16:creationId xmlns:a16="http://schemas.microsoft.com/office/drawing/2014/main" id="{A20667F8-8560-4322-97FE-6A0EA498084D}"/>
               </a:ext>
             </a:extLst>
           </p:cNvPr>
-          <p:cNvSpPr/>
-          <p:nvPr/>
-        </p:nvSpPr>
-        <p:spPr>
-          <a:xfrm>
-            <a:off x="118753" y="83127"/>
-            <a:ext cx="11946577" cy="6662057"/>
-          </a:xfrm>
-          <a:prstGeom prst="rect">
-            <a:avLst/>
-          </a:prstGeom>
-          <a:solidFill>
-            <a:schemeClr val="bg1"/>
-          </a:solidFill>
-          <a:ln>
-            <a:solidFill>
-              <a:schemeClr val="bg1"/>
-            </a:solidFill>
-          </a:ln>
-        </p:spPr>
-        <p:style>
-          <a:lnRef idx="2">
-            <a:schemeClr val="accent1">
-              <a:shade val="50000"/>
-            </a:schemeClr>
-          </a:lnRef>
-          <a:fillRef idx="1">
-            <a:schemeClr val="accent1"/>
-          </a:fillRef>
-          <a:effectRef idx="0">
-            <a:schemeClr val="accent1"/>
-          </a:effectRef>
-          <a:fontRef idx="minor">
-            <a:schemeClr val="lt1"/>
-          </a:fontRef>
-        </p:style>
-        <p:txBody>
-          <a:bodyPr rtlCol="0" anchor="ctr"/>
+          <p:cNvSpPr>
+            <a:spLocks noGrp="1"/>
+          </p:cNvSpPr>
+          <p:nvPr>
+            <p:ph type="title"/>
+          </p:nvPr>
+        </p:nvSpPr>
+        <p:spPr/>
+        <p:txBody>
+          <a:bodyPr>
+            <a:normAutofit fontScale="90000"/>
+          </a:bodyPr>
           <a:lstStyle/>
           <a:p>
-            <a:pPr algn="ctr"/>
-            <a:endParaRPr lang="en-US"/>
-          </a:p>
-        </p:txBody>
-      </p:sp>
-      <p:pic>
-        <p:nvPicPr>
-          <p:cNvPr id="7" name="Picture 6" descr="Chart, scatter chart&#10;&#10;Description automatically generated">
+            <a:r>
+              <a:rPr lang="en-US" dirty="0"/>
+              <a:t>Poverty Rates &amp;</a:t>
+            </a:r>
+            <a:br>
+              <a:rPr lang="en-US" dirty="0"/>
+            </a:br>
+            <a:r>
+              <a:rPr lang="en-US" dirty="0"/>
+              <a:t> Low Access analysis</a:t>
+            </a:r>
+          </a:p>
+        </p:txBody>
+      </p:sp>
+      <p:sp>
+        <p:nvSpPr>
+          <p:cNvPr id="3" name="Text Placeholder 2">
             <a:extLst>
               <a:ext uri="{FF2B5EF4-FFF2-40B4-BE49-F238E27FC236}">
-                <a16:creationId xmlns:a16="http://schemas.microsoft.com/office/drawing/2014/main" id="{9B6A6E37-F840-49E6-88EF-1F543E041304}"/>
+                <a16:creationId xmlns:a16="http://schemas.microsoft.com/office/drawing/2014/main" id="{A6AC92BF-90FC-40C7-8854-66492AA5CC78}"/>
               </a:ext>
             </a:extLst>
           </p:cNvPr>
-          <p:cNvPicPr>
-            <a:picLocks noChangeAspect="1"/>
-          </p:cNvPicPr>
-          <p:nvPr/>
-        </p:nvPicPr>
-        <p:blipFill>
-          <a:blip r:embed="rId2"/>
-          <a:stretch>
-            <a:fillRect/>
-          </a:stretch>
-        </p:blipFill>
-        <p:spPr>
-          <a:xfrm>
-            <a:off x="1295400" y="83127"/>
-            <a:ext cx="9601201" cy="6400800"/>
-          </a:xfrm>
-          <a:prstGeom prst="rect">
-            <a:avLst/>
-          </a:prstGeom>
-        </p:spPr>
-      </p:pic>
+          <p:cNvSpPr>
+            <a:spLocks noGrp="1"/>
+          </p:cNvSpPr>
+          <p:nvPr>
+            <p:ph type="body" idx="1"/>
+          </p:nvPr>
+        </p:nvSpPr>
+        <p:spPr/>
+        <p:txBody>
+          <a:bodyPr/>
+          <a:lstStyle/>
+          <a:p>
+            <a:endParaRPr lang="en-US"/>
+          </a:p>
+        </p:txBody>
+      </p:sp>
     </p:spTree>
     <p:extLst>
       <p:ext uri="{BB962C8B-B14F-4D97-AF65-F5344CB8AC3E}">
-        <p14:creationId xmlns:p14="http://schemas.microsoft.com/office/powerpoint/2010/main" val="2604262090"/>
+        <p14:creationId xmlns:p14="http://schemas.microsoft.com/office/powerpoint/2010/main" val="2436786362"/>
       </p:ext>
     </p:extLst>
   </p:cSld>
@@ -8883,6 +8967,24 @@
 </file>
 
 <file path=customXml/item1.xml><?xml version="1.0" encoding="utf-8"?>
+<p:properties xmlns:p="http://schemas.microsoft.com/office/2006/metadata/properties" xmlns:xsi="http://www.w3.org/2001/XMLSchema-instance" xmlns:pc="http://schemas.microsoft.com/office/infopath/2007/PartnerControls">
+  <documentManagement>
+    <Status xmlns="71af3243-3dd4-4a8d-8c0d-dd76da1f02a5">Not started</Status>
+    <MediaServiceKeyPoints xmlns="71af3243-3dd4-4a8d-8c0d-dd76da1f02a5" xsi:nil="true"/>
+  </documentManagement>
+</p:properties>
+</file>
+
+<file path=customXml/item2.xml><?xml version="1.0" encoding="utf-8"?>
+<?mso-contentType ?>
+<FormTemplates xmlns="http://schemas.microsoft.com/sharepoint/v3/contenttype/forms">
+  <Display>DocumentLibraryForm</Display>
+  <Edit>DocumentLibraryForm</Edit>
+  <New>DocumentLibraryForm</New>
+</FormTemplates>
+</file>
+
+<file path=customXml/item3.xml><?xml version="1.0" encoding="utf-8"?>
 <ct:contentTypeSchema xmlns:ct="http://schemas.microsoft.com/office/2006/metadata/contentType" xmlns:ma="http://schemas.microsoft.com/office/2006/metadata/properties/metaAttributes" ct:_="" ma:_="" ma:contentTypeName="Document" ma:contentTypeID="0x01010079F111ED35F8CC479449609E8A0923A6" ma:contentTypeVersion="12" ma:contentTypeDescription="Create a new document." ma:contentTypeScope="" ma:versionID="a410dd7f93c95333ffa1b60ed6adedd1">
   <xsd:schema xmlns:xsd="http://www.w3.org/2001/XMLSchema" xmlns:xs="http://www.w3.org/2001/XMLSchema" xmlns:p="http://schemas.microsoft.com/office/2006/metadata/properties" xmlns:ns2="71af3243-3dd4-4a8d-8c0d-dd76da1f02a5" xmlns:ns3="16c05727-aa75-4e4a-9b5f-8a80a1165891" targetNamespace="http://schemas.microsoft.com/office/2006/metadata/properties" ma:root="true" ma:fieldsID="a936d9baba76aa3866493feff160faab" ns2:_="" ns3:_="">
     <xsd:import namespace="71af3243-3dd4-4a8d-8c0d-dd76da1f02a5"/>
@@ -9103,25 +9205,25 @@
 </ct:contentTypeSchema>
 </file>
 
-<file path=customXml/item2.xml><?xml version="1.0" encoding="utf-8"?>
-<?mso-contentType ?>
-<FormTemplates xmlns="http://schemas.microsoft.com/sharepoint/v3/contenttype/forms">
-  <Display>DocumentLibraryForm</Display>
-  <Edit>DocumentLibraryForm</Edit>
-  <New>DocumentLibraryForm</New>
-</FormTemplates>
+<file path=customXml/itemProps1.xml><?xml version="1.0" encoding="utf-8"?>
+<ds:datastoreItem xmlns:ds="http://schemas.openxmlformats.org/officeDocument/2006/customXml" ds:itemID="{137651BA-F45C-4845-9AB3-E0A65B39F5E1}">
+  <ds:schemaRefs>
+    <ds:schemaRef ds:uri="http://schemas.microsoft.com/office/2006/metadata/properties"/>
+    <ds:schemaRef ds:uri="http://schemas.microsoft.com/office/infopath/2007/PartnerControls"/>
+    <ds:schemaRef ds:uri="71af3243-3dd4-4a8d-8c0d-dd76da1f02a5"/>
+  </ds:schemaRefs>
+</ds:datastoreItem>
 </file>
 
-<file path=customXml/item3.xml><?xml version="1.0" encoding="utf-8"?>
-<p:properties xmlns:p="http://schemas.microsoft.com/office/2006/metadata/properties" xmlns:xsi="http://www.w3.org/2001/XMLSchema-instance" xmlns:pc="http://schemas.microsoft.com/office/infopath/2007/PartnerControls">
-  <documentManagement>
-    <Status xmlns="71af3243-3dd4-4a8d-8c0d-dd76da1f02a5">Not started</Status>
-    <MediaServiceKeyPoints xmlns="71af3243-3dd4-4a8d-8c0d-dd76da1f02a5" xsi:nil="true"/>
-  </documentManagement>
-</p:properties>
+<file path=customXml/itemProps2.xml><?xml version="1.0" encoding="utf-8"?>
+<ds:datastoreItem xmlns:ds="http://schemas.openxmlformats.org/officeDocument/2006/customXml" ds:itemID="{CDB58277-F8DF-46FF-84EC-EF41B835E69F}">
+  <ds:schemaRefs>
+    <ds:schemaRef ds:uri="http://schemas.microsoft.com/sharepoint/v3/contenttype/forms"/>
+  </ds:schemaRefs>
+</ds:datastoreItem>
 </file>
 
-<file path=customXml/itemProps1.xml><?xml version="1.0" encoding="utf-8"?>
+<file path=customXml/itemProps3.xml><?xml version="1.0" encoding="utf-8"?>
 <ds:datastoreItem xmlns:ds="http://schemas.openxmlformats.org/officeDocument/2006/customXml" ds:itemID="{2D276E62-80A3-44DD-9BCC-97ED2B99B57F}">
   <ds:schemaRefs>
     <ds:schemaRef ds:uri="http://schemas.microsoft.com/office/2006/metadata/contentType"/>
@@ -9138,22 +9240,4 @@
     <ds:schemaRef ds:uri="http://schemas.microsoft.com/internal/obd"/>
   </ds:schemaRefs>
 </ds:datastoreItem>
-</file>
-
-<file path=customXml/itemProps2.xml><?xml version="1.0" encoding="utf-8"?>
-<ds:datastoreItem xmlns:ds="http://schemas.openxmlformats.org/officeDocument/2006/customXml" ds:itemID="{CDB58277-F8DF-46FF-84EC-EF41B835E69F}">
-  <ds:schemaRefs>
-    <ds:schemaRef ds:uri="http://schemas.microsoft.com/sharepoint/v3/contenttype/forms"/>
-  </ds:schemaRefs>
-</ds:datastoreItem>
-</file>
-
-<file path=customXml/itemProps3.xml><?xml version="1.0" encoding="utf-8"?>
-<ds:datastoreItem xmlns:ds="http://schemas.openxmlformats.org/officeDocument/2006/customXml" ds:itemID="{137651BA-F45C-4845-9AB3-E0A65B39F5E1}">
-  <ds:schemaRefs>
-    <ds:schemaRef ds:uri="http://schemas.microsoft.com/office/2006/metadata/properties"/>
-    <ds:schemaRef ds:uri="http://schemas.microsoft.com/office/infopath/2007/PartnerControls"/>
-    <ds:schemaRef ds:uri="71af3243-3dd4-4a8d-8c0d-dd76da1f02a5"/>
-  </ds:schemaRefs>
-</ds:datastoreItem>
 </file>